--- a/algorithm/electricity/03_denki-koujishi/01_kakomon/R1_1/02_jitsugi/q09/a09.pptx
+++ b/algorithm/electricity/03_denki-koujishi/01_kakomon/R1_1/02_jitsugi/q09/a09.pptx
@@ -11,10 +11,11 @@
     <p:sldId id="331" r:id="rId5"/>
     <p:sldId id="333" r:id="rId6"/>
     <p:sldId id="334" r:id="rId7"/>
-    <p:sldId id="323" r:id="rId8"/>
-    <p:sldId id="303" r:id="rId9"/>
-    <p:sldId id="321" r:id="rId10"/>
-    <p:sldId id="320" r:id="rId11"/>
+    <p:sldId id="335" r:id="rId8"/>
+    <p:sldId id="323" r:id="rId9"/>
+    <p:sldId id="303" r:id="rId10"/>
+    <p:sldId id="321" r:id="rId11"/>
+    <p:sldId id="320" r:id="rId12"/>
   </p:sldIdLst>
   <p:sldSz cx="12192000" cy="6858000"/>
   <p:notesSz cx="6858000" cy="9144000"/>
@@ -268,7 +269,7 @@
           <a:p>
             <a:fld id="{EA6D781E-2D27-4EF7-AFED-D0940E0D7738}" type="datetimeFigureOut">
               <a:rPr kumimoji="1" lang="ja-JP" altLang="en-US" smtClean="0"/>
-              <a:t>2020/11/22</a:t>
+              <a:t>2020/11/23</a:t>
             </a:fld>
             <a:endParaRPr kumimoji="1" lang="ja-JP" altLang="en-US"/>
           </a:p>
@@ -498,7 +499,7 @@
           <a:p>
             <a:fld id="{EA6D781E-2D27-4EF7-AFED-D0940E0D7738}" type="datetimeFigureOut">
               <a:rPr kumimoji="1" lang="ja-JP" altLang="en-US" smtClean="0"/>
-              <a:t>2020/11/22</a:t>
+              <a:t>2020/11/23</a:t>
             </a:fld>
             <a:endParaRPr kumimoji="1" lang="ja-JP" altLang="en-US"/>
           </a:p>
@@ -738,7 +739,7 @@
           <a:p>
             <a:fld id="{EA6D781E-2D27-4EF7-AFED-D0940E0D7738}" type="datetimeFigureOut">
               <a:rPr kumimoji="1" lang="ja-JP" altLang="en-US" smtClean="0"/>
-              <a:t>2020/11/22</a:t>
+              <a:t>2020/11/23</a:t>
             </a:fld>
             <a:endParaRPr kumimoji="1" lang="ja-JP" altLang="en-US"/>
           </a:p>
@@ -968,7 +969,7 @@
           <a:p>
             <a:fld id="{EA6D781E-2D27-4EF7-AFED-D0940E0D7738}" type="datetimeFigureOut">
               <a:rPr kumimoji="1" lang="ja-JP" altLang="en-US" smtClean="0"/>
-              <a:t>2020/11/22</a:t>
+              <a:t>2020/11/23</a:t>
             </a:fld>
             <a:endParaRPr kumimoji="1" lang="ja-JP" altLang="en-US"/>
           </a:p>
@@ -1243,7 +1244,7 @@
           <a:p>
             <a:fld id="{EA6D781E-2D27-4EF7-AFED-D0940E0D7738}" type="datetimeFigureOut">
               <a:rPr kumimoji="1" lang="ja-JP" altLang="en-US" smtClean="0"/>
-              <a:t>2020/11/22</a:t>
+              <a:t>2020/11/23</a:t>
             </a:fld>
             <a:endParaRPr kumimoji="1" lang="ja-JP" altLang="en-US"/>
           </a:p>
@@ -1572,7 +1573,7 @@
           <a:p>
             <a:fld id="{EA6D781E-2D27-4EF7-AFED-D0940E0D7738}" type="datetimeFigureOut">
               <a:rPr kumimoji="1" lang="ja-JP" altLang="en-US" smtClean="0"/>
-              <a:t>2020/11/22</a:t>
+              <a:t>2020/11/23</a:t>
             </a:fld>
             <a:endParaRPr kumimoji="1" lang="ja-JP" altLang="en-US"/>
           </a:p>
@@ -2048,7 +2049,7 @@
           <a:p>
             <a:fld id="{EA6D781E-2D27-4EF7-AFED-D0940E0D7738}" type="datetimeFigureOut">
               <a:rPr kumimoji="1" lang="ja-JP" altLang="en-US" smtClean="0"/>
-              <a:t>2020/11/22</a:t>
+              <a:t>2020/11/23</a:t>
             </a:fld>
             <a:endParaRPr kumimoji="1" lang="ja-JP" altLang="en-US"/>
           </a:p>
@@ -2189,7 +2190,7 @@
           <a:p>
             <a:fld id="{EA6D781E-2D27-4EF7-AFED-D0940E0D7738}" type="datetimeFigureOut">
               <a:rPr kumimoji="1" lang="ja-JP" altLang="en-US" smtClean="0"/>
-              <a:t>2020/11/22</a:t>
+              <a:t>2020/11/23</a:t>
             </a:fld>
             <a:endParaRPr kumimoji="1" lang="ja-JP" altLang="en-US"/>
           </a:p>
@@ -2302,7 +2303,7 @@
           <a:p>
             <a:fld id="{EA6D781E-2D27-4EF7-AFED-D0940E0D7738}" type="datetimeFigureOut">
               <a:rPr kumimoji="1" lang="ja-JP" altLang="en-US" smtClean="0"/>
-              <a:t>2020/11/22</a:t>
+              <a:t>2020/11/23</a:t>
             </a:fld>
             <a:endParaRPr kumimoji="1" lang="ja-JP" altLang="en-US"/>
           </a:p>
@@ -2645,7 +2646,7 @@
           <a:p>
             <a:fld id="{EA6D781E-2D27-4EF7-AFED-D0940E0D7738}" type="datetimeFigureOut">
               <a:rPr kumimoji="1" lang="ja-JP" altLang="en-US" smtClean="0"/>
-              <a:t>2020/11/22</a:t>
+              <a:t>2020/11/23</a:t>
             </a:fld>
             <a:endParaRPr kumimoji="1" lang="ja-JP" altLang="en-US"/>
           </a:p>
@@ -2933,7 +2934,7 @@
           <a:p>
             <a:fld id="{EA6D781E-2D27-4EF7-AFED-D0940E0D7738}" type="datetimeFigureOut">
               <a:rPr kumimoji="1" lang="ja-JP" altLang="en-US" smtClean="0"/>
-              <a:t>2020/11/22</a:t>
+              <a:t>2020/11/23</a:t>
             </a:fld>
             <a:endParaRPr kumimoji="1" lang="ja-JP" altLang="en-US"/>
           </a:p>
@@ -3206,7 +3207,7 @@
           <a:p>
             <a:fld id="{EA6D781E-2D27-4EF7-AFED-D0940E0D7738}" type="datetimeFigureOut">
               <a:rPr kumimoji="1" lang="ja-JP" altLang="en-US" smtClean="0"/>
-              <a:t>2020/11/22</a:t>
+              <a:t>2020/11/23</a:t>
             </a:fld>
             <a:endParaRPr kumimoji="1" lang="ja-JP" altLang="en-US"/>
           </a:p>
@@ -5004,6 +5005,1629 @@
       </p:grpSpPr>
       <p:sp>
         <p:nvSpPr>
+          <p:cNvPr id="44" name="楕円 43">
+            <a:extLst>
+              <a:ext uri="{FF2B5EF4-FFF2-40B4-BE49-F238E27FC236}">
+                <a16:creationId xmlns:a16="http://schemas.microsoft.com/office/drawing/2014/main" id="{F928BFB5-9CA6-4D76-89C5-95229637D3F1}"/>
+              </a:ext>
+            </a:extLst>
+          </p:cNvPr>
+          <p:cNvSpPr/>
+          <p:nvPr/>
+        </p:nvSpPr>
+        <p:spPr>
+          <a:xfrm>
+            <a:off x="4489097" y="452615"/>
+            <a:ext cx="786798" cy="818707"/>
+          </a:xfrm>
+          <a:prstGeom prst="ellipse">
+            <a:avLst/>
+          </a:prstGeom>
+          <a:solidFill>
+            <a:schemeClr val="bg1"/>
+          </a:solidFill>
+          <a:ln w="38100">
+            <a:solidFill>
+              <a:schemeClr val="bg2">
+                <a:lumMod val="10000"/>
+              </a:schemeClr>
+            </a:solidFill>
+          </a:ln>
+        </p:spPr>
+        <p:style>
+          <a:lnRef idx="2">
+            <a:schemeClr val="accent1">
+              <a:shade val="50000"/>
+            </a:schemeClr>
+          </a:lnRef>
+          <a:fillRef idx="1">
+            <a:schemeClr val="accent1"/>
+          </a:fillRef>
+          <a:effectRef idx="0">
+            <a:schemeClr val="accent1"/>
+          </a:effectRef>
+          <a:fontRef idx="minor">
+            <a:schemeClr val="lt1"/>
+          </a:fontRef>
+        </p:style>
+        <p:txBody>
+          <a:bodyPr rtlCol="0" anchor="ctr"/>
+          <a:lstStyle/>
+          <a:p>
+            <a:pPr algn="ctr"/>
+            <a:r>
+              <a:rPr kumimoji="1" lang="en-US" altLang="ja-JP" sz="3600" dirty="0">
+                <a:solidFill>
+                  <a:schemeClr val="tx1"/>
+                </a:solidFill>
+                <a:latin typeface="+mn-ea"/>
+              </a:rPr>
+              <a:t>R</a:t>
+            </a:r>
+            <a:endParaRPr kumimoji="1" lang="ja-JP" altLang="en-US" sz="3600" dirty="0">
+              <a:solidFill>
+                <a:schemeClr val="tx1"/>
+              </a:solidFill>
+              <a:latin typeface="+mn-ea"/>
+            </a:endParaRPr>
+          </a:p>
+        </p:txBody>
+      </p:sp>
+      <p:cxnSp>
+        <p:nvCxnSpPr>
+          <p:cNvPr id="55" name="直線コネクタ 54">
+            <a:extLst>
+              <a:ext uri="{FF2B5EF4-FFF2-40B4-BE49-F238E27FC236}">
+                <a16:creationId xmlns:a16="http://schemas.microsoft.com/office/drawing/2014/main" id="{7F65EDAD-F862-4A67-83DB-A8ECF73A00F4}"/>
+              </a:ext>
+            </a:extLst>
+          </p:cNvPr>
+          <p:cNvCxnSpPr>
+            <a:cxnSpLocks/>
+            <a:stCxn id="56" idx="2"/>
+            <a:endCxn id="57" idx="5"/>
+          </p:cNvCxnSpPr>
+          <p:nvPr/>
+        </p:nvCxnSpPr>
+        <p:spPr>
+          <a:xfrm flipH="1">
+            <a:off x="1800441" y="5602905"/>
+            <a:ext cx="564302" cy="255386"/>
+          </a:xfrm>
+          <a:prstGeom prst="line">
+            <a:avLst/>
+          </a:prstGeom>
+          <a:ln w="57150">
+            <a:solidFill>
+              <a:schemeClr val="bg2">
+                <a:lumMod val="10000"/>
+              </a:schemeClr>
+            </a:solidFill>
+          </a:ln>
+        </p:spPr>
+        <p:style>
+          <a:lnRef idx="1">
+            <a:schemeClr val="accent1"/>
+          </a:lnRef>
+          <a:fillRef idx="0">
+            <a:schemeClr val="accent1"/>
+          </a:fillRef>
+          <a:effectRef idx="0">
+            <a:schemeClr val="accent1"/>
+          </a:effectRef>
+          <a:fontRef idx="minor">
+            <a:schemeClr val="tx1"/>
+          </a:fontRef>
+        </p:style>
+      </p:cxnSp>
+      <p:sp>
+        <p:nvSpPr>
+          <p:cNvPr id="56" name="楕円 55">
+            <a:extLst>
+              <a:ext uri="{FF2B5EF4-FFF2-40B4-BE49-F238E27FC236}">
+                <a16:creationId xmlns:a16="http://schemas.microsoft.com/office/drawing/2014/main" id="{6F64983C-8A89-4E4D-8122-0AD058935A51}"/>
+              </a:ext>
+            </a:extLst>
+          </p:cNvPr>
+          <p:cNvSpPr/>
+          <p:nvPr/>
+        </p:nvSpPr>
+        <p:spPr>
+          <a:xfrm flipV="1">
+            <a:off x="2364743" y="5511422"/>
+            <a:ext cx="176092" cy="182966"/>
+          </a:xfrm>
+          <a:prstGeom prst="ellipse">
+            <a:avLst/>
+          </a:prstGeom>
+          <a:noFill/>
+          <a:ln w="28575">
+            <a:solidFill>
+              <a:schemeClr val="tx1"/>
+            </a:solidFill>
+          </a:ln>
+        </p:spPr>
+        <p:style>
+          <a:lnRef idx="2">
+            <a:schemeClr val="accent1">
+              <a:shade val="50000"/>
+            </a:schemeClr>
+          </a:lnRef>
+          <a:fillRef idx="1">
+            <a:schemeClr val="accent1"/>
+          </a:fillRef>
+          <a:effectRef idx="0">
+            <a:schemeClr val="accent1"/>
+          </a:effectRef>
+          <a:fontRef idx="minor">
+            <a:schemeClr val="lt1"/>
+          </a:fontRef>
+        </p:style>
+        <p:txBody>
+          <a:bodyPr rtlCol="0" anchor="ctr"/>
+          <a:lstStyle/>
+          <a:p>
+            <a:pPr algn="ctr"/>
+            <a:endParaRPr kumimoji="1" lang="ja-JP" altLang="en-US"/>
+          </a:p>
+        </p:txBody>
+      </p:sp>
+      <p:sp>
+        <p:nvSpPr>
+          <p:cNvPr id="57" name="楕円 56">
+            <a:extLst>
+              <a:ext uri="{FF2B5EF4-FFF2-40B4-BE49-F238E27FC236}">
+                <a16:creationId xmlns:a16="http://schemas.microsoft.com/office/drawing/2014/main" id="{F4F8F858-C738-46FB-9F0D-CEC6F20372E8}"/>
+              </a:ext>
+            </a:extLst>
+          </p:cNvPr>
+          <p:cNvSpPr/>
+          <p:nvPr/>
+        </p:nvSpPr>
+        <p:spPr>
+          <a:xfrm flipV="1">
+            <a:off x="1650137" y="5831496"/>
+            <a:ext cx="176092" cy="182966"/>
+          </a:xfrm>
+          <a:prstGeom prst="ellipse">
+            <a:avLst/>
+          </a:prstGeom>
+          <a:noFill/>
+          <a:ln w="28575">
+            <a:solidFill>
+              <a:schemeClr val="tx1"/>
+            </a:solidFill>
+          </a:ln>
+        </p:spPr>
+        <p:style>
+          <a:lnRef idx="2">
+            <a:schemeClr val="accent1">
+              <a:shade val="50000"/>
+            </a:schemeClr>
+          </a:lnRef>
+          <a:fillRef idx="1">
+            <a:schemeClr val="accent1"/>
+          </a:fillRef>
+          <a:effectRef idx="0">
+            <a:schemeClr val="accent1"/>
+          </a:effectRef>
+          <a:fontRef idx="minor">
+            <a:schemeClr val="lt1"/>
+          </a:fontRef>
+        </p:style>
+        <p:txBody>
+          <a:bodyPr rtlCol="0" anchor="ctr"/>
+          <a:lstStyle/>
+          <a:p>
+            <a:pPr algn="ctr"/>
+            <a:endParaRPr kumimoji="1" lang="ja-JP" altLang="en-US"/>
+          </a:p>
+        </p:txBody>
+      </p:sp>
+      <p:sp>
+        <p:nvSpPr>
+          <p:cNvPr id="60" name="楕円 59">
+            <a:extLst>
+              <a:ext uri="{FF2B5EF4-FFF2-40B4-BE49-F238E27FC236}">
+                <a16:creationId xmlns:a16="http://schemas.microsoft.com/office/drawing/2014/main" id="{F7B24578-941C-439B-B7BC-DD87230A0A2E}"/>
+              </a:ext>
+            </a:extLst>
+          </p:cNvPr>
+          <p:cNvSpPr/>
+          <p:nvPr/>
+        </p:nvSpPr>
+        <p:spPr>
+          <a:xfrm flipV="1">
+            <a:off x="2345331" y="6265054"/>
+            <a:ext cx="176092" cy="182966"/>
+          </a:xfrm>
+          <a:prstGeom prst="ellipse">
+            <a:avLst/>
+          </a:prstGeom>
+          <a:noFill/>
+          <a:ln w="28575">
+            <a:solidFill>
+              <a:schemeClr val="tx1"/>
+            </a:solidFill>
+          </a:ln>
+        </p:spPr>
+        <p:style>
+          <a:lnRef idx="2">
+            <a:schemeClr val="accent1">
+              <a:shade val="50000"/>
+            </a:schemeClr>
+          </a:lnRef>
+          <a:fillRef idx="1">
+            <a:schemeClr val="accent1"/>
+          </a:fillRef>
+          <a:effectRef idx="0">
+            <a:schemeClr val="accent1"/>
+          </a:effectRef>
+          <a:fontRef idx="minor">
+            <a:schemeClr val="lt1"/>
+          </a:fontRef>
+        </p:style>
+        <p:txBody>
+          <a:bodyPr rtlCol="0" anchor="ctr"/>
+          <a:lstStyle/>
+          <a:p>
+            <a:pPr algn="ctr"/>
+            <a:endParaRPr kumimoji="1" lang="ja-JP" altLang="en-US"/>
+          </a:p>
+        </p:txBody>
+      </p:sp>
+      <p:sp>
+        <p:nvSpPr>
+          <p:cNvPr id="7" name="楕円 6">
+            <a:extLst>
+              <a:ext uri="{FF2B5EF4-FFF2-40B4-BE49-F238E27FC236}">
+                <a16:creationId xmlns:a16="http://schemas.microsoft.com/office/drawing/2014/main" id="{3B110D3F-0631-4A34-B34D-A3A8EAD6EF60}"/>
+              </a:ext>
+            </a:extLst>
+          </p:cNvPr>
+          <p:cNvSpPr/>
+          <p:nvPr/>
+        </p:nvSpPr>
+        <p:spPr>
+          <a:xfrm>
+            <a:off x="641599" y="1494126"/>
+            <a:ext cx="2667209" cy="2738509"/>
+          </a:xfrm>
+          <a:prstGeom prst="ellipse">
+            <a:avLst/>
+          </a:prstGeom>
+          <a:solidFill>
+            <a:schemeClr val="bg1"/>
+          </a:solidFill>
+          <a:ln w="28575">
+            <a:solidFill>
+              <a:schemeClr val="bg2">
+                <a:lumMod val="10000"/>
+              </a:schemeClr>
+            </a:solidFill>
+            <a:prstDash val="dash"/>
+          </a:ln>
+        </p:spPr>
+        <p:style>
+          <a:lnRef idx="2">
+            <a:schemeClr val="accent1">
+              <a:shade val="50000"/>
+            </a:schemeClr>
+          </a:lnRef>
+          <a:fillRef idx="1">
+            <a:schemeClr val="accent1"/>
+          </a:fillRef>
+          <a:effectRef idx="0">
+            <a:schemeClr val="accent1"/>
+          </a:effectRef>
+          <a:fontRef idx="minor">
+            <a:schemeClr val="lt1"/>
+          </a:fontRef>
+        </p:style>
+        <p:txBody>
+          <a:bodyPr rtlCol="0" anchor="ctr"/>
+          <a:lstStyle/>
+          <a:p>
+            <a:pPr algn="ctr"/>
+            <a:endParaRPr kumimoji="1" lang="ja-JP" altLang="en-US"/>
+          </a:p>
+        </p:txBody>
+      </p:sp>
+      <p:sp>
+        <p:nvSpPr>
+          <p:cNvPr id="19" name="テキスト ボックス 18">
+            <a:extLst>
+              <a:ext uri="{FF2B5EF4-FFF2-40B4-BE49-F238E27FC236}">
+                <a16:creationId xmlns:a16="http://schemas.microsoft.com/office/drawing/2014/main" id="{85302768-A1F9-4CD9-A0E3-A11DE63CA098}"/>
+              </a:ext>
+            </a:extLst>
+          </p:cNvPr>
+          <p:cNvSpPr txBox="1"/>
+          <p:nvPr/>
+        </p:nvSpPr>
+        <p:spPr>
+          <a:xfrm>
+            <a:off x="7623080" y="6326358"/>
+            <a:ext cx="570990" cy="461665"/>
+          </a:xfrm>
+          <a:prstGeom prst="rect">
+            <a:avLst/>
+          </a:prstGeom>
+          <a:noFill/>
+        </p:spPr>
+        <p:txBody>
+          <a:bodyPr wrap="none" rtlCol="0">
+            <a:spAutoFit/>
+          </a:bodyPr>
+          <a:lstStyle/>
+          <a:p>
+            <a:r>
+              <a:rPr kumimoji="1" lang="ja-JP" altLang="en-US" sz="2400" b="1" dirty="0">
+                <a:latin typeface="Georgia" panose="02040502050405020303" pitchFamily="18" charset="0"/>
+              </a:rPr>
+              <a:t>イ </a:t>
+            </a:r>
+          </a:p>
+        </p:txBody>
+      </p:sp>
+      <p:sp>
+        <p:nvSpPr>
+          <p:cNvPr id="20" name="テキスト ボックス 19">
+            <a:extLst>
+              <a:ext uri="{FF2B5EF4-FFF2-40B4-BE49-F238E27FC236}">
+                <a16:creationId xmlns:a16="http://schemas.microsoft.com/office/drawing/2014/main" id="{717BE03C-CB30-4BDE-AEBF-A8972D86E172}"/>
+              </a:ext>
+            </a:extLst>
+          </p:cNvPr>
+          <p:cNvSpPr txBox="1"/>
+          <p:nvPr/>
+        </p:nvSpPr>
+        <p:spPr>
+          <a:xfrm>
+            <a:off x="2545980" y="5371727"/>
+            <a:ext cx="492443" cy="461665"/>
+          </a:xfrm>
+          <a:prstGeom prst="rect">
+            <a:avLst/>
+          </a:prstGeom>
+          <a:noFill/>
+        </p:spPr>
+        <p:txBody>
+          <a:bodyPr wrap="none" rtlCol="0">
+            <a:spAutoFit/>
+          </a:bodyPr>
+          <a:lstStyle/>
+          <a:p>
+            <a:r>
+              <a:rPr kumimoji="1" lang="ja-JP" altLang="en-US" sz="2400" b="1" dirty="0">
+                <a:latin typeface="Georgia" panose="02040502050405020303" pitchFamily="18" charset="0"/>
+              </a:rPr>
+              <a:t>１</a:t>
+            </a:r>
+          </a:p>
+        </p:txBody>
+      </p:sp>
+      <p:sp>
+        <p:nvSpPr>
+          <p:cNvPr id="22" name="テキスト ボックス 21">
+            <a:extLst>
+              <a:ext uri="{FF2B5EF4-FFF2-40B4-BE49-F238E27FC236}">
+                <a16:creationId xmlns:a16="http://schemas.microsoft.com/office/drawing/2014/main" id="{2C46EEC2-48D6-4BF1-A8A0-1557EBB31F79}"/>
+              </a:ext>
+            </a:extLst>
+          </p:cNvPr>
+          <p:cNvSpPr txBox="1"/>
+          <p:nvPr/>
+        </p:nvSpPr>
+        <p:spPr>
+          <a:xfrm>
+            <a:off x="6786349" y="6136837"/>
+            <a:ext cx="613925" cy="461665"/>
+          </a:xfrm>
+          <a:prstGeom prst="rect">
+            <a:avLst/>
+          </a:prstGeom>
+          <a:noFill/>
+        </p:spPr>
+        <p:txBody>
+          <a:bodyPr wrap="square" rtlCol="0">
+            <a:spAutoFit/>
+          </a:bodyPr>
+          <a:lstStyle/>
+          <a:p>
+            <a:r>
+              <a:rPr kumimoji="1" lang="ja-JP" altLang="en-US" sz="2400" b="1" dirty="0">
+                <a:latin typeface="Georgia" panose="02040502050405020303" pitchFamily="18" charset="0"/>
+              </a:rPr>
+              <a:t>３</a:t>
+            </a:r>
+          </a:p>
+        </p:txBody>
+      </p:sp>
+      <p:sp>
+        <p:nvSpPr>
+          <p:cNvPr id="34" name="テキスト ボックス 33">
+            <a:extLst>
+              <a:ext uri="{FF2B5EF4-FFF2-40B4-BE49-F238E27FC236}">
+                <a16:creationId xmlns:a16="http://schemas.microsoft.com/office/drawing/2014/main" id="{D587C114-9690-4E7A-B5AD-BF70E45EE3E1}"/>
+              </a:ext>
+            </a:extLst>
+          </p:cNvPr>
+          <p:cNvSpPr txBox="1"/>
+          <p:nvPr/>
+        </p:nvSpPr>
+        <p:spPr>
+          <a:xfrm>
+            <a:off x="1025053" y="5694043"/>
+            <a:ext cx="613925" cy="461665"/>
+          </a:xfrm>
+          <a:prstGeom prst="rect">
+            <a:avLst/>
+          </a:prstGeom>
+          <a:noFill/>
+        </p:spPr>
+        <p:txBody>
+          <a:bodyPr wrap="square" rtlCol="0">
+            <a:spAutoFit/>
+          </a:bodyPr>
+          <a:lstStyle/>
+          <a:p>
+            <a:r>
+              <a:rPr kumimoji="1" lang="ja-JP" altLang="en-US" sz="2400" b="1" dirty="0">
+                <a:latin typeface="Georgia" panose="02040502050405020303" pitchFamily="18" charset="0"/>
+              </a:rPr>
+              <a:t>０</a:t>
+            </a:r>
+          </a:p>
+        </p:txBody>
+      </p:sp>
+      <p:sp>
+        <p:nvSpPr>
+          <p:cNvPr id="38" name="楕円 37">
+            <a:extLst>
+              <a:ext uri="{FF2B5EF4-FFF2-40B4-BE49-F238E27FC236}">
+                <a16:creationId xmlns:a16="http://schemas.microsoft.com/office/drawing/2014/main" id="{A3B79198-6999-4603-B62D-81F32C9C9A1A}"/>
+              </a:ext>
+            </a:extLst>
+          </p:cNvPr>
+          <p:cNvSpPr/>
+          <p:nvPr/>
+        </p:nvSpPr>
+        <p:spPr>
+          <a:xfrm flipV="1">
+            <a:off x="8106024" y="5842629"/>
+            <a:ext cx="176092" cy="182966"/>
+          </a:xfrm>
+          <a:prstGeom prst="ellipse">
+            <a:avLst/>
+          </a:prstGeom>
+          <a:noFill/>
+          <a:ln w="28575">
+            <a:solidFill>
+              <a:schemeClr val="tx1"/>
+            </a:solidFill>
+          </a:ln>
+        </p:spPr>
+        <p:style>
+          <a:lnRef idx="2">
+            <a:schemeClr val="accent1">
+              <a:shade val="50000"/>
+            </a:schemeClr>
+          </a:lnRef>
+          <a:fillRef idx="1">
+            <a:schemeClr val="accent1"/>
+          </a:fillRef>
+          <a:effectRef idx="0">
+            <a:schemeClr val="accent1"/>
+          </a:effectRef>
+          <a:fontRef idx="minor">
+            <a:schemeClr val="lt1"/>
+          </a:fontRef>
+        </p:style>
+        <p:txBody>
+          <a:bodyPr rtlCol="0" anchor="ctr"/>
+          <a:lstStyle/>
+          <a:p>
+            <a:pPr algn="ctr"/>
+            <a:endParaRPr kumimoji="1" lang="ja-JP" altLang="en-US"/>
+          </a:p>
+        </p:txBody>
+      </p:sp>
+      <p:sp>
+        <p:nvSpPr>
+          <p:cNvPr id="39" name="楕円 38">
+            <a:extLst>
+              <a:ext uri="{FF2B5EF4-FFF2-40B4-BE49-F238E27FC236}">
+                <a16:creationId xmlns:a16="http://schemas.microsoft.com/office/drawing/2014/main" id="{F62C84D7-884C-42FC-B21B-B5C316097192}"/>
+              </a:ext>
+            </a:extLst>
+          </p:cNvPr>
+          <p:cNvSpPr/>
+          <p:nvPr/>
+        </p:nvSpPr>
+        <p:spPr>
+          <a:xfrm flipV="1">
+            <a:off x="7306347" y="5471271"/>
+            <a:ext cx="176092" cy="182966"/>
+          </a:xfrm>
+          <a:prstGeom prst="ellipse">
+            <a:avLst/>
+          </a:prstGeom>
+          <a:noFill/>
+          <a:ln w="28575">
+            <a:solidFill>
+              <a:schemeClr val="tx1"/>
+            </a:solidFill>
+          </a:ln>
+        </p:spPr>
+        <p:style>
+          <a:lnRef idx="2">
+            <a:schemeClr val="accent1">
+              <a:shade val="50000"/>
+            </a:schemeClr>
+          </a:lnRef>
+          <a:fillRef idx="1">
+            <a:schemeClr val="accent1"/>
+          </a:fillRef>
+          <a:effectRef idx="0">
+            <a:schemeClr val="accent1"/>
+          </a:effectRef>
+          <a:fontRef idx="minor">
+            <a:schemeClr val="lt1"/>
+          </a:fontRef>
+        </p:style>
+        <p:txBody>
+          <a:bodyPr rtlCol="0" anchor="ctr"/>
+          <a:lstStyle/>
+          <a:p>
+            <a:pPr algn="ctr"/>
+            <a:endParaRPr kumimoji="1" lang="ja-JP" altLang="en-US"/>
+          </a:p>
+        </p:txBody>
+      </p:sp>
+      <p:sp>
+        <p:nvSpPr>
+          <p:cNvPr id="40" name="楕円 39">
+            <a:extLst>
+              <a:ext uri="{FF2B5EF4-FFF2-40B4-BE49-F238E27FC236}">
+                <a16:creationId xmlns:a16="http://schemas.microsoft.com/office/drawing/2014/main" id="{C442249A-818F-4F60-A58B-38A92F32A832}"/>
+              </a:ext>
+            </a:extLst>
+          </p:cNvPr>
+          <p:cNvSpPr/>
+          <p:nvPr/>
+        </p:nvSpPr>
+        <p:spPr>
+          <a:xfrm flipV="1">
+            <a:off x="7333360" y="6276187"/>
+            <a:ext cx="176092" cy="182966"/>
+          </a:xfrm>
+          <a:prstGeom prst="ellipse">
+            <a:avLst/>
+          </a:prstGeom>
+          <a:noFill/>
+          <a:ln w="28575">
+            <a:solidFill>
+              <a:schemeClr val="tx1"/>
+            </a:solidFill>
+          </a:ln>
+        </p:spPr>
+        <p:style>
+          <a:lnRef idx="2">
+            <a:schemeClr val="accent1">
+              <a:shade val="50000"/>
+            </a:schemeClr>
+          </a:lnRef>
+          <a:fillRef idx="1">
+            <a:schemeClr val="accent1"/>
+          </a:fillRef>
+          <a:effectRef idx="0">
+            <a:schemeClr val="accent1"/>
+          </a:effectRef>
+          <a:fontRef idx="minor">
+            <a:schemeClr val="lt1"/>
+          </a:fontRef>
+        </p:style>
+        <p:txBody>
+          <a:bodyPr rtlCol="0" anchor="ctr"/>
+          <a:lstStyle/>
+          <a:p>
+            <a:pPr algn="ctr"/>
+            <a:endParaRPr kumimoji="1" lang="ja-JP" altLang="en-US"/>
+          </a:p>
+        </p:txBody>
+      </p:sp>
+      <p:sp>
+        <p:nvSpPr>
+          <p:cNvPr id="41" name="テキスト ボックス 40">
+            <a:extLst>
+              <a:ext uri="{FF2B5EF4-FFF2-40B4-BE49-F238E27FC236}">
+                <a16:creationId xmlns:a16="http://schemas.microsoft.com/office/drawing/2014/main" id="{6CD88FDC-19FF-476A-AC05-9453235DACB4}"/>
+              </a:ext>
+            </a:extLst>
+          </p:cNvPr>
+          <p:cNvSpPr txBox="1"/>
+          <p:nvPr/>
+        </p:nvSpPr>
+        <p:spPr>
+          <a:xfrm>
+            <a:off x="6873657" y="5248207"/>
+            <a:ext cx="492443" cy="461665"/>
+          </a:xfrm>
+          <a:prstGeom prst="rect">
+            <a:avLst/>
+          </a:prstGeom>
+          <a:noFill/>
+        </p:spPr>
+        <p:txBody>
+          <a:bodyPr wrap="none" rtlCol="0">
+            <a:spAutoFit/>
+          </a:bodyPr>
+          <a:lstStyle/>
+          <a:p>
+            <a:r>
+              <a:rPr kumimoji="1" lang="ja-JP" altLang="en-US" sz="2400" b="1" dirty="0">
+                <a:latin typeface="Georgia" panose="02040502050405020303" pitchFamily="18" charset="0"/>
+              </a:rPr>
+              <a:t>１</a:t>
+            </a:r>
+          </a:p>
+        </p:txBody>
+      </p:sp>
+      <p:sp>
+        <p:nvSpPr>
+          <p:cNvPr id="42" name="テキスト ボックス 41">
+            <a:extLst>
+              <a:ext uri="{FF2B5EF4-FFF2-40B4-BE49-F238E27FC236}">
+                <a16:creationId xmlns:a16="http://schemas.microsoft.com/office/drawing/2014/main" id="{B2857C0C-5020-4605-B53C-FDFE484F7122}"/>
+              </a:ext>
+            </a:extLst>
+          </p:cNvPr>
+          <p:cNvSpPr txBox="1"/>
+          <p:nvPr/>
+        </p:nvSpPr>
+        <p:spPr>
+          <a:xfrm>
+            <a:off x="8249734" y="5803389"/>
+            <a:ext cx="613925" cy="461665"/>
+          </a:xfrm>
+          <a:prstGeom prst="rect">
+            <a:avLst/>
+          </a:prstGeom>
+          <a:noFill/>
+        </p:spPr>
+        <p:txBody>
+          <a:bodyPr wrap="square" rtlCol="0">
+            <a:spAutoFit/>
+          </a:bodyPr>
+          <a:lstStyle/>
+          <a:p>
+            <a:r>
+              <a:rPr kumimoji="1" lang="ja-JP" altLang="en-US" sz="2400" b="1" dirty="0">
+                <a:latin typeface="Georgia" panose="02040502050405020303" pitchFamily="18" charset="0"/>
+              </a:rPr>
+              <a:t>０</a:t>
+            </a:r>
+          </a:p>
+        </p:txBody>
+      </p:sp>
+      <p:sp>
+        <p:nvSpPr>
+          <p:cNvPr id="43" name="テキスト ボックス 42">
+            <a:extLst>
+              <a:ext uri="{FF2B5EF4-FFF2-40B4-BE49-F238E27FC236}">
+                <a16:creationId xmlns:a16="http://schemas.microsoft.com/office/drawing/2014/main" id="{B6BF9020-D1F5-4F44-B7F5-4CD668544052}"/>
+              </a:ext>
+            </a:extLst>
+          </p:cNvPr>
+          <p:cNvSpPr txBox="1"/>
+          <p:nvPr/>
+        </p:nvSpPr>
+        <p:spPr>
+          <a:xfrm>
+            <a:off x="2481898" y="6155708"/>
+            <a:ext cx="613925" cy="461665"/>
+          </a:xfrm>
+          <a:prstGeom prst="rect">
+            <a:avLst/>
+          </a:prstGeom>
+          <a:noFill/>
+        </p:spPr>
+        <p:txBody>
+          <a:bodyPr wrap="square" rtlCol="0">
+            <a:spAutoFit/>
+          </a:bodyPr>
+          <a:lstStyle/>
+          <a:p>
+            <a:r>
+              <a:rPr kumimoji="1" lang="ja-JP" altLang="en-US" sz="2400" b="1" dirty="0">
+                <a:latin typeface="Georgia" panose="02040502050405020303" pitchFamily="18" charset="0"/>
+              </a:rPr>
+              <a:t>３</a:t>
+            </a:r>
+          </a:p>
+        </p:txBody>
+      </p:sp>
+      <p:cxnSp>
+        <p:nvCxnSpPr>
+          <p:cNvPr id="47" name="直線コネクタ 46">
+            <a:extLst>
+              <a:ext uri="{FF2B5EF4-FFF2-40B4-BE49-F238E27FC236}">
+                <a16:creationId xmlns:a16="http://schemas.microsoft.com/office/drawing/2014/main" id="{755FF79D-D77A-4E2C-9465-E7F9EF3C78DC}"/>
+              </a:ext>
+            </a:extLst>
+          </p:cNvPr>
+          <p:cNvCxnSpPr>
+            <a:cxnSpLocks/>
+          </p:cNvCxnSpPr>
+          <p:nvPr/>
+        </p:nvCxnSpPr>
+        <p:spPr>
+          <a:xfrm flipH="1" flipV="1">
+            <a:off x="7517766" y="5522555"/>
+            <a:ext cx="676304" cy="320074"/>
+          </a:xfrm>
+          <a:prstGeom prst="line">
+            <a:avLst/>
+          </a:prstGeom>
+          <a:ln w="57150">
+            <a:solidFill>
+              <a:schemeClr val="bg2">
+                <a:lumMod val="10000"/>
+              </a:schemeClr>
+            </a:solidFill>
+          </a:ln>
+        </p:spPr>
+        <p:style>
+          <a:lnRef idx="1">
+            <a:schemeClr val="accent1"/>
+          </a:lnRef>
+          <a:fillRef idx="0">
+            <a:schemeClr val="accent1"/>
+          </a:fillRef>
+          <a:effectRef idx="0">
+            <a:schemeClr val="accent1"/>
+          </a:effectRef>
+          <a:fontRef idx="minor">
+            <a:schemeClr val="tx1"/>
+          </a:fontRef>
+        </p:style>
+      </p:cxnSp>
+      <p:sp>
+        <p:nvSpPr>
+          <p:cNvPr id="59" name="テキスト ボックス 58">
+            <a:extLst>
+              <a:ext uri="{FF2B5EF4-FFF2-40B4-BE49-F238E27FC236}">
+                <a16:creationId xmlns:a16="http://schemas.microsoft.com/office/drawing/2014/main" id="{B6D073DF-5CFE-4F76-875A-22183B3B15AC}"/>
+              </a:ext>
+            </a:extLst>
+          </p:cNvPr>
+          <p:cNvSpPr txBox="1"/>
+          <p:nvPr/>
+        </p:nvSpPr>
+        <p:spPr>
+          <a:xfrm>
+            <a:off x="2212002" y="426444"/>
+            <a:ext cx="442750" cy="461665"/>
+          </a:xfrm>
+          <a:prstGeom prst="rect">
+            <a:avLst/>
+          </a:prstGeom>
+          <a:noFill/>
+        </p:spPr>
+        <p:txBody>
+          <a:bodyPr wrap="none" rtlCol="0">
+            <a:spAutoFit/>
+          </a:bodyPr>
+          <a:lstStyle/>
+          <a:p>
+            <a:r>
+              <a:rPr lang="en-US" altLang="ja-JP" sz="2400" b="1" dirty="0">
+                <a:latin typeface="Georgia" panose="02040502050405020303" pitchFamily="18" charset="0"/>
+              </a:rPr>
+              <a:t>N</a:t>
+            </a:r>
+            <a:endParaRPr kumimoji="1" lang="ja-JP" altLang="en-US" sz="2400" b="1" dirty="0">
+              <a:latin typeface="Georgia" panose="02040502050405020303" pitchFamily="18" charset="0"/>
+            </a:endParaRPr>
+          </a:p>
+        </p:txBody>
+      </p:sp>
+      <p:sp>
+        <p:nvSpPr>
+          <p:cNvPr id="62" name="テキスト ボックス 61">
+            <a:extLst>
+              <a:ext uri="{FF2B5EF4-FFF2-40B4-BE49-F238E27FC236}">
+                <a16:creationId xmlns:a16="http://schemas.microsoft.com/office/drawing/2014/main" id="{C597223E-4A96-43CD-B173-B1519D614EF1}"/>
+              </a:ext>
+            </a:extLst>
+          </p:cNvPr>
+          <p:cNvSpPr txBox="1"/>
+          <p:nvPr/>
+        </p:nvSpPr>
+        <p:spPr>
+          <a:xfrm>
+            <a:off x="1165002" y="471459"/>
+            <a:ext cx="396262" cy="461665"/>
+          </a:xfrm>
+          <a:prstGeom prst="rect">
+            <a:avLst/>
+          </a:prstGeom>
+          <a:noFill/>
+        </p:spPr>
+        <p:txBody>
+          <a:bodyPr wrap="none" rtlCol="0">
+            <a:spAutoFit/>
+          </a:bodyPr>
+          <a:lstStyle/>
+          <a:p>
+            <a:r>
+              <a:rPr lang="en-US" altLang="ja-JP" sz="2400" b="1" dirty="0">
+                <a:latin typeface="Georgia" panose="02040502050405020303" pitchFamily="18" charset="0"/>
+              </a:rPr>
+              <a:t>L</a:t>
+            </a:r>
+            <a:endParaRPr kumimoji="1" lang="ja-JP" altLang="en-US" sz="2400" b="1" dirty="0">
+              <a:latin typeface="Georgia" panose="02040502050405020303" pitchFamily="18" charset="0"/>
+            </a:endParaRPr>
+          </a:p>
+        </p:txBody>
+      </p:sp>
+      <p:sp>
+        <p:nvSpPr>
+          <p:cNvPr id="2" name="正方形/長方形 1">
+            <a:extLst>
+              <a:ext uri="{FF2B5EF4-FFF2-40B4-BE49-F238E27FC236}">
+                <a16:creationId xmlns:a16="http://schemas.microsoft.com/office/drawing/2014/main" id="{E1F045DB-DE58-4D52-B934-B7EEF9E208CD}"/>
+              </a:ext>
+            </a:extLst>
+          </p:cNvPr>
+          <p:cNvSpPr/>
+          <p:nvPr/>
+        </p:nvSpPr>
+        <p:spPr>
+          <a:xfrm>
+            <a:off x="3771298" y="1714874"/>
+            <a:ext cx="2475329" cy="2310370"/>
+          </a:xfrm>
+          <a:prstGeom prst="rect">
+            <a:avLst/>
+          </a:prstGeom>
+          <a:noFill/>
+          <a:ln w="28575">
+            <a:solidFill>
+              <a:schemeClr val="tx1"/>
+            </a:solidFill>
+            <a:prstDash val="dash"/>
+          </a:ln>
+        </p:spPr>
+        <p:style>
+          <a:lnRef idx="2">
+            <a:schemeClr val="accent1">
+              <a:shade val="50000"/>
+            </a:schemeClr>
+          </a:lnRef>
+          <a:fillRef idx="1">
+            <a:schemeClr val="accent1"/>
+          </a:fillRef>
+          <a:effectRef idx="0">
+            <a:schemeClr val="accent1"/>
+          </a:effectRef>
+          <a:fontRef idx="minor">
+            <a:schemeClr val="lt1"/>
+          </a:fontRef>
+        </p:style>
+        <p:txBody>
+          <a:bodyPr rtlCol="0" anchor="ctr"/>
+          <a:lstStyle/>
+          <a:p>
+            <a:pPr algn="ctr"/>
+            <a:endParaRPr kumimoji="1" lang="ja-JP" altLang="en-US"/>
+          </a:p>
+        </p:txBody>
+      </p:sp>
+      <p:sp>
+        <p:nvSpPr>
+          <p:cNvPr id="33" name="楕円 32">
+            <a:extLst>
+              <a:ext uri="{FF2B5EF4-FFF2-40B4-BE49-F238E27FC236}">
+                <a16:creationId xmlns:a16="http://schemas.microsoft.com/office/drawing/2014/main" id="{A57367C7-59F6-4678-B4BE-DEBB72E03F5D}"/>
+              </a:ext>
+            </a:extLst>
+          </p:cNvPr>
+          <p:cNvSpPr/>
+          <p:nvPr/>
+        </p:nvSpPr>
+        <p:spPr>
+          <a:xfrm>
+            <a:off x="7712625" y="504387"/>
+            <a:ext cx="786798" cy="818707"/>
+          </a:xfrm>
+          <a:prstGeom prst="ellipse">
+            <a:avLst/>
+          </a:prstGeom>
+          <a:solidFill>
+            <a:schemeClr val="bg1"/>
+          </a:solidFill>
+          <a:ln w="38100">
+            <a:solidFill>
+              <a:schemeClr val="bg2">
+                <a:lumMod val="10000"/>
+              </a:schemeClr>
+            </a:solidFill>
+          </a:ln>
+        </p:spPr>
+        <p:style>
+          <a:lnRef idx="2">
+            <a:schemeClr val="accent1">
+              <a:shade val="50000"/>
+            </a:schemeClr>
+          </a:lnRef>
+          <a:fillRef idx="1">
+            <a:schemeClr val="accent1"/>
+          </a:fillRef>
+          <a:effectRef idx="0">
+            <a:schemeClr val="accent1"/>
+          </a:effectRef>
+          <a:fontRef idx="minor">
+            <a:schemeClr val="lt1"/>
+          </a:fontRef>
+        </p:style>
+        <p:txBody>
+          <a:bodyPr rtlCol="0" anchor="ctr"/>
+          <a:lstStyle/>
+          <a:p>
+            <a:pPr algn="ctr"/>
+            <a:r>
+              <a:rPr kumimoji="1" lang="en-US" altLang="ja-JP" sz="3600" dirty="0">
+                <a:solidFill>
+                  <a:schemeClr val="tx1"/>
+                </a:solidFill>
+                <a:latin typeface="+mn-ea"/>
+              </a:rPr>
+              <a:t>R</a:t>
+            </a:r>
+            <a:endParaRPr kumimoji="1" lang="ja-JP" altLang="en-US" sz="3600" dirty="0">
+              <a:solidFill>
+                <a:schemeClr val="tx1"/>
+              </a:solidFill>
+              <a:latin typeface="+mn-ea"/>
+            </a:endParaRPr>
+          </a:p>
+        </p:txBody>
+      </p:sp>
+      <p:sp>
+        <p:nvSpPr>
+          <p:cNvPr id="36" name="テキスト ボックス 35">
+            <a:extLst>
+              <a:ext uri="{FF2B5EF4-FFF2-40B4-BE49-F238E27FC236}">
+                <a16:creationId xmlns:a16="http://schemas.microsoft.com/office/drawing/2014/main" id="{9F387A9B-0B18-4A08-811A-25BF24578311}"/>
+              </a:ext>
+            </a:extLst>
+          </p:cNvPr>
+          <p:cNvSpPr txBox="1"/>
+          <p:nvPr/>
+        </p:nvSpPr>
+        <p:spPr>
+          <a:xfrm>
+            <a:off x="5433760" y="6202303"/>
+            <a:ext cx="613925" cy="461665"/>
+          </a:xfrm>
+          <a:prstGeom prst="rect">
+            <a:avLst/>
+          </a:prstGeom>
+          <a:noFill/>
+        </p:spPr>
+        <p:txBody>
+          <a:bodyPr wrap="square" rtlCol="0">
+            <a:spAutoFit/>
+          </a:bodyPr>
+          <a:lstStyle/>
+          <a:p>
+            <a:r>
+              <a:rPr kumimoji="1" lang="ja-JP" altLang="en-US" sz="2400" b="1" dirty="0">
+                <a:latin typeface="Georgia" panose="02040502050405020303" pitchFamily="18" charset="0"/>
+              </a:rPr>
+              <a:t>３</a:t>
+            </a:r>
+          </a:p>
+        </p:txBody>
+      </p:sp>
+      <p:sp>
+        <p:nvSpPr>
+          <p:cNvPr id="50" name="楕円 49">
+            <a:extLst>
+              <a:ext uri="{FF2B5EF4-FFF2-40B4-BE49-F238E27FC236}">
+                <a16:creationId xmlns:a16="http://schemas.microsoft.com/office/drawing/2014/main" id="{0E6AE58C-B8AE-4BBF-A398-08B7B1C8BBBA}"/>
+              </a:ext>
+            </a:extLst>
+          </p:cNvPr>
+          <p:cNvSpPr/>
+          <p:nvPr/>
+        </p:nvSpPr>
+        <p:spPr>
+          <a:xfrm flipV="1">
+            <a:off x="4316579" y="5464546"/>
+            <a:ext cx="176092" cy="182966"/>
+          </a:xfrm>
+          <a:prstGeom prst="ellipse">
+            <a:avLst/>
+          </a:prstGeom>
+          <a:noFill/>
+          <a:ln w="28575">
+            <a:solidFill>
+              <a:schemeClr val="tx1"/>
+            </a:solidFill>
+          </a:ln>
+        </p:spPr>
+        <p:style>
+          <a:lnRef idx="2">
+            <a:schemeClr val="accent1">
+              <a:shade val="50000"/>
+            </a:schemeClr>
+          </a:lnRef>
+          <a:fillRef idx="1">
+            <a:schemeClr val="accent1"/>
+          </a:fillRef>
+          <a:effectRef idx="0">
+            <a:schemeClr val="accent1"/>
+          </a:effectRef>
+          <a:fontRef idx="minor">
+            <a:schemeClr val="lt1"/>
+          </a:fontRef>
+        </p:style>
+        <p:txBody>
+          <a:bodyPr rtlCol="0" anchor="ctr"/>
+          <a:lstStyle/>
+          <a:p>
+            <a:pPr algn="ctr"/>
+            <a:endParaRPr kumimoji="1" lang="ja-JP" altLang="en-US"/>
+          </a:p>
+        </p:txBody>
+      </p:sp>
+      <p:sp>
+        <p:nvSpPr>
+          <p:cNvPr id="51" name="楕円 50">
+            <a:extLst>
+              <a:ext uri="{FF2B5EF4-FFF2-40B4-BE49-F238E27FC236}">
+                <a16:creationId xmlns:a16="http://schemas.microsoft.com/office/drawing/2014/main" id="{51D120D4-9BB6-4405-B9B8-394F9DF7DD75}"/>
+              </a:ext>
+            </a:extLst>
+          </p:cNvPr>
+          <p:cNvSpPr/>
+          <p:nvPr/>
+        </p:nvSpPr>
+        <p:spPr>
+          <a:xfrm flipV="1">
+            <a:off x="5301693" y="5471271"/>
+            <a:ext cx="176092" cy="182966"/>
+          </a:xfrm>
+          <a:prstGeom prst="ellipse">
+            <a:avLst/>
+          </a:prstGeom>
+          <a:noFill/>
+          <a:ln w="28575">
+            <a:solidFill>
+              <a:schemeClr val="tx1"/>
+            </a:solidFill>
+          </a:ln>
+        </p:spPr>
+        <p:style>
+          <a:lnRef idx="2">
+            <a:schemeClr val="accent1">
+              <a:shade val="50000"/>
+            </a:schemeClr>
+          </a:lnRef>
+          <a:fillRef idx="1">
+            <a:schemeClr val="accent1"/>
+          </a:fillRef>
+          <a:effectRef idx="0">
+            <a:schemeClr val="accent1"/>
+          </a:effectRef>
+          <a:fontRef idx="minor">
+            <a:schemeClr val="lt1"/>
+          </a:fontRef>
+        </p:style>
+        <p:txBody>
+          <a:bodyPr rtlCol="0" anchor="ctr"/>
+          <a:lstStyle/>
+          <a:p>
+            <a:pPr algn="ctr"/>
+            <a:endParaRPr kumimoji="1" lang="ja-JP" altLang="en-US"/>
+          </a:p>
+        </p:txBody>
+      </p:sp>
+      <p:sp>
+        <p:nvSpPr>
+          <p:cNvPr id="53" name="楕円 52">
+            <a:extLst>
+              <a:ext uri="{FF2B5EF4-FFF2-40B4-BE49-F238E27FC236}">
+                <a16:creationId xmlns:a16="http://schemas.microsoft.com/office/drawing/2014/main" id="{2EA199F2-CF06-4564-A1F0-15043C763B27}"/>
+              </a:ext>
+            </a:extLst>
+          </p:cNvPr>
+          <p:cNvSpPr/>
+          <p:nvPr/>
+        </p:nvSpPr>
+        <p:spPr>
+          <a:xfrm flipV="1">
+            <a:off x="5309852" y="6276187"/>
+            <a:ext cx="176092" cy="182966"/>
+          </a:xfrm>
+          <a:prstGeom prst="ellipse">
+            <a:avLst/>
+          </a:prstGeom>
+          <a:noFill/>
+          <a:ln w="28575">
+            <a:solidFill>
+              <a:schemeClr val="tx1"/>
+            </a:solidFill>
+          </a:ln>
+        </p:spPr>
+        <p:style>
+          <a:lnRef idx="2">
+            <a:schemeClr val="accent1">
+              <a:shade val="50000"/>
+            </a:schemeClr>
+          </a:lnRef>
+          <a:fillRef idx="1">
+            <a:schemeClr val="accent1"/>
+          </a:fillRef>
+          <a:effectRef idx="0">
+            <a:schemeClr val="accent1"/>
+          </a:effectRef>
+          <a:fontRef idx="minor">
+            <a:schemeClr val="lt1"/>
+          </a:fontRef>
+        </p:style>
+        <p:txBody>
+          <a:bodyPr rtlCol="0" anchor="ctr"/>
+          <a:lstStyle/>
+          <a:p>
+            <a:pPr algn="ctr"/>
+            <a:endParaRPr kumimoji="1" lang="ja-JP" altLang="en-US"/>
+          </a:p>
+        </p:txBody>
+      </p:sp>
+      <p:sp>
+        <p:nvSpPr>
+          <p:cNvPr id="54" name="テキスト ボックス 53">
+            <a:extLst>
+              <a:ext uri="{FF2B5EF4-FFF2-40B4-BE49-F238E27FC236}">
+                <a16:creationId xmlns:a16="http://schemas.microsoft.com/office/drawing/2014/main" id="{BA1E2811-B16C-4689-AF90-13ED22539C0E}"/>
+              </a:ext>
+            </a:extLst>
+          </p:cNvPr>
+          <p:cNvSpPr txBox="1"/>
+          <p:nvPr/>
+        </p:nvSpPr>
+        <p:spPr>
+          <a:xfrm>
+            <a:off x="5471150" y="5268933"/>
+            <a:ext cx="492443" cy="461665"/>
+          </a:xfrm>
+          <a:prstGeom prst="rect">
+            <a:avLst/>
+          </a:prstGeom>
+          <a:noFill/>
+        </p:spPr>
+        <p:txBody>
+          <a:bodyPr wrap="none" rtlCol="0">
+            <a:spAutoFit/>
+          </a:bodyPr>
+          <a:lstStyle/>
+          <a:p>
+            <a:r>
+              <a:rPr kumimoji="1" lang="ja-JP" altLang="en-US" sz="2400" b="1" dirty="0">
+                <a:latin typeface="Georgia" panose="02040502050405020303" pitchFamily="18" charset="0"/>
+              </a:rPr>
+              <a:t>１</a:t>
+            </a:r>
+          </a:p>
+        </p:txBody>
+      </p:sp>
+      <p:sp>
+        <p:nvSpPr>
+          <p:cNvPr id="58" name="テキスト ボックス 57">
+            <a:extLst>
+              <a:ext uri="{FF2B5EF4-FFF2-40B4-BE49-F238E27FC236}">
+                <a16:creationId xmlns:a16="http://schemas.microsoft.com/office/drawing/2014/main" id="{51C1CBDB-90FC-4542-B0FD-933A668C30D5}"/>
+              </a:ext>
+            </a:extLst>
+          </p:cNvPr>
+          <p:cNvSpPr txBox="1"/>
+          <p:nvPr/>
+        </p:nvSpPr>
+        <p:spPr>
+          <a:xfrm>
+            <a:off x="3839396" y="5331563"/>
+            <a:ext cx="613925" cy="461665"/>
+          </a:xfrm>
+          <a:prstGeom prst="rect">
+            <a:avLst/>
+          </a:prstGeom>
+          <a:noFill/>
+        </p:spPr>
+        <p:txBody>
+          <a:bodyPr wrap="square" rtlCol="0">
+            <a:spAutoFit/>
+          </a:bodyPr>
+          <a:lstStyle/>
+          <a:p>
+            <a:r>
+              <a:rPr lang="en-US" altLang="ja-JP" sz="2400" b="1" dirty="0">
+                <a:latin typeface="+mn-ea"/>
+              </a:rPr>
+              <a:t>2</a:t>
+            </a:r>
+            <a:endParaRPr kumimoji="1" lang="ja-JP" altLang="en-US" sz="2400" b="1" dirty="0">
+              <a:latin typeface="+mn-ea"/>
+            </a:endParaRPr>
+          </a:p>
+        </p:txBody>
+      </p:sp>
+      <p:cxnSp>
+        <p:nvCxnSpPr>
+          <p:cNvPr id="63" name="直線コネクタ 62">
+            <a:extLst>
+              <a:ext uri="{FF2B5EF4-FFF2-40B4-BE49-F238E27FC236}">
+                <a16:creationId xmlns:a16="http://schemas.microsoft.com/office/drawing/2014/main" id="{92474C64-50E3-4D44-AF1A-7DC1D9CBA9D7}"/>
+              </a:ext>
+            </a:extLst>
+          </p:cNvPr>
+          <p:cNvCxnSpPr>
+            <a:cxnSpLocks/>
+          </p:cNvCxnSpPr>
+          <p:nvPr/>
+        </p:nvCxnSpPr>
+        <p:spPr>
+          <a:xfrm flipH="1" flipV="1">
+            <a:off x="4345241" y="5605954"/>
+            <a:ext cx="986772" cy="732934"/>
+          </a:xfrm>
+          <a:prstGeom prst="line">
+            <a:avLst/>
+          </a:prstGeom>
+          <a:ln w="57150">
+            <a:solidFill>
+              <a:schemeClr val="bg2">
+                <a:lumMod val="10000"/>
+              </a:schemeClr>
+            </a:solidFill>
+          </a:ln>
+        </p:spPr>
+        <p:style>
+          <a:lnRef idx="1">
+            <a:schemeClr val="accent1"/>
+          </a:lnRef>
+          <a:fillRef idx="0">
+            <a:schemeClr val="accent1"/>
+          </a:fillRef>
+          <a:effectRef idx="0">
+            <a:schemeClr val="accent1"/>
+          </a:effectRef>
+          <a:fontRef idx="minor">
+            <a:schemeClr val="tx1"/>
+          </a:fontRef>
+        </p:style>
+      </p:cxnSp>
+      <p:sp>
+        <p:nvSpPr>
+          <p:cNvPr id="64" name="楕円 63">
+            <a:extLst>
+              <a:ext uri="{FF2B5EF4-FFF2-40B4-BE49-F238E27FC236}">
+                <a16:creationId xmlns:a16="http://schemas.microsoft.com/office/drawing/2014/main" id="{CC331A1D-8DCA-4BA8-90B8-9DCC3392B5AC}"/>
+              </a:ext>
+            </a:extLst>
+          </p:cNvPr>
+          <p:cNvSpPr/>
+          <p:nvPr/>
+        </p:nvSpPr>
+        <p:spPr>
+          <a:xfrm flipV="1">
+            <a:off x="4292158" y="6295057"/>
+            <a:ext cx="176092" cy="182966"/>
+          </a:xfrm>
+          <a:prstGeom prst="ellipse">
+            <a:avLst/>
+          </a:prstGeom>
+          <a:noFill/>
+          <a:ln w="28575">
+            <a:solidFill>
+              <a:schemeClr val="tx1"/>
+            </a:solidFill>
+          </a:ln>
+        </p:spPr>
+        <p:style>
+          <a:lnRef idx="2">
+            <a:schemeClr val="accent1">
+              <a:shade val="50000"/>
+            </a:schemeClr>
+          </a:lnRef>
+          <a:fillRef idx="1">
+            <a:schemeClr val="accent1"/>
+          </a:fillRef>
+          <a:effectRef idx="0">
+            <a:schemeClr val="accent1"/>
+          </a:effectRef>
+          <a:fontRef idx="minor">
+            <a:schemeClr val="lt1"/>
+          </a:fontRef>
+        </p:style>
+        <p:txBody>
+          <a:bodyPr rtlCol="0" anchor="ctr"/>
+          <a:lstStyle/>
+          <a:p>
+            <a:pPr algn="ctr"/>
+            <a:endParaRPr kumimoji="1" lang="ja-JP" altLang="en-US"/>
+          </a:p>
+        </p:txBody>
+      </p:sp>
+      <p:cxnSp>
+        <p:nvCxnSpPr>
+          <p:cNvPr id="65" name="直線コネクタ 64">
+            <a:extLst>
+              <a:ext uri="{FF2B5EF4-FFF2-40B4-BE49-F238E27FC236}">
+                <a16:creationId xmlns:a16="http://schemas.microsoft.com/office/drawing/2014/main" id="{4289E5F4-26FF-4518-B229-840F9FCAF956}"/>
+              </a:ext>
+            </a:extLst>
+          </p:cNvPr>
+          <p:cNvCxnSpPr>
+            <a:cxnSpLocks/>
+          </p:cNvCxnSpPr>
+          <p:nvPr/>
+        </p:nvCxnSpPr>
+        <p:spPr>
+          <a:xfrm flipH="1">
+            <a:off x="4333610" y="5593343"/>
+            <a:ext cx="1101120" cy="842236"/>
+          </a:xfrm>
+          <a:prstGeom prst="line">
+            <a:avLst/>
+          </a:prstGeom>
+          <a:ln w="57150">
+            <a:solidFill>
+              <a:schemeClr val="bg2">
+                <a:lumMod val="10000"/>
+              </a:schemeClr>
+            </a:solidFill>
+          </a:ln>
+        </p:spPr>
+        <p:style>
+          <a:lnRef idx="1">
+            <a:schemeClr val="accent1"/>
+          </a:lnRef>
+          <a:fillRef idx="0">
+            <a:schemeClr val="accent1"/>
+          </a:fillRef>
+          <a:effectRef idx="0">
+            <a:schemeClr val="accent1"/>
+          </a:effectRef>
+          <a:fontRef idx="minor">
+            <a:schemeClr val="tx1"/>
+          </a:fontRef>
+        </p:style>
+      </p:cxnSp>
+      <p:sp>
+        <p:nvSpPr>
+          <p:cNvPr id="66" name="テキスト ボックス 65">
+            <a:extLst>
+              <a:ext uri="{FF2B5EF4-FFF2-40B4-BE49-F238E27FC236}">
+                <a16:creationId xmlns:a16="http://schemas.microsoft.com/office/drawing/2014/main" id="{79E382B4-1689-458A-A5EA-F7C158E1EEC9}"/>
+              </a:ext>
+            </a:extLst>
+          </p:cNvPr>
+          <p:cNvSpPr txBox="1"/>
+          <p:nvPr/>
+        </p:nvSpPr>
+        <p:spPr>
+          <a:xfrm>
+            <a:off x="3820034" y="6198532"/>
+            <a:ext cx="613925" cy="461665"/>
+          </a:xfrm>
+          <a:prstGeom prst="rect">
+            <a:avLst/>
+          </a:prstGeom>
+          <a:noFill/>
+        </p:spPr>
+        <p:txBody>
+          <a:bodyPr wrap="square" rtlCol="0">
+            <a:spAutoFit/>
+          </a:bodyPr>
+          <a:lstStyle/>
+          <a:p>
+            <a:r>
+              <a:rPr kumimoji="1" lang="en-US" altLang="ja-JP" sz="2400" b="1" dirty="0">
+                <a:latin typeface="+mn-ea"/>
+              </a:rPr>
+              <a:t>4</a:t>
+            </a:r>
+            <a:endParaRPr kumimoji="1" lang="ja-JP" altLang="en-US" sz="2400" b="1" dirty="0">
+              <a:latin typeface="+mn-ea"/>
+            </a:endParaRPr>
+          </a:p>
+        </p:txBody>
+      </p:sp>
+      <p:sp>
+        <p:nvSpPr>
+          <p:cNvPr id="69" name="テキスト ボックス 68">
+            <a:extLst>
+              <a:ext uri="{FF2B5EF4-FFF2-40B4-BE49-F238E27FC236}">
+                <a16:creationId xmlns:a16="http://schemas.microsoft.com/office/drawing/2014/main" id="{C660B72D-A885-4C19-8986-25B03BD48A2F}"/>
+              </a:ext>
+            </a:extLst>
+          </p:cNvPr>
+          <p:cNvSpPr txBox="1"/>
+          <p:nvPr/>
+        </p:nvSpPr>
+        <p:spPr>
+          <a:xfrm>
+            <a:off x="4657929" y="6429364"/>
+            <a:ext cx="570990" cy="461665"/>
+          </a:xfrm>
+          <a:prstGeom prst="rect">
+            <a:avLst/>
+          </a:prstGeom>
+          <a:noFill/>
+        </p:spPr>
+        <p:txBody>
+          <a:bodyPr wrap="none" rtlCol="0">
+            <a:spAutoFit/>
+          </a:bodyPr>
+          <a:lstStyle/>
+          <a:p>
+            <a:r>
+              <a:rPr kumimoji="1" lang="ja-JP" altLang="en-US" sz="2400" b="1" dirty="0">
+                <a:latin typeface="Georgia" panose="02040502050405020303" pitchFamily="18" charset="0"/>
+              </a:rPr>
+              <a:t>イ </a:t>
+            </a:r>
+          </a:p>
+        </p:txBody>
+      </p:sp>
+      <p:sp>
+        <p:nvSpPr>
+          <p:cNvPr id="70" name="テキスト ボックス 69">
+            <a:extLst>
+              <a:ext uri="{FF2B5EF4-FFF2-40B4-BE49-F238E27FC236}">
+                <a16:creationId xmlns:a16="http://schemas.microsoft.com/office/drawing/2014/main" id="{A232B7DF-7609-4913-8F44-8398CA7AE264}"/>
+              </a:ext>
+            </a:extLst>
+          </p:cNvPr>
+          <p:cNvSpPr txBox="1"/>
+          <p:nvPr/>
+        </p:nvSpPr>
+        <p:spPr>
+          <a:xfrm>
+            <a:off x="1806262" y="6367755"/>
+            <a:ext cx="570990" cy="461665"/>
+          </a:xfrm>
+          <a:prstGeom prst="rect">
+            <a:avLst/>
+          </a:prstGeom>
+          <a:noFill/>
+        </p:spPr>
+        <p:txBody>
+          <a:bodyPr wrap="none" rtlCol="0">
+            <a:spAutoFit/>
+          </a:bodyPr>
+          <a:lstStyle/>
+          <a:p>
+            <a:r>
+              <a:rPr kumimoji="1" lang="ja-JP" altLang="en-US" sz="2400" b="1" dirty="0">
+                <a:latin typeface="Georgia" panose="02040502050405020303" pitchFamily="18" charset="0"/>
+              </a:rPr>
+              <a:t>イ </a:t>
+            </a:r>
+          </a:p>
+        </p:txBody>
+      </p:sp>
+      <p:sp>
+        <p:nvSpPr>
+          <p:cNvPr id="75" name="テキスト ボックス 74">
+            <a:extLst>
+              <a:ext uri="{FF2B5EF4-FFF2-40B4-BE49-F238E27FC236}">
+                <a16:creationId xmlns:a16="http://schemas.microsoft.com/office/drawing/2014/main" id="{382C0E3C-7C15-48EA-889E-0CA52E05B8BC}"/>
+              </a:ext>
+            </a:extLst>
+          </p:cNvPr>
+          <p:cNvSpPr txBox="1"/>
+          <p:nvPr/>
+        </p:nvSpPr>
+        <p:spPr>
+          <a:xfrm>
+            <a:off x="8574991" y="660596"/>
+            <a:ext cx="570990" cy="461665"/>
+          </a:xfrm>
+          <a:prstGeom prst="rect">
+            <a:avLst/>
+          </a:prstGeom>
+          <a:noFill/>
+        </p:spPr>
+        <p:txBody>
+          <a:bodyPr wrap="none" rtlCol="0">
+            <a:spAutoFit/>
+          </a:bodyPr>
+          <a:lstStyle/>
+          <a:p>
+            <a:r>
+              <a:rPr kumimoji="1" lang="ja-JP" altLang="en-US" sz="2400" b="1" dirty="0">
+                <a:latin typeface="Georgia" panose="02040502050405020303" pitchFamily="18" charset="0"/>
+              </a:rPr>
+              <a:t>イ </a:t>
+            </a:r>
+          </a:p>
+        </p:txBody>
+      </p:sp>
+      <p:sp>
+        <p:nvSpPr>
+          <p:cNvPr id="76" name="テキスト ボックス 75">
+            <a:extLst>
+              <a:ext uri="{FF2B5EF4-FFF2-40B4-BE49-F238E27FC236}">
+                <a16:creationId xmlns:a16="http://schemas.microsoft.com/office/drawing/2014/main" id="{BDE9EEA3-7B6F-45B8-AF6A-D5E642D0E619}"/>
+              </a:ext>
+            </a:extLst>
+          </p:cNvPr>
+          <p:cNvSpPr txBox="1"/>
+          <p:nvPr/>
+        </p:nvSpPr>
+        <p:spPr>
+          <a:xfrm>
+            <a:off x="5309852" y="566982"/>
+            <a:ext cx="570990" cy="461665"/>
+          </a:xfrm>
+          <a:prstGeom prst="rect">
+            <a:avLst/>
+          </a:prstGeom>
+          <a:noFill/>
+        </p:spPr>
+        <p:txBody>
+          <a:bodyPr wrap="none" rtlCol="0">
+            <a:spAutoFit/>
+          </a:bodyPr>
+          <a:lstStyle/>
+          <a:p>
+            <a:r>
+              <a:rPr kumimoji="1" lang="ja-JP" altLang="en-US" sz="2400" b="1" dirty="0">
+                <a:latin typeface="Georgia" panose="02040502050405020303" pitchFamily="18" charset="0"/>
+              </a:rPr>
+              <a:t>イ </a:t>
+            </a:r>
+          </a:p>
+        </p:txBody>
+      </p:sp>
+    </p:spTree>
+    <p:extLst>
+      <p:ext uri="{BB962C8B-B14F-4D97-AF65-F5344CB8AC3E}">
+        <p14:creationId xmlns:p14="http://schemas.microsoft.com/office/powerpoint/2010/main" val="1319647222"/>
+      </p:ext>
+    </p:extLst>
+  </p:cSld>
+  <p:clrMapOvr>
+    <a:masterClrMapping/>
+  </p:clrMapOvr>
+</p:sld>
+</file>
+
+<file path=ppt/slides/slide11.xml><?xml version="1.0" encoding="utf-8"?>
+<p:sld xmlns:a="http://schemas.openxmlformats.org/drawingml/2006/main" xmlns:r="http://schemas.openxmlformats.org/officeDocument/2006/relationships" xmlns:p="http://schemas.openxmlformats.org/presentationml/2006/main">
+  <p:cSld>
+    <p:spTree>
+      <p:nvGrpSpPr>
+        <p:cNvPr id="1" name=""/>
+        <p:cNvGrpSpPr/>
+        <p:nvPr/>
+      </p:nvGrpSpPr>
+      <p:grpSpPr>
+        <a:xfrm>
+          <a:off x="0" y="0"/>
+          <a:ext cx="0" cy="0"/>
+          <a:chOff x="0" y="0"/>
+          <a:chExt cx="0" cy="0"/>
+        </a:xfrm>
+      </p:grpSpPr>
+      <p:sp>
+        <p:nvSpPr>
           <p:cNvPr id="18" name="楕円 17">
             <a:extLst>
               <a:ext uri="{FF2B5EF4-FFF2-40B4-BE49-F238E27FC236}">
@@ -17500,10 +19124,10 @@
       </p:grpSpPr>
       <p:sp>
         <p:nvSpPr>
-          <p:cNvPr id="44" name="楕円 43">
-            <a:extLst>
-              <a:ext uri="{FF2B5EF4-FFF2-40B4-BE49-F238E27FC236}">
-                <a16:creationId xmlns:a16="http://schemas.microsoft.com/office/drawing/2014/main" id="{F928BFB5-9CA6-4D76-89C5-95229637D3F1}"/>
+          <p:cNvPr id="18" name="楕円 17">
+            <a:extLst>
+              <a:ext uri="{FF2B5EF4-FFF2-40B4-BE49-F238E27FC236}">
+                <a16:creationId xmlns:a16="http://schemas.microsoft.com/office/drawing/2014/main" id="{A2E154AD-98D1-4F44-81A2-0CBE45258587}"/>
               </a:ext>
             </a:extLst>
           </p:cNvPr>
@@ -17512,8 +19136,8 @@
         </p:nvSpPr>
         <p:spPr>
           <a:xfrm>
-            <a:off x="7486820" y="165819"/>
-            <a:ext cx="786798" cy="818707"/>
+            <a:off x="7586885" y="325626"/>
+            <a:ext cx="786798" cy="736573"/>
           </a:xfrm>
           <a:prstGeom prst="ellipse">
             <a:avLst/>
@@ -17550,30 +19174,53 @@
           <a:lstStyle/>
           <a:p>
             <a:pPr algn="ctr"/>
-            <a:r>
-              <a:rPr kumimoji="1" lang="en-US" altLang="ja-JP" sz="2400" dirty="0">
-                <a:solidFill>
-                  <a:schemeClr val="tx1"/>
-                </a:solidFill>
-                <a:latin typeface="+mn-ea"/>
+            <a:endParaRPr kumimoji="1" lang="ja-JP" altLang="en-US"/>
+          </a:p>
+        </p:txBody>
+      </p:sp>
+      <p:sp>
+        <p:nvSpPr>
+          <p:cNvPr id="65" name="テキスト ボックス 64">
+            <a:extLst>
+              <a:ext uri="{FF2B5EF4-FFF2-40B4-BE49-F238E27FC236}">
+                <a16:creationId xmlns:a16="http://schemas.microsoft.com/office/drawing/2014/main" id="{720CAE87-79A7-4680-AF5B-CD23648F3E71}"/>
+              </a:ext>
+            </a:extLst>
+          </p:cNvPr>
+          <p:cNvSpPr txBox="1"/>
+          <p:nvPr/>
+        </p:nvSpPr>
+        <p:spPr>
+          <a:xfrm>
+            <a:off x="5478370" y="5296002"/>
+            <a:ext cx="492443" cy="461665"/>
+          </a:xfrm>
+          <a:prstGeom prst="rect">
+            <a:avLst/>
+          </a:prstGeom>
+          <a:noFill/>
+        </p:spPr>
+        <p:txBody>
+          <a:bodyPr wrap="none" rtlCol="0">
+            <a:spAutoFit/>
+          </a:bodyPr>
+          <a:lstStyle/>
+          <a:p>
+            <a:r>
+              <a:rPr kumimoji="1" lang="ja-JP" altLang="en-US" sz="2400" b="1" dirty="0">
+                <a:latin typeface="Georgia" panose="02040502050405020303" pitchFamily="18" charset="0"/>
               </a:rPr>
-              <a:t>( )</a:t>
-            </a:r>
-            <a:endParaRPr kumimoji="1" lang="ja-JP" altLang="en-US" sz="2400" dirty="0">
-              <a:solidFill>
-                <a:schemeClr val="tx1"/>
-              </a:solidFill>
-              <a:latin typeface="+mn-ea"/>
-            </a:endParaRPr>
-          </a:p>
-        </p:txBody>
-      </p:sp>
-      <p:sp>
-        <p:nvSpPr>
-          <p:cNvPr id="57" name="楕円 56">
-            <a:extLst>
-              <a:ext uri="{FF2B5EF4-FFF2-40B4-BE49-F238E27FC236}">
-                <a16:creationId xmlns:a16="http://schemas.microsoft.com/office/drawing/2014/main" id="{F4F8F858-C738-46FB-9F0D-CEC6F20372E8}"/>
+              <a:t>イ</a:t>
+            </a:r>
+          </a:p>
+        </p:txBody>
+      </p:sp>
+      <p:sp>
+        <p:nvSpPr>
+          <p:cNvPr id="44" name="楕円 43">
+            <a:extLst>
+              <a:ext uri="{FF2B5EF4-FFF2-40B4-BE49-F238E27FC236}">
+                <a16:creationId xmlns:a16="http://schemas.microsoft.com/office/drawing/2014/main" id="{F928BFB5-9CA6-4D76-89C5-95229637D3F1}"/>
               </a:ext>
             </a:extLst>
           </p:cNvPr>
@@ -17581,17 +19228,21 @@
           <p:nvPr/>
         </p:nvSpPr>
         <p:spPr>
-          <a:xfrm flipV="1">
-            <a:off x="1154496" y="5364812"/>
-            <a:ext cx="176092" cy="182966"/>
+          <a:xfrm>
+            <a:off x="4691572" y="4996776"/>
+            <a:ext cx="786798" cy="818707"/>
           </a:xfrm>
           <a:prstGeom prst="ellipse">
             <a:avLst/>
           </a:prstGeom>
-          <a:noFill/>
-          <a:ln w="28575">
-            <a:solidFill>
-              <a:schemeClr val="tx1"/>
+          <a:solidFill>
+            <a:schemeClr val="bg1"/>
+          </a:solidFill>
+          <a:ln w="38100">
+            <a:solidFill>
+              <a:schemeClr val="bg2">
+                <a:lumMod val="10000"/>
+              </a:schemeClr>
             </a:solidFill>
           </a:ln>
         </p:spPr>
@@ -17622,10 +19273,10 @@
       </p:sp>
       <p:sp>
         <p:nvSpPr>
-          <p:cNvPr id="59" name="テキスト ボックス 58">
-            <a:extLst>
-              <a:ext uri="{FF2B5EF4-FFF2-40B4-BE49-F238E27FC236}">
-                <a16:creationId xmlns:a16="http://schemas.microsoft.com/office/drawing/2014/main" id="{B6D073DF-5CFE-4F76-875A-22183B3B15AC}"/>
+          <p:cNvPr id="17" name="テキスト ボックス 16">
+            <a:extLst>
+              <a:ext uri="{FF2B5EF4-FFF2-40B4-BE49-F238E27FC236}">
+                <a16:creationId xmlns:a16="http://schemas.microsoft.com/office/drawing/2014/main" id="{AC6C95F1-9AEE-4281-815C-B257B0651CA7}"/>
               </a:ext>
             </a:extLst>
           </p:cNvPr>
@@ -17634,7 +19285,627 @@
         </p:nvSpPr>
         <p:spPr>
           <a:xfrm>
-            <a:off x="442621" y="1057369"/>
+            <a:off x="4704332" y="4967160"/>
+            <a:ext cx="777777" cy="769441"/>
+          </a:xfrm>
+          <a:prstGeom prst="rect">
+            <a:avLst/>
+          </a:prstGeom>
+          <a:noFill/>
+        </p:spPr>
+        <p:txBody>
+          <a:bodyPr wrap="none" rtlCol="0">
+            <a:spAutoFit/>
+          </a:bodyPr>
+          <a:lstStyle/>
+          <a:p>
+            <a:r>
+              <a:rPr kumimoji="1" lang="en-US" altLang="ja-JP" sz="4400" dirty="0">
+                <a:latin typeface="Cambria Math" panose="02040503050406030204" pitchFamily="18" charset="0"/>
+              </a:rPr>
+              <a:t>( )</a:t>
+            </a:r>
+            <a:endParaRPr kumimoji="1" lang="ja-JP" altLang="en-US" sz="4400" dirty="0">
+              <a:latin typeface="Cambria Math" panose="02040503050406030204" pitchFamily="18" charset="0"/>
+            </a:endParaRPr>
+          </a:p>
+        </p:txBody>
+      </p:sp>
+      <p:cxnSp>
+        <p:nvCxnSpPr>
+          <p:cNvPr id="50" name="直線コネクタ 49">
+            <a:extLst>
+              <a:ext uri="{FF2B5EF4-FFF2-40B4-BE49-F238E27FC236}">
+                <a16:creationId xmlns:a16="http://schemas.microsoft.com/office/drawing/2014/main" id="{56332DDB-6A1C-4EF3-9621-CC3E4A766C5B}"/>
+              </a:ext>
+            </a:extLst>
+          </p:cNvPr>
+          <p:cNvCxnSpPr>
+            <a:cxnSpLocks/>
+          </p:cNvCxnSpPr>
+          <p:nvPr/>
+        </p:nvCxnSpPr>
+        <p:spPr>
+          <a:xfrm flipH="1" flipV="1">
+            <a:off x="7694365" y="893996"/>
+            <a:ext cx="571838" cy="345"/>
+          </a:xfrm>
+          <a:prstGeom prst="line">
+            <a:avLst/>
+          </a:prstGeom>
+          <a:ln w="57150">
+            <a:solidFill>
+              <a:schemeClr val="bg2">
+                <a:lumMod val="10000"/>
+              </a:schemeClr>
+            </a:solidFill>
+          </a:ln>
+        </p:spPr>
+        <p:style>
+          <a:lnRef idx="1">
+            <a:schemeClr val="accent1"/>
+          </a:lnRef>
+          <a:fillRef idx="0">
+            <a:schemeClr val="accent1"/>
+          </a:fillRef>
+          <a:effectRef idx="0">
+            <a:schemeClr val="accent1"/>
+          </a:effectRef>
+          <a:fontRef idx="minor">
+            <a:schemeClr val="tx1"/>
+          </a:fontRef>
+        </p:style>
+      </p:cxnSp>
+      <p:cxnSp>
+        <p:nvCxnSpPr>
+          <p:cNvPr id="55" name="直線コネクタ 54">
+            <a:extLst>
+              <a:ext uri="{FF2B5EF4-FFF2-40B4-BE49-F238E27FC236}">
+                <a16:creationId xmlns:a16="http://schemas.microsoft.com/office/drawing/2014/main" id="{7F65EDAD-F862-4A67-83DB-A8ECF73A00F4}"/>
+              </a:ext>
+            </a:extLst>
+          </p:cNvPr>
+          <p:cNvCxnSpPr>
+            <a:cxnSpLocks/>
+            <a:endCxn id="57" idx="5"/>
+          </p:cNvCxnSpPr>
+          <p:nvPr/>
+        </p:nvCxnSpPr>
+        <p:spPr>
+          <a:xfrm flipH="1">
+            <a:off x="1988471" y="5296002"/>
+            <a:ext cx="461204" cy="168565"/>
+          </a:xfrm>
+          <a:prstGeom prst="line">
+            <a:avLst/>
+          </a:prstGeom>
+          <a:ln w="19050">
+            <a:solidFill>
+              <a:schemeClr val="bg2">
+                <a:lumMod val="10000"/>
+              </a:schemeClr>
+            </a:solidFill>
+          </a:ln>
+        </p:spPr>
+        <p:style>
+          <a:lnRef idx="1">
+            <a:schemeClr val="accent1"/>
+          </a:lnRef>
+          <a:fillRef idx="0">
+            <a:schemeClr val="accent1"/>
+          </a:fillRef>
+          <a:effectRef idx="0">
+            <a:schemeClr val="accent1"/>
+          </a:effectRef>
+          <a:fontRef idx="minor">
+            <a:schemeClr val="tx1"/>
+          </a:fontRef>
+        </p:style>
+      </p:cxnSp>
+      <p:sp>
+        <p:nvSpPr>
+          <p:cNvPr id="56" name="楕円 55">
+            <a:extLst>
+              <a:ext uri="{FF2B5EF4-FFF2-40B4-BE49-F238E27FC236}">
+                <a16:creationId xmlns:a16="http://schemas.microsoft.com/office/drawing/2014/main" id="{6F64983C-8A89-4E4D-8122-0AD058935A51}"/>
+              </a:ext>
+            </a:extLst>
+          </p:cNvPr>
+          <p:cNvSpPr/>
+          <p:nvPr/>
+        </p:nvSpPr>
+        <p:spPr>
+          <a:xfrm flipV="1">
+            <a:off x="2398883" y="5438117"/>
+            <a:ext cx="176092" cy="182966"/>
+          </a:xfrm>
+          <a:prstGeom prst="ellipse">
+            <a:avLst/>
+          </a:prstGeom>
+          <a:noFill/>
+          <a:ln w="28575">
+            <a:solidFill>
+              <a:schemeClr val="tx1"/>
+            </a:solidFill>
+          </a:ln>
+        </p:spPr>
+        <p:style>
+          <a:lnRef idx="2">
+            <a:schemeClr val="accent1">
+              <a:shade val="50000"/>
+            </a:schemeClr>
+          </a:lnRef>
+          <a:fillRef idx="1">
+            <a:schemeClr val="accent1"/>
+          </a:fillRef>
+          <a:effectRef idx="0">
+            <a:schemeClr val="accent1"/>
+          </a:effectRef>
+          <a:fontRef idx="minor">
+            <a:schemeClr val="lt1"/>
+          </a:fontRef>
+        </p:style>
+        <p:txBody>
+          <a:bodyPr rtlCol="0" anchor="ctr"/>
+          <a:lstStyle/>
+          <a:p>
+            <a:pPr algn="ctr"/>
+            <a:endParaRPr kumimoji="1" lang="ja-JP" altLang="en-US"/>
+          </a:p>
+        </p:txBody>
+      </p:sp>
+      <p:sp>
+        <p:nvSpPr>
+          <p:cNvPr id="57" name="楕円 56">
+            <a:extLst>
+              <a:ext uri="{FF2B5EF4-FFF2-40B4-BE49-F238E27FC236}">
+                <a16:creationId xmlns:a16="http://schemas.microsoft.com/office/drawing/2014/main" id="{F4F8F858-C738-46FB-9F0D-CEC6F20372E8}"/>
+              </a:ext>
+            </a:extLst>
+          </p:cNvPr>
+          <p:cNvSpPr/>
+          <p:nvPr/>
+        </p:nvSpPr>
+        <p:spPr>
+          <a:xfrm flipV="1">
+            <a:off x="1838167" y="5437772"/>
+            <a:ext cx="176092" cy="182966"/>
+          </a:xfrm>
+          <a:prstGeom prst="ellipse">
+            <a:avLst/>
+          </a:prstGeom>
+          <a:noFill/>
+          <a:ln w="28575">
+            <a:solidFill>
+              <a:schemeClr val="tx1"/>
+            </a:solidFill>
+          </a:ln>
+        </p:spPr>
+        <p:style>
+          <a:lnRef idx="2">
+            <a:schemeClr val="accent1">
+              <a:shade val="50000"/>
+            </a:schemeClr>
+          </a:lnRef>
+          <a:fillRef idx="1">
+            <a:schemeClr val="accent1"/>
+          </a:fillRef>
+          <a:effectRef idx="0">
+            <a:schemeClr val="accent1"/>
+          </a:effectRef>
+          <a:fontRef idx="minor">
+            <a:schemeClr val="lt1"/>
+          </a:fontRef>
+        </p:style>
+        <p:txBody>
+          <a:bodyPr rtlCol="0" anchor="ctr"/>
+          <a:lstStyle/>
+          <a:p>
+            <a:pPr algn="ctr"/>
+            <a:endParaRPr kumimoji="1" lang="ja-JP" altLang="en-US"/>
+          </a:p>
+        </p:txBody>
+      </p:sp>
+      <p:cxnSp>
+        <p:nvCxnSpPr>
+          <p:cNvPr id="64" name="直線コネクタ 63">
+            <a:extLst>
+              <a:ext uri="{FF2B5EF4-FFF2-40B4-BE49-F238E27FC236}">
+                <a16:creationId xmlns:a16="http://schemas.microsoft.com/office/drawing/2014/main" id="{4D658397-2C4B-4000-8063-9848F82650BA}"/>
+              </a:ext>
+            </a:extLst>
+          </p:cNvPr>
+          <p:cNvCxnSpPr>
+            <a:cxnSpLocks/>
+          </p:cNvCxnSpPr>
+          <p:nvPr/>
+        </p:nvCxnSpPr>
+        <p:spPr>
+          <a:xfrm flipV="1">
+            <a:off x="7875772" y="325626"/>
+            <a:ext cx="0" cy="554960"/>
+          </a:xfrm>
+          <a:prstGeom prst="line">
+            <a:avLst/>
+          </a:prstGeom>
+          <a:ln w="57150">
+            <a:solidFill>
+              <a:schemeClr val="bg2">
+                <a:lumMod val="10000"/>
+              </a:schemeClr>
+            </a:solidFill>
+          </a:ln>
+        </p:spPr>
+        <p:style>
+          <a:lnRef idx="1">
+            <a:schemeClr val="accent1"/>
+          </a:lnRef>
+          <a:fillRef idx="0">
+            <a:schemeClr val="accent1"/>
+          </a:fillRef>
+          <a:effectRef idx="0">
+            <a:schemeClr val="accent1"/>
+          </a:effectRef>
+          <a:fontRef idx="minor">
+            <a:schemeClr val="tx1"/>
+          </a:fontRef>
+        </p:style>
+      </p:cxnSp>
+      <p:cxnSp>
+        <p:nvCxnSpPr>
+          <p:cNvPr id="66" name="直線コネクタ 65">
+            <a:extLst>
+              <a:ext uri="{FF2B5EF4-FFF2-40B4-BE49-F238E27FC236}">
+                <a16:creationId xmlns:a16="http://schemas.microsoft.com/office/drawing/2014/main" id="{F9F57985-8243-4B72-9226-BFAD4CE2DEEC}"/>
+              </a:ext>
+            </a:extLst>
+          </p:cNvPr>
+          <p:cNvCxnSpPr>
+            <a:cxnSpLocks/>
+          </p:cNvCxnSpPr>
+          <p:nvPr/>
+        </p:nvCxnSpPr>
+        <p:spPr>
+          <a:xfrm flipV="1">
+            <a:off x="8082017" y="326879"/>
+            <a:ext cx="0" cy="554960"/>
+          </a:xfrm>
+          <a:prstGeom prst="line">
+            <a:avLst/>
+          </a:prstGeom>
+          <a:ln w="57150">
+            <a:solidFill>
+              <a:schemeClr val="bg2">
+                <a:lumMod val="10000"/>
+              </a:schemeClr>
+            </a:solidFill>
+          </a:ln>
+        </p:spPr>
+        <p:style>
+          <a:lnRef idx="1">
+            <a:schemeClr val="accent1"/>
+          </a:lnRef>
+          <a:fillRef idx="0">
+            <a:schemeClr val="accent1"/>
+          </a:fillRef>
+          <a:effectRef idx="0">
+            <a:schemeClr val="accent1"/>
+          </a:effectRef>
+          <a:fontRef idx="minor">
+            <a:schemeClr val="tx1"/>
+          </a:fontRef>
+        </p:style>
+      </p:cxnSp>
+      <p:sp>
+        <p:nvSpPr>
+          <p:cNvPr id="5" name="楕円 4">
+            <a:extLst>
+              <a:ext uri="{FF2B5EF4-FFF2-40B4-BE49-F238E27FC236}">
+                <a16:creationId xmlns:a16="http://schemas.microsoft.com/office/drawing/2014/main" id="{4542E235-6EE1-4DB0-BE9E-EE5CE07EC58A}"/>
+              </a:ext>
+            </a:extLst>
+          </p:cNvPr>
+          <p:cNvSpPr/>
+          <p:nvPr/>
+        </p:nvSpPr>
+        <p:spPr>
+          <a:xfrm flipV="1">
+            <a:off x="5168966" y="679254"/>
+            <a:ext cx="176092" cy="182966"/>
+          </a:xfrm>
+          <a:prstGeom prst="ellipse">
+            <a:avLst/>
+          </a:prstGeom>
+          <a:noFill/>
+          <a:ln w="28575">
+            <a:solidFill>
+              <a:schemeClr val="tx1"/>
+            </a:solidFill>
+          </a:ln>
+        </p:spPr>
+        <p:style>
+          <a:lnRef idx="2">
+            <a:schemeClr val="accent1">
+              <a:shade val="50000"/>
+            </a:schemeClr>
+          </a:lnRef>
+          <a:fillRef idx="1">
+            <a:schemeClr val="accent1"/>
+          </a:fillRef>
+          <a:effectRef idx="0">
+            <a:schemeClr val="accent1"/>
+          </a:effectRef>
+          <a:fontRef idx="minor">
+            <a:schemeClr val="lt1"/>
+          </a:fontRef>
+        </p:style>
+        <p:txBody>
+          <a:bodyPr rtlCol="0" anchor="ctr"/>
+          <a:lstStyle/>
+          <a:p>
+            <a:pPr algn="ctr"/>
+            <a:endParaRPr kumimoji="1" lang="ja-JP" altLang="en-US"/>
+          </a:p>
+        </p:txBody>
+      </p:sp>
+      <p:sp>
+        <p:nvSpPr>
+          <p:cNvPr id="6" name="楕円 5">
+            <a:extLst>
+              <a:ext uri="{FF2B5EF4-FFF2-40B4-BE49-F238E27FC236}">
+                <a16:creationId xmlns:a16="http://schemas.microsoft.com/office/drawing/2014/main" id="{630E7E12-91AA-49D1-96D5-8D8D3C17C1BA}"/>
+              </a:ext>
+            </a:extLst>
+          </p:cNvPr>
+          <p:cNvSpPr/>
+          <p:nvPr/>
+        </p:nvSpPr>
+        <p:spPr>
+          <a:xfrm flipV="1">
+            <a:off x="4668664" y="679581"/>
+            <a:ext cx="176092" cy="182966"/>
+          </a:xfrm>
+          <a:prstGeom prst="ellipse">
+            <a:avLst/>
+          </a:prstGeom>
+          <a:solidFill>
+            <a:schemeClr val="tx1"/>
+          </a:solidFill>
+          <a:ln w="28575">
+            <a:noFill/>
+          </a:ln>
+        </p:spPr>
+        <p:style>
+          <a:lnRef idx="2">
+            <a:schemeClr val="accent1">
+              <a:shade val="50000"/>
+            </a:schemeClr>
+          </a:lnRef>
+          <a:fillRef idx="1">
+            <a:schemeClr val="accent1"/>
+          </a:fillRef>
+          <a:effectRef idx="0">
+            <a:schemeClr val="accent1"/>
+          </a:effectRef>
+          <a:fontRef idx="minor">
+            <a:schemeClr val="lt1"/>
+          </a:fontRef>
+        </p:style>
+        <p:txBody>
+          <a:bodyPr rtlCol="0" anchor="ctr"/>
+          <a:lstStyle/>
+          <a:p>
+            <a:pPr algn="ctr"/>
+            <a:endParaRPr kumimoji="1" lang="ja-JP" altLang="en-US"/>
+          </a:p>
+        </p:txBody>
+      </p:sp>
+      <p:sp>
+        <p:nvSpPr>
+          <p:cNvPr id="7" name="楕円 6">
+            <a:extLst>
+              <a:ext uri="{FF2B5EF4-FFF2-40B4-BE49-F238E27FC236}">
+                <a16:creationId xmlns:a16="http://schemas.microsoft.com/office/drawing/2014/main" id="{3B110D3F-0631-4A34-B34D-A3A8EAD6EF60}"/>
+              </a:ext>
+            </a:extLst>
+          </p:cNvPr>
+          <p:cNvSpPr/>
+          <p:nvPr/>
+        </p:nvSpPr>
+        <p:spPr>
+          <a:xfrm>
+            <a:off x="1250701" y="1746609"/>
+            <a:ext cx="1943891" cy="1922693"/>
+          </a:xfrm>
+          <a:prstGeom prst="ellipse">
+            <a:avLst/>
+          </a:prstGeom>
+          <a:solidFill>
+            <a:schemeClr val="bg1"/>
+          </a:solidFill>
+          <a:ln w="28575">
+            <a:solidFill>
+              <a:schemeClr val="bg2">
+                <a:lumMod val="10000"/>
+              </a:schemeClr>
+            </a:solidFill>
+            <a:prstDash val="dash"/>
+          </a:ln>
+        </p:spPr>
+        <p:style>
+          <a:lnRef idx="2">
+            <a:schemeClr val="accent1">
+              <a:shade val="50000"/>
+            </a:schemeClr>
+          </a:lnRef>
+          <a:fillRef idx="1">
+            <a:schemeClr val="accent1"/>
+          </a:fillRef>
+          <a:effectRef idx="0">
+            <a:schemeClr val="accent1"/>
+          </a:effectRef>
+          <a:fontRef idx="minor">
+            <a:schemeClr val="lt1"/>
+          </a:fontRef>
+        </p:style>
+        <p:txBody>
+          <a:bodyPr rtlCol="0" anchor="ctr"/>
+          <a:lstStyle/>
+          <a:p>
+            <a:pPr algn="ctr"/>
+            <a:endParaRPr kumimoji="1" lang="ja-JP" altLang="en-US"/>
+          </a:p>
+        </p:txBody>
+      </p:sp>
+      <p:sp>
+        <p:nvSpPr>
+          <p:cNvPr id="9" name="楕円 8">
+            <a:extLst>
+              <a:ext uri="{FF2B5EF4-FFF2-40B4-BE49-F238E27FC236}">
+                <a16:creationId xmlns:a16="http://schemas.microsoft.com/office/drawing/2014/main" id="{5F83C3E4-DD28-48F0-9CF1-131ACAD0A376}"/>
+              </a:ext>
+            </a:extLst>
+          </p:cNvPr>
+          <p:cNvSpPr/>
+          <p:nvPr/>
+        </p:nvSpPr>
+        <p:spPr>
+          <a:xfrm>
+            <a:off x="3984980" y="1746608"/>
+            <a:ext cx="1943891" cy="1922693"/>
+          </a:xfrm>
+          <a:prstGeom prst="ellipse">
+            <a:avLst/>
+          </a:prstGeom>
+          <a:solidFill>
+            <a:schemeClr val="bg1"/>
+          </a:solidFill>
+          <a:ln w="28575">
+            <a:solidFill>
+              <a:schemeClr val="bg2">
+                <a:lumMod val="10000"/>
+              </a:schemeClr>
+            </a:solidFill>
+            <a:prstDash val="dash"/>
+          </a:ln>
+        </p:spPr>
+        <p:style>
+          <a:lnRef idx="2">
+            <a:schemeClr val="accent1">
+              <a:shade val="50000"/>
+            </a:schemeClr>
+          </a:lnRef>
+          <a:fillRef idx="1">
+            <a:schemeClr val="accent1"/>
+          </a:fillRef>
+          <a:effectRef idx="0">
+            <a:schemeClr val="accent1"/>
+          </a:effectRef>
+          <a:fontRef idx="minor">
+            <a:schemeClr val="lt1"/>
+          </a:fontRef>
+        </p:style>
+        <p:txBody>
+          <a:bodyPr rtlCol="0" anchor="ctr"/>
+          <a:lstStyle/>
+          <a:p>
+            <a:pPr algn="ctr"/>
+            <a:endParaRPr kumimoji="1" lang="ja-JP" altLang="en-US"/>
+          </a:p>
+        </p:txBody>
+      </p:sp>
+      <p:sp>
+        <p:nvSpPr>
+          <p:cNvPr id="16" name="テキスト ボックス 15">
+            <a:extLst>
+              <a:ext uri="{FF2B5EF4-FFF2-40B4-BE49-F238E27FC236}">
+                <a16:creationId xmlns:a16="http://schemas.microsoft.com/office/drawing/2014/main" id="{11ABFD26-0EEB-409A-AB57-C9147DB964C5}"/>
+              </a:ext>
+            </a:extLst>
+          </p:cNvPr>
+          <p:cNvSpPr txBox="1"/>
+          <p:nvPr/>
+        </p:nvSpPr>
+        <p:spPr>
+          <a:xfrm>
+            <a:off x="8454372" y="792060"/>
+            <a:ext cx="613925" cy="461665"/>
+          </a:xfrm>
+          <a:prstGeom prst="rect">
+            <a:avLst/>
+          </a:prstGeom>
+          <a:noFill/>
+        </p:spPr>
+        <p:txBody>
+          <a:bodyPr wrap="square" rtlCol="0">
+            <a:spAutoFit/>
+          </a:bodyPr>
+          <a:lstStyle/>
+          <a:p>
+            <a:r>
+              <a:rPr kumimoji="1" lang="en-US" altLang="ja-JP" sz="2400" b="1" dirty="0">
+                <a:latin typeface="Georgia" panose="02040502050405020303" pitchFamily="18" charset="0"/>
+              </a:rPr>
+              <a:t>2</a:t>
+            </a:r>
+            <a:endParaRPr kumimoji="1" lang="ja-JP" altLang="en-US" sz="2400" b="1" dirty="0">
+              <a:latin typeface="Georgia" panose="02040502050405020303" pitchFamily="18" charset="0"/>
+            </a:endParaRPr>
+          </a:p>
+        </p:txBody>
+      </p:sp>
+      <p:sp>
+        <p:nvSpPr>
+          <p:cNvPr id="20" name="テキスト ボックス 19">
+            <a:extLst>
+              <a:ext uri="{FF2B5EF4-FFF2-40B4-BE49-F238E27FC236}">
+                <a16:creationId xmlns:a16="http://schemas.microsoft.com/office/drawing/2014/main" id="{717BE03C-CB30-4BDE-AEBF-A8972D86E172}"/>
+              </a:ext>
+            </a:extLst>
+          </p:cNvPr>
+          <p:cNvSpPr txBox="1"/>
+          <p:nvPr/>
+        </p:nvSpPr>
+        <p:spPr>
+          <a:xfrm>
+            <a:off x="1958736" y="5695302"/>
+            <a:ext cx="492443" cy="461665"/>
+          </a:xfrm>
+          <a:prstGeom prst="rect">
+            <a:avLst/>
+          </a:prstGeom>
+          <a:noFill/>
+        </p:spPr>
+        <p:txBody>
+          <a:bodyPr wrap="none" rtlCol="0">
+            <a:spAutoFit/>
+          </a:bodyPr>
+          <a:lstStyle/>
+          <a:p>
+            <a:r>
+              <a:rPr kumimoji="1" lang="ja-JP" altLang="en-US" sz="2400" b="1" dirty="0">
+                <a:latin typeface="Georgia" panose="02040502050405020303" pitchFamily="18" charset="0"/>
+              </a:rPr>
+              <a:t>イ</a:t>
+            </a:r>
+          </a:p>
+        </p:txBody>
+      </p:sp>
+      <p:sp>
+        <p:nvSpPr>
+          <p:cNvPr id="23" name="テキスト ボックス 22">
+            <a:extLst>
+              <a:ext uri="{FF2B5EF4-FFF2-40B4-BE49-F238E27FC236}">
+                <a16:creationId xmlns:a16="http://schemas.microsoft.com/office/drawing/2014/main" id="{2998232B-0DED-4BBB-8FE4-21473337C476}"/>
+              </a:ext>
+            </a:extLst>
+          </p:cNvPr>
+          <p:cNvSpPr txBox="1"/>
+          <p:nvPr/>
+        </p:nvSpPr>
+        <p:spPr>
+          <a:xfrm>
+            <a:off x="5035620" y="217916"/>
             <a:ext cx="442750" cy="461665"/>
           </a:xfrm>
           <a:prstGeom prst="rect">
@@ -17662,10 +19933,10 @@
       </p:sp>
       <p:sp>
         <p:nvSpPr>
-          <p:cNvPr id="62" name="テキスト ボックス 61">
-            <a:extLst>
-              <a:ext uri="{FF2B5EF4-FFF2-40B4-BE49-F238E27FC236}">
-                <a16:creationId xmlns:a16="http://schemas.microsoft.com/office/drawing/2014/main" id="{C597223E-4A96-43CD-B173-B1519D614EF1}"/>
+          <p:cNvPr id="24" name="テキスト ボックス 23">
+            <a:extLst>
+              <a:ext uri="{FF2B5EF4-FFF2-40B4-BE49-F238E27FC236}">
+                <a16:creationId xmlns:a16="http://schemas.microsoft.com/office/drawing/2014/main" id="{CAD876F1-1C0C-4045-B2A6-9488A827BDBD}"/>
               </a:ext>
             </a:extLst>
           </p:cNvPr>
@@ -17674,7 +19945,7 @@
         </p:nvSpPr>
         <p:spPr>
           <a:xfrm>
-            <a:off x="442621" y="1678084"/>
+            <a:off x="4528506" y="217916"/>
             <a:ext cx="396262" cy="461665"/>
           </a:xfrm>
           <a:prstGeom prst="rect">
@@ -17689,7 +19960,7 @@
           <a:lstStyle/>
           <a:p>
             <a:r>
-              <a:rPr lang="en-US" altLang="ja-JP" sz="2400" b="1" dirty="0">
+              <a:rPr kumimoji="1" lang="en-US" altLang="ja-JP" sz="2400" b="1" dirty="0">
                 <a:latin typeface="Georgia" panose="02040502050405020303" pitchFamily="18" charset="0"/>
               </a:rPr>
               <a:t>L</a:t>
@@ -17702,10 +19973,47 @@
       </p:sp>
       <p:sp>
         <p:nvSpPr>
-          <p:cNvPr id="33" name="楕円 32">
-            <a:extLst>
-              <a:ext uri="{FF2B5EF4-FFF2-40B4-BE49-F238E27FC236}">
-                <a16:creationId xmlns:a16="http://schemas.microsoft.com/office/drawing/2014/main" id="{A57367C7-59F6-4678-B4BE-DEBB72E03F5D}"/>
+          <p:cNvPr id="2" name="テキスト ボックス 1">
+            <a:extLst>
+              <a:ext uri="{FF2B5EF4-FFF2-40B4-BE49-F238E27FC236}">
+                <a16:creationId xmlns:a16="http://schemas.microsoft.com/office/drawing/2014/main" id="{3BAA7CD5-5A36-45E7-8A9E-8452104EE84E}"/>
+              </a:ext>
+            </a:extLst>
+          </p:cNvPr>
+          <p:cNvSpPr txBox="1"/>
+          <p:nvPr/>
+        </p:nvSpPr>
+        <p:spPr>
+          <a:xfrm>
+            <a:off x="2624965" y="417813"/>
+            <a:ext cx="492443" cy="461665"/>
+          </a:xfrm>
+          <a:prstGeom prst="rect">
+            <a:avLst/>
+          </a:prstGeom>
+          <a:noFill/>
+        </p:spPr>
+        <p:txBody>
+          <a:bodyPr wrap="none" rtlCol="0">
+            <a:spAutoFit/>
+          </a:bodyPr>
+          <a:lstStyle/>
+          <a:p>
+            <a:r>
+              <a:rPr kumimoji="1" lang="ja-JP" altLang="en-US" sz="2400" b="1" dirty="0">
+                <a:latin typeface="Georgia" panose="02040502050405020303" pitchFamily="18" charset="0"/>
+              </a:rPr>
+              <a:t>イ</a:t>
+            </a:r>
+          </a:p>
+        </p:txBody>
+      </p:sp>
+      <p:sp>
+        <p:nvSpPr>
+          <p:cNvPr id="3" name="楕円 2">
+            <a:extLst>
+              <a:ext uri="{FF2B5EF4-FFF2-40B4-BE49-F238E27FC236}">
+                <a16:creationId xmlns:a16="http://schemas.microsoft.com/office/drawing/2014/main" id="{CB003734-785B-4885-B625-31F194B279F2}"/>
               </a:ext>
             </a:extLst>
           </p:cNvPr>
@@ -17714,8 +20022,8 @@
         </p:nvSpPr>
         <p:spPr>
           <a:xfrm>
-            <a:off x="7520777" y="2859886"/>
-            <a:ext cx="786798" cy="751837"/>
+            <a:off x="1838167" y="118587"/>
+            <a:ext cx="786798" cy="818707"/>
           </a:xfrm>
           <a:prstGeom prst="ellipse">
             <a:avLst/>
@@ -17752,30 +20060,16 @@
           <a:lstStyle/>
           <a:p>
             <a:pPr algn="ctr"/>
-            <a:r>
-              <a:rPr kumimoji="1" lang="en-US" altLang="ja-JP" sz="3600" dirty="0">
-                <a:solidFill>
-                  <a:schemeClr val="tx1"/>
-                </a:solidFill>
-                <a:latin typeface="+mn-ea"/>
-              </a:rPr>
-              <a:t>R</a:t>
-            </a:r>
-            <a:endParaRPr kumimoji="1" lang="ja-JP" altLang="en-US" sz="3600" dirty="0">
-              <a:solidFill>
-                <a:schemeClr val="tx1"/>
-              </a:solidFill>
-              <a:latin typeface="+mn-ea"/>
-            </a:endParaRPr>
-          </a:p>
-        </p:txBody>
-      </p:sp>
-      <p:sp>
-        <p:nvSpPr>
-          <p:cNvPr id="75" name="テキスト ボックス 74">
-            <a:extLst>
-              <a:ext uri="{FF2B5EF4-FFF2-40B4-BE49-F238E27FC236}">
-                <a16:creationId xmlns:a16="http://schemas.microsoft.com/office/drawing/2014/main" id="{382C0E3C-7C15-48EA-889E-0CA52E05B8BC}"/>
+            <a:endParaRPr kumimoji="1" lang="ja-JP" altLang="en-US"/>
+          </a:p>
+        </p:txBody>
+      </p:sp>
+      <p:sp>
+        <p:nvSpPr>
+          <p:cNvPr id="8" name="テキスト ボックス 7">
+            <a:extLst>
+              <a:ext uri="{FF2B5EF4-FFF2-40B4-BE49-F238E27FC236}">
+                <a16:creationId xmlns:a16="http://schemas.microsoft.com/office/drawing/2014/main" id="{1E0AF941-4756-4A0D-BEAD-851DF1A9F734}"/>
               </a:ext>
             </a:extLst>
           </p:cNvPr>
@@ -17784,8 +20078,8 @@
         </p:nvSpPr>
         <p:spPr>
           <a:xfrm>
-            <a:off x="8383143" y="3016095"/>
-            <a:ext cx="570990" cy="461665"/>
+            <a:off x="1945865" y="133861"/>
+            <a:ext cx="535724" cy="769441"/>
           </a:xfrm>
           <a:prstGeom prst="rect">
             <a:avLst/>
@@ -17799,57 +20093,24 @@
           <a:lstStyle/>
           <a:p>
             <a:r>
-              <a:rPr kumimoji="1" lang="ja-JP" altLang="en-US" sz="2400" b="1" dirty="0">
-                <a:latin typeface="Georgia" panose="02040502050405020303" pitchFamily="18" charset="0"/>
+              <a:rPr kumimoji="1" lang="en-US" altLang="ja-JP" sz="4400" dirty="0">
+                <a:latin typeface="Cambria Math" panose="02040503050406030204" pitchFamily="18" charset="0"/>
+                <a:ea typeface="Cambria Math" panose="02040503050406030204" pitchFamily="18" charset="0"/>
               </a:rPr>
-              <a:t>ロ </a:t>
-            </a:r>
-          </a:p>
-        </p:txBody>
-      </p:sp>
-      <p:sp>
-        <p:nvSpPr>
-          <p:cNvPr id="76" name="テキスト ボックス 75">
-            <a:extLst>
-              <a:ext uri="{FF2B5EF4-FFF2-40B4-BE49-F238E27FC236}">
-                <a16:creationId xmlns:a16="http://schemas.microsoft.com/office/drawing/2014/main" id="{BDE9EEA3-7B6F-45B8-AF6A-D5E642D0E619}"/>
-              </a:ext>
-            </a:extLst>
-          </p:cNvPr>
-          <p:cNvSpPr txBox="1"/>
-          <p:nvPr/>
-        </p:nvSpPr>
-        <p:spPr>
-          <a:xfrm>
-            <a:off x="8307575" y="280186"/>
-            <a:ext cx="570990" cy="461665"/>
-          </a:xfrm>
-          <a:prstGeom prst="rect">
-            <a:avLst/>
-          </a:prstGeom>
-          <a:noFill/>
-        </p:spPr>
-        <p:txBody>
-          <a:bodyPr wrap="none" rtlCol="0">
-            <a:spAutoFit/>
-          </a:bodyPr>
-          <a:lstStyle/>
-          <a:p>
-            <a:r>
-              <a:rPr kumimoji="1" lang="ja-JP" altLang="en-US" sz="2400" b="1" dirty="0">
-                <a:latin typeface="Georgia" panose="02040502050405020303" pitchFamily="18" charset="0"/>
-              </a:rPr>
-              <a:t>イ </a:t>
-            </a:r>
-          </a:p>
-        </p:txBody>
-      </p:sp>
-      <p:sp>
-        <p:nvSpPr>
-          <p:cNvPr id="37" name="正方形/長方形 36">
-            <a:extLst>
-              <a:ext uri="{FF2B5EF4-FFF2-40B4-BE49-F238E27FC236}">
-                <a16:creationId xmlns:a16="http://schemas.microsoft.com/office/drawing/2014/main" id="{3B1D18A8-ADE8-4666-AC22-1A9A0F21A721}"/>
+              <a:t>R</a:t>
+            </a:r>
+            <a:endParaRPr kumimoji="1" lang="ja-JP" altLang="en-US" sz="4400" dirty="0">
+              <a:latin typeface="Cambria Math" panose="02040503050406030204" pitchFamily="18" charset="0"/>
+            </a:endParaRPr>
+          </a:p>
+        </p:txBody>
+      </p:sp>
+      <p:sp>
+        <p:nvSpPr>
+          <p:cNvPr id="40" name="楕円 39">
+            <a:extLst>
+              <a:ext uri="{FF2B5EF4-FFF2-40B4-BE49-F238E27FC236}">
+                <a16:creationId xmlns:a16="http://schemas.microsoft.com/office/drawing/2014/main" id="{1A8B9F64-49EE-4937-A333-1C8B2735E22C}"/>
               </a:ext>
             </a:extLst>
           </p:cNvPr>
@@ -17858,16 +20119,20 @@
         </p:nvSpPr>
         <p:spPr>
           <a:xfrm>
-            <a:off x="992942" y="3261258"/>
-            <a:ext cx="516065" cy="810755"/>
-          </a:xfrm>
-          <a:prstGeom prst="rect">
-            <a:avLst/>
-          </a:prstGeom>
-          <a:noFill/>
-          <a:ln w="28575">
-            <a:solidFill>
-              <a:schemeClr val="tx1"/>
+            <a:off x="7586885" y="2208347"/>
+            <a:ext cx="786798" cy="736573"/>
+          </a:xfrm>
+          <a:prstGeom prst="ellipse">
+            <a:avLst/>
+          </a:prstGeom>
+          <a:solidFill>
+            <a:schemeClr val="bg1"/>
+          </a:solidFill>
+          <a:ln w="38100">
+            <a:solidFill>
+              <a:schemeClr val="bg2">
+                <a:lumMod val="10000"/>
+              </a:schemeClr>
             </a:solidFill>
           </a:ln>
         </p:spPr>
@@ -17896,12 +20161,147 @@
           </a:p>
         </p:txBody>
       </p:sp>
-      <p:sp>
-        <p:nvSpPr>
-          <p:cNvPr id="48" name="テキスト ボックス 47">
-            <a:extLst>
-              <a:ext uri="{FF2B5EF4-FFF2-40B4-BE49-F238E27FC236}">
-                <a16:creationId xmlns:a16="http://schemas.microsoft.com/office/drawing/2014/main" id="{3378B7A9-7F3B-443B-BFD7-DABFDA262918}"/>
+      <p:cxnSp>
+        <p:nvCxnSpPr>
+          <p:cNvPr id="41" name="直線コネクタ 40">
+            <a:extLst>
+              <a:ext uri="{FF2B5EF4-FFF2-40B4-BE49-F238E27FC236}">
+                <a16:creationId xmlns:a16="http://schemas.microsoft.com/office/drawing/2014/main" id="{4C216ED0-3ED0-4120-B606-2A044FBF4ED4}"/>
+              </a:ext>
+            </a:extLst>
+          </p:cNvPr>
+          <p:cNvCxnSpPr>
+            <a:cxnSpLocks/>
+          </p:cNvCxnSpPr>
+          <p:nvPr/>
+        </p:nvCxnSpPr>
+        <p:spPr>
+          <a:xfrm flipH="1" flipV="1">
+            <a:off x="7694365" y="2776717"/>
+            <a:ext cx="571838" cy="345"/>
+          </a:xfrm>
+          <a:prstGeom prst="line">
+            <a:avLst/>
+          </a:prstGeom>
+          <a:ln w="57150">
+            <a:solidFill>
+              <a:schemeClr val="bg2">
+                <a:lumMod val="10000"/>
+              </a:schemeClr>
+            </a:solidFill>
+          </a:ln>
+        </p:spPr>
+        <p:style>
+          <a:lnRef idx="1">
+            <a:schemeClr val="accent1"/>
+          </a:lnRef>
+          <a:fillRef idx="0">
+            <a:schemeClr val="accent1"/>
+          </a:fillRef>
+          <a:effectRef idx="0">
+            <a:schemeClr val="accent1"/>
+          </a:effectRef>
+          <a:fontRef idx="minor">
+            <a:schemeClr val="tx1"/>
+          </a:fontRef>
+        </p:style>
+      </p:cxnSp>
+      <p:cxnSp>
+        <p:nvCxnSpPr>
+          <p:cNvPr id="42" name="直線コネクタ 41">
+            <a:extLst>
+              <a:ext uri="{FF2B5EF4-FFF2-40B4-BE49-F238E27FC236}">
+                <a16:creationId xmlns:a16="http://schemas.microsoft.com/office/drawing/2014/main" id="{8CF98F51-54EA-4790-8D7A-4DB60B59A57B}"/>
+              </a:ext>
+            </a:extLst>
+          </p:cNvPr>
+          <p:cNvCxnSpPr>
+            <a:cxnSpLocks/>
+          </p:cNvCxnSpPr>
+          <p:nvPr/>
+        </p:nvCxnSpPr>
+        <p:spPr>
+          <a:xfrm flipV="1">
+            <a:off x="7875772" y="2208347"/>
+            <a:ext cx="0" cy="554960"/>
+          </a:xfrm>
+          <a:prstGeom prst="line">
+            <a:avLst/>
+          </a:prstGeom>
+          <a:ln w="57150">
+            <a:solidFill>
+              <a:schemeClr val="bg2">
+                <a:lumMod val="10000"/>
+              </a:schemeClr>
+            </a:solidFill>
+          </a:ln>
+        </p:spPr>
+        <p:style>
+          <a:lnRef idx="1">
+            <a:schemeClr val="accent1"/>
+          </a:lnRef>
+          <a:fillRef idx="0">
+            <a:schemeClr val="accent1"/>
+          </a:fillRef>
+          <a:effectRef idx="0">
+            <a:schemeClr val="accent1"/>
+          </a:effectRef>
+          <a:fontRef idx="minor">
+            <a:schemeClr val="tx1"/>
+          </a:fontRef>
+        </p:style>
+      </p:cxnSp>
+      <p:cxnSp>
+        <p:nvCxnSpPr>
+          <p:cNvPr id="43" name="直線コネクタ 42">
+            <a:extLst>
+              <a:ext uri="{FF2B5EF4-FFF2-40B4-BE49-F238E27FC236}">
+                <a16:creationId xmlns:a16="http://schemas.microsoft.com/office/drawing/2014/main" id="{12CAC96B-AB51-4330-9F64-BE4819430290}"/>
+              </a:ext>
+            </a:extLst>
+          </p:cNvPr>
+          <p:cNvCxnSpPr>
+            <a:cxnSpLocks/>
+          </p:cNvCxnSpPr>
+          <p:nvPr/>
+        </p:nvCxnSpPr>
+        <p:spPr>
+          <a:xfrm flipV="1">
+            <a:off x="8082017" y="2209600"/>
+            <a:ext cx="0" cy="554960"/>
+          </a:xfrm>
+          <a:prstGeom prst="line">
+            <a:avLst/>
+          </a:prstGeom>
+          <a:ln w="57150">
+            <a:solidFill>
+              <a:schemeClr val="bg2">
+                <a:lumMod val="10000"/>
+              </a:schemeClr>
+            </a:solidFill>
+          </a:ln>
+        </p:spPr>
+        <p:style>
+          <a:lnRef idx="1">
+            <a:schemeClr val="accent1"/>
+          </a:lnRef>
+          <a:fillRef idx="0">
+            <a:schemeClr val="accent1"/>
+          </a:fillRef>
+          <a:effectRef idx="0">
+            <a:schemeClr val="accent1"/>
+          </a:effectRef>
+          <a:fontRef idx="minor">
+            <a:schemeClr val="tx1"/>
+          </a:fontRef>
+        </p:style>
+      </p:cxnSp>
+      <p:sp>
+        <p:nvSpPr>
+          <p:cNvPr id="31" name="テキスト ボックス 30">
+            <a:extLst>
+              <a:ext uri="{FF2B5EF4-FFF2-40B4-BE49-F238E27FC236}">
+                <a16:creationId xmlns:a16="http://schemas.microsoft.com/office/drawing/2014/main" id="{A4981440-8765-4CCA-8CF6-353ACF557958}"/>
               </a:ext>
             </a:extLst>
           </p:cNvPr>
@@ -17910,8 +20310,8 @@
         </p:nvSpPr>
         <p:spPr>
           <a:xfrm>
-            <a:off x="346440" y="3242820"/>
-            <a:ext cx="492443" cy="461665"/>
+            <a:off x="8310195" y="2576633"/>
+            <a:ext cx="902277" cy="461665"/>
           </a:xfrm>
           <a:prstGeom prst="rect">
             <a:avLst/>
@@ -17919,29 +20319,349 @@
           <a:noFill/>
         </p:spPr>
         <p:txBody>
-          <a:bodyPr wrap="none" rtlCol="0">
+          <a:bodyPr wrap="square" rtlCol="0">
             <a:spAutoFit/>
           </a:bodyPr>
           <a:lstStyle/>
           <a:p>
             <a:r>
-              <a:rPr lang="ja-JP" altLang="en-US" sz="2400" b="1" dirty="0">
+              <a:rPr kumimoji="1" lang="en-US" altLang="ja-JP" sz="2400" b="1">
                 <a:latin typeface="Georgia" panose="02040502050405020303" pitchFamily="18" charset="0"/>
               </a:rPr>
-              <a:t>イ</a:t>
-            </a:r>
-            <a:endParaRPr lang="en-US" altLang="ja-JP" sz="2400" b="1" dirty="0">
+              <a:t>EET</a:t>
+            </a:r>
+            <a:endParaRPr kumimoji="1" lang="ja-JP" altLang="en-US" sz="2400" b="1" dirty="0">
               <a:latin typeface="Georgia" panose="02040502050405020303" pitchFamily="18" charset="0"/>
             </a:endParaRPr>
           </a:p>
         </p:txBody>
       </p:sp>
-      <p:sp>
-        <p:nvSpPr>
-          <p:cNvPr id="49" name="正方形/長方形 48">
-            <a:extLst>
-              <a:ext uri="{FF2B5EF4-FFF2-40B4-BE49-F238E27FC236}">
-                <a16:creationId xmlns:a16="http://schemas.microsoft.com/office/drawing/2014/main" id="{7FA457B3-B132-4E5B-9D27-38C7C21B1E01}"/>
+      <p:cxnSp>
+        <p:nvCxnSpPr>
+          <p:cNvPr id="32" name="直線コネクタ 31">
+            <a:extLst>
+              <a:ext uri="{FF2B5EF4-FFF2-40B4-BE49-F238E27FC236}">
+                <a16:creationId xmlns:a16="http://schemas.microsoft.com/office/drawing/2014/main" id="{F9A4CB49-5571-4387-87DA-B66DD254E253}"/>
+              </a:ext>
+            </a:extLst>
+          </p:cNvPr>
+          <p:cNvCxnSpPr>
+            <a:cxnSpLocks/>
+          </p:cNvCxnSpPr>
+          <p:nvPr/>
+        </p:nvCxnSpPr>
+        <p:spPr>
+          <a:xfrm>
+            <a:off x="7739287" y="5212838"/>
+            <a:ext cx="715085" cy="0"/>
+          </a:xfrm>
+          <a:prstGeom prst="line">
+            <a:avLst/>
+          </a:prstGeom>
+          <a:ln w="57150">
+            <a:solidFill>
+              <a:schemeClr val="bg2">
+                <a:lumMod val="10000"/>
+              </a:schemeClr>
+            </a:solidFill>
+          </a:ln>
+        </p:spPr>
+        <p:style>
+          <a:lnRef idx="1">
+            <a:schemeClr val="accent1"/>
+          </a:lnRef>
+          <a:fillRef idx="0">
+            <a:schemeClr val="accent1"/>
+          </a:fillRef>
+          <a:effectRef idx="0">
+            <a:schemeClr val="accent1"/>
+          </a:effectRef>
+          <a:fontRef idx="minor">
+            <a:schemeClr val="tx1"/>
+          </a:fontRef>
+        </p:style>
+      </p:cxnSp>
+      <p:cxnSp>
+        <p:nvCxnSpPr>
+          <p:cNvPr id="35" name="直線コネクタ 34">
+            <a:extLst>
+              <a:ext uri="{FF2B5EF4-FFF2-40B4-BE49-F238E27FC236}">
+                <a16:creationId xmlns:a16="http://schemas.microsoft.com/office/drawing/2014/main" id="{160D0986-2D16-44EF-B4DB-7ABF661F6F7B}"/>
+              </a:ext>
+            </a:extLst>
+          </p:cNvPr>
+          <p:cNvCxnSpPr>
+            <a:cxnSpLocks/>
+          </p:cNvCxnSpPr>
+          <p:nvPr/>
+        </p:nvCxnSpPr>
+        <p:spPr>
+          <a:xfrm>
+            <a:off x="7891687" y="5344961"/>
+            <a:ext cx="418508" cy="0"/>
+          </a:xfrm>
+          <a:prstGeom prst="line">
+            <a:avLst/>
+          </a:prstGeom>
+          <a:ln w="57150">
+            <a:solidFill>
+              <a:schemeClr val="bg2">
+                <a:lumMod val="10000"/>
+              </a:schemeClr>
+            </a:solidFill>
+          </a:ln>
+        </p:spPr>
+        <p:style>
+          <a:lnRef idx="1">
+            <a:schemeClr val="accent1"/>
+          </a:lnRef>
+          <a:fillRef idx="0">
+            <a:schemeClr val="accent1"/>
+          </a:fillRef>
+          <a:effectRef idx="0">
+            <a:schemeClr val="accent1"/>
+          </a:effectRef>
+          <a:fontRef idx="minor">
+            <a:schemeClr val="tx1"/>
+          </a:fontRef>
+        </p:style>
+      </p:cxnSp>
+      <p:cxnSp>
+        <p:nvCxnSpPr>
+          <p:cNvPr id="38" name="直線コネクタ 37">
+            <a:extLst>
+              <a:ext uri="{FF2B5EF4-FFF2-40B4-BE49-F238E27FC236}">
+                <a16:creationId xmlns:a16="http://schemas.microsoft.com/office/drawing/2014/main" id="{48BDD2AA-0A0E-47E6-9707-CB854D4B890A}"/>
+              </a:ext>
+            </a:extLst>
+          </p:cNvPr>
+          <p:cNvCxnSpPr>
+            <a:cxnSpLocks/>
+          </p:cNvCxnSpPr>
+          <p:nvPr/>
+        </p:nvCxnSpPr>
+        <p:spPr>
+          <a:xfrm>
+            <a:off x="7971469" y="5476353"/>
+            <a:ext cx="221057" cy="4207"/>
+          </a:xfrm>
+          <a:prstGeom prst="line">
+            <a:avLst/>
+          </a:prstGeom>
+          <a:ln w="57150">
+            <a:solidFill>
+              <a:schemeClr val="bg2">
+                <a:lumMod val="10000"/>
+              </a:schemeClr>
+            </a:solidFill>
+          </a:ln>
+        </p:spPr>
+        <p:style>
+          <a:lnRef idx="1">
+            <a:schemeClr val="accent1"/>
+          </a:lnRef>
+          <a:fillRef idx="0">
+            <a:schemeClr val="accent1"/>
+          </a:fillRef>
+          <a:effectRef idx="0">
+            <a:schemeClr val="accent1"/>
+          </a:effectRef>
+          <a:fontRef idx="minor">
+            <a:schemeClr val="tx1"/>
+          </a:fontRef>
+        </p:style>
+      </p:cxnSp>
+      <p:cxnSp>
+        <p:nvCxnSpPr>
+          <p:cNvPr id="33" name="直線コネクタ 32">
+            <a:extLst>
+              <a:ext uri="{FF2B5EF4-FFF2-40B4-BE49-F238E27FC236}">
+                <a16:creationId xmlns:a16="http://schemas.microsoft.com/office/drawing/2014/main" id="{BBE3D8B6-900A-47E6-9329-B5608B8785AB}"/>
+              </a:ext>
+            </a:extLst>
+          </p:cNvPr>
+          <p:cNvCxnSpPr>
+            <a:cxnSpLocks/>
+          </p:cNvCxnSpPr>
+          <p:nvPr/>
+        </p:nvCxnSpPr>
+        <p:spPr>
+          <a:xfrm>
+            <a:off x="5256995" y="857004"/>
+            <a:ext cx="0" cy="4139772"/>
+          </a:xfrm>
+          <a:prstGeom prst="line">
+            <a:avLst/>
+          </a:prstGeom>
+          <a:ln w="57150">
+            <a:solidFill>
+              <a:schemeClr val="accent1">
+                <a:lumMod val="60000"/>
+                <a:lumOff val="40000"/>
+              </a:schemeClr>
+            </a:solidFill>
+          </a:ln>
+        </p:spPr>
+        <p:style>
+          <a:lnRef idx="1">
+            <a:schemeClr val="accent1"/>
+          </a:lnRef>
+          <a:fillRef idx="0">
+            <a:schemeClr val="accent1"/>
+          </a:fillRef>
+          <a:effectRef idx="0">
+            <a:schemeClr val="accent1"/>
+          </a:effectRef>
+          <a:fontRef idx="minor">
+            <a:schemeClr val="tx1"/>
+          </a:fontRef>
+        </p:style>
+      </p:cxnSp>
+      <p:cxnSp>
+        <p:nvCxnSpPr>
+          <p:cNvPr id="34" name="直線コネクタ 33">
+            <a:extLst>
+              <a:ext uri="{FF2B5EF4-FFF2-40B4-BE49-F238E27FC236}">
+                <a16:creationId xmlns:a16="http://schemas.microsoft.com/office/drawing/2014/main" id="{F227838D-2CE7-4895-BFB5-2CED3C1FDA29}"/>
+              </a:ext>
+            </a:extLst>
+          </p:cNvPr>
+          <p:cNvCxnSpPr>
+            <a:cxnSpLocks/>
+            <a:stCxn id="40" idx="1"/>
+          </p:cNvCxnSpPr>
+          <p:nvPr/>
+        </p:nvCxnSpPr>
+        <p:spPr>
+          <a:xfrm flipH="1" flipV="1">
+            <a:off x="2481589" y="2306282"/>
+            <a:ext cx="5220520" cy="9934"/>
+          </a:xfrm>
+          <a:prstGeom prst="line">
+            <a:avLst/>
+          </a:prstGeom>
+          <a:ln w="57150">
+            <a:solidFill>
+              <a:schemeClr val="accent1">
+                <a:lumMod val="60000"/>
+                <a:lumOff val="40000"/>
+              </a:schemeClr>
+            </a:solidFill>
+          </a:ln>
+        </p:spPr>
+        <p:style>
+          <a:lnRef idx="1">
+            <a:schemeClr val="accent1"/>
+          </a:lnRef>
+          <a:fillRef idx="0">
+            <a:schemeClr val="accent1"/>
+          </a:fillRef>
+          <a:effectRef idx="0">
+            <a:schemeClr val="accent1"/>
+          </a:effectRef>
+          <a:fontRef idx="minor">
+            <a:schemeClr val="tx1"/>
+          </a:fontRef>
+        </p:style>
+      </p:cxnSp>
+      <p:cxnSp>
+        <p:nvCxnSpPr>
+          <p:cNvPr id="39" name="直線コネクタ 38">
+            <a:extLst>
+              <a:ext uri="{FF2B5EF4-FFF2-40B4-BE49-F238E27FC236}">
+                <a16:creationId xmlns:a16="http://schemas.microsoft.com/office/drawing/2014/main" id="{B978440D-0487-4861-9EC7-AB28C4BF9C00}"/>
+              </a:ext>
+            </a:extLst>
+          </p:cNvPr>
+          <p:cNvCxnSpPr>
+            <a:cxnSpLocks/>
+          </p:cNvCxnSpPr>
+          <p:nvPr/>
+        </p:nvCxnSpPr>
+        <p:spPr>
+          <a:xfrm>
+            <a:off x="2478996" y="857004"/>
+            <a:ext cx="0" cy="1449278"/>
+          </a:xfrm>
+          <a:prstGeom prst="line">
+            <a:avLst/>
+          </a:prstGeom>
+          <a:ln w="57150">
+            <a:solidFill>
+              <a:schemeClr val="accent1">
+                <a:lumMod val="60000"/>
+                <a:lumOff val="40000"/>
+              </a:schemeClr>
+            </a:solidFill>
+          </a:ln>
+        </p:spPr>
+        <p:style>
+          <a:lnRef idx="1">
+            <a:schemeClr val="accent1"/>
+          </a:lnRef>
+          <a:fillRef idx="0">
+            <a:schemeClr val="accent1"/>
+          </a:fillRef>
+          <a:effectRef idx="0">
+            <a:schemeClr val="accent1"/>
+          </a:effectRef>
+          <a:fontRef idx="minor">
+            <a:schemeClr val="tx1"/>
+          </a:fontRef>
+        </p:style>
+      </p:cxnSp>
+      <p:cxnSp>
+        <p:nvCxnSpPr>
+          <p:cNvPr id="45" name="直線コネクタ 44">
+            <a:extLst>
+              <a:ext uri="{FF2B5EF4-FFF2-40B4-BE49-F238E27FC236}">
+                <a16:creationId xmlns:a16="http://schemas.microsoft.com/office/drawing/2014/main" id="{CAEC8063-BD55-4922-9107-49B21F634087}"/>
+              </a:ext>
+            </a:extLst>
+          </p:cNvPr>
+          <p:cNvCxnSpPr>
+            <a:cxnSpLocks/>
+          </p:cNvCxnSpPr>
+          <p:nvPr/>
+        </p:nvCxnSpPr>
+        <p:spPr>
+          <a:xfrm>
+            <a:off x="7662282" y="857004"/>
+            <a:ext cx="0" cy="1449278"/>
+          </a:xfrm>
+          <a:prstGeom prst="line">
+            <a:avLst/>
+          </a:prstGeom>
+          <a:ln w="57150">
+            <a:solidFill>
+              <a:schemeClr val="accent1">
+                <a:lumMod val="60000"/>
+                <a:lumOff val="40000"/>
+              </a:schemeClr>
+            </a:solidFill>
+          </a:ln>
+        </p:spPr>
+        <p:style>
+          <a:lnRef idx="1">
+            <a:schemeClr val="accent1"/>
+          </a:lnRef>
+          <a:fillRef idx="0">
+            <a:schemeClr val="accent1"/>
+          </a:fillRef>
+          <a:effectRef idx="0">
+            <a:schemeClr val="accent1"/>
+          </a:effectRef>
+          <a:fontRef idx="minor">
+            <a:schemeClr val="tx1"/>
+          </a:fontRef>
+        </p:style>
+      </p:cxnSp>
+      <p:sp>
+        <p:nvSpPr>
+          <p:cNvPr id="46" name="楕円 45">
+            <a:extLst>
+              <a:ext uri="{FF2B5EF4-FFF2-40B4-BE49-F238E27FC236}">
+                <a16:creationId xmlns:a16="http://schemas.microsoft.com/office/drawing/2014/main" id="{46062B52-5B22-46C1-8F9C-78E04C4F44D3}"/>
               </a:ext>
             </a:extLst>
           </p:cNvPr>
@@ -17949,18 +20669,18 @@
           <p:nvPr/>
         </p:nvSpPr>
         <p:spPr>
-          <a:xfrm>
-            <a:off x="993484" y="4060826"/>
-            <a:ext cx="516065" cy="843882"/>
-          </a:xfrm>
-          <a:prstGeom prst="rect">
-            <a:avLst/>
-          </a:prstGeom>
-          <a:noFill/>
+          <a:xfrm flipV="1">
+            <a:off x="2439312" y="2181535"/>
+            <a:ext cx="176092" cy="182966"/>
+          </a:xfrm>
+          <a:prstGeom prst="ellipse">
+            <a:avLst/>
+          </a:prstGeom>
+          <a:solidFill>
+            <a:schemeClr val="tx1"/>
+          </a:solidFill>
           <a:ln w="28575">
-            <a:solidFill>
-              <a:schemeClr val="tx1"/>
-            </a:solidFill>
+            <a:noFill/>
           </a:ln>
         </p:spPr>
         <p:style>
@@ -17990,10 +20710,10 @@
       </p:sp>
       <p:sp>
         <p:nvSpPr>
-          <p:cNvPr id="86" name="正方形/長方形 85">
-            <a:extLst>
-              <a:ext uri="{FF2B5EF4-FFF2-40B4-BE49-F238E27FC236}">
-                <a16:creationId xmlns:a16="http://schemas.microsoft.com/office/drawing/2014/main" id="{CE3AE1A2-55F8-4C2F-97B3-884A01D3C0F3}"/>
+          <p:cNvPr id="47" name="楕円 46">
+            <a:extLst>
+              <a:ext uri="{FF2B5EF4-FFF2-40B4-BE49-F238E27FC236}">
+                <a16:creationId xmlns:a16="http://schemas.microsoft.com/office/drawing/2014/main" id="{17EB55EE-792D-4475-B423-8A38D81326B1}"/>
               </a:ext>
             </a:extLst>
           </p:cNvPr>
@@ -18001,18 +20721,18 @@
           <p:nvPr/>
         </p:nvSpPr>
         <p:spPr>
-          <a:xfrm>
-            <a:off x="992942" y="4885553"/>
-            <a:ext cx="516065" cy="810755"/>
-          </a:xfrm>
-          <a:prstGeom prst="rect">
-            <a:avLst/>
-          </a:prstGeom>
-          <a:noFill/>
+          <a:xfrm flipV="1">
+            <a:off x="5168949" y="2214597"/>
+            <a:ext cx="176092" cy="182966"/>
+          </a:xfrm>
+          <a:prstGeom prst="ellipse">
+            <a:avLst/>
+          </a:prstGeom>
+          <a:solidFill>
+            <a:schemeClr val="tx1"/>
+          </a:solidFill>
           <a:ln w="28575">
-            <a:solidFill>
-              <a:schemeClr val="tx1"/>
-            </a:solidFill>
+            <a:noFill/>
           </a:ln>
         </p:spPr>
         <p:style>
@@ -18040,12 +20760,193 @@
           </a:p>
         </p:txBody>
       </p:sp>
-      <p:sp>
-        <p:nvSpPr>
-          <p:cNvPr id="88" name="楕円 87">
-            <a:extLst>
-              <a:ext uri="{FF2B5EF4-FFF2-40B4-BE49-F238E27FC236}">
-                <a16:creationId xmlns:a16="http://schemas.microsoft.com/office/drawing/2014/main" id="{1BF7E4B7-A377-42BC-A8F3-ED7EE48E64AB}"/>
+      <p:cxnSp>
+        <p:nvCxnSpPr>
+          <p:cNvPr id="37" name="直線コネクタ 36">
+            <a:extLst>
+              <a:ext uri="{FF2B5EF4-FFF2-40B4-BE49-F238E27FC236}">
+                <a16:creationId xmlns:a16="http://schemas.microsoft.com/office/drawing/2014/main" id="{22B5ECCF-C1F1-4D96-B1A2-A7DED4967AAC}"/>
+              </a:ext>
+            </a:extLst>
+          </p:cNvPr>
+          <p:cNvCxnSpPr>
+            <a:cxnSpLocks/>
+          </p:cNvCxnSpPr>
+          <p:nvPr/>
+        </p:nvCxnSpPr>
+        <p:spPr>
+          <a:xfrm flipH="1">
+            <a:off x="4719249" y="735679"/>
+            <a:ext cx="14231" cy="1840954"/>
+          </a:xfrm>
+          <a:prstGeom prst="line">
+            <a:avLst/>
+          </a:prstGeom>
+          <a:ln w="57150">
+            <a:solidFill>
+              <a:schemeClr val="bg2">
+                <a:lumMod val="10000"/>
+              </a:schemeClr>
+            </a:solidFill>
+          </a:ln>
+        </p:spPr>
+        <p:style>
+          <a:lnRef idx="1">
+            <a:schemeClr val="accent1"/>
+          </a:lnRef>
+          <a:fillRef idx="0">
+            <a:schemeClr val="accent1"/>
+          </a:fillRef>
+          <a:effectRef idx="0">
+            <a:schemeClr val="accent1"/>
+          </a:effectRef>
+          <a:fontRef idx="minor">
+            <a:schemeClr val="tx1"/>
+          </a:fontRef>
+        </p:style>
+      </p:cxnSp>
+      <p:cxnSp>
+        <p:nvCxnSpPr>
+          <p:cNvPr id="48" name="直線コネクタ 47">
+            <a:extLst>
+              <a:ext uri="{FF2B5EF4-FFF2-40B4-BE49-F238E27FC236}">
+                <a16:creationId xmlns:a16="http://schemas.microsoft.com/office/drawing/2014/main" id="{E7F997F5-5BBF-40BB-9B86-ED7F93AE86EB}"/>
+              </a:ext>
+            </a:extLst>
+          </p:cNvPr>
+          <p:cNvCxnSpPr>
+            <a:cxnSpLocks/>
+            <a:endCxn id="53" idx="6"/>
+          </p:cNvCxnSpPr>
+          <p:nvPr/>
+        </p:nvCxnSpPr>
+        <p:spPr>
+          <a:xfrm flipH="1">
+            <a:off x="2558032" y="2729033"/>
+            <a:ext cx="5072170" cy="55373"/>
+          </a:xfrm>
+          <a:prstGeom prst="line">
+            <a:avLst/>
+          </a:prstGeom>
+          <a:ln w="57150">
+            <a:solidFill>
+              <a:schemeClr val="bg2">
+                <a:lumMod val="10000"/>
+              </a:schemeClr>
+            </a:solidFill>
+          </a:ln>
+        </p:spPr>
+        <p:style>
+          <a:lnRef idx="1">
+            <a:schemeClr val="accent1"/>
+          </a:lnRef>
+          <a:fillRef idx="0">
+            <a:schemeClr val="accent1"/>
+          </a:fillRef>
+          <a:effectRef idx="0">
+            <a:schemeClr val="accent1"/>
+          </a:effectRef>
+          <a:fontRef idx="minor">
+            <a:schemeClr val="tx1"/>
+          </a:fontRef>
+        </p:style>
+      </p:cxnSp>
+      <p:cxnSp>
+        <p:nvCxnSpPr>
+          <p:cNvPr id="49" name="直線コネクタ 48">
+            <a:extLst>
+              <a:ext uri="{FF2B5EF4-FFF2-40B4-BE49-F238E27FC236}">
+                <a16:creationId xmlns:a16="http://schemas.microsoft.com/office/drawing/2014/main" id="{6A845EE8-12FD-4AEE-A7AD-E85CCB700BA9}"/>
+              </a:ext>
+            </a:extLst>
+          </p:cNvPr>
+          <p:cNvCxnSpPr>
+            <a:cxnSpLocks/>
+          </p:cNvCxnSpPr>
+          <p:nvPr/>
+        </p:nvCxnSpPr>
+        <p:spPr>
+          <a:xfrm flipH="1">
+            <a:off x="4719249" y="705813"/>
+            <a:ext cx="14232" cy="2023220"/>
+          </a:xfrm>
+          <a:prstGeom prst="line">
+            <a:avLst/>
+          </a:prstGeom>
+          <a:ln w="57150">
+            <a:solidFill>
+              <a:schemeClr val="bg2">
+                <a:lumMod val="10000"/>
+              </a:schemeClr>
+            </a:solidFill>
+          </a:ln>
+        </p:spPr>
+        <p:style>
+          <a:lnRef idx="1">
+            <a:schemeClr val="accent1"/>
+          </a:lnRef>
+          <a:fillRef idx="0">
+            <a:schemeClr val="accent1"/>
+          </a:fillRef>
+          <a:effectRef idx="0">
+            <a:schemeClr val="accent1"/>
+          </a:effectRef>
+          <a:fontRef idx="minor">
+            <a:schemeClr val="tx1"/>
+          </a:fontRef>
+        </p:style>
+      </p:cxnSp>
+      <p:cxnSp>
+        <p:nvCxnSpPr>
+          <p:cNvPr id="51" name="直線コネクタ 50">
+            <a:extLst>
+              <a:ext uri="{FF2B5EF4-FFF2-40B4-BE49-F238E27FC236}">
+                <a16:creationId xmlns:a16="http://schemas.microsoft.com/office/drawing/2014/main" id="{038A68AB-C23E-41C7-B3DD-3D87631C12AA}"/>
+              </a:ext>
+            </a:extLst>
+          </p:cNvPr>
+          <p:cNvCxnSpPr>
+            <a:cxnSpLocks/>
+          </p:cNvCxnSpPr>
+          <p:nvPr/>
+        </p:nvCxnSpPr>
+        <p:spPr>
+          <a:xfrm>
+            <a:off x="2481151" y="2752875"/>
+            <a:ext cx="11556" cy="2687850"/>
+          </a:xfrm>
+          <a:prstGeom prst="line">
+            <a:avLst/>
+          </a:prstGeom>
+          <a:ln w="57150">
+            <a:solidFill>
+              <a:schemeClr val="bg2">
+                <a:lumMod val="10000"/>
+              </a:schemeClr>
+            </a:solidFill>
+          </a:ln>
+        </p:spPr>
+        <p:style>
+          <a:lnRef idx="1">
+            <a:schemeClr val="accent1"/>
+          </a:lnRef>
+          <a:fillRef idx="0">
+            <a:schemeClr val="accent1"/>
+          </a:fillRef>
+          <a:effectRef idx="0">
+            <a:schemeClr val="accent1"/>
+          </a:effectRef>
+          <a:fontRef idx="minor">
+            <a:schemeClr val="tx1"/>
+          </a:fontRef>
+        </p:style>
+      </p:cxnSp>
+      <p:sp>
+        <p:nvSpPr>
+          <p:cNvPr id="52" name="楕円 51">
+            <a:extLst>
+              <a:ext uri="{FF2B5EF4-FFF2-40B4-BE49-F238E27FC236}">
+                <a16:creationId xmlns:a16="http://schemas.microsoft.com/office/drawing/2014/main" id="{8A8F546A-74A1-4990-9019-FB481F04F03F}"/>
               </a:ext>
             </a:extLst>
           </p:cNvPr>
@@ -18054,17 +20955,17 @@
         </p:nvSpPr>
         <p:spPr>
           <a:xfrm flipV="1">
-            <a:off x="1151103" y="5032221"/>
+            <a:off x="4652860" y="2651151"/>
             <a:ext cx="176092" cy="182966"/>
           </a:xfrm>
           <a:prstGeom prst="ellipse">
             <a:avLst/>
           </a:prstGeom>
-          <a:noFill/>
+          <a:solidFill>
+            <a:schemeClr val="tx1"/>
+          </a:solidFill>
           <a:ln w="28575">
-            <a:solidFill>
-              <a:schemeClr val="tx1"/>
-            </a:solidFill>
+            <a:noFill/>
           </a:ln>
         </p:spPr>
         <p:style>
@@ -18094,10 +20995,10 @@
       </p:sp>
       <p:sp>
         <p:nvSpPr>
-          <p:cNvPr id="89" name="楕円 88">
-            <a:extLst>
-              <a:ext uri="{FF2B5EF4-FFF2-40B4-BE49-F238E27FC236}">
-                <a16:creationId xmlns:a16="http://schemas.microsoft.com/office/drawing/2014/main" id="{4701FE00-4D22-4888-95E3-770E1344EDFB}"/>
+          <p:cNvPr id="53" name="楕円 52">
+            <a:extLst>
+              <a:ext uri="{FF2B5EF4-FFF2-40B4-BE49-F238E27FC236}">
+                <a16:creationId xmlns:a16="http://schemas.microsoft.com/office/drawing/2014/main" id="{9C1CDE45-0620-4641-B886-8737C885C86C}"/>
               </a:ext>
             </a:extLst>
           </p:cNvPr>
@@ -18106,17 +21007,17 @@
         </p:nvSpPr>
         <p:spPr>
           <a:xfrm flipV="1">
-            <a:off x="1151103" y="4565780"/>
+            <a:off x="2381940" y="2692923"/>
             <a:ext cx="176092" cy="182966"/>
           </a:xfrm>
           <a:prstGeom prst="ellipse">
             <a:avLst/>
           </a:prstGeom>
-          <a:noFill/>
+          <a:solidFill>
+            <a:schemeClr val="tx1"/>
+          </a:solidFill>
           <a:ln w="28575">
-            <a:solidFill>
-              <a:schemeClr val="tx1"/>
-            </a:solidFill>
+            <a:noFill/>
           </a:ln>
         </p:spPr>
         <p:style>
@@ -18144,12 +21045,236 @@
           </a:p>
         </p:txBody>
       </p:sp>
-      <p:sp>
-        <p:nvSpPr>
-          <p:cNvPr id="90" name="楕円 89">
-            <a:extLst>
-              <a:ext uri="{FF2B5EF4-FFF2-40B4-BE49-F238E27FC236}">
-                <a16:creationId xmlns:a16="http://schemas.microsoft.com/office/drawing/2014/main" id="{59802DBE-B646-40DD-82E7-66231EF66698}"/>
+      <p:cxnSp>
+        <p:nvCxnSpPr>
+          <p:cNvPr id="54" name="直線コネクタ 53">
+            <a:extLst>
+              <a:ext uri="{FF2B5EF4-FFF2-40B4-BE49-F238E27FC236}">
+                <a16:creationId xmlns:a16="http://schemas.microsoft.com/office/drawing/2014/main" id="{E3C891C8-764D-4F13-93A9-B2CE92AC7B89}"/>
+              </a:ext>
+            </a:extLst>
+          </p:cNvPr>
+          <p:cNvCxnSpPr>
+            <a:cxnSpLocks/>
+            <a:stCxn id="18" idx="5"/>
+            <a:endCxn id="40" idx="7"/>
+          </p:cNvCxnSpPr>
+          <p:nvPr/>
+        </p:nvCxnSpPr>
+        <p:spPr>
+          <a:xfrm>
+            <a:off x="8258459" y="954330"/>
+            <a:ext cx="0" cy="1361886"/>
+          </a:xfrm>
+          <a:prstGeom prst="line">
+            <a:avLst/>
+          </a:prstGeom>
+          <a:ln w="57150">
+            <a:solidFill>
+              <a:schemeClr val="bg2">
+                <a:lumMod val="10000"/>
+              </a:schemeClr>
+            </a:solidFill>
+          </a:ln>
+        </p:spPr>
+        <p:style>
+          <a:lnRef idx="1">
+            <a:schemeClr val="accent1"/>
+          </a:lnRef>
+          <a:fillRef idx="0">
+            <a:schemeClr val="accent1"/>
+          </a:fillRef>
+          <a:effectRef idx="0">
+            <a:schemeClr val="accent1"/>
+          </a:effectRef>
+          <a:fontRef idx="minor">
+            <a:schemeClr val="tx1"/>
+          </a:fontRef>
+        </p:style>
+      </p:cxnSp>
+      <p:cxnSp>
+        <p:nvCxnSpPr>
+          <p:cNvPr id="58" name="直線コネクタ 57">
+            <a:extLst>
+              <a:ext uri="{FF2B5EF4-FFF2-40B4-BE49-F238E27FC236}">
+                <a16:creationId xmlns:a16="http://schemas.microsoft.com/office/drawing/2014/main" id="{6478A194-D476-40DB-AA88-7D2E53FF6C58}"/>
+              </a:ext>
+            </a:extLst>
+          </p:cNvPr>
+          <p:cNvCxnSpPr>
+            <a:cxnSpLocks/>
+          </p:cNvCxnSpPr>
+          <p:nvPr/>
+        </p:nvCxnSpPr>
+        <p:spPr>
+          <a:xfrm>
+            <a:off x="7971469" y="2944920"/>
+            <a:ext cx="110548" cy="2267918"/>
+          </a:xfrm>
+          <a:prstGeom prst="line">
+            <a:avLst/>
+          </a:prstGeom>
+          <a:ln w="57150">
+            <a:solidFill>
+              <a:srgbClr val="92D050"/>
+            </a:solidFill>
+          </a:ln>
+        </p:spPr>
+        <p:style>
+          <a:lnRef idx="1">
+            <a:schemeClr val="accent1"/>
+          </a:lnRef>
+          <a:fillRef idx="0">
+            <a:schemeClr val="accent1"/>
+          </a:fillRef>
+          <a:effectRef idx="0">
+            <a:schemeClr val="accent1"/>
+          </a:effectRef>
+          <a:fontRef idx="minor">
+            <a:schemeClr val="tx1"/>
+          </a:fontRef>
+        </p:style>
+      </p:cxnSp>
+      <p:cxnSp>
+        <p:nvCxnSpPr>
+          <p:cNvPr id="59" name="直線コネクタ 58">
+            <a:extLst>
+              <a:ext uri="{FF2B5EF4-FFF2-40B4-BE49-F238E27FC236}">
+                <a16:creationId xmlns:a16="http://schemas.microsoft.com/office/drawing/2014/main" id="{1D265AFA-9777-45B9-BB32-D936E73A52C2}"/>
+              </a:ext>
+            </a:extLst>
+          </p:cNvPr>
+          <p:cNvCxnSpPr>
+            <a:cxnSpLocks/>
+            <a:endCxn id="62" idx="4"/>
+          </p:cNvCxnSpPr>
+          <p:nvPr/>
+        </p:nvCxnSpPr>
+        <p:spPr>
+          <a:xfrm flipH="1">
+            <a:off x="1956855" y="837610"/>
+            <a:ext cx="30642" cy="2164472"/>
+          </a:xfrm>
+          <a:prstGeom prst="line">
+            <a:avLst/>
+          </a:prstGeom>
+          <a:ln w="57150">
+            <a:solidFill>
+              <a:schemeClr val="bg2">
+                <a:lumMod val="10000"/>
+              </a:schemeClr>
+            </a:solidFill>
+          </a:ln>
+        </p:spPr>
+        <p:style>
+          <a:lnRef idx="1">
+            <a:schemeClr val="accent1"/>
+          </a:lnRef>
+          <a:fillRef idx="0">
+            <a:schemeClr val="accent1"/>
+          </a:fillRef>
+          <a:effectRef idx="0">
+            <a:schemeClr val="accent1"/>
+          </a:effectRef>
+          <a:fontRef idx="minor">
+            <a:schemeClr val="tx1"/>
+          </a:fontRef>
+        </p:style>
+      </p:cxnSp>
+      <p:cxnSp>
+        <p:nvCxnSpPr>
+          <p:cNvPr id="60" name="直線コネクタ 59">
+            <a:extLst>
+              <a:ext uri="{FF2B5EF4-FFF2-40B4-BE49-F238E27FC236}">
+                <a16:creationId xmlns:a16="http://schemas.microsoft.com/office/drawing/2014/main" id="{FE1BF8C7-533A-4AA2-A4B3-8B517D59006D}"/>
+              </a:ext>
+            </a:extLst>
+          </p:cNvPr>
+          <p:cNvCxnSpPr>
+            <a:cxnSpLocks/>
+          </p:cNvCxnSpPr>
+          <p:nvPr/>
+        </p:nvCxnSpPr>
+        <p:spPr>
+          <a:xfrm flipH="1" flipV="1">
+            <a:off x="1984733" y="3106625"/>
+            <a:ext cx="2717237" cy="7407"/>
+          </a:xfrm>
+          <a:prstGeom prst="line">
+            <a:avLst/>
+          </a:prstGeom>
+          <a:ln w="57150">
+            <a:solidFill>
+              <a:srgbClr val="FF0000"/>
+            </a:solidFill>
+          </a:ln>
+        </p:spPr>
+        <p:style>
+          <a:lnRef idx="1">
+            <a:schemeClr val="accent1"/>
+          </a:lnRef>
+          <a:fillRef idx="0">
+            <a:schemeClr val="accent1"/>
+          </a:fillRef>
+          <a:effectRef idx="0">
+            <a:schemeClr val="accent1"/>
+          </a:effectRef>
+          <a:fontRef idx="minor">
+            <a:schemeClr val="tx1"/>
+          </a:fontRef>
+        </p:style>
+      </p:cxnSp>
+      <p:cxnSp>
+        <p:nvCxnSpPr>
+          <p:cNvPr id="61" name="直線コネクタ 60">
+            <a:extLst>
+              <a:ext uri="{FF2B5EF4-FFF2-40B4-BE49-F238E27FC236}">
+                <a16:creationId xmlns:a16="http://schemas.microsoft.com/office/drawing/2014/main" id="{F4ED03DD-CE43-4658-8CD5-729EDC979B2E}"/>
+              </a:ext>
+            </a:extLst>
+          </p:cNvPr>
+          <p:cNvCxnSpPr>
+            <a:cxnSpLocks/>
+          </p:cNvCxnSpPr>
+          <p:nvPr/>
+        </p:nvCxnSpPr>
+        <p:spPr>
+          <a:xfrm flipH="1" flipV="1">
+            <a:off x="4726732" y="3093565"/>
+            <a:ext cx="28347" cy="2106213"/>
+          </a:xfrm>
+          <a:prstGeom prst="line">
+            <a:avLst/>
+          </a:prstGeom>
+          <a:ln w="57150">
+            <a:solidFill>
+              <a:schemeClr val="bg2">
+                <a:lumMod val="10000"/>
+              </a:schemeClr>
+            </a:solidFill>
+          </a:ln>
+        </p:spPr>
+        <p:style>
+          <a:lnRef idx="1">
+            <a:schemeClr val="accent1"/>
+          </a:lnRef>
+          <a:fillRef idx="0">
+            <a:schemeClr val="accent1"/>
+          </a:fillRef>
+          <a:effectRef idx="0">
+            <a:schemeClr val="accent1"/>
+          </a:effectRef>
+          <a:fontRef idx="minor">
+            <a:schemeClr val="tx1"/>
+          </a:fontRef>
+        </p:style>
+      </p:cxnSp>
+      <p:sp>
+        <p:nvSpPr>
+          <p:cNvPr id="62" name="楕円 61">
+            <a:extLst>
+              <a:ext uri="{FF2B5EF4-FFF2-40B4-BE49-F238E27FC236}">
+                <a16:creationId xmlns:a16="http://schemas.microsoft.com/office/drawing/2014/main" id="{DAB72845-6DA8-4E8A-B81F-B4B6034FC69A}"/>
               </a:ext>
             </a:extLst>
           </p:cNvPr>
@@ -18158,17 +21283,17 @@
         </p:nvSpPr>
         <p:spPr>
           <a:xfrm flipV="1">
-            <a:off x="1151103" y="4199526"/>
+            <a:off x="1868809" y="3002082"/>
             <a:ext cx="176092" cy="182966"/>
           </a:xfrm>
           <a:prstGeom prst="ellipse">
             <a:avLst/>
           </a:prstGeom>
-          <a:noFill/>
+          <a:solidFill>
+            <a:schemeClr val="tx1"/>
+          </a:solidFill>
           <a:ln w="28575">
-            <a:solidFill>
-              <a:schemeClr val="tx1"/>
-            </a:solidFill>
+            <a:noFill/>
           </a:ln>
         </p:spPr>
         <p:style>
@@ -18198,10 +21323,10 @@
       </p:sp>
       <p:sp>
         <p:nvSpPr>
-          <p:cNvPr id="91" name="楕円 90">
-            <a:extLst>
-              <a:ext uri="{FF2B5EF4-FFF2-40B4-BE49-F238E27FC236}">
-                <a16:creationId xmlns:a16="http://schemas.microsoft.com/office/drawing/2014/main" id="{FBDD354D-4089-4F7E-BD90-7E07C475A3A2}"/>
+          <p:cNvPr id="63" name="楕円 62">
+            <a:extLst>
+              <a:ext uri="{FF2B5EF4-FFF2-40B4-BE49-F238E27FC236}">
+                <a16:creationId xmlns:a16="http://schemas.microsoft.com/office/drawing/2014/main" id="{0C1A8288-4B3A-4F7A-8599-1AF6A28F4D9B}"/>
               </a:ext>
             </a:extLst>
           </p:cNvPr>
@@ -18210,17 +21335,17 @@
         </p:nvSpPr>
         <p:spPr>
           <a:xfrm flipV="1">
-            <a:off x="1151103" y="3763271"/>
+            <a:off x="4631203" y="3022549"/>
             <a:ext cx="176092" cy="182966"/>
           </a:xfrm>
           <a:prstGeom prst="ellipse">
             <a:avLst/>
           </a:prstGeom>
-          <a:noFill/>
+          <a:solidFill>
+            <a:schemeClr val="tx1"/>
+          </a:solidFill>
           <a:ln w="28575">
-            <a:solidFill>
-              <a:schemeClr val="tx1"/>
-            </a:solidFill>
+            <a:noFill/>
           </a:ln>
         </p:spPr>
         <p:style>
@@ -18248,64 +21373,59 @@
           </a:p>
         </p:txBody>
       </p:sp>
-      <p:sp>
-        <p:nvSpPr>
-          <p:cNvPr id="92" name="楕円 91">
-            <a:extLst>
-              <a:ext uri="{FF2B5EF4-FFF2-40B4-BE49-F238E27FC236}">
-                <a16:creationId xmlns:a16="http://schemas.microsoft.com/office/drawing/2014/main" id="{C3A7A33C-D2FC-48F6-8C92-65FB2BE81E0A}"/>
-              </a:ext>
-            </a:extLst>
-          </p:cNvPr>
-          <p:cNvSpPr/>
-          <p:nvPr/>
-        </p:nvSpPr>
-        <p:spPr>
-          <a:xfrm flipV="1">
-            <a:off x="1143200" y="3391426"/>
-            <a:ext cx="176092" cy="182966"/>
-          </a:xfrm>
-          <a:prstGeom prst="ellipse">
-            <a:avLst/>
-          </a:prstGeom>
-          <a:noFill/>
-          <a:ln w="28575">
-            <a:solidFill>
-              <a:schemeClr val="tx1"/>
-            </a:solidFill>
-          </a:ln>
-        </p:spPr>
-        <p:style>
-          <a:lnRef idx="2">
-            <a:schemeClr val="accent1">
-              <a:shade val="50000"/>
-            </a:schemeClr>
-          </a:lnRef>
-          <a:fillRef idx="1">
-            <a:schemeClr val="accent1"/>
-          </a:fillRef>
-          <a:effectRef idx="0">
-            <a:schemeClr val="accent1"/>
-          </a:effectRef>
-          <a:fontRef idx="minor">
-            <a:schemeClr val="lt1"/>
-          </a:fontRef>
-        </p:style>
-        <p:txBody>
-          <a:bodyPr rtlCol="0" anchor="ctr"/>
-          <a:lstStyle/>
-          <a:p>
-            <a:pPr algn="ctr"/>
-            <a:endParaRPr kumimoji="1" lang="ja-JP" altLang="en-US"/>
-          </a:p>
-        </p:txBody>
-      </p:sp>
-      <p:sp>
-        <p:nvSpPr>
-          <p:cNvPr id="93" name="テキスト ボックス 92">
-            <a:extLst>
-              <a:ext uri="{FF2B5EF4-FFF2-40B4-BE49-F238E27FC236}">
-                <a16:creationId xmlns:a16="http://schemas.microsoft.com/office/drawing/2014/main" id="{FA2ED036-902B-44A0-B324-5BEEABCBBD72}"/>
+      <p:cxnSp>
+        <p:nvCxnSpPr>
+          <p:cNvPr id="67" name="直線コネクタ 66">
+            <a:extLst>
+              <a:ext uri="{FF2B5EF4-FFF2-40B4-BE49-F238E27FC236}">
+                <a16:creationId xmlns:a16="http://schemas.microsoft.com/office/drawing/2014/main" id="{A8DA6499-2396-4094-9671-AEDFE4169FD1}"/>
+              </a:ext>
+            </a:extLst>
+          </p:cNvPr>
+          <p:cNvCxnSpPr>
+            <a:cxnSpLocks/>
+            <a:endCxn id="57" idx="4"/>
+          </p:cNvCxnSpPr>
+          <p:nvPr/>
+        </p:nvCxnSpPr>
+        <p:spPr>
+          <a:xfrm flipH="1">
+            <a:off x="1926213" y="3114032"/>
+            <a:ext cx="30642" cy="2323740"/>
+          </a:xfrm>
+          <a:prstGeom prst="line">
+            <a:avLst/>
+          </a:prstGeom>
+          <a:ln w="57150">
+            <a:solidFill>
+              <a:schemeClr val="accent1">
+                <a:lumMod val="60000"/>
+                <a:lumOff val="40000"/>
+              </a:schemeClr>
+            </a:solidFill>
+          </a:ln>
+        </p:spPr>
+        <p:style>
+          <a:lnRef idx="1">
+            <a:schemeClr val="accent1"/>
+          </a:lnRef>
+          <a:fillRef idx="0">
+            <a:schemeClr val="accent1"/>
+          </a:fillRef>
+          <a:effectRef idx="0">
+            <a:schemeClr val="accent1"/>
+          </a:effectRef>
+          <a:fontRef idx="minor">
+            <a:schemeClr val="tx1"/>
+          </a:fontRef>
+        </p:style>
+      </p:cxnSp>
+      <p:sp>
+        <p:nvSpPr>
+          <p:cNvPr id="68" name="テキスト ボックス 67">
+            <a:extLst>
+              <a:ext uri="{FF2B5EF4-FFF2-40B4-BE49-F238E27FC236}">
+                <a16:creationId xmlns:a16="http://schemas.microsoft.com/office/drawing/2014/main" id="{15235E63-6DA0-4FF3-BC67-C89623279D3D}"/>
               </a:ext>
             </a:extLst>
           </p:cNvPr>
@@ -18314,8 +21434,8 @@
         </p:nvSpPr>
         <p:spPr>
           <a:xfrm>
-            <a:off x="332390" y="4285413"/>
-            <a:ext cx="492443" cy="461665"/>
+            <a:off x="5168949" y="5947913"/>
+            <a:ext cx="2005677" cy="461665"/>
           </a:xfrm>
           <a:prstGeom prst="rect">
             <a:avLst/>
@@ -18329,23 +21449,32 @@
           <a:lstStyle/>
           <a:p>
             <a:r>
-              <a:rPr lang="ja-JP" altLang="en-US" sz="2400" b="1" dirty="0">
-                <a:latin typeface="Georgia" panose="02040502050405020303" pitchFamily="18" charset="0"/>
+              <a:rPr kumimoji="1" lang="en-US" altLang="ja-JP" sz="2400" b="1" dirty="0">
+                <a:solidFill>
+                  <a:srgbClr val="FF0000"/>
+                </a:solidFill>
+                <a:latin typeface="+mn-ea"/>
               </a:rPr>
-              <a:t>ロ</a:t>
-            </a:r>
-            <a:endParaRPr lang="en-US" altLang="ja-JP" sz="2400" b="1" dirty="0">
-              <a:latin typeface="Georgia" panose="02040502050405020303" pitchFamily="18" charset="0"/>
-            </a:endParaRPr>
-          </a:p>
-        </p:txBody>
-      </p:sp>
-      <p:sp>
-        <p:nvSpPr>
-          <p:cNvPr id="94" name="テキスト ボックス 93">
-            <a:extLst>
-              <a:ext uri="{FF2B5EF4-FFF2-40B4-BE49-F238E27FC236}">
-                <a16:creationId xmlns:a16="http://schemas.microsoft.com/office/drawing/2014/main" id="{6EB70CF1-4319-4D95-9933-216F2FB1ED80}"/>
+              <a:t>W</a:t>
+            </a:r>
+            <a:r>
+              <a:rPr kumimoji="1" lang="ja-JP" altLang="en-US" sz="2400" b="1" dirty="0">
+                <a:solidFill>
+                  <a:srgbClr val="FF0000"/>
+                </a:solidFill>
+                <a:latin typeface="+mn-ea"/>
+              </a:rPr>
+              <a:t>端子に白線</a:t>
+            </a:r>
+          </a:p>
+        </p:txBody>
+      </p:sp>
+      <p:sp>
+        <p:nvSpPr>
+          <p:cNvPr id="70" name="テキスト ボックス 69">
+            <a:extLst>
+              <a:ext uri="{FF2B5EF4-FFF2-40B4-BE49-F238E27FC236}">
+                <a16:creationId xmlns:a16="http://schemas.microsoft.com/office/drawing/2014/main" id="{BDBE6955-4A7A-4DA4-B9B3-E1E772F4DD41}"/>
               </a:ext>
             </a:extLst>
           </p:cNvPr>
@@ -18354,8 +21483,8 @@
         </p:nvSpPr>
         <p:spPr>
           <a:xfrm>
-            <a:off x="339765" y="5328007"/>
-            <a:ext cx="492443" cy="461665"/>
+            <a:off x="5706696" y="861787"/>
+            <a:ext cx="2005677" cy="461665"/>
           </a:xfrm>
           <a:prstGeom prst="rect">
             <a:avLst/>
@@ -18369,183 +21498,120 @@
           <a:lstStyle/>
           <a:p>
             <a:r>
-              <a:rPr lang="ja-JP" altLang="en-US" sz="2400" b="1" dirty="0">
-                <a:latin typeface="Georgia" panose="02040502050405020303" pitchFamily="18" charset="0"/>
+              <a:rPr kumimoji="1" lang="en-US" altLang="ja-JP" sz="2400" b="1" dirty="0">
+                <a:solidFill>
+                  <a:srgbClr val="FF0000"/>
+                </a:solidFill>
+                <a:latin typeface="+mn-ea"/>
               </a:rPr>
-              <a:t>ハ</a:t>
-            </a:r>
-            <a:endParaRPr lang="en-US" altLang="ja-JP" sz="2400" b="1" dirty="0">
-              <a:latin typeface="Georgia" panose="02040502050405020303" pitchFamily="18" charset="0"/>
-            </a:endParaRPr>
-          </a:p>
-        </p:txBody>
-      </p:sp>
-      <p:sp>
-        <p:nvSpPr>
-          <p:cNvPr id="95" name="楕円 94">
-            <a:extLst>
-              <a:ext uri="{FF2B5EF4-FFF2-40B4-BE49-F238E27FC236}">
-                <a16:creationId xmlns:a16="http://schemas.microsoft.com/office/drawing/2014/main" id="{6968390D-46C8-4D48-BAD0-785D8F2B2CEA}"/>
-              </a:ext>
-            </a:extLst>
-          </p:cNvPr>
-          <p:cNvSpPr/>
-          <p:nvPr/>
-        </p:nvSpPr>
-        <p:spPr>
-          <a:xfrm flipV="1">
-            <a:off x="1089843" y="1204605"/>
-            <a:ext cx="176092" cy="182966"/>
-          </a:xfrm>
-          <a:prstGeom prst="ellipse">
-            <a:avLst/>
-          </a:prstGeom>
-          <a:noFill/>
-          <a:ln w="28575">
-            <a:solidFill>
-              <a:schemeClr val="tx1"/>
-            </a:solidFill>
-          </a:ln>
-        </p:spPr>
-        <p:style>
-          <a:lnRef idx="2">
-            <a:schemeClr val="accent1">
-              <a:shade val="50000"/>
-            </a:schemeClr>
-          </a:lnRef>
-          <a:fillRef idx="1">
-            <a:schemeClr val="accent1"/>
-          </a:fillRef>
-          <a:effectRef idx="0">
-            <a:schemeClr val="accent1"/>
-          </a:effectRef>
-          <a:fontRef idx="minor">
-            <a:schemeClr val="lt1"/>
-          </a:fontRef>
-        </p:style>
-        <p:txBody>
-          <a:bodyPr rtlCol="0" anchor="ctr"/>
-          <a:lstStyle/>
-          <a:p>
-            <a:pPr algn="ctr"/>
-            <a:endParaRPr kumimoji="1" lang="ja-JP" altLang="en-US"/>
-          </a:p>
-        </p:txBody>
-      </p:sp>
-      <p:sp>
-        <p:nvSpPr>
-          <p:cNvPr id="96" name="楕円 95">
-            <a:extLst>
-              <a:ext uri="{FF2B5EF4-FFF2-40B4-BE49-F238E27FC236}">
-                <a16:creationId xmlns:a16="http://schemas.microsoft.com/office/drawing/2014/main" id="{452C832B-95BB-46F4-BC92-F212FD1BA8CA}"/>
-              </a:ext>
-            </a:extLst>
-          </p:cNvPr>
-          <p:cNvSpPr/>
-          <p:nvPr/>
-        </p:nvSpPr>
-        <p:spPr>
-          <a:xfrm flipV="1">
-            <a:off x="1070115" y="1838937"/>
-            <a:ext cx="176092" cy="182966"/>
-          </a:xfrm>
-          <a:prstGeom prst="ellipse">
-            <a:avLst/>
-          </a:prstGeom>
-          <a:noFill/>
-          <a:ln w="28575">
-            <a:solidFill>
-              <a:schemeClr val="tx1"/>
-            </a:solidFill>
-          </a:ln>
-        </p:spPr>
-        <p:style>
-          <a:lnRef idx="2">
-            <a:schemeClr val="accent1">
-              <a:shade val="50000"/>
-            </a:schemeClr>
-          </a:lnRef>
-          <a:fillRef idx="1">
-            <a:schemeClr val="accent1"/>
-          </a:fillRef>
-          <a:effectRef idx="0">
-            <a:schemeClr val="accent1"/>
-          </a:effectRef>
-          <a:fontRef idx="minor">
-            <a:schemeClr val="lt1"/>
-          </a:fontRef>
-        </p:style>
-        <p:txBody>
-          <a:bodyPr rtlCol="0" anchor="ctr"/>
-          <a:lstStyle/>
-          <a:p>
-            <a:pPr algn="ctr"/>
-            <a:endParaRPr kumimoji="1" lang="ja-JP" altLang="en-US"/>
-          </a:p>
-        </p:txBody>
-      </p:sp>
-      <p:sp>
-        <p:nvSpPr>
-          <p:cNvPr id="97" name="正方形/長方形 96">
-            <a:extLst>
-              <a:ext uri="{FF2B5EF4-FFF2-40B4-BE49-F238E27FC236}">
-                <a16:creationId xmlns:a16="http://schemas.microsoft.com/office/drawing/2014/main" id="{1690E899-882F-434D-9DF0-53BD64B1A107}"/>
-              </a:ext>
-            </a:extLst>
-          </p:cNvPr>
-          <p:cNvSpPr/>
-          <p:nvPr/>
-        </p:nvSpPr>
-        <p:spPr>
-          <a:xfrm rot="5400000">
-            <a:off x="5434196" y="5524280"/>
-            <a:ext cx="574370" cy="1172698"/>
-          </a:xfrm>
-          <a:prstGeom prst="rect">
-            <a:avLst/>
-          </a:prstGeom>
-          <a:noFill/>
-          <a:ln w="28575">
-            <a:solidFill>
-              <a:schemeClr val="tx1"/>
-            </a:solidFill>
-          </a:ln>
-        </p:spPr>
-        <p:style>
-          <a:lnRef idx="2">
-            <a:schemeClr val="accent1">
-              <a:shade val="50000"/>
-            </a:schemeClr>
-          </a:lnRef>
-          <a:fillRef idx="1">
-            <a:schemeClr val="accent1"/>
-          </a:fillRef>
-          <a:effectRef idx="0">
-            <a:schemeClr val="accent1"/>
-          </a:effectRef>
-          <a:fontRef idx="minor">
-            <a:schemeClr val="lt1"/>
-          </a:fontRef>
-        </p:style>
-        <p:txBody>
-          <a:bodyPr rtlCol="0" anchor="ctr"/>
-          <a:lstStyle/>
-          <a:p>
-            <a:pPr algn="ctr"/>
-            <a:r>
-              <a:rPr lang="ja-JP" altLang="en-US" dirty="0"/>
-              <a:t>（）</a:t>
-            </a:r>
-            <a:endParaRPr kumimoji="1" lang="ja-JP" altLang="en-US" dirty="0"/>
-          </a:p>
-        </p:txBody>
-      </p:sp>
-      <p:sp>
-        <p:nvSpPr>
-          <p:cNvPr id="98" name="テキスト ボックス 97">
-            <a:extLst>
-              <a:ext uri="{FF2B5EF4-FFF2-40B4-BE49-F238E27FC236}">
-                <a16:creationId xmlns:a16="http://schemas.microsoft.com/office/drawing/2014/main" id="{596CABCB-5B09-438C-93FF-FFF030005C06}"/>
+              <a:t>W</a:t>
+            </a:r>
+            <a:r>
+              <a:rPr kumimoji="1" lang="ja-JP" altLang="en-US" sz="2400" b="1" dirty="0">
+                <a:solidFill>
+                  <a:srgbClr val="FF0000"/>
+                </a:solidFill>
+                <a:latin typeface="+mn-ea"/>
+              </a:rPr>
+              <a:t>端子に白線</a:t>
+            </a:r>
+          </a:p>
+        </p:txBody>
+      </p:sp>
+      <p:cxnSp>
+        <p:nvCxnSpPr>
+          <p:cNvPr id="71" name="直線矢印コネクタ 70">
+            <a:extLst>
+              <a:ext uri="{FF2B5EF4-FFF2-40B4-BE49-F238E27FC236}">
+                <a16:creationId xmlns:a16="http://schemas.microsoft.com/office/drawing/2014/main" id="{2CAAB169-D13C-46FF-977C-A66475D5E4AA}"/>
+              </a:ext>
+            </a:extLst>
+          </p:cNvPr>
+          <p:cNvCxnSpPr>
+            <a:cxnSpLocks/>
+          </p:cNvCxnSpPr>
+          <p:nvPr/>
+        </p:nvCxnSpPr>
+        <p:spPr>
+          <a:xfrm flipH="1" flipV="1">
+            <a:off x="5488618" y="5675250"/>
+            <a:ext cx="235973" cy="272663"/>
+          </a:xfrm>
+          <a:prstGeom prst="straightConnector1">
+            <a:avLst/>
+          </a:prstGeom>
+          <a:ln w="38100">
+            <a:solidFill>
+              <a:srgbClr val="FF0000"/>
+            </a:solidFill>
+            <a:tailEnd type="triangle"/>
+          </a:ln>
+        </p:spPr>
+        <p:style>
+          <a:lnRef idx="3">
+            <a:schemeClr val="dk1"/>
+          </a:lnRef>
+          <a:fillRef idx="0">
+            <a:schemeClr val="dk1"/>
+          </a:fillRef>
+          <a:effectRef idx="2">
+            <a:schemeClr val="dk1"/>
+          </a:effectRef>
+          <a:fontRef idx="minor">
+            <a:schemeClr val="tx1"/>
+          </a:fontRef>
+        </p:style>
+      </p:cxnSp>
+      <p:cxnSp>
+        <p:nvCxnSpPr>
+          <p:cNvPr id="72" name="直線矢印コネクタ 71">
+            <a:extLst>
+              <a:ext uri="{FF2B5EF4-FFF2-40B4-BE49-F238E27FC236}">
+                <a16:creationId xmlns:a16="http://schemas.microsoft.com/office/drawing/2014/main" id="{D4FE3808-D878-4F39-8C8B-E5D7B32D48A7}"/>
+              </a:ext>
+            </a:extLst>
+          </p:cNvPr>
+          <p:cNvCxnSpPr>
+            <a:cxnSpLocks/>
+          </p:cNvCxnSpPr>
+          <p:nvPr/>
+        </p:nvCxnSpPr>
+        <p:spPr>
+          <a:xfrm>
+            <a:off x="7035432" y="1323452"/>
+            <a:ext cx="511627" cy="751376"/>
+          </a:xfrm>
+          <a:prstGeom prst="straightConnector1">
+            <a:avLst/>
+          </a:prstGeom>
+          <a:ln w="38100">
+            <a:solidFill>
+              <a:srgbClr val="FF0000"/>
+            </a:solidFill>
+            <a:tailEnd type="triangle"/>
+          </a:ln>
+        </p:spPr>
+        <p:style>
+          <a:lnRef idx="3">
+            <a:schemeClr val="dk1"/>
+          </a:lnRef>
+          <a:fillRef idx="0">
+            <a:schemeClr val="dk1"/>
+          </a:fillRef>
+          <a:effectRef idx="2">
+            <a:schemeClr val="dk1"/>
+          </a:effectRef>
+          <a:fontRef idx="minor">
+            <a:schemeClr val="tx1"/>
+          </a:fontRef>
+        </p:style>
+      </p:cxnSp>
+      <p:sp>
+        <p:nvSpPr>
+          <p:cNvPr id="73" name="テキスト ボックス 72">
+            <a:extLst>
+              <a:ext uri="{FF2B5EF4-FFF2-40B4-BE49-F238E27FC236}">
+                <a16:creationId xmlns:a16="http://schemas.microsoft.com/office/drawing/2014/main" id="{54C03BA0-FC24-4727-ACEA-877EFE41EA92}"/>
               </a:ext>
             </a:extLst>
           </p:cNvPr>
@@ -18553,44 +21619,9 @@
           <p:nvPr/>
         </p:nvSpPr>
         <p:spPr>
-          <a:xfrm rot="16200000">
-            <a:off x="5566700" y="5747981"/>
-            <a:ext cx="461665" cy="769441"/>
-          </a:xfrm>
-          <a:prstGeom prst="rect">
-            <a:avLst/>
-          </a:prstGeom>
-          <a:noFill/>
-        </p:spPr>
-        <p:txBody>
-          <a:bodyPr vert="eaVert" wrap="square" rtlCol="0">
-            <a:spAutoFit/>
-          </a:bodyPr>
-          <a:lstStyle/>
-          <a:p>
-            <a:r>
-              <a:rPr kumimoji="1" lang="ja-JP" altLang="en-US" b="1" dirty="0"/>
-              <a:t>（ ）</a:t>
-            </a:r>
-          </a:p>
-        </p:txBody>
-      </p:sp>
-      <p:sp>
-        <p:nvSpPr>
-          <p:cNvPr id="99" name="テキスト ボックス 98">
-            <a:extLst>
-              <a:ext uri="{FF2B5EF4-FFF2-40B4-BE49-F238E27FC236}">
-                <a16:creationId xmlns:a16="http://schemas.microsoft.com/office/drawing/2014/main" id="{AA68DA23-F100-4DEA-BF48-28B252CAE322}"/>
-              </a:ext>
-            </a:extLst>
-          </p:cNvPr>
-          <p:cNvSpPr txBox="1"/>
-          <p:nvPr/>
-        </p:nvSpPr>
-        <p:spPr>
-          <a:xfrm>
-            <a:off x="5821497" y="6458291"/>
-            <a:ext cx="570990" cy="461665"/>
+          <a:xfrm>
+            <a:off x="2573675" y="841392"/>
+            <a:ext cx="2031325" cy="830997"/>
           </a:xfrm>
           <a:prstGeom prst="rect">
             <a:avLst/>
@@ -18604,80 +21635,1850 @@
           <a:lstStyle/>
           <a:p>
             <a:r>
-              <a:rPr lang="en-US" altLang="ja-JP" sz="2400" b="1" dirty="0">
+              <a:rPr kumimoji="1" lang="ja-JP" altLang="en-US" sz="2400" b="1" dirty="0">
+                <a:solidFill>
+                  <a:srgbClr val="FF0000"/>
+                </a:solidFill>
+                <a:latin typeface="+mn-ea"/>
+              </a:rPr>
+              <a:t>受金ねじ部の</a:t>
+            </a:r>
+            <a:endParaRPr kumimoji="1" lang="en-US" altLang="ja-JP" sz="2400" b="1" dirty="0">
+              <a:solidFill>
+                <a:srgbClr val="FF0000"/>
+              </a:solidFill>
+              <a:latin typeface="+mn-ea"/>
+            </a:endParaRPr>
+          </a:p>
+          <a:p>
+            <a:r>
+              <a:rPr kumimoji="1" lang="ja-JP" altLang="en-US" sz="2400" b="1" dirty="0">
+                <a:solidFill>
+                  <a:srgbClr val="FF0000"/>
+                </a:solidFill>
+                <a:latin typeface="+mn-ea"/>
+              </a:rPr>
+              <a:t>端子に白線</a:t>
+            </a:r>
+          </a:p>
+        </p:txBody>
+      </p:sp>
+      <p:cxnSp>
+        <p:nvCxnSpPr>
+          <p:cNvPr id="74" name="直線矢印コネクタ 73">
+            <a:extLst>
+              <a:ext uri="{FF2B5EF4-FFF2-40B4-BE49-F238E27FC236}">
+                <a16:creationId xmlns:a16="http://schemas.microsoft.com/office/drawing/2014/main" id="{7E6EE061-27C7-4F4B-995F-0DCA7A0650A7}"/>
+              </a:ext>
+            </a:extLst>
+          </p:cNvPr>
+          <p:cNvCxnSpPr>
+            <a:cxnSpLocks/>
+          </p:cNvCxnSpPr>
+          <p:nvPr/>
+        </p:nvCxnSpPr>
+        <p:spPr>
+          <a:xfrm flipH="1" flipV="1">
+            <a:off x="2766852" y="285459"/>
+            <a:ext cx="623678" cy="363186"/>
+          </a:xfrm>
+          <a:prstGeom prst="straightConnector1">
+            <a:avLst/>
+          </a:prstGeom>
+          <a:ln w="38100">
+            <a:solidFill>
+              <a:srgbClr val="FF0000"/>
+            </a:solidFill>
+            <a:tailEnd type="triangle"/>
+          </a:ln>
+        </p:spPr>
+        <p:style>
+          <a:lnRef idx="3">
+            <a:schemeClr val="dk1"/>
+          </a:lnRef>
+          <a:fillRef idx="0">
+            <a:schemeClr val="dk1"/>
+          </a:fillRef>
+          <a:effectRef idx="2">
+            <a:schemeClr val="dk1"/>
+          </a:effectRef>
+          <a:fontRef idx="minor">
+            <a:schemeClr val="tx1"/>
+          </a:fontRef>
+        </p:style>
+      </p:cxnSp>
+      <p:sp>
+        <p:nvSpPr>
+          <p:cNvPr id="75" name="テキスト ボックス 74">
+            <a:extLst>
+              <a:ext uri="{FF2B5EF4-FFF2-40B4-BE49-F238E27FC236}">
+                <a16:creationId xmlns:a16="http://schemas.microsoft.com/office/drawing/2014/main" id="{9BF0E264-D3D4-438B-A7AC-5E56D5E87516}"/>
+              </a:ext>
+            </a:extLst>
+          </p:cNvPr>
+          <p:cNvSpPr txBox="1"/>
+          <p:nvPr/>
+        </p:nvSpPr>
+        <p:spPr>
+          <a:xfrm>
+            <a:off x="71588" y="3589779"/>
+            <a:ext cx="1915909" cy="461665"/>
+          </a:xfrm>
+          <a:prstGeom prst="rect">
+            <a:avLst/>
+          </a:prstGeom>
+          <a:noFill/>
+        </p:spPr>
+        <p:txBody>
+          <a:bodyPr wrap="none" rtlCol="0">
+            <a:spAutoFit/>
+          </a:bodyPr>
+          <a:lstStyle/>
+          <a:p>
+            <a:r>
+              <a:rPr lang="ja-JP" altLang="en-US" sz="2400" b="1" dirty="0">
+                <a:solidFill>
+                  <a:srgbClr val="FF0000"/>
+                </a:solidFill>
                 <a:latin typeface="Georgia" panose="02040502050405020303" pitchFamily="18" charset="0"/>
               </a:rPr>
-              <a:t> </a:t>
-            </a:r>
+              <a:t>コネクタ：</a:t>
+            </a:r>
+            <a:r>
+              <a:rPr lang="en-US" altLang="ja-JP" sz="2400" b="1" dirty="0">
+                <a:solidFill>
+                  <a:srgbClr val="FF0000"/>
+                </a:solidFill>
+                <a:latin typeface="+mn-ea"/>
+              </a:rPr>
+              <a:t>3</a:t>
+            </a:r>
+            <a:endParaRPr kumimoji="1" lang="ja-JP" altLang="en-US" sz="2400" b="1" dirty="0">
+              <a:solidFill>
+                <a:srgbClr val="FF0000"/>
+              </a:solidFill>
+              <a:latin typeface="+mn-ea"/>
+            </a:endParaRPr>
+          </a:p>
+        </p:txBody>
+      </p:sp>
+      <p:sp>
+        <p:nvSpPr>
+          <p:cNvPr id="76" name="テキスト ボックス 75">
+            <a:extLst>
+              <a:ext uri="{FF2B5EF4-FFF2-40B4-BE49-F238E27FC236}">
+                <a16:creationId xmlns:a16="http://schemas.microsoft.com/office/drawing/2014/main" id="{83DA3751-6D37-4C36-B64C-165950DC20AD}"/>
+              </a:ext>
+            </a:extLst>
+          </p:cNvPr>
+          <p:cNvSpPr txBox="1"/>
+          <p:nvPr/>
+        </p:nvSpPr>
+        <p:spPr>
+          <a:xfrm>
+            <a:off x="98350" y="1222365"/>
+            <a:ext cx="1915909" cy="461665"/>
+          </a:xfrm>
+          <a:prstGeom prst="rect">
+            <a:avLst/>
+          </a:prstGeom>
+          <a:noFill/>
+        </p:spPr>
+        <p:txBody>
+          <a:bodyPr wrap="none" rtlCol="0">
+            <a:spAutoFit/>
+          </a:bodyPr>
+          <a:lstStyle/>
+          <a:p>
             <a:r>
               <a:rPr lang="ja-JP" altLang="en-US" sz="2400" b="1" dirty="0">
+                <a:solidFill>
+                  <a:srgbClr val="FF0000"/>
+                </a:solidFill>
                 <a:latin typeface="Georgia" panose="02040502050405020303" pitchFamily="18" charset="0"/>
               </a:rPr>
-              <a:t>ハ</a:t>
+              <a:t>コネクタ：</a:t>
+            </a:r>
+            <a:r>
+              <a:rPr lang="en-US" altLang="ja-JP" sz="2400" b="1" dirty="0">
+                <a:solidFill>
+                  <a:srgbClr val="FF0000"/>
+                </a:solidFill>
+                <a:latin typeface="+mn-ea"/>
+              </a:rPr>
+              <a:t>2</a:t>
             </a:r>
             <a:endParaRPr kumimoji="1" lang="ja-JP" altLang="en-US" sz="2400" b="1" dirty="0">
+              <a:solidFill>
+                <a:srgbClr val="FF0000"/>
+              </a:solidFill>
+              <a:latin typeface="+mn-ea"/>
+            </a:endParaRPr>
+          </a:p>
+        </p:txBody>
+      </p:sp>
+      <p:cxnSp>
+        <p:nvCxnSpPr>
+          <p:cNvPr id="77" name="直線矢印コネクタ 76">
+            <a:extLst>
+              <a:ext uri="{FF2B5EF4-FFF2-40B4-BE49-F238E27FC236}">
+                <a16:creationId xmlns:a16="http://schemas.microsoft.com/office/drawing/2014/main" id="{B5F49945-65B8-4540-8CF4-44C24EE6826C}"/>
+              </a:ext>
+            </a:extLst>
+          </p:cNvPr>
+          <p:cNvCxnSpPr>
+            <a:cxnSpLocks/>
+          </p:cNvCxnSpPr>
+          <p:nvPr/>
+        </p:nvCxnSpPr>
+        <p:spPr>
+          <a:xfrm flipV="1">
+            <a:off x="1446449" y="3185048"/>
+            <a:ext cx="332817" cy="425545"/>
+          </a:xfrm>
+          <a:prstGeom prst="straightConnector1">
+            <a:avLst/>
+          </a:prstGeom>
+          <a:ln w="38100">
+            <a:solidFill>
+              <a:srgbClr val="FF0000"/>
+            </a:solidFill>
+            <a:tailEnd type="triangle"/>
+          </a:ln>
+        </p:spPr>
+        <p:style>
+          <a:lnRef idx="3">
+            <a:schemeClr val="dk1"/>
+          </a:lnRef>
+          <a:fillRef idx="0">
+            <a:schemeClr val="dk1"/>
+          </a:fillRef>
+          <a:effectRef idx="2">
+            <a:schemeClr val="dk1"/>
+          </a:effectRef>
+          <a:fontRef idx="minor">
+            <a:schemeClr val="tx1"/>
+          </a:fontRef>
+        </p:style>
+      </p:cxnSp>
+      <p:cxnSp>
+        <p:nvCxnSpPr>
+          <p:cNvPr id="78" name="直線矢印コネクタ 77">
+            <a:extLst>
+              <a:ext uri="{FF2B5EF4-FFF2-40B4-BE49-F238E27FC236}">
+                <a16:creationId xmlns:a16="http://schemas.microsoft.com/office/drawing/2014/main" id="{998C8775-7D6A-4628-9275-D668F94C454D}"/>
+              </a:ext>
+            </a:extLst>
+          </p:cNvPr>
+          <p:cNvCxnSpPr>
+            <a:cxnSpLocks/>
+          </p:cNvCxnSpPr>
+          <p:nvPr/>
+        </p:nvCxnSpPr>
+        <p:spPr>
+          <a:xfrm>
+            <a:off x="1200890" y="1712617"/>
+            <a:ext cx="1134628" cy="1040259"/>
+          </a:xfrm>
+          <a:prstGeom prst="straightConnector1">
+            <a:avLst/>
+          </a:prstGeom>
+          <a:ln w="38100">
+            <a:solidFill>
+              <a:srgbClr val="FF0000"/>
+            </a:solidFill>
+            <a:tailEnd type="triangle"/>
+          </a:ln>
+        </p:spPr>
+        <p:style>
+          <a:lnRef idx="3">
+            <a:schemeClr val="dk1"/>
+          </a:lnRef>
+          <a:fillRef idx="0">
+            <a:schemeClr val="dk1"/>
+          </a:fillRef>
+          <a:effectRef idx="2">
+            <a:schemeClr val="dk1"/>
+          </a:effectRef>
+          <a:fontRef idx="minor">
+            <a:schemeClr val="tx1"/>
+          </a:fontRef>
+        </p:style>
+      </p:cxnSp>
+      <p:cxnSp>
+        <p:nvCxnSpPr>
+          <p:cNvPr id="79" name="直線矢印コネクタ 78">
+            <a:extLst>
+              <a:ext uri="{FF2B5EF4-FFF2-40B4-BE49-F238E27FC236}">
+                <a16:creationId xmlns:a16="http://schemas.microsoft.com/office/drawing/2014/main" id="{3414AFBE-FE5D-4C0A-B539-6BB811021DCA}"/>
+              </a:ext>
+            </a:extLst>
+          </p:cNvPr>
+          <p:cNvCxnSpPr>
+            <a:cxnSpLocks/>
+          </p:cNvCxnSpPr>
+          <p:nvPr/>
+        </p:nvCxnSpPr>
+        <p:spPr>
+          <a:xfrm>
+            <a:off x="1374553" y="1620395"/>
+            <a:ext cx="898387" cy="589205"/>
+          </a:xfrm>
+          <a:prstGeom prst="straightConnector1">
+            <a:avLst/>
+          </a:prstGeom>
+          <a:ln w="38100">
+            <a:solidFill>
+              <a:srgbClr val="FF0000"/>
+            </a:solidFill>
+            <a:tailEnd type="triangle"/>
+          </a:ln>
+        </p:spPr>
+        <p:style>
+          <a:lnRef idx="3">
+            <a:schemeClr val="dk1"/>
+          </a:lnRef>
+          <a:fillRef idx="0">
+            <a:schemeClr val="dk1"/>
+          </a:fillRef>
+          <a:effectRef idx="2">
+            <a:schemeClr val="dk1"/>
+          </a:effectRef>
+          <a:fontRef idx="minor">
+            <a:schemeClr val="tx1"/>
+          </a:fontRef>
+        </p:style>
+      </p:cxnSp>
+      <p:sp>
+        <p:nvSpPr>
+          <p:cNvPr id="80" name="テキスト ボックス 79">
+            <a:extLst>
+              <a:ext uri="{FF2B5EF4-FFF2-40B4-BE49-F238E27FC236}">
+                <a16:creationId xmlns:a16="http://schemas.microsoft.com/office/drawing/2014/main" id="{A1D3200B-6878-49DE-B7BF-281C776D0171}"/>
+              </a:ext>
+            </a:extLst>
+          </p:cNvPr>
+          <p:cNvSpPr txBox="1"/>
+          <p:nvPr/>
+        </p:nvSpPr>
+        <p:spPr>
+          <a:xfrm>
+            <a:off x="3120758" y="3644877"/>
+            <a:ext cx="1415772" cy="461665"/>
+          </a:xfrm>
+          <a:prstGeom prst="rect">
+            <a:avLst/>
+          </a:prstGeom>
+          <a:noFill/>
+        </p:spPr>
+        <p:txBody>
+          <a:bodyPr wrap="none" rtlCol="0">
+            <a:spAutoFit/>
+          </a:bodyPr>
+          <a:lstStyle/>
+          <a:p>
+            <a:r>
+              <a:rPr lang="ja-JP" altLang="en-US" sz="2400" b="1" dirty="0">
+                <a:solidFill>
+                  <a:srgbClr val="FF0000"/>
+                </a:solidFill>
+                <a:latin typeface="Georgia" panose="02040502050405020303" pitchFamily="18" charset="0"/>
+              </a:rPr>
+              <a:t>刻印：○</a:t>
+            </a:r>
+            <a:endParaRPr kumimoji="1" lang="ja-JP" altLang="en-US" sz="2400" b="1" dirty="0">
+              <a:solidFill>
+                <a:srgbClr val="FF0000"/>
+              </a:solidFill>
               <a:latin typeface="Georgia" panose="02040502050405020303" pitchFamily="18" charset="0"/>
             </a:endParaRPr>
           </a:p>
         </p:txBody>
       </p:sp>
-      <p:sp>
-        <p:nvSpPr>
-          <p:cNvPr id="27" name="正方形/長方形 26">
-            <a:extLst>
-              <a:ext uri="{FF2B5EF4-FFF2-40B4-BE49-F238E27FC236}">
-                <a16:creationId xmlns:a16="http://schemas.microsoft.com/office/drawing/2014/main" id="{886DBA0C-C3E0-4717-A773-C5392AF72A42}"/>
-              </a:ext>
-            </a:extLst>
-          </p:cNvPr>
-          <p:cNvSpPr/>
-          <p:nvPr/>
-        </p:nvSpPr>
-        <p:spPr>
-          <a:xfrm>
-            <a:off x="4194001" y="511018"/>
-            <a:ext cx="2475329" cy="2310370"/>
+      <p:cxnSp>
+        <p:nvCxnSpPr>
+          <p:cNvPr id="81" name="直線矢印コネクタ 80">
+            <a:extLst>
+              <a:ext uri="{FF2B5EF4-FFF2-40B4-BE49-F238E27FC236}">
+                <a16:creationId xmlns:a16="http://schemas.microsoft.com/office/drawing/2014/main" id="{3AA00195-2217-497A-9A71-898FDE7A6A3B}"/>
+              </a:ext>
+            </a:extLst>
+          </p:cNvPr>
+          <p:cNvCxnSpPr>
+            <a:cxnSpLocks/>
+          </p:cNvCxnSpPr>
+          <p:nvPr/>
+        </p:nvCxnSpPr>
+        <p:spPr>
+          <a:xfrm flipV="1">
+            <a:off x="4262154" y="3231071"/>
+            <a:ext cx="332817" cy="425545"/>
+          </a:xfrm>
+          <a:prstGeom prst="straightConnector1">
+            <a:avLst/>
+          </a:prstGeom>
+          <a:ln w="38100">
+            <a:solidFill>
+              <a:srgbClr val="FF0000"/>
+            </a:solidFill>
+            <a:tailEnd type="triangle"/>
+          </a:ln>
+        </p:spPr>
+        <p:style>
+          <a:lnRef idx="3">
+            <a:schemeClr val="dk1"/>
+          </a:lnRef>
+          <a:fillRef idx="0">
+            <a:schemeClr val="dk1"/>
+          </a:fillRef>
+          <a:effectRef idx="2">
+            <a:schemeClr val="dk1"/>
+          </a:effectRef>
+          <a:fontRef idx="minor">
+            <a:schemeClr val="tx1"/>
+          </a:fontRef>
+        </p:style>
+      </p:cxnSp>
+      <p:sp>
+        <p:nvSpPr>
+          <p:cNvPr id="82" name="テキスト ボックス 81">
+            <a:extLst>
+              <a:ext uri="{FF2B5EF4-FFF2-40B4-BE49-F238E27FC236}">
+                <a16:creationId xmlns:a16="http://schemas.microsoft.com/office/drawing/2014/main" id="{F2AC89B1-105C-4046-98DF-33C412EFF3C0}"/>
+              </a:ext>
+            </a:extLst>
+          </p:cNvPr>
+          <p:cNvSpPr txBox="1"/>
+          <p:nvPr/>
+        </p:nvSpPr>
+        <p:spPr>
+          <a:xfrm>
+            <a:off x="5240536" y="1606474"/>
+            <a:ext cx="1415772" cy="461665"/>
           </a:xfrm>
           <a:prstGeom prst="rect">
             <a:avLst/>
           </a:prstGeom>
           <a:noFill/>
-          <a:ln w="28575">
-            <a:solidFill>
-              <a:schemeClr val="tx1"/>
-            </a:solidFill>
-            <a:prstDash val="dash"/>
-          </a:ln>
-        </p:spPr>
-        <p:style>
-          <a:lnRef idx="2">
-            <a:schemeClr val="accent1">
-              <a:shade val="50000"/>
-            </a:schemeClr>
-          </a:lnRef>
-          <a:fillRef idx="1">
-            <a:schemeClr val="accent1"/>
-          </a:fillRef>
-          <a:effectRef idx="0">
-            <a:schemeClr val="accent1"/>
-          </a:effectRef>
-          <a:fontRef idx="minor">
-            <a:schemeClr val="lt1"/>
-          </a:fontRef>
-        </p:style>
-        <p:txBody>
-          <a:bodyPr rtlCol="0" anchor="ctr"/>
-          <a:lstStyle/>
-          <a:p>
-            <a:pPr algn="ctr"/>
-            <a:endParaRPr kumimoji="1" lang="ja-JP" altLang="en-US"/>
+        </p:spPr>
+        <p:txBody>
+          <a:bodyPr wrap="none" rtlCol="0">
+            <a:spAutoFit/>
+          </a:bodyPr>
+          <a:lstStyle/>
+          <a:p>
+            <a:r>
+              <a:rPr lang="ja-JP" altLang="en-US" sz="2400" b="1" dirty="0">
+                <a:solidFill>
+                  <a:srgbClr val="FF0000"/>
+                </a:solidFill>
+                <a:latin typeface="Georgia" panose="02040502050405020303" pitchFamily="18" charset="0"/>
+              </a:rPr>
+              <a:t>刻印：中</a:t>
+            </a:r>
+            <a:endParaRPr kumimoji="1" lang="ja-JP" altLang="en-US" sz="2400" b="1" dirty="0">
+              <a:solidFill>
+                <a:srgbClr val="FF0000"/>
+              </a:solidFill>
+              <a:latin typeface="Georgia" panose="02040502050405020303" pitchFamily="18" charset="0"/>
+            </a:endParaRPr>
+          </a:p>
+        </p:txBody>
+      </p:sp>
+      <p:cxnSp>
+        <p:nvCxnSpPr>
+          <p:cNvPr id="83" name="直線矢印コネクタ 82">
+            <a:extLst>
+              <a:ext uri="{FF2B5EF4-FFF2-40B4-BE49-F238E27FC236}">
+                <a16:creationId xmlns:a16="http://schemas.microsoft.com/office/drawing/2014/main" id="{BF17DC22-BBD6-49AC-B0E2-24F3C576AB76}"/>
+              </a:ext>
+            </a:extLst>
+          </p:cNvPr>
+          <p:cNvCxnSpPr>
+            <a:cxnSpLocks/>
+          </p:cNvCxnSpPr>
+          <p:nvPr/>
+        </p:nvCxnSpPr>
+        <p:spPr>
+          <a:xfrm flipH="1">
+            <a:off x="4904906" y="2018176"/>
+            <a:ext cx="548345" cy="538759"/>
+          </a:xfrm>
+          <a:prstGeom prst="straightConnector1">
+            <a:avLst/>
+          </a:prstGeom>
+          <a:ln w="38100">
+            <a:solidFill>
+              <a:srgbClr val="FF0000"/>
+            </a:solidFill>
+            <a:tailEnd type="triangle"/>
+          </a:ln>
+        </p:spPr>
+        <p:style>
+          <a:lnRef idx="3">
+            <a:schemeClr val="dk1"/>
+          </a:lnRef>
+          <a:fillRef idx="0">
+            <a:schemeClr val="dk1"/>
+          </a:fillRef>
+          <a:effectRef idx="2">
+            <a:schemeClr val="dk1"/>
+          </a:effectRef>
+          <a:fontRef idx="minor">
+            <a:schemeClr val="tx1"/>
+          </a:fontRef>
+        </p:style>
+      </p:cxnSp>
+      <p:cxnSp>
+        <p:nvCxnSpPr>
+          <p:cNvPr id="84" name="直線矢印コネクタ 83">
+            <a:extLst>
+              <a:ext uri="{FF2B5EF4-FFF2-40B4-BE49-F238E27FC236}">
+                <a16:creationId xmlns:a16="http://schemas.microsoft.com/office/drawing/2014/main" id="{B74F1ABB-494E-4E96-98D7-BABB5D1CD737}"/>
+              </a:ext>
+            </a:extLst>
+          </p:cNvPr>
+          <p:cNvCxnSpPr>
+            <a:cxnSpLocks/>
+          </p:cNvCxnSpPr>
+          <p:nvPr/>
+        </p:nvCxnSpPr>
+        <p:spPr>
+          <a:xfrm flipH="1">
+            <a:off x="5442994" y="2017380"/>
+            <a:ext cx="287791" cy="212627"/>
+          </a:xfrm>
+          <a:prstGeom prst="straightConnector1">
+            <a:avLst/>
+          </a:prstGeom>
+          <a:ln w="38100">
+            <a:solidFill>
+              <a:srgbClr val="FF0000"/>
+            </a:solidFill>
+            <a:tailEnd type="triangle"/>
+          </a:ln>
+        </p:spPr>
+        <p:style>
+          <a:lnRef idx="3">
+            <a:schemeClr val="dk1"/>
+          </a:lnRef>
+          <a:fillRef idx="0">
+            <a:schemeClr val="dk1"/>
+          </a:fillRef>
+          <a:effectRef idx="2">
+            <a:schemeClr val="dk1"/>
+          </a:effectRef>
+          <a:fontRef idx="minor">
+            <a:schemeClr val="tx1"/>
+          </a:fontRef>
+        </p:style>
+      </p:cxnSp>
+      <p:sp>
+        <p:nvSpPr>
+          <p:cNvPr id="69" name="テキスト ボックス 68">
+            <a:extLst>
+              <a:ext uri="{FF2B5EF4-FFF2-40B4-BE49-F238E27FC236}">
+                <a16:creationId xmlns:a16="http://schemas.microsoft.com/office/drawing/2014/main" id="{7B1E2E2C-4217-4985-A36A-7BA93B2E0917}"/>
+              </a:ext>
+            </a:extLst>
+          </p:cNvPr>
+          <p:cNvSpPr txBox="1"/>
+          <p:nvPr/>
+        </p:nvSpPr>
+        <p:spPr>
+          <a:xfrm>
+            <a:off x="469818" y="891090"/>
+            <a:ext cx="2053767" cy="461665"/>
+          </a:xfrm>
+          <a:prstGeom prst="rect">
+            <a:avLst/>
+          </a:prstGeom>
+          <a:noFill/>
+        </p:spPr>
+        <p:txBody>
+          <a:bodyPr wrap="none" rtlCol="0">
+            <a:spAutoFit/>
+          </a:bodyPr>
+          <a:lstStyle>
+            <a:defPPr>
+              <a:defRPr lang="ja-JP"/>
+            </a:defPPr>
+            <a:lvl1pPr marL="0" algn="l" defTabSz="914400" rtl="0" eaLnBrk="1" latinLnBrk="0" hangingPunct="1">
+              <a:defRPr kumimoji="1" sz="1800" kern="1200">
+                <a:solidFill>
+                  <a:schemeClr val="tx1"/>
+                </a:solidFill>
+                <a:latin typeface="+mn-lt"/>
+                <a:ea typeface="+mn-ea"/>
+                <a:cs typeface="+mn-cs"/>
+              </a:defRPr>
+            </a:lvl1pPr>
+            <a:lvl2pPr marL="457200" algn="l" defTabSz="914400" rtl="0" eaLnBrk="1" latinLnBrk="0" hangingPunct="1">
+              <a:defRPr kumimoji="1" sz="1800" kern="1200">
+                <a:solidFill>
+                  <a:schemeClr val="tx1"/>
+                </a:solidFill>
+                <a:latin typeface="+mn-lt"/>
+                <a:ea typeface="+mn-ea"/>
+                <a:cs typeface="+mn-cs"/>
+              </a:defRPr>
+            </a:lvl2pPr>
+            <a:lvl3pPr marL="914400" algn="l" defTabSz="914400" rtl="0" eaLnBrk="1" latinLnBrk="0" hangingPunct="1">
+              <a:defRPr kumimoji="1" sz="1800" kern="1200">
+                <a:solidFill>
+                  <a:schemeClr val="tx1"/>
+                </a:solidFill>
+                <a:latin typeface="+mn-lt"/>
+                <a:ea typeface="+mn-ea"/>
+                <a:cs typeface="+mn-cs"/>
+              </a:defRPr>
+            </a:lvl3pPr>
+            <a:lvl4pPr marL="1371600" algn="l" defTabSz="914400" rtl="0" eaLnBrk="1" latinLnBrk="0" hangingPunct="1">
+              <a:defRPr kumimoji="1" sz="1800" kern="1200">
+                <a:solidFill>
+                  <a:schemeClr val="tx1"/>
+                </a:solidFill>
+                <a:latin typeface="+mn-lt"/>
+                <a:ea typeface="+mn-ea"/>
+                <a:cs typeface="+mn-cs"/>
+              </a:defRPr>
+            </a:lvl4pPr>
+            <a:lvl5pPr marL="1828800" algn="l" defTabSz="914400" rtl="0" eaLnBrk="1" latinLnBrk="0" hangingPunct="1">
+              <a:defRPr kumimoji="1" sz="1800" kern="1200">
+                <a:solidFill>
+                  <a:schemeClr val="tx1"/>
+                </a:solidFill>
+                <a:latin typeface="+mn-lt"/>
+                <a:ea typeface="+mn-ea"/>
+                <a:cs typeface="+mn-cs"/>
+              </a:defRPr>
+            </a:lvl5pPr>
+            <a:lvl6pPr marL="2286000" algn="l" defTabSz="914400" rtl="0" eaLnBrk="1" latinLnBrk="0" hangingPunct="1">
+              <a:defRPr kumimoji="1" sz="1800" kern="1200">
+                <a:solidFill>
+                  <a:schemeClr val="tx1"/>
+                </a:solidFill>
+                <a:latin typeface="+mn-lt"/>
+                <a:ea typeface="+mn-ea"/>
+                <a:cs typeface="+mn-cs"/>
+              </a:defRPr>
+            </a:lvl6pPr>
+            <a:lvl7pPr marL="2743200" algn="l" defTabSz="914400" rtl="0" eaLnBrk="1" latinLnBrk="0" hangingPunct="1">
+              <a:defRPr kumimoji="1" sz="1800" kern="1200">
+                <a:solidFill>
+                  <a:schemeClr val="tx1"/>
+                </a:solidFill>
+                <a:latin typeface="+mn-lt"/>
+                <a:ea typeface="+mn-ea"/>
+                <a:cs typeface="+mn-cs"/>
+              </a:defRPr>
+            </a:lvl7pPr>
+            <a:lvl8pPr marL="3200400" algn="l" defTabSz="914400" rtl="0" eaLnBrk="1" latinLnBrk="0" hangingPunct="1">
+              <a:defRPr kumimoji="1" sz="1800" kern="1200">
+                <a:solidFill>
+                  <a:schemeClr val="tx1"/>
+                </a:solidFill>
+                <a:latin typeface="+mn-lt"/>
+                <a:ea typeface="+mn-ea"/>
+                <a:cs typeface="+mn-cs"/>
+              </a:defRPr>
+            </a:lvl8pPr>
+            <a:lvl9pPr marL="3657600" algn="l" defTabSz="914400" rtl="0" eaLnBrk="1" latinLnBrk="0" hangingPunct="1">
+              <a:defRPr kumimoji="1" sz="1800" kern="1200">
+                <a:solidFill>
+                  <a:schemeClr val="tx1"/>
+                </a:solidFill>
+                <a:latin typeface="+mn-lt"/>
+                <a:ea typeface="+mn-ea"/>
+                <a:cs typeface="+mn-cs"/>
+              </a:defRPr>
+            </a:lvl9pPr>
+          </a:lstStyle>
+          <a:p>
+            <a:r>
+              <a:rPr kumimoji="1" lang="en-US" altLang="ja-JP" sz="2400" b="1" dirty="0">
+                <a:solidFill>
+                  <a:schemeClr val="accent6">
+                    <a:lumMod val="60000"/>
+                    <a:lumOff val="40000"/>
+                  </a:schemeClr>
+                </a:solidFill>
+                <a:latin typeface="+mn-ea"/>
+              </a:rPr>
+              <a:t>50+150+100</a:t>
+            </a:r>
+            <a:endParaRPr kumimoji="1" lang="ja-JP" altLang="en-US" sz="2400" b="1" dirty="0">
+              <a:solidFill>
+                <a:schemeClr val="accent6">
+                  <a:lumMod val="60000"/>
+                  <a:lumOff val="40000"/>
+                </a:schemeClr>
+              </a:solidFill>
+              <a:latin typeface="+mn-ea"/>
+            </a:endParaRPr>
+          </a:p>
+        </p:txBody>
+      </p:sp>
+      <p:sp>
+        <p:nvSpPr>
+          <p:cNvPr id="85" name="テキスト ボックス 68">
+            <a:extLst>
+              <a:ext uri="{FF2B5EF4-FFF2-40B4-BE49-F238E27FC236}">
+                <a16:creationId xmlns:a16="http://schemas.microsoft.com/office/drawing/2014/main" id="{658D0497-E89E-4612-922C-20633B642179}"/>
+              </a:ext>
+            </a:extLst>
+          </p:cNvPr>
+          <p:cNvSpPr txBox="1"/>
+          <p:nvPr/>
+        </p:nvSpPr>
+        <p:spPr>
+          <a:xfrm>
+            <a:off x="309132" y="4505495"/>
+            <a:ext cx="2230098" cy="461665"/>
+          </a:xfrm>
+          <a:prstGeom prst="rect">
+            <a:avLst/>
+          </a:prstGeom>
+          <a:noFill/>
+        </p:spPr>
+        <p:txBody>
+          <a:bodyPr wrap="none" rtlCol="0">
+            <a:spAutoFit/>
+          </a:bodyPr>
+          <a:lstStyle>
+            <a:defPPr>
+              <a:defRPr lang="ja-JP"/>
+            </a:defPPr>
+            <a:lvl1pPr marL="0" algn="l" defTabSz="914400" rtl="0" eaLnBrk="1" latinLnBrk="0" hangingPunct="1">
+              <a:defRPr kumimoji="1" sz="1800" kern="1200">
+                <a:solidFill>
+                  <a:schemeClr val="tx1"/>
+                </a:solidFill>
+                <a:latin typeface="+mn-lt"/>
+                <a:ea typeface="+mn-ea"/>
+                <a:cs typeface="+mn-cs"/>
+              </a:defRPr>
+            </a:lvl1pPr>
+            <a:lvl2pPr marL="457200" algn="l" defTabSz="914400" rtl="0" eaLnBrk="1" latinLnBrk="0" hangingPunct="1">
+              <a:defRPr kumimoji="1" sz="1800" kern="1200">
+                <a:solidFill>
+                  <a:schemeClr val="tx1"/>
+                </a:solidFill>
+                <a:latin typeface="+mn-lt"/>
+                <a:ea typeface="+mn-ea"/>
+                <a:cs typeface="+mn-cs"/>
+              </a:defRPr>
+            </a:lvl2pPr>
+            <a:lvl3pPr marL="914400" algn="l" defTabSz="914400" rtl="0" eaLnBrk="1" latinLnBrk="0" hangingPunct="1">
+              <a:defRPr kumimoji="1" sz="1800" kern="1200">
+                <a:solidFill>
+                  <a:schemeClr val="tx1"/>
+                </a:solidFill>
+                <a:latin typeface="+mn-lt"/>
+                <a:ea typeface="+mn-ea"/>
+                <a:cs typeface="+mn-cs"/>
+              </a:defRPr>
+            </a:lvl3pPr>
+            <a:lvl4pPr marL="1371600" algn="l" defTabSz="914400" rtl="0" eaLnBrk="1" latinLnBrk="0" hangingPunct="1">
+              <a:defRPr kumimoji="1" sz="1800" kern="1200">
+                <a:solidFill>
+                  <a:schemeClr val="tx1"/>
+                </a:solidFill>
+                <a:latin typeface="+mn-lt"/>
+                <a:ea typeface="+mn-ea"/>
+                <a:cs typeface="+mn-cs"/>
+              </a:defRPr>
+            </a:lvl4pPr>
+            <a:lvl5pPr marL="1828800" algn="l" defTabSz="914400" rtl="0" eaLnBrk="1" latinLnBrk="0" hangingPunct="1">
+              <a:defRPr kumimoji="1" sz="1800" kern="1200">
+                <a:solidFill>
+                  <a:schemeClr val="tx1"/>
+                </a:solidFill>
+                <a:latin typeface="+mn-lt"/>
+                <a:ea typeface="+mn-ea"/>
+                <a:cs typeface="+mn-cs"/>
+              </a:defRPr>
+            </a:lvl5pPr>
+            <a:lvl6pPr marL="2286000" algn="l" defTabSz="914400" rtl="0" eaLnBrk="1" latinLnBrk="0" hangingPunct="1">
+              <a:defRPr kumimoji="1" sz="1800" kern="1200">
+                <a:solidFill>
+                  <a:schemeClr val="tx1"/>
+                </a:solidFill>
+                <a:latin typeface="+mn-lt"/>
+                <a:ea typeface="+mn-ea"/>
+                <a:cs typeface="+mn-cs"/>
+              </a:defRPr>
+            </a:lvl6pPr>
+            <a:lvl7pPr marL="2743200" algn="l" defTabSz="914400" rtl="0" eaLnBrk="1" latinLnBrk="0" hangingPunct="1">
+              <a:defRPr kumimoji="1" sz="1800" kern="1200">
+                <a:solidFill>
+                  <a:schemeClr val="tx1"/>
+                </a:solidFill>
+                <a:latin typeface="+mn-lt"/>
+                <a:ea typeface="+mn-ea"/>
+                <a:cs typeface="+mn-cs"/>
+              </a:defRPr>
+            </a:lvl7pPr>
+            <a:lvl8pPr marL="3200400" algn="l" defTabSz="914400" rtl="0" eaLnBrk="1" latinLnBrk="0" hangingPunct="1">
+              <a:defRPr kumimoji="1" sz="1800" kern="1200">
+                <a:solidFill>
+                  <a:schemeClr val="tx1"/>
+                </a:solidFill>
+                <a:latin typeface="+mn-lt"/>
+                <a:ea typeface="+mn-ea"/>
+                <a:cs typeface="+mn-cs"/>
+              </a:defRPr>
+            </a:lvl8pPr>
+            <a:lvl9pPr marL="3657600" algn="l" defTabSz="914400" rtl="0" eaLnBrk="1" latinLnBrk="0" hangingPunct="1">
+              <a:defRPr kumimoji="1" sz="1800" kern="1200">
+                <a:solidFill>
+                  <a:schemeClr val="tx1"/>
+                </a:solidFill>
+                <a:latin typeface="+mn-lt"/>
+                <a:ea typeface="+mn-ea"/>
+                <a:cs typeface="+mn-cs"/>
+              </a:defRPr>
+            </a:lvl9pPr>
+          </a:lstStyle>
+          <a:p>
+            <a:r>
+              <a:rPr kumimoji="1" lang="en-US" altLang="ja-JP" sz="2400" b="1" dirty="0">
+                <a:solidFill>
+                  <a:schemeClr val="accent6">
+                    <a:lumMod val="60000"/>
+                    <a:lumOff val="40000"/>
+                  </a:schemeClr>
+                </a:solidFill>
+                <a:latin typeface="+mn-ea"/>
+              </a:rPr>
+              <a:t>100+150+100</a:t>
+            </a:r>
+            <a:endParaRPr kumimoji="1" lang="ja-JP" altLang="en-US" sz="2400" b="1" dirty="0">
+              <a:solidFill>
+                <a:schemeClr val="accent6">
+                  <a:lumMod val="60000"/>
+                  <a:lumOff val="40000"/>
+                </a:schemeClr>
+              </a:solidFill>
+              <a:latin typeface="+mn-ea"/>
+            </a:endParaRPr>
+          </a:p>
+        </p:txBody>
+      </p:sp>
+      <p:sp>
+        <p:nvSpPr>
+          <p:cNvPr id="86" name="テキスト ボックス 68">
+            <a:extLst>
+              <a:ext uri="{FF2B5EF4-FFF2-40B4-BE49-F238E27FC236}">
+                <a16:creationId xmlns:a16="http://schemas.microsoft.com/office/drawing/2014/main" id="{66D888A7-0C25-48B0-955B-01BD797049AD}"/>
+              </a:ext>
+            </a:extLst>
+          </p:cNvPr>
+          <p:cNvSpPr txBox="1"/>
+          <p:nvPr/>
+        </p:nvSpPr>
+        <p:spPr>
+          <a:xfrm>
+            <a:off x="2391198" y="1763539"/>
+            <a:ext cx="2230098" cy="461665"/>
+          </a:xfrm>
+          <a:prstGeom prst="rect">
+            <a:avLst/>
+          </a:prstGeom>
+          <a:noFill/>
+        </p:spPr>
+        <p:txBody>
+          <a:bodyPr wrap="none" rtlCol="0">
+            <a:spAutoFit/>
+          </a:bodyPr>
+          <a:lstStyle>
+            <a:defPPr>
+              <a:defRPr lang="ja-JP"/>
+            </a:defPPr>
+            <a:lvl1pPr marL="0" algn="l" defTabSz="914400" rtl="0" eaLnBrk="1" latinLnBrk="0" hangingPunct="1">
+              <a:defRPr kumimoji="1" sz="1800" kern="1200">
+                <a:solidFill>
+                  <a:schemeClr val="tx1"/>
+                </a:solidFill>
+                <a:latin typeface="+mn-lt"/>
+                <a:ea typeface="+mn-ea"/>
+                <a:cs typeface="+mn-cs"/>
+              </a:defRPr>
+            </a:lvl1pPr>
+            <a:lvl2pPr marL="457200" algn="l" defTabSz="914400" rtl="0" eaLnBrk="1" latinLnBrk="0" hangingPunct="1">
+              <a:defRPr kumimoji="1" sz="1800" kern="1200">
+                <a:solidFill>
+                  <a:schemeClr val="tx1"/>
+                </a:solidFill>
+                <a:latin typeface="+mn-lt"/>
+                <a:ea typeface="+mn-ea"/>
+                <a:cs typeface="+mn-cs"/>
+              </a:defRPr>
+            </a:lvl2pPr>
+            <a:lvl3pPr marL="914400" algn="l" defTabSz="914400" rtl="0" eaLnBrk="1" latinLnBrk="0" hangingPunct="1">
+              <a:defRPr kumimoji="1" sz="1800" kern="1200">
+                <a:solidFill>
+                  <a:schemeClr val="tx1"/>
+                </a:solidFill>
+                <a:latin typeface="+mn-lt"/>
+                <a:ea typeface="+mn-ea"/>
+                <a:cs typeface="+mn-cs"/>
+              </a:defRPr>
+            </a:lvl3pPr>
+            <a:lvl4pPr marL="1371600" algn="l" defTabSz="914400" rtl="0" eaLnBrk="1" latinLnBrk="0" hangingPunct="1">
+              <a:defRPr kumimoji="1" sz="1800" kern="1200">
+                <a:solidFill>
+                  <a:schemeClr val="tx1"/>
+                </a:solidFill>
+                <a:latin typeface="+mn-lt"/>
+                <a:ea typeface="+mn-ea"/>
+                <a:cs typeface="+mn-cs"/>
+              </a:defRPr>
+            </a:lvl4pPr>
+            <a:lvl5pPr marL="1828800" algn="l" defTabSz="914400" rtl="0" eaLnBrk="1" latinLnBrk="0" hangingPunct="1">
+              <a:defRPr kumimoji="1" sz="1800" kern="1200">
+                <a:solidFill>
+                  <a:schemeClr val="tx1"/>
+                </a:solidFill>
+                <a:latin typeface="+mn-lt"/>
+                <a:ea typeface="+mn-ea"/>
+                <a:cs typeface="+mn-cs"/>
+              </a:defRPr>
+            </a:lvl5pPr>
+            <a:lvl6pPr marL="2286000" algn="l" defTabSz="914400" rtl="0" eaLnBrk="1" latinLnBrk="0" hangingPunct="1">
+              <a:defRPr kumimoji="1" sz="1800" kern="1200">
+                <a:solidFill>
+                  <a:schemeClr val="tx1"/>
+                </a:solidFill>
+                <a:latin typeface="+mn-lt"/>
+                <a:ea typeface="+mn-ea"/>
+                <a:cs typeface="+mn-cs"/>
+              </a:defRPr>
+            </a:lvl6pPr>
+            <a:lvl7pPr marL="2743200" algn="l" defTabSz="914400" rtl="0" eaLnBrk="1" latinLnBrk="0" hangingPunct="1">
+              <a:defRPr kumimoji="1" sz="1800" kern="1200">
+                <a:solidFill>
+                  <a:schemeClr val="tx1"/>
+                </a:solidFill>
+                <a:latin typeface="+mn-lt"/>
+                <a:ea typeface="+mn-ea"/>
+                <a:cs typeface="+mn-cs"/>
+              </a:defRPr>
+            </a:lvl7pPr>
+            <a:lvl8pPr marL="3200400" algn="l" defTabSz="914400" rtl="0" eaLnBrk="1" latinLnBrk="0" hangingPunct="1">
+              <a:defRPr kumimoji="1" sz="1800" kern="1200">
+                <a:solidFill>
+                  <a:schemeClr val="tx1"/>
+                </a:solidFill>
+                <a:latin typeface="+mn-lt"/>
+                <a:ea typeface="+mn-ea"/>
+                <a:cs typeface="+mn-cs"/>
+              </a:defRPr>
+            </a:lvl8pPr>
+            <a:lvl9pPr marL="3657600" algn="l" defTabSz="914400" rtl="0" eaLnBrk="1" latinLnBrk="0" hangingPunct="1">
+              <a:defRPr kumimoji="1" sz="1800" kern="1200">
+                <a:solidFill>
+                  <a:schemeClr val="tx1"/>
+                </a:solidFill>
+                <a:latin typeface="+mn-lt"/>
+                <a:ea typeface="+mn-ea"/>
+                <a:cs typeface="+mn-cs"/>
+              </a:defRPr>
+            </a:lvl9pPr>
+          </a:lstStyle>
+          <a:p>
+            <a:r>
+              <a:rPr kumimoji="1" lang="en-US" altLang="ja-JP" sz="2400" b="1" dirty="0">
+                <a:solidFill>
+                  <a:schemeClr val="accent6">
+                    <a:lumMod val="60000"/>
+                    <a:lumOff val="40000"/>
+                  </a:schemeClr>
+                </a:solidFill>
+                <a:latin typeface="+mn-ea"/>
+              </a:rPr>
+              <a:t>100+150+100</a:t>
+            </a:r>
+            <a:endParaRPr kumimoji="1" lang="ja-JP" altLang="en-US" sz="2400" b="1" dirty="0">
+              <a:solidFill>
+                <a:schemeClr val="accent6">
+                  <a:lumMod val="60000"/>
+                  <a:lumOff val="40000"/>
+                </a:schemeClr>
+              </a:solidFill>
+              <a:latin typeface="+mn-ea"/>
+            </a:endParaRPr>
+          </a:p>
+        </p:txBody>
+      </p:sp>
+      <p:sp>
+        <p:nvSpPr>
+          <p:cNvPr id="87" name="テキスト ボックス 68">
+            <a:extLst>
+              <a:ext uri="{FF2B5EF4-FFF2-40B4-BE49-F238E27FC236}">
+                <a16:creationId xmlns:a16="http://schemas.microsoft.com/office/drawing/2014/main" id="{2B1EAD73-F594-4902-8D61-F1D5CBEFC42F}"/>
+              </a:ext>
+            </a:extLst>
+          </p:cNvPr>
+          <p:cNvSpPr txBox="1"/>
+          <p:nvPr/>
+        </p:nvSpPr>
+        <p:spPr>
+          <a:xfrm>
+            <a:off x="5475175" y="2795165"/>
+            <a:ext cx="2230098" cy="830997"/>
+          </a:xfrm>
+          <a:prstGeom prst="rect">
+            <a:avLst/>
+          </a:prstGeom>
+          <a:noFill/>
+        </p:spPr>
+        <p:txBody>
+          <a:bodyPr wrap="none" rtlCol="0">
+            <a:spAutoFit/>
+          </a:bodyPr>
+          <a:lstStyle>
+            <a:defPPr>
+              <a:defRPr lang="ja-JP"/>
+            </a:defPPr>
+            <a:lvl1pPr marL="0" algn="l" defTabSz="914400" rtl="0" eaLnBrk="1" latinLnBrk="0" hangingPunct="1">
+              <a:defRPr kumimoji="1" sz="1800" kern="1200">
+                <a:solidFill>
+                  <a:schemeClr val="tx1"/>
+                </a:solidFill>
+                <a:latin typeface="+mn-lt"/>
+                <a:ea typeface="+mn-ea"/>
+                <a:cs typeface="+mn-cs"/>
+              </a:defRPr>
+            </a:lvl1pPr>
+            <a:lvl2pPr marL="457200" algn="l" defTabSz="914400" rtl="0" eaLnBrk="1" latinLnBrk="0" hangingPunct="1">
+              <a:defRPr kumimoji="1" sz="1800" kern="1200">
+                <a:solidFill>
+                  <a:schemeClr val="tx1"/>
+                </a:solidFill>
+                <a:latin typeface="+mn-lt"/>
+                <a:ea typeface="+mn-ea"/>
+                <a:cs typeface="+mn-cs"/>
+              </a:defRPr>
+            </a:lvl2pPr>
+            <a:lvl3pPr marL="914400" algn="l" defTabSz="914400" rtl="0" eaLnBrk="1" latinLnBrk="0" hangingPunct="1">
+              <a:defRPr kumimoji="1" sz="1800" kern="1200">
+                <a:solidFill>
+                  <a:schemeClr val="tx1"/>
+                </a:solidFill>
+                <a:latin typeface="+mn-lt"/>
+                <a:ea typeface="+mn-ea"/>
+                <a:cs typeface="+mn-cs"/>
+              </a:defRPr>
+            </a:lvl3pPr>
+            <a:lvl4pPr marL="1371600" algn="l" defTabSz="914400" rtl="0" eaLnBrk="1" latinLnBrk="0" hangingPunct="1">
+              <a:defRPr kumimoji="1" sz="1800" kern="1200">
+                <a:solidFill>
+                  <a:schemeClr val="tx1"/>
+                </a:solidFill>
+                <a:latin typeface="+mn-lt"/>
+                <a:ea typeface="+mn-ea"/>
+                <a:cs typeface="+mn-cs"/>
+              </a:defRPr>
+            </a:lvl4pPr>
+            <a:lvl5pPr marL="1828800" algn="l" defTabSz="914400" rtl="0" eaLnBrk="1" latinLnBrk="0" hangingPunct="1">
+              <a:defRPr kumimoji="1" sz="1800" kern="1200">
+                <a:solidFill>
+                  <a:schemeClr val="tx1"/>
+                </a:solidFill>
+                <a:latin typeface="+mn-lt"/>
+                <a:ea typeface="+mn-ea"/>
+                <a:cs typeface="+mn-cs"/>
+              </a:defRPr>
+            </a:lvl5pPr>
+            <a:lvl6pPr marL="2286000" algn="l" defTabSz="914400" rtl="0" eaLnBrk="1" latinLnBrk="0" hangingPunct="1">
+              <a:defRPr kumimoji="1" sz="1800" kern="1200">
+                <a:solidFill>
+                  <a:schemeClr val="tx1"/>
+                </a:solidFill>
+                <a:latin typeface="+mn-lt"/>
+                <a:ea typeface="+mn-ea"/>
+                <a:cs typeface="+mn-cs"/>
+              </a:defRPr>
+            </a:lvl6pPr>
+            <a:lvl7pPr marL="2743200" algn="l" defTabSz="914400" rtl="0" eaLnBrk="1" latinLnBrk="0" hangingPunct="1">
+              <a:defRPr kumimoji="1" sz="1800" kern="1200">
+                <a:solidFill>
+                  <a:schemeClr val="tx1"/>
+                </a:solidFill>
+                <a:latin typeface="+mn-lt"/>
+                <a:ea typeface="+mn-ea"/>
+                <a:cs typeface="+mn-cs"/>
+              </a:defRPr>
+            </a:lvl7pPr>
+            <a:lvl8pPr marL="3200400" algn="l" defTabSz="914400" rtl="0" eaLnBrk="1" latinLnBrk="0" hangingPunct="1">
+              <a:defRPr kumimoji="1" sz="1800" kern="1200">
+                <a:solidFill>
+                  <a:schemeClr val="tx1"/>
+                </a:solidFill>
+                <a:latin typeface="+mn-lt"/>
+                <a:ea typeface="+mn-ea"/>
+                <a:cs typeface="+mn-cs"/>
+              </a:defRPr>
+            </a:lvl8pPr>
+            <a:lvl9pPr marL="3657600" algn="l" defTabSz="914400" rtl="0" eaLnBrk="1" latinLnBrk="0" hangingPunct="1">
+              <a:defRPr kumimoji="1" sz="1800" kern="1200">
+                <a:solidFill>
+                  <a:schemeClr val="tx1"/>
+                </a:solidFill>
+                <a:latin typeface="+mn-lt"/>
+                <a:ea typeface="+mn-ea"/>
+                <a:cs typeface="+mn-cs"/>
+              </a:defRPr>
+            </a:lvl9pPr>
+          </a:lstStyle>
+          <a:p>
+            <a:r>
+              <a:rPr kumimoji="1" lang="en-US" altLang="ja-JP" sz="2400" b="1" dirty="0">
+                <a:solidFill>
+                  <a:schemeClr val="accent6">
+                    <a:lumMod val="60000"/>
+                    <a:lumOff val="40000"/>
+                  </a:schemeClr>
+                </a:solidFill>
+                <a:latin typeface="+mn-ea"/>
+              </a:rPr>
+              <a:t>100+150+100</a:t>
+            </a:r>
+          </a:p>
+          <a:p>
+            <a:r>
+              <a:rPr lang="en-US" altLang="ja-JP" sz="2400" b="1" dirty="0">
+                <a:solidFill>
+                  <a:schemeClr val="accent6">
+                    <a:lumMod val="60000"/>
+                    <a:lumOff val="40000"/>
+                  </a:schemeClr>
+                </a:solidFill>
+                <a:latin typeface="+mn-ea"/>
+              </a:rPr>
+              <a:t>(VVF2.0-2C)</a:t>
+            </a:r>
+            <a:endParaRPr kumimoji="1" lang="ja-JP" altLang="en-US" sz="2400" b="1" dirty="0">
+              <a:solidFill>
+                <a:schemeClr val="accent6">
+                  <a:lumMod val="60000"/>
+                  <a:lumOff val="40000"/>
+                </a:schemeClr>
+              </a:solidFill>
+              <a:latin typeface="+mn-ea"/>
+            </a:endParaRPr>
+          </a:p>
+        </p:txBody>
+      </p:sp>
+      <p:sp>
+        <p:nvSpPr>
+          <p:cNvPr id="88" name="テキスト ボックス 68">
+            <a:extLst>
+              <a:ext uri="{FF2B5EF4-FFF2-40B4-BE49-F238E27FC236}">
+                <a16:creationId xmlns:a16="http://schemas.microsoft.com/office/drawing/2014/main" id="{98AA7CE8-0032-4839-93FF-68C978A7C44C}"/>
+              </a:ext>
+            </a:extLst>
+          </p:cNvPr>
+          <p:cNvSpPr txBox="1"/>
+          <p:nvPr/>
+        </p:nvSpPr>
+        <p:spPr>
+          <a:xfrm>
+            <a:off x="7630202" y="1275358"/>
+            <a:ext cx="1471878" cy="461665"/>
+          </a:xfrm>
+          <a:prstGeom prst="rect">
+            <a:avLst/>
+          </a:prstGeom>
+          <a:noFill/>
+        </p:spPr>
+        <p:txBody>
+          <a:bodyPr wrap="none" rtlCol="0">
+            <a:spAutoFit/>
+          </a:bodyPr>
+          <a:lstStyle>
+            <a:defPPr>
+              <a:defRPr lang="ja-JP"/>
+            </a:defPPr>
+            <a:lvl1pPr marL="0" algn="l" defTabSz="914400" rtl="0" eaLnBrk="1" latinLnBrk="0" hangingPunct="1">
+              <a:defRPr kumimoji="1" sz="1800" kern="1200">
+                <a:solidFill>
+                  <a:schemeClr val="tx1"/>
+                </a:solidFill>
+                <a:latin typeface="+mn-lt"/>
+                <a:ea typeface="+mn-ea"/>
+                <a:cs typeface="+mn-cs"/>
+              </a:defRPr>
+            </a:lvl1pPr>
+            <a:lvl2pPr marL="457200" algn="l" defTabSz="914400" rtl="0" eaLnBrk="1" latinLnBrk="0" hangingPunct="1">
+              <a:defRPr kumimoji="1" sz="1800" kern="1200">
+                <a:solidFill>
+                  <a:schemeClr val="tx1"/>
+                </a:solidFill>
+                <a:latin typeface="+mn-lt"/>
+                <a:ea typeface="+mn-ea"/>
+                <a:cs typeface="+mn-cs"/>
+              </a:defRPr>
+            </a:lvl2pPr>
+            <a:lvl3pPr marL="914400" algn="l" defTabSz="914400" rtl="0" eaLnBrk="1" latinLnBrk="0" hangingPunct="1">
+              <a:defRPr kumimoji="1" sz="1800" kern="1200">
+                <a:solidFill>
+                  <a:schemeClr val="tx1"/>
+                </a:solidFill>
+                <a:latin typeface="+mn-lt"/>
+                <a:ea typeface="+mn-ea"/>
+                <a:cs typeface="+mn-cs"/>
+              </a:defRPr>
+            </a:lvl3pPr>
+            <a:lvl4pPr marL="1371600" algn="l" defTabSz="914400" rtl="0" eaLnBrk="1" latinLnBrk="0" hangingPunct="1">
+              <a:defRPr kumimoji="1" sz="1800" kern="1200">
+                <a:solidFill>
+                  <a:schemeClr val="tx1"/>
+                </a:solidFill>
+                <a:latin typeface="+mn-lt"/>
+                <a:ea typeface="+mn-ea"/>
+                <a:cs typeface="+mn-cs"/>
+              </a:defRPr>
+            </a:lvl4pPr>
+            <a:lvl5pPr marL="1828800" algn="l" defTabSz="914400" rtl="0" eaLnBrk="1" latinLnBrk="0" hangingPunct="1">
+              <a:defRPr kumimoji="1" sz="1800" kern="1200">
+                <a:solidFill>
+                  <a:schemeClr val="tx1"/>
+                </a:solidFill>
+                <a:latin typeface="+mn-lt"/>
+                <a:ea typeface="+mn-ea"/>
+                <a:cs typeface="+mn-cs"/>
+              </a:defRPr>
+            </a:lvl5pPr>
+            <a:lvl6pPr marL="2286000" algn="l" defTabSz="914400" rtl="0" eaLnBrk="1" latinLnBrk="0" hangingPunct="1">
+              <a:defRPr kumimoji="1" sz="1800" kern="1200">
+                <a:solidFill>
+                  <a:schemeClr val="tx1"/>
+                </a:solidFill>
+                <a:latin typeface="+mn-lt"/>
+                <a:ea typeface="+mn-ea"/>
+                <a:cs typeface="+mn-cs"/>
+              </a:defRPr>
+            </a:lvl6pPr>
+            <a:lvl7pPr marL="2743200" algn="l" defTabSz="914400" rtl="0" eaLnBrk="1" latinLnBrk="0" hangingPunct="1">
+              <a:defRPr kumimoji="1" sz="1800" kern="1200">
+                <a:solidFill>
+                  <a:schemeClr val="tx1"/>
+                </a:solidFill>
+                <a:latin typeface="+mn-lt"/>
+                <a:ea typeface="+mn-ea"/>
+                <a:cs typeface="+mn-cs"/>
+              </a:defRPr>
+            </a:lvl7pPr>
+            <a:lvl8pPr marL="3200400" algn="l" defTabSz="914400" rtl="0" eaLnBrk="1" latinLnBrk="0" hangingPunct="1">
+              <a:defRPr kumimoji="1" sz="1800" kern="1200">
+                <a:solidFill>
+                  <a:schemeClr val="tx1"/>
+                </a:solidFill>
+                <a:latin typeface="+mn-lt"/>
+                <a:ea typeface="+mn-ea"/>
+                <a:cs typeface="+mn-cs"/>
+              </a:defRPr>
+            </a:lvl8pPr>
+            <a:lvl9pPr marL="3657600" algn="l" defTabSz="914400" rtl="0" eaLnBrk="1" latinLnBrk="0" hangingPunct="1">
+              <a:defRPr kumimoji="1" sz="1800" kern="1200">
+                <a:solidFill>
+                  <a:schemeClr val="tx1"/>
+                </a:solidFill>
+                <a:latin typeface="+mn-lt"/>
+                <a:ea typeface="+mn-ea"/>
+                <a:cs typeface="+mn-cs"/>
+              </a:defRPr>
+            </a:lvl9pPr>
+          </a:lstStyle>
+          <a:p>
+            <a:r>
+              <a:rPr kumimoji="1" lang="en-US" altLang="ja-JP" sz="2400" b="1" dirty="0">
+                <a:solidFill>
+                  <a:schemeClr val="accent6">
+                    <a:lumMod val="60000"/>
+                    <a:lumOff val="40000"/>
+                  </a:schemeClr>
+                </a:solidFill>
+                <a:latin typeface="+mn-ea"/>
+              </a:rPr>
+              <a:t>150+100</a:t>
+            </a:r>
+            <a:endParaRPr kumimoji="1" lang="ja-JP" altLang="en-US" sz="2400" b="1" dirty="0">
+              <a:solidFill>
+                <a:schemeClr val="accent6">
+                  <a:lumMod val="60000"/>
+                  <a:lumOff val="40000"/>
+                </a:schemeClr>
+              </a:solidFill>
+              <a:latin typeface="+mn-ea"/>
+            </a:endParaRPr>
+          </a:p>
+        </p:txBody>
+      </p:sp>
+      <p:cxnSp>
+        <p:nvCxnSpPr>
+          <p:cNvPr id="89" name="直線コネクタ 88">
+            <a:extLst>
+              <a:ext uri="{FF2B5EF4-FFF2-40B4-BE49-F238E27FC236}">
+                <a16:creationId xmlns:a16="http://schemas.microsoft.com/office/drawing/2014/main" id="{65261641-46DD-4901-9EAD-18B53ADB570C}"/>
+              </a:ext>
+            </a:extLst>
+          </p:cNvPr>
+          <p:cNvCxnSpPr>
+            <a:cxnSpLocks/>
+          </p:cNvCxnSpPr>
+          <p:nvPr/>
+        </p:nvCxnSpPr>
+        <p:spPr>
+          <a:xfrm flipH="1">
+            <a:off x="7398456" y="1212321"/>
+            <a:ext cx="1146025" cy="14069"/>
+          </a:xfrm>
+          <a:prstGeom prst="line">
+            <a:avLst/>
+          </a:prstGeom>
+          <a:ln w="57150">
+            <a:solidFill>
+              <a:schemeClr val="bg2">
+                <a:lumMod val="75000"/>
+              </a:schemeClr>
+            </a:solidFill>
+            <a:prstDash val="sysDash"/>
+          </a:ln>
+        </p:spPr>
+        <p:style>
+          <a:lnRef idx="1">
+            <a:schemeClr val="accent1"/>
+          </a:lnRef>
+          <a:fillRef idx="0">
+            <a:schemeClr val="accent1"/>
+          </a:fillRef>
+          <a:effectRef idx="0">
+            <a:schemeClr val="accent1"/>
+          </a:effectRef>
+          <a:fontRef idx="minor">
+            <a:schemeClr val="tx1"/>
+          </a:fontRef>
+        </p:style>
+      </p:cxnSp>
+      <p:cxnSp>
+        <p:nvCxnSpPr>
+          <p:cNvPr id="90" name="直線コネクタ 89">
+            <a:extLst>
+              <a:ext uri="{FF2B5EF4-FFF2-40B4-BE49-F238E27FC236}">
+                <a16:creationId xmlns:a16="http://schemas.microsoft.com/office/drawing/2014/main" id="{462C6859-1459-4CBF-9622-9AE96D2907E3}"/>
+              </a:ext>
+            </a:extLst>
+          </p:cNvPr>
+          <p:cNvCxnSpPr>
+            <a:cxnSpLocks/>
+          </p:cNvCxnSpPr>
+          <p:nvPr/>
+        </p:nvCxnSpPr>
+        <p:spPr>
+          <a:xfrm flipH="1">
+            <a:off x="7523816" y="4922010"/>
+            <a:ext cx="1146025" cy="14069"/>
+          </a:xfrm>
+          <a:prstGeom prst="line">
+            <a:avLst/>
+          </a:prstGeom>
+          <a:ln w="57150">
+            <a:solidFill>
+              <a:schemeClr val="bg2">
+                <a:lumMod val="75000"/>
+              </a:schemeClr>
+            </a:solidFill>
+            <a:prstDash val="sysDash"/>
+          </a:ln>
+        </p:spPr>
+        <p:style>
+          <a:lnRef idx="1">
+            <a:schemeClr val="accent1"/>
+          </a:lnRef>
+          <a:fillRef idx="0">
+            <a:schemeClr val="accent1"/>
+          </a:fillRef>
+          <a:effectRef idx="0">
+            <a:schemeClr val="accent1"/>
+          </a:effectRef>
+          <a:fontRef idx="minor">
+            <a:schemeClr val="tx1"/>
+          </a:fontRef>
+        </p:style>
+      </p:cxnSp>
+      <p:sp>
+        <p:nvSpPr>
+          <p:cNvPr id="91" name="テキスト ボックス 68">
+            <a:extLst>
+              <a:ext uri="{FF2B5EF4-FFF2-40B4-BE49-F238E27FC236}">
+                <a16:creationId xmlns:a16="http://schemas.microsoft.com/office/drawing/2014/main" id="{DB228C32-D804-47F6-95CF-FBB694EC7568}"/>
+              </a:ext>
+            </a:extLst>
+          </p:cNvPr>
+          <p:cNvSpPr txBox="1"/>
+          <p:nvPr/>
+        </p:nvSpPr>
+        <p:spPr>
+          <a:xfrm>
+            <a:off x="8096710" y="3438468"/>
+            <a:ext cx="1069524" cy="830997"/>
+          </a:xfrm>
+          <a:prstGeom prst="rect">
+            <a:avLst/>
+          </a:prstGeom>
+          <a:noFill/>
+        </p:spPr>
+        <p:txBody>
+          <a:bodyPr wrap="none" rtlCol="0">
+            <a:spAutoFit/>
+          </a:bodyPr>
+          <a:lstStyle>
+            <a:defPPr>
+              <a:defRPr lang="ja-JP"/>
+            </a:defPPr>
+            <a:lvl1pPr marL="0" algn="l" defTabSz="914400" rtl="0" eaLnBrk="1" latinLnBrk="0" hangingPunct="1">
+              <a:defRPr kumimoji="1" sz="1800" kern="1200">
+                <a:solidFill>
+                  <a:schemeClr val="tx1"/>
+                </a:solidFill>
+                <a:latin typeface="+mn-lt"/>
+                <a:ea typeface="+mn-ea"/>
+                <a:cs typeface="+mn-cs"/>
+              </a:defRPr>
+            </a:lvl1pPr>
+            <a:lvl2pPr marL="457200" algn="l" defTabSz="914400" rtl="0" eaLnBrk="1" latinLnBrk="0" hangingPunct="1">
+              <a:defRPr kumimoji="1" sz="1800" kern="1200">
+                <a:solidFill>
+                  <a:schemeClr val="tx1"/>
+                </a:solidFill>
+                <a:latin typeface="+mn-lt"/>
+                <a:ea typeface="+mn-ea"/>
+                <a:cs typeface="+mn-cs"/>
+              </a:defRPr>
+            </a:lvl2pPr>
+            <a:lvl3pPr marL="914400" algn="l" defTabSz="914400" rtl="0" eaLnBrk="1" latinLnBrk="0" hangingPunct="1">
+              <a:defRPr kumimoji="1" sz="1800" kern="1200">
+                <a:solidFill>
+                  <a:schemeClr val="tx1"/>
+                </a:solidFill>
+                <a:latin typeface="+mn-lt"/>
+                <a:ea typeface="+mn-ea"/>
+                <a:cs typeface="+mn-cs"/>
+              </a:defRPr>
+            </a:lvl3pPr>
+            <a:lvl4pPr marL="1371600" algn="l" defTabSz="914400" rtl="0" eaLnBrk="1" latinLnBrk="0" hangingPunct="1">
+              <a:defRPr kumimoji="1" sz="1800" kern="1200">
+                <a:solidFill>
+                  <a:schemeClr val="tx1"/>
+                </a:solidFill>
+                <a:latin typeface="+mn-lt"/>
+                <a:ea typeface="+mn-ea"/>
+                <a:cs typeface="+mn-cs"/>
+              </a:defRPr>
+            </a:lvl4pPr>
+            <a:lvl5pPr marL="1828800" algn="l" defTabSz="914400" rtl="0" eaLnBrk="1" latinLnBrk="0" hangingPunct="1">
+              <a:defRPr kumimoji="1" sz="1800" kern="1200">
+                <a:solidFill>
+                  <a:schemeClr val="tx1"/>
+                </a:solidFill>
+                <a:latin typeface="+mn-lt"/>
+                <a:ea typeface="+mn-ea"/>
+                <a:cs typeface="+mn-cs"/>
+              </a:defRPr>
+            </a:lvl5pPr>
+            <a:lvl6pPr marL="2286000" algn="l" defTabSz="914400" rtl="0" eaLnBrk="1" latinLnBrk="0" hangingPunct="1">
+              <a:defRPr kumimoji="1" sz="1800" kern="1200">
+                <a:solidFill>
+                  <a:schemeClr val="tx1"/>
+                </a:solidFill>
+                <a:latin typeface="+mn-lt"/>
+                <a:ea typeface="+mn-ea"/>
+                <a:cs typeface="+mn-cs"/>
+              </a:defRPr>
+            </a:lvl6pPr>
+            <a:lvl7pPr marL="2743200" algn="l" defTabSz="914400" rtl="0" eaLnBrk="1" latinLnBrk="0" hangingPunct="1">
+              <a:defRPr kumimoji="1" sz="1800" kern="1200">
+                <a:solidFill>
+                  <a:schemeClr val="tx1"/>
+                </a:solidFill>
+                <a:latin typeface="+mn-lt"/>
+                <a:ea typeface="+mn-ea"/>
+                <a:cs typeface="+mn-cs"/>
+              </a:defRPr>
+            </a:lvl7pPr>
+            <a:lvl8pPr marL="3200400" algn="l" defTabSz="914400" rtl="0" eaLnBrk="1" latinLnBrk="0" hangingPunct="1">
+              <a:defRPr kumimoji="1" sz="1800" kern="1200">
+                <a:solidFill>
+                  <a:schemeClr val="tx1"/>
+                </a:solidFill>
+                <a:latin typeface="+mn-lt"/>
+                <a:ea typeface="+mn-ea"/>
+                <a:cs typeface="+mn-cs"/>
+              </a:defRPr>
+            </a:lvl8pPr>
+            <a:lvl9pPr marL="3657600" algn="l" defTabSz="914400" rtl="0" eaLnBrk="1" latinLnBrk="0" hangingPunct="1">
+              <a:defRPr kumimoji="1" sz="1800" kern="1200">
+                <a:solidFill>
+                  <a:schemeClr val="tx1"/>
+                </a:solidFill>
+                <a:latin typeface="+mn-lt"/>
+                <a:ea typeface="+mn-ea"/>
+                <a:cs typeface="+mn-cs"/>
+              </a:defRPr>
+            </a:lvl9pPr>
+          </a:lstStyle>
+          <a:p>
+            <a:r>
+              <a:rPr kumimoji="1" lang="en-US" altLang="ja-JP" sz="2400" b="1" dirty="0">
+                <a:solidFill>
+                  <a:schemeClr val="accent6">
+                    <a:lumMod val="60000"/>
+                    <a:lumOff val="40000"/>
+                  </a:schemeClr>
+                </a:solidFill>
+                <a:latin typeface="+mn-ea"/>
+              </a:rPr>
+              <a:t>150</a:t>
+            </a:r>
+          </a:p>
+          <a:p>
+            <a:r>
+              <a:rPr lang="en-US" altLang="ja-JP" sz="2400" b="1" dirty="0">
+                <a:solidFill>
+                  <a:schemeClr val="accent6">
+                    <a:lumMod val="60000"/>
+                    <a:lumOff val="40000"/>
+                  </a:schemeClr>
+                </a:solidFill>
+                <a:latin typeface="+mn-ea"/>
+              </a:rPr>
+              <a:t>(E1.6)</a:t>
+            </a:r>
+            <a:endParaRPr kumimoji="1" lang="ja-JP" altLang="en-US" sz="2400" b="1" dirty="0">
+              <a:solidFill>
+                <a:schemeClr val="accent6">
+                  <a:lumMod val="60000"/>
+                  <a:lumOff val="40000"/>
+                </a:schemeClr>
+              </a:solidFill>
+              <a:latin typeface="+mn-ea"/>
+            </a:endParaRPr>
+          </a:p>
+        </p:txBody>
+      </p:sp>
+      <p:sp>
+        <p:nvSpPr>
+          <p:cNvPr id="92" name="テキスト ボックス 68">
+            <a:extLst>
+              <a:ext uri="{FF2B5EF4-FFF2-40B4-BE49-F238E27FC236}">
+                <a16:creationId xmlns:a16="http://schemas.microsoft.com/office/drawing/2014/main" id="{90945481-CEA8-463C-9007-44B7BBEFB1A0}"/>
+              </a:ext>
+            </a:extLst>
+          </p:cNvPr>
+          <p:cNvSpPr txBox="1"/>
+          <p:nvPr/>
+        </p:nvSpPr>
+        <p:spPr>
+          <a:xfrm>
+            <a:off x="4652860" y="3955004"/>
+            <a:ext cx="2053767" cy="461665"/>
+          </a:xfrm>
+          <a:prstGeom prst="rect">
+            <a:avLst/>
+          </a:prstGeom>
+          <a:noFill/>
+        </p:spPr>
+        <p:txBody>
+          <a:bodyPr wrap="none" rtlCol="0">
+            <a:spAutoFit/>
+          </a:bodyPr>
+          <a:lstStyle>
+            <a:defPPr>
+              <a:defRPr lang="ja-JP"/>
+            </a:defPPr>
+            <a:lvl1pPr marL="0" algn="l" defTabSz="914400" rtl="0" eaLnBrk="1" latinLnBrk="0" hangingPunct="1">
+              <a:defRPr kumimoji="1" sz="1800" kern="1200">
+                <a:solidFill>
+                  <a:schemeClr val="tx1"/>
+                </a:solidFill>
+                <a:latin typeface="+mn-lt"/>
+                <a:ea typeface="+mn-ea"/>
+                <a:cs typeface="+mn-cs"/>
+              </a:defRPr>
+            </a:lvl1pPr>
+            <a:lvl2pPr marL="457200" algn="l" defTabSz="914400" rtl="0" eaLnBrk="1" latinLnBrk="0" hangingPunct="1">
+              <a:defRPr kumimoji="1" sz="1800" kern="1200">
+                <a:solidFill>
+                  <a:schemeClr val="tx1"/>
+                </a:solidFill>
+                <a:latin typeface="+mn-lt"/>
+                <a:ea typeface="+mn-ea"/>
+                <a:cs typeface="+mn-cs"/>
+              </a:defRPr>
+            </a:lvl2pPr>
+            <a:lvl3pPr marL="914400" algn="l" defTabSz="914400" rtl="0" eaLnBrk="1" latinLnBrk="0" hangingPunct="1">
+              <a:defRPr kumimoji="1" sz="1800" kern="1200">
+                <a:solidFill>
+                  <a:schemeClr val="tx1"/>
+                </a:solidFill>
+                <a:latin typeface="+mn-lt"/>
+                <a:ea typeface="+mn-ea"/>
+                <a:cs typeface="+mn-cs"/>
+              </a:defRPr>
+            </a:lvl3pPr>
+            <a:lvl4pPr marL="1371600" algn="l" defTabSz="914400" rtl="0" eaLnBrk="1" latinLnBrk="0" hangingPunct="1">
+              <a:defRPr kumimoji="1" sz="1800" kern="1200">
+                <a:solidFill>
+                  <a:schemeClr val="tx1"/>
+                </a:solidFill>
+                <a:latin typeface="+mn-lt"/>
+                <a:ea typeface="+mn-ea"/>
+                <a:cs typeface="+mn-cs"/>
+              </a:defRPr>
+            </a:lvl4pPr>
+            <a:lvl5pPr marL="1828800" algn="l" defTabSz="914400" rtl="0" eaLnBrk="1" latinLnBrk="0" hangingPunct="1">
+              <a:defRPr kumimoji="1" sz="1800" kern="1200">
+                <a:solidFill>
+                  <a:schemeClr val="tx1"/>
+                </a:solidFill>
+                <a:latin typeface="+mn-lt"/>
+                <a:ea typeface="+mn-ea"/>
+                <a:cs typeface="+mn-cs"/>
+              </a:defRPr>
+            </a:lvl5pPr>
+            <a:lvl6pPr marL="2286000" algn="l" defTabSz="914400" rtl="0" eaLnBrk="1" latinLnBrk="0" hangingPunct="1">
+              <a:defRPr kumimoji="1" sz="1800" kern="1200">
+                <a:solidFill>
+                  <a:schemeClr val="tx1"/>
+                </a:solidFill>
+                <a:latin typeface="+mn-lt"/>
+                <a:ea typeface="+mn-ea"/>
+                <a:cs typeface="+mn-cs"/>
+              </a:defRPr>
+            </a:lvl6pPr>
+            <a:lvl7pPr marL="2743200" algn="l" defTabSz="914400" rtl="0" eaLnBrk="1" latinLnBrk="0" hangingPunct="1">
+              <a:defRPr kumimoji="1" sz="1800" kern="1200">
+                <a:solidFill>
+                  <a:schemeClr val="tx1"/>
+                </a:solidFill>
+                <a:latin typeface="+mn-lt"/>
+                <a:ea typeface="+mn-ea"/>
+                <a:cs typeface="+mn-cs"/>
+              </a:defRPr>
+            </a:lvl7pPr>
+            <a:lvl8pPr marL="3200400" algn="l" defTabSz="914400" rtl="0" eaLnBrk="1" latinLnBrk="0" hangingPunct="1">
+              <a:defRPr kumimoji="1" sz="1800" kern="1200">
+                <a:solidFill>
+                  <a:schemeClr val="tx1"/>
+                </a:solidFill>
+                <a:latin typeface="+mn-lt"/>
+                <a:ea typeface="+mn-ea"/>
+                <a:cs typeface="+mn-cs"/>
+              </a:defRPr>
+            </a:lvl8pPr>
+            <a:lvl9pPr marL="3657600" algn="l" defTabSz="914400" rtl="0" eaLnBrk="1" latinLnBrk="0" hangingPunct="1">
+              <a:defRPr kumimoji="1" sz="1800" kern="1200">
+                <a:solidFill>
+                  <a:schemeClr val="tx1"/>
+                </a:solidFill>
+                <a:latin typeface="+mn-lt"/>
+                <a:ea typeface="+mn-ea"/>
+                <a:cs typeface="+mn-cs"/>
+              </a:defRPr>
+            </a:lvl9pPr>
+          </a:lstStyle>
+          <a:p>
+            <a:r>
+              <a:rPr kumimoji="1" lang="en-US" altLang="ja-JP" sz="2400" b="1" dirty="0">
+                <a:solidFill>
+                  <a:schemeClr val="accent6">
+                    <a:lumMod val="60000"/>
+                    <a:lumOff val="40000"/>
+                  </a:schemeClr>
+                </a:solidFill>
+                <a:latin typeface="+mn-ea"/>
+              </a:rPr>
+              <a:t>100+150+20</a:t>
+            </a:r>
+            <a:endParaRPr kumimoji="1" lang="ja-JP" altLang="en-US" sz="2400" b="1" dirty="0">
+              <a:solidFill>
+                <a:schemeClr val="accent6">
+                  <a:lumMod val="60000"/>
+                  <a:lumOff val="40000"/>
+                </a:schemeClr>
+              </a:solidFill>
+              <a:latin typeface="+mn-ea"/>
+            </a:endParaRPr>
+          </a:p>
+        </p:txBody>
+      </p:sp>
+      <p:sp>
+        <p:nvSpPr>
+          <p:cNvPr id="93" name="テキスト ボックス 68">
+            <a:extLst>
+              <a:ext uri="{FF2B5EF4-FFF2-40B4-BE49-F238E27FC236}">
+                <a16:creationId xmlns:a16="http://schemas.microsoft.com/office/drawing/2014/main" id="{F5F032AC-5CD7-4697-B4C0-91F140E5D495}"/>
+              </a:ext>
+            </a:extLst>
+          </p:cNvPr>
+          <p:cNvSpPr txBox="1"/>
+          <p:nvPr/>
+        </p:nvSpPr>
+        <p:spPr>
+          <a:xfrm>
+            <a:off x="4423282" y="812011"/>
+            <a:ext cx="2053767" cy="830997"/>
+          </a:xfrm>
+          <a:prstGeom prst="rect">
+            <a:avLst/>
+          </a:prstGeom>
+          <a:noFill/>
+        </p:spPr>
+        <p:txBody>
+          <a:bodyPr wrap="none" rtlCol="0">
+            <a:spAutoFit/>
+          </a:bodyPr>
+          <a:lstStyle>
+            <a:defPPr>
+              <a:defRPr lang="ja-JP"/>
+            </a:defPPr>
+            <a:lvl1pPr marL="0" algn="l" defTabSz="914400" rtl="0" eaLnBrk="1" latinLnBrk="0" hangingPunct="1">
+              <a:defRPr kumimoji="1" sz="1800" kern="1200">
+                <a:solidFill>
+                  <a:schemeClr val="tx1"/>
+                </a:solidFill>
+                <a:latin typeface="+mn-lt"/>
+                <a:ea typeface="+mn-ea"/>
+                <a:cs typeface="+mn-cs"/>
+              </a:defRPr>
+            </a:lvl1pPr>
+            <a:lvl2pPr marL="457200" algn="l" defTabSz="914400" rtl="0" eaLnBrk="1" latinLnBrk="0" hangingPunct="1">
+              <a:defRPr kumimoji="1" sz="1800" kern="1200">
+                <a:solidFill>
+                  <a:schemeClr val="tx1"/>
+                </a:solidFill>
+                <a:latin typeface="+mn-lt"/>
+                <a:ea typeface="+mn-ea"/>
+                <a:cs typeface="+mn-cs"/>
+              </a:defRPr>
+            </a:lvl2pPr>
+            <a:lvl3pPr marL="914400" algn="l" defTabSz="914400" rtl="0" eaLnBrk="1" latinLnBrk="0" hangingPunct="1">
+              <a:defRPr kumimoji="1" sz="1800" kern="1200">
+                <a:solidFill>
+                  <a:schemeClr val="tx1"/>
+                </a:solidFill>
+                <a:latin typeface="+mn-lt"/>
+                <a:ea typeface="+mn-ea"/>
+                <a:cs typeface="+mn-cs"/>
+              </a:defRPr>
+            </a:lvl3pPr>
+            <a:lvl4pPr marL="1371600" algn="l" defTabSz="914400" rtl="0" eaLnBrk="1" latinLnBrk="0" hangingPunct="1">
+              <a:defRPr kumimoji="1" sz="1800" kern="1200">
+                <a:solidFill>
+                  <a:schemeClr val="tx1"/>
+                </a:solidFill>
+                <a:latin typeface="+mn-lt"/>
+                <a:ea typeface="+mn-ea"/>
+                <a:cs typeface="+mn-cs"/>
+              </a:defRPr>
+            </a:lvl4pPr>
+            <a:lvl5pPr marL="1828800" algn="l" defTabSz="914400" rtl="0" eaLnBrk="1" latinLnBrk="0" hangingPunct="1">
+              <a:defRPr kumimoji="1" sz="1800" kern="1200">
+                <a:solidFill>
+                  <a:schemeClr val="tx1"/>
+                </a:solidFill>
+                <a:latin typeface="+mn-lt"/>
+                <a:ea typeface="+mn-ea"/>
+                <a:cs typeface="+mn-cs"/>
+              </a:defRPr>
+            </a:lvl5pPr>
+            <a:lvl6pPr marL="2286000" algn="l" defTabSz="914400" rtl="0" eaLnBrk="1" latinLnBrk="0" hangingPunct="1">
+              <a:defRPr kumimoji="1" sz="1800" kern="1200">
+                <a:solidFill>
+                  <a:schemeClr val="tx1"/>
+                </a:solidFill>
+                <a:latin typeface="+mn-lt"/>
+                <a:ea typeface="+mn-ea"/>
+                <a:cs typeface="+mn-cs"/>
+              </a:defRPr>
+            </a:lvl6pPr>
+            <a:lvl7pPr marL="2743200" algn="l" defTabSz="914400" rtl="0" eaLnBrk="1" latinLnBrk="0" hangingPunct="1">
+              <a:defRPr kumimoji="1" sz="1800" kern="1200">
+                <a:solidFill>
+                  <a:schemeClr val="tx1"/>
+                </a:solidFill>
+                <a:latin typeface="+mn-lt"/>
+                <a:ea typeface="+mn-ea"/>
+                <a:cs typeface="+mn-cs"/>
+              </a:defRPr>
+            </a:lvl7pPr>
+            <a:lvl8pPr marL="3200400" algn="l" defTabSz="914400" rtl="0" eaLnBrk="1" latinLnBrk="0" hangingPunct="1">
+              <a:defRPr kumimoji="1" sz="1800" kern="1200">
+                <a:solidFill>
+                  <a:schemeClr val="tx1"/>
+                </a:solidFill>
+                <a:latin typeface="+mn-lt"/>
+                <a:ea typeface="+mn-ea"/>
+                <a:cs typeface="+mn-cs"/>
+              </a:defRPr>
+            </a:lvl8pPr>
+            <a:lvl9pPr marL="3657600" algn="l" defTabSz="914400" rtl="0" eaLnBrk="1" latinLnBrk="0" hangingPunct="1">
+              <a:defRPr kumimoji="1" sz="1800" kern="1200">
+                <a:solidFill>
+                  <a:schemeClr val="tx1"/>
+                </a:solidFill>
+                <a:latin typeface="+mn-lt"/>
+                <a:ea typeface="+mn-ea"/>
+                <a:cs typeface="+mn-cs"/>
+              </a:defRPr>
+            </a:lvl9pPr>
+          </a:lstStyle>
+          <a:p>
+            <a:r>
+              <a:rPr kumimoji="1" lang="en-US" altLang="ja-JP" sz="2400" b="1" dirty="0">
+                <a:solidFill>
+                  <a:schemeClr val="accent6">
+                    <a:lumMod val="60000"/>
+                    <a:lumOff val="40000"/>
+                  </a:schemeClr>
+                </a:solidFill>
+                <a:latin typeface="+mn-ea"/>
+              </a:rPr>
+              <a:t>150+100</a:t>
+            </a:r>
+          </a:p>
+          <a:p>
+            <a:r>
+              <a:rPr lang="en-US" altLang="ja-JP" sz="2400" b="1" dirty="0">
+                <a:solidFill>
+                  <a:schemeClr val="accent6">
+                    <a:lumMod val="60000"/>
+                    <a:lumOff val="40000"/>
+                  </a:schemeClr>
+                </a:solidFill>
+                <a:latin typeface="+mn-ea"/>
+              </a:rPr>
+              <a:t>(VVF2.0-2C)</a:t>
+            </a:r>
+            <a:endParaRPr kumimoji="1" lang="ja-JP" altLang="en-US" sz="2400" b="1" dirty="0">
+              <a:solidFill>
+                <a:schemeClr val="accent6">
+                  <a:lumMod val="60000"/>
+                  <a:lumOff val="40000"/>
+                </a:schemeClr>
+              </a:solidFill>
+              <a:latin typeface="+mn-ea"/>
+            </a:endParaRPr>
           </a:p>
         </p:txBody>
       </p:sp>
     </p:spTree>
     <p:extLst>
       <p:ext uri="{BB962C8B-B14F-4D97-AF65-F5344CB8AC3E}">
-        <p14:creationId xmlns:p14="http://schemas.microsoft.com/office/powerpoint/2010/main" val="601682523"/>
+        <p14:creationId xmlns:p14="http://schemas.microsoft.com/office/powerpoint/2010/main" val="1083922540"/>
       </p:ext>
     </p:extLst>
   </p:cSld>
@@ -18706,10 +23507,10 @@
       </p:grpSpPr>
       <p:sp>
         <p:nvSpPr>
-          <p:cNvPr id="18" name="楕円 17">
-            <a:extLst>
-              <a:ext uri="{FF2B5EF4-FFF2-40B4-BE49-F238E27FC236}">
-                <a16:creationId xmlns:a16="http://schemas.microsoft.com/office/drawing/2014/main" id="{A2E154AD-98D1-4F44-81A2-0CBE45258587}"/>
+          <p:cNvPr id="44" name="楕円 43">
+            <a:extLst>
+              <a:ext uri="{FF2B5EF4-FFF2-40B4-BE49-F238E27FC236}">
+                <a16:creationId xmlns:a16="http://schemas.microsoft.com/office/drawing/2014/main" id="{F928BFB5-9CA6-4D76-89C5-95229637D3F1}"/>
               </a:ext>
             </a:extLst>
           </p:cNvPr>
@@ -18718,8 +23519,8 @@
         </p:nvSpPr>
         <p:spPr>
           <a:xfrm>
-            <a:off x="6588189" y="5229576"/>
-            <a:ext cx="786798" cy="736573"/>
+            <a:off x="7486820" y="165819"/>
+            <a:ext cx="786798" cy="818707"/>
           </a:xfrm>
           <a:prstGeom prst="ellipse">
             <a:avLst/>
@@ -18756,61 +23557,82 @@
           <a:lstStyle/>
           <a:p>
             <a:pPr algn="ctr"/>
+            <a:r>
+              <a:rPr kumimoji="1" lang="en-US" altLang="ja-JP" sz="2400" dirty="0">
+                <a:solidFill>
+                  <a:schemeClr val="tx1"/>
+                </a:solidFill>
+                <a:latin typeface="+mn-ea"/>
+              </a:rPr>
+              <a:t>( )</a:t>
+            </a:r>
+            <a:endParaRPr kumimoji="1" lang="ja-JP" altLang="en-US" sz="2400" dirty="0">
+              <a:solidFill>
+                <a:schemeClr val="tx1"/>
+              </a:solidFill>
+              <a:latin typeface="+mn-ea"/>
+            </a:endParaRPr>
+          </a:p>
+        </p:txBody>
+      </p:sp>
+      <p:sp>
+        <p:nvSpPr>
+          <p:cNvPr id="57" name="楕円 56">
+            <a:extLst>
+              <a:ext uri="{FF2B5EF4-FFF2-40B4-BE49-F238E27FC236}">
+                <a16:creationId xmlns:a16="http://schemas.microsoft.com/office/drawing/2014/main" id="{F4F8F858-C738-46FB-9F0D-CEC6F20372E8}"/>
+              </a:ext>
+            </a:extLst>
+          </p:cNvPr>
+          <p:cNvSpPr/>
+          <p:nvPr/>
+        </p:nvSpPr>
+        <p:spPr>
+          <a:xfrm flipV="1">
+            <a:off x="1154496" y="5364812"/>
+            <a:ext cx="176092" cy="182966"/>
+          </a:xfrm>
+          <a:prstGeom prst="ellipse">
+            <a:avLst/>
+          </a:prstGeom>
+          <a:noFill/>
+          <a:ln w="28575">
+            <a:solidFill>
+              <a:schemeClr val="tx1"/>
+            </a:solidFill>
+          </a:ln>
+        </p:spPr>
+        <p:style>
+          <a:lnRef idx="2">
+            <a:schemeClr val="accent1">
+              <a:shade val="50000"/>
+            </a:schemeClr>
+          </a:lnRef>
+          <a:fillRef idx="1">
+            <a:schemeClr val="accent1"/>
+          </a:fillRef>
+          <a:effectRef idx="0">
+            <a:schemeClr val="accent1"/>
+          </a:effectRef>
+          <a:fontRef idx="minor">
+            <a:schemeClr val="lt1"/>
+          </a:fontRef>
+        </p:style>
+        <p:txBody>
+          <a:bodyPr rtlCol="0" anchor="ctr"/>
+          <a:lstStyle/>
+          <a:p>
+            <a:pPr algn="ctr"/>
             <a:endParaRPr kumimoji="1" lang="ja-JP" altLang="en-US"/>
           </a:p>
         </p:txBody>
       </p:sp>
-      <p:cxnSp>
-        <p:nvCxnSpPr>
-          <p:cNvPr id="63" name="直線コネクタ 62">
-            <a:extLst>
-              <a:ext uri="{FF2B5EF4-FFF2-40B4-BE49-F238E27FC236}">
-                <a16:creationId xmlns:a16="http://schemas.microsoft.com/office/drawing/2014/main" id="{950E2D49-E468-41F4-A082-839B6BF244C5}"/>
-              </a:ext>
-            </a:extLst>
-          </p:cNvPr>
-          <p:cNvCxnSpPr>
-            <a:cxnSpLocks/>
-          </p:cNvCxnSpPr>
-          <p:nvPr/>
-        </p:nvCxnSpPr>
-        <p:spPr>
-          <a:xfrm flipH="1">
-            <a:off x="6378316" y="325626"/>
-            <a:ext cx="767342" cy="0"/>
-          </a:xfrm>
-          <a:prstGeom prst="line">
-            <a:avLst/>
-          </a:prstGeom>
-          <a:ln w="57150">
-            <a:solidFill>
-              <a:schemeClr val="bg2">
-                <a:lumMod val="10000"/>
-              </a:schemeClr>
-            </a:solidFill>
-          </a:ln>
-        </p:spPr>
-        <p:style>
-          <a:lnRef idx="1">
-            <a:schemeClr val="accent1"/>
-          </a:lnRef>
-          <a:fillRef idx="0">
-            <a:schemeClr val="accent1"/>
-          </a:fillRef>
-          <a:effectRef idx="0">
-            <a:schemeClr val="accent1"/>
-          </a:effectRef>
-          <a:fontRef idx="minor">
-            <a:schemeClr val="tx1"/>
-          </a:fontRef>
-        </p:style>
-      </p:cxnSp>
-      <p:sp>
-        <p:nvSpPr>
-          <p:cNvPr id="65" name="テキスト ボックス 64">
-            <a:extLst>
-              <a:ext uri="{FF2B5EF4-FFF2-40B4-BE49-F238E27FC236}">
-                <a16:creationId xmlns:a16="http://schemas.microsoft.com/office/drawing/2014/main" id="{720CAE87-79A7-4680-AF5B-CD23648F3E71}"/>
+      <p:sp>
+        <p:nvSpPr>
+          <p:cNvPr id="59" name="テキスト ボックス 58">
+            <a:extLst>
+              <a:ext uri="{FF2B5EF4-FFF2-40B4-BE49-F238E27FC236}">
+                <a16:creationId xmlns:a16="http://schemas.microsoft.com/office/drawing/2014/main" id="{B6D073DF-5CFE-4F76-875A-22183B3B15AC}"/>
               </a:ext>
             </a:extLst>
           </p:cNvPr>
@@ -18819,8 +23641,8 @@
         </p:nvSpPr>
         <p:spPr>
           <a:xfrm>
-            <a:off x="4492154" y="506304"/>
-            <a:ext cx="492443" cy="461665"/>
+            <a:off x="442621" y="1057369"/>
+            <a:ext cx="442750" cy="461665"/>
           </a:xfrm>
           <a:prstGeom prst="rect">
             <a:avLst/>
@@ -18834,20 +23656,63 @@
           <a:lstStyle/>
           <a:p>
             <a:r>
-              <a:rPr kumimoji="1" lang="ja-JP" altLang="en-US" sz="2400" b="1" dirty="0">
+              <a:rPr lang="en-US" altLang="ja-JP" sz="2400" b="1" dirty="0">
                 <a:latin typeface="Georgia" panose="02040502050405020303" pitchFamily="18" charset="0"/>
               </a:rPr>
-              <a:t>イ</a:t>
-            </a:r>
-          </a:p>
-        </p:txBody>
-      </p:sp>
-      <p:sp>
-        <p:nvSpPr>
-          <p:cNvPr id="44" name="楕円 43">
-            <a:extLst>
-              <a:ext uri="{FF2B5EF4-FFF2-40B4-BE49-F238E27FC236}">
-                <a16:creationId xmlns:a16="http://schemas.microsoft.com/office/drawing/2014/main" id="{F928BFB5-9CA6-4D76-89C5-95229637D3F1}"/>
+              <a:t>N</a:t>
+            </a:r>
+            <a:endParaRPr kumimoji="1" lang="ja-JP" altLang="en-US" sz="2400" b="1" dirty="0">
+              <a:latin typeface="Georgia" panose="02040502050405020303" pitchFamily="18" charset="0"/>
+            </a:endParaRPr>
+          </a:p>
+        </p:txBody>
+      </p:sp>
+      <p:sp>
+        <p:nvSpPr>
+          <p:cNvPr id="62" name="テキスト ボックス 61">
+            <a:extLst>
+              <a:ext uri="{FF2B5EF4-FFF2-40B4-BE49-F238E27FC236}">
+                <a16:creationId xmlns:a16="http://schemas.microsoft.com/office/drawing/2014/main" id="{C597223E-4A96-43CD-B173-B1519D614EF1}"/>
+              </a:ext>
+            </a:extLst>
+          </p:cNvPr>
+          <p:cNvSpPr txBox="1"/>
+          <p:nvPr/>
+        </p:nvSpPr>
+        <p:spPr>
+          <a:xfrm>
+            <a:off x="442621" y="1678084"/>
+            <a:ext cx="396262" cy="461665"/>
+          </a:xfrm>
+          <a:prstGeom prst="rect">
+            <a:avLst/>
+          </a:prstGeom>
+          <a:noFill/>
+        </p:spPr>
+        <p:txBody>
+          <a:bodyPr wrap="none" rtlCol="0">
+            <a:spAutoFit/>
+          </a:bodyPr>
+          <a:lstStyle/>
+          <a:p>
+            <a:r>
+              <a:rPr lang="en-US" altLang="ja-JP" sz="2400" b="1" dirty="0">
+                <a:latin typeface="Georgia" panose="02040502050405020303" pitchFamily="18" charset="0"/>
+              </a:rPr>
+              <a:t>L</a:t>
+            </a:r>
+            <a:endParaRPr kumimoji="1" lang="ja-JP" altLang="en-US" sz="2400" b="1" dirty="0">
+              <a:latin typeface="Georgia" panose="02040502050405020303" pitchFamily="18" charset="0"/>
+            </a:endParaRPr>
+          </a:p>
+        </p:txBody>
+      </p:sp>
+      <p:sp>
+        <p:nvSpPr>
+          <p:cNvPr id="33" name="楕円 32">
+            <a:extLst>
+              <a:ext uri="{FF2B5EF4-FFF2-40B4-BE49-F238E27FC236}">
+                <a16:creationId xmlns:a16="http://schemas.microsoft.com/office/drawing/2014/main" id="{A57367C7-59F6-4678-B4BE-DEBB72E03F5D}"/>
               </a:ext>
             </a:extLst>
           </p:cNvPr>
@@ -18856,8 +23721,8 @@
         </p:nvSpPr>
         <p:spPr>
           <a:xfrm>
-            <a:off x="3705356" y="207078"/>
-            <a:ext cx="786798" cy="818707"/>
+            <a:off x="7520777" y="2859886"/>
+            <a:ext cx="786798" cy="751837"/>
           </a:xfrm>
           <a:prstGeom prst="ellipse">
             <a:avLst/>
@@ -18894,16 +23759,30 @@
           <a:lstStyle/>
           <a:p>
             <a:pPr algn="ctr"/>
-            <a:endParaRPr kumimoji="1" lang="ja-JP" altLang="en-US"/>
-          </a:p>
-        </p:txBody>
-      </p:sp>
-      <p:sp>
-        <p:nvSpPr>
-          <p:cNvPr id="17" name="テキスト ボックス 16">
-            <a:extLst>
-              <a:ext uri="{FF2B5EF4-FFF2-40B4-BE49-F238E27FC236}">
-                <a16:creationId xmlns:a16="http://schemas.microsoft.com/office/drawing/2014/main" id="{AC6C95F1-9AEE-4281-815C-B257B0651CA7}"/>
+            <a:r>
+              <a:rPr kumimoji="1" lang="en-US" altLang="ja-JP" sz="3600" dirty="0">
+                <a:solidFill>
+                  <a:schemeClr val="tx1"/>
+                </a:solidFill>
+                <a:latin typeface="+mn-ea"/>
+              </a:rPr>
+              <a:t>R</a:t>
+            </a:r>
+            <a:endParaRPr kumimoji="1" lang="ja-JP" altLang="en-US" sz="3600" dirty="0">
+              <a:solidFill>
+                <a:schemeClr val="tx1"/>
+              </a:solidFill>
+              <a:latin typeface="+mn-ea"/>
+            </a:endParaRPr>
+          </a:p>
+        </p:txBody>
+      </p:sp>
+      <p:sp>
+        <p:nvSpPr>
+          <p:cNvPr id="75" name="テキスト ボックス 74">
+            <a:extLst>
+              <a:ext uri="{FF2B5EF4-FFF2-40B4-BE49-F238E27FC236}">
+                <a16:creationId xmlns:a16="http://schemas.microsoft.com/office/drawing/2014/main" id="{382C0E3C-7C15-48EA-889E-0CA52E05B8BC}"/>
               </a:ext>
             </a:extLst>
           </p:cNvPr>
@@ -18912,8 +23791,8 @@
         </p:nvSpPr>
         <p:spPr>
           <a:xfrm>
-            <a:off x="3813054" y="222352"/>
-            <a:ext cx="535724" cy="769441"/>
+            <a:off x="8383143" y="3016095"/>
+            <a:ext cx="570990" cy="461665"/>
           </a:xfrm>
           <a:prstGeom prst="rect">
             <a:avLst/>
@@ -18927,114 +23806,57 @@
           <a:lstStyle/>
           <a:p>
             <a:r>
-              <a:rPr kumimoji="1" lang="en-US" altLang="ja-JP" sz="4400" dirty="0">
-                <a:latin typeface="Cambria Math" panose="02040503050406030204" pitchFamily="18" charset="0"/>
-                <a:ea typeface="Cambria Math" panose="02040503050406030204" pitchFamily="18" charset="0"/>
+              <a:rPr kumimoji="1" lang="ja-JP" altLang="en-US" sz="2400" b="1" dirty="0">
+                <a:latin typeface="Georgia" panose="02040502050405020303" pitchFamily="18" charset="0"/>
               </a:rPr>
-              <a:t>R</a:t>
-            </a:r>
-            <a:endParaRPr kumimoji="1" lang="ja-JP" altLang="en-US" sz="4400" dirty="0">
-              <a:latin typeface="Cambria Math" panose="02040503050406030204" pitchFamily="18" charset="0"/>
-            </a:endParaRPr>
-          </a:p>
-        </p:txBody>
-      </p:sp>
-      <p:cxnSp>
-        <p:nvCxnSpPr>
-          <p:cNvPr id="50" name="直線コネクタ 49">
-            <a:extLst>
-              <a:ext uri="{FF2B5EF4-FFF2-40B4-BE49-F238E27FC236}">
-                <a16:creationId xmlns:a16="http://schemas.microsoft.com/office/drawing/2014/main" id="{56332DDB-6A1C-4EF3-9621-CC3E4A766C5B}"/>
-              </a:ext>
-            </a:extLst>
-          </p:cNvPr>
-          <p:cNvCxnSpPr>
-            <a:cxnSpLocks/>
-          </p:cNvCxnSpPr>
-          <p:nvPr/>
-        </p:nvCxnSpPr>
-        <p:spPr>
-          <a:xfrm flipH="1" flipV="1">
-            <a:off x="6695669" y="5797946"/>
-            <a:ext cx="571838" cy="345"/>
-          </a:xfrm>
-          <a:prstGeom prst="line">
-            <a:avLst/>
-          </a:prstGeom>
-          <a:ln w="57150">
-            <a:solidFill>
-              <a:schemeClr val="bg2">
-                <a:lumMod val="10000"/>
-              </a:schemeClr>
-            </a:solidFill>
-          </a:ln>
-        </p:spPr>
-        <p:style>
-          <a:lnRef idx="1">
-            <a:schemeClr val="accent1"/>
-          </a:lnRef>
-          <a:fillRef idx="0">
-            <a:schemeClr val="accent1"/>
-          </a:fillRef>
-          <a:effectRef idx="0">
-            <a:schemeClr val="accent1"/>
-          </a:effectRef>
-          <a:fontRef idx="minor">
-            <a:schemeClr val="tx1"/>
-          </a:fontRef>
-        </p:style>
-      </p:cxnSp>
-      <p:cxnSp>
-        <p:nvCxnSpPr>
-          <p:cNvPr id="55" name="直線コネクタ 54">
-            <a:extLst>
-              <a:ext uri="{FF2B5EF4-FFF2-40B4-BE49-F238E27FC236}">
-                <a16:creationId xmlns:a16="http://schemas.microsoft.com/office/drawing/2014/main" id="{7F65EDAD-F862-4A67-83DB-A8ECF73A00F4}"/>
-              </a:ext>
-            </a:extLst>
-          </p:cNvPr>
-          <p:cNvCxnSpPr>
-            <a:cxnSpLocks/>
-          </p:cNvCxnSpPr>
-          <p:nvPr/>
-        </p:nvCxnSpPr>
-        <p:spPr>
-          <a:xfrm flipH="1" flipV="1">
-            <a:off x="6562904" y="727889"/>
-            <a:ext cx="431056" cy="185805"/>
-          </a:xfrm>
-          <a:prstGeom prst="line">
-            <a:avLst/>
-          </a:prstGeom>
-          <a:ln w="19050">
-            <a:solidFill>
-              <a:schemeClr val="bg2">
-                <a:lumMod val="10000"/>
-              </a:schemeClr>
-            </a:solidFill>
-          </a:ln>
-        </p:spPr>
-        <p:style>
-          <a:lnRef idx="1">
-            <a:schemeClr val="accent1"/>
-          </a:lnRef>
-          <a:fillRef idx="0">
-            <a:schemeClr val="accent1"/>
-          </a:fillRef>
-          <a:effectRef idx="0">
-            <a:schemeClr val="accent1"/>
-          </a:effectRef>
-          <a:fontRef idx="minor">
-            <a:schemeClr val="tx1"/>
-          </a:fontRef>
-        </p:style>
-      </p:cxnSp>
-      <p:sp>
-        <p:nvSpPr>
-          <p:cNvPr id="56" name="楕円 55">
-            <a:extLst>
-              <a:ext uri="{FF2B5EF4-FFF2-40B4-BE49-F238E27FC236}">
-                <a16:creationId xmlns:a16="http://schemas.microsoft.com/office/drawing/2014/main" id="{6F64983C-8A89-4E4D-8122-0AD058935A51}"/>
+              <a:t>ロ </a:t>
+            </a:r>
+          </a:p>
+        </p:txBody>
+      </p:sp>
+      <p:sp>
+        <p:nvSpPr>
+          <p:cNvPr id="76" name="テキスト ボックス 75">
+            <a:extLst>
+              <a:ext uri="{FF2B5EF4-FFF2-40B4-BE49-F238E27FC236}">
+                <a16:creationId xmlns:a16="http://schemas.microsoft.com/office/drawing/2014/main" id="{BDE9EEA3-7B6F-45B8-AF6A-D5E642D0E619}"/>
+              </a:ext>
+            </a:extLst>
+          </p:cNvPr>
+          <p:cNvSpPr txBox="1"/>
+          <p:nvPr/>
+        </p:nvSpPr>
+        <p:spPr>
+          <a:xfrm>
+            <a:off x="8307575" y="280186"/>
+            <a:ext cx="570990" cy="461665"/>
+          </a:xfrm>
+          <a:prstGeom prst="rect">
+            <a:avLst/>
+          </a:prstGeom>
+          <a:noFill/>
+        </p:spPr>
+        <p:txBody>
+          <a:bodyPr wrap="none" rtlCol="0">
+            <a:spAutoFit/>
+          </a:bodyPr>
+          <a:lstStyle/>
+          <a:p>
+            <a:r>
+              <a:rPr kumimoji="1" lang="ja-JP" altLang="en-US" sz="2400" b="1" dirty="0">
+                <a:latin typeface="Georgia" panose="02040502050405020303" pitchFamily="18" charset="0"/>
+              </a:rPr>
+              <a:t>イ </a:t>
+            </a:r>
+          </a:p>
+        </p:txBody>
+      </p:sp>
+      <p:sp>
+        <p:nvSpPr>
+          <p:cNvPr id="37" name="正方形/長方形 36">
+            <a:extLst>
+              <a:ext uri="{FF2B5EF4-FFF2-40B4-BE49-F238E27FC236}">
+                <a16:creationId xmlns:a16="http://schemas.microsoft.com/office/drawing/2014/main" id="{3B1D18A8-ADE8-4666-AC22-1A9A0F21A721}"/>
               </a:ext>
             </a:extLst>
           </p:cNvPr>
@@ -19042,11 +23864,11 @@
           <p:nvPr/>
         </p:nvSpPr>
         <p:spPr>
-          <a:xfrm flipV="1">
-            <a:off x="6947528" y="867584"/>
-            <a:ext cx="176092" cy="182966"/>
-          </a:xfrm>
-          <a:prstGeom prst="ellipse">
+          <a:xfrm>
+            <a:off x="992942" y="3261258"/>
+            <a:ext cx="516065" cy="810755"/>
+          </a:xfrm>
+          <a:prstGeom prst="rect">
             <a:avLst/>
           </a:prstGeom>
           <a:noFill/>
@@ -19083,10 +23905,50 @@
       </p:sp>
       <p:sp>
         <p:nvSpPr>
-          <p:cNvPr id="57" name="楕円 56">
-            <a:extLst>
-              <a:ext uri="{FF2B5EF4-FFF2-40B4-BE49-F238E27FC236}">
-                <a16:creationId xmlns:a16="http://schemas.microsoft.com/office/drawing/2014/main" id="{F4F8F858-C738-46FB-9F0D-CEC6F20372E8}"/>
+          <p:cNvPr id="48" name="テキスト ボックス 47">
+            <a:extLst>
+              <a:ext uri="{FF2B5EF4-FFF2-40B4-BE49-F238E27FC236}">
+                <a16:creationId xmlns:a16="http://schemas.microsoft.com/office/drawing/2014/main" id="{3378B7A9-7F3B-443B-BFD7-DABFDA262918}"/>
+              </a:ext>
+            </a:extLst>
+          </p:cNvPr>
+          <p:cNvSpPr txBox="1"/>
+          <p:nvPr/>
+        </p:nvSpPr>
+        <p:spPr>
+          <a:xfrm>
+            <a:off x="346440" y="3242820"/>
+            <a:ext cx="492443" cy="461665"/>
+          </a:xfrm>
+          <a:prstGeom prst="rect">
+            <a:avLst/>
+          </a:prstGeom>
+          <a:noFill/>
+        </p:spPr>
+        <p:txBody>
+          <a:bodyPr wrap="none" rtlCol="0">
+            <a:spAutoFit/>
+          </a:bodyPr>
+          <a:lstStyle/>
+          <a:p>
+            <a:r>
+              <a:rPr lang="ja-JP" altLang="en-US" sz="2400" b="1" dirty="0">
+                <a:latin typeface="Georgia" panose="02040502050405020303" pitchFamily="18" charset="0"/>
+              </a:rPr>
+              <a:t>イ</a:t>
+            </a:r>
+            <a:endParaRPr lang="en-US" altLang="ja-JP" sz="2400" b="1" dirty="0">
+              <a:latin typeface="Georgia" panose="02040502050405020303" pitchFamily="18" charset="0"/>
+            </a:endParaRPr>
+          </a:p>
+        </p:txBody>
+      </p:sp>
+      <p:sp>
+        <p:nvSpPr>
+          <p:cNvPr id="49" name="正方形/長方形 48">
+            <a:extLst>
+              <a:ext uri="{FF2B5EF4-FFF2-40B4-BE49-F238E27FC236}">
+                <a16:creationId xmlns:a16="http://schemas.microsoft.com/office/drawing/2014/main" id="{7FA457B3-B132-4E5B-9D27-38C7C21B1E01}"/>
               </a:ext>
             </a:extLst>
           </p:cNvPr>
@@ -19094,11 +23956,11 @@
           <p:nvPr/>
         </p:nvSpPr>
         <p:spPr>
-          <a:xfrm flipV="1">
-            <a:off x="6386812" y="867239"/>
-            <a:ext cx="176092" cy="182966"/>
-          </a:xfrm>
-          <a:prstGeom prst="ellipse">
+          <a:xfrm>
+            <a:off x="993484" y="4060826"/>
+            <a:ext cx="516065" cy="843882"/>
+          </a:xfrm>
+          <a:prstGeom prst="rect">
             <a:avLst/>
           </a:prstGeom>
           <a:noFill/>
@@ -19135,10 +23997,10 @@
       </p:sp>
       <p:sp>
         <p:nvSpPr>
-          <p:cNvPr id="4" name="楕円 3">
-            <a:extLst>
-              <a:ext uri="{FF2B5EF4-FFF2-40B4-BE49-F238E27FC236}">
-                <a16:creationId xmlns:a16="http://schemas.microsoft.com/office/drawing/2014/main" id="{EAC14F3B-5816-4EA6-9790-4FCAEA737CC6}"/>
+          <p:cNvPr id="86" name="正方形/長方形 85">
+            <a:extLst>
+              <a:ext uri="{FF2B5EF4-FFF2-40B4-BE49-F238E27FC236}">
+                <a16:creationId xmlns:a16="http://schemas.microsoft.com/office/drawing/2014/main" id="{CE3AE1A2-55F8-4C2F-97B3-884A01D3C0F3}"/>
               </a:ext>
             </a:extLst>
           </p:cNvPr>
@@ -19146,16 +24008,14 @@
           <p:nvPr/>
         </p:nvSpPr>
         <p:spPr>
-          <a:xfrm flipV="1">
-            <a:off x="6588189" y="161908"/>
-            <a:ext cx="347597" cy="352946"/>
-          </a:xfrm>
-          <a:prstGeom prst="ellipse">
-            <a:avLst/>
-          </a:prstGeom>
-          <a:solidFill>
-            <a:schemeClr val="bg1"/>
-          </a:solidFill>
+          <a:xfrm>
+            <a:off x="992942" y="4885553"/>
+            <a:ext cx="516065" cy="810755"/>
+          </a:xfrm>
+          <a:prstGeom prst="rect">
+            <a:avLst/>
+          </a:prstGeom>
+          <a:noFill/>
           <a:ln w="28575">
             <a:solidFill>
               <a:schemeClr val="tx1"/>
@@ -19187,111 +24047,21 @@
           </a:p>
         </p:txBody>
       </p:sp>
-      <p:cxnSp>
-        <p:nvCxnSpPr>
-          <p:cNvPr id="64" name="直線コネクタ 63">
-            <a:extLst>
-              <a:ext uri="{FF2B5EF4-FFF2-40B4-BE49-F238E27FC236}">
-                <a16:creationId xmlns:a16="http://schemas.microsoft.com/office/drawing/2014/main" id="{4D658397-2C4B-4000-8063-9848F82650BA}"/>
-              </a:ext>
-            </a:extLst>
-          </p:cNvPr>
-          <p:cNvCxnSpPr>
-            <a:cxnSpLocks/>
-          </p:cNvCxnSpPr>
-          <p:nvPr/>
-        </p:nvCxnSpPr>
+      <p:sp>
+        <p:nvSpPr>
+          <p:cNvPr id="88" name="楕円 87">
+            <a:extLst>
+              <a:ext uri="{FF2B5EF4-FFF2-40B4-BE49-F238E27FC236}">
+                <a16:creationId xmlns:a16="http://schemas.microsoft.com/office/drawing/2014/main" id="{1BF7E4B7-A377-42BC-A8F3-ED7EE48E64AB}"/>
+              </a:ext>
+            </a:extLst>
+          </p:cNvPr>
+          <p:cNvSpPr/>
+          <p:nvPr/>
+        </p:nvSpPr>
         <p:spPr>
           <a:xfrm flipV="1">
-            <a:off x="6877076" y="5229576"/>
-            <a:ext cx="0" cy="554960"/>
-          </a:xfrm>
-          <a:prstGeom prst="line">
-            <a:avLst/>
-          </a:prstGeom>
-          <a:ln w="57150">
-            <a:solidFill>
-              <a:schemeClr val="bg2">
-                <a:lumMod val="10000"/>
-              </a:schemeClr>
-            </a:solidFill>
-          </a:ln>
-        </p:spPr>
-        <p:style>
-          <a:lnRef idx="1">
-            <a:schemeClr val="accent1"/>
-          </a:lnRef>
-          <a:fillRef idx="0">
-            <a:schemeClr val="accent1"/>
-          </a:fillRef>
-          <a:effectRef idx="0">
-            <a:schemeClr val="accent1"/>
-          </a:effectRef>
-          <a:fontRef idx="minor">
-            <a:schemeClr val="tx1"/>
-          </a:fontRef>
-        </p:style>
-      </p:cxnSp>
-      <p:cxnSp>
-        <p:nvCxnSpPr>
-          <p:cNvPr id="66" name="直線コネクタ 65">
-            <a:extLst>
-              <a:ext uri="{FF2B5EF4-FFF2-40B4-BE49-F238E27FC236}">
-                <a16:creationId xmlns:a16="http://schemas.microsoft.com/office/drawing/2014/main" id="{F9F57985-8243-4B72-9226-BFAD4CE2DEEC}"/>
-              </a:ext>
-            </a:extLst>
-          </p:cNvPr>
-          <p:cNvCxnSpPr>
-            <a:cxnSpLocks/>
-          </p:cNvCxnSpPr>
-          <p:nvPr/>
-        </p:nvCxnSpPr>
-        <p:spPr>
-          <a:xfrm flipV="1">
-            <a:off x="7083321" y="5230829"/>
-            <a:ext cx="0" cy="554960"/>
-          </a:xfrm>
-          <a:prstGeom prst="line">
-            <a:avLst/>
-          </a:prstGeom>
-          <a:ln w="57150">
-            <a:solidFill>
-              <a:schemeClr val="bg2">
-                <a:lumMod val="10000"/>
-              </a:schemeClr>
-            </a:solidFill>
-          </a:ln>
-        </p:spPr>
-        <p:style>
-          <a:lnRef idx="1">
-            <a:schemeClr val="accent1"/>
-          </a:lnRef>
-          <a:fillRef idx="0">
-            <a:schemeClr val="accent1"/>
-          </a:fillRef>
-          <a:effectRef idx="0">
-            <a:schemeClr val="accent1"/>
-          </a:effectRef>
-          <a:fontRef idx="minor">
-            <a:schemeClr val="tx1"/>
-          </a:fontRef>
-        </p:style>
-      </p:cxnSp>
-      <p:sp>
-        <p:nvSpPr>
-          <p:cNvPr id="5" name="楕円 4">
-            <a:extLst>
-              <a:ext uri="{FF2B5EF4-FFF2-40B4-BE49-F238E27FC236}">
-                <a16:creationId xmlns:a16="http://schemas.microsoft.com/office/drawing/2014/main" id="{4542E235-6EE1-4DB0-BE9E-EE5CE07EC58A}"/>
-              </a:ext>
-            </a:extLst>
-          </p:cNvPr>
-          <p:cNvSpPr/>
-          <p:nvPr/>
-        </p:nvSpPr>
-        <p:spPr>
-          <a:xfrm flipV="1">
-            <a:off x="1301683" y="2347697"/>
+            <a:off x="1151103" y="5032221"/>
             <a:ext cx="176092" cy="182966"/>
           </a:xfrm>
           <a:prstGeom prst="ellipse">
@@ -19331,10 +24101,10 @@
       </p:sp>
       <p:sp>
         <p:nvSpPr>
-          <p:cNvPr id="6" name="楕円 5">
-            <a:extLst>
-              <a:ext uri="{FF2B5EF4-FFF2-40B4-BE49-F238E27FC236}">
-                <a16:creationId xmlns:a16="http://schemas.microsoft.com/office/drawing/2014/main" id="{630E7E12-91AA-49D1-96D5-8D8D3C17C1BA}"/>
+          <p:cNvPr id="89" name="楕円 88">
+            <a:extLst>
+              <a:ext uri="{FF2B5EF4-FFF2-40B4-BE49-F238E27FC236}">
+                <a16:creationId xmlns:a16="http://schemas.microsoft.com/office/drawing/2014/main" id="{4701FE00-4D22-4888-95E3-770E1344EDFB}"/>
               </a:ext>
             </a:extLst>
           </p:cNvPr>
@@ -19343,17 +24113,17 @@
         </p:nvSpPr>
         <p:spPr>
           <a:xfrm flipV="1">
-            <a:off x="1301683" y="2836060"/>
+            <a:off x="1151103" y="4565780"/>
             <a:ext cx="176092" cy="182966"/>
           </a:xfrm>
           <a:prstGeom prst="ellipse">
             <a:avLst/>
           </a:prstGeom>
-          <a:solidFill>
-            <a:schemeClr val="tx1"/>
-          </a:solidFill>
+          <a:noFill/>
           <a:ln w="28575">
-            <a:noFill/>
+            <a:solidFill>
+              <a:schemeClr val="tx1"/>
+            </a:solidFill>
           </a:ln>
         </p:spPr>
         <p:style>
@@ -19383,10 +24153,10 @@
       </p:sp>
       <p:sp>
         <p:nvSpPr>
-          <p:cNvPr id="7" name="楕円 6">
-            <a:extLst>
-              <a:ext uri="{FF2B5EF4-FFF2-40B4-BE49-F238E27FC236}">
-                <a16:creationId xmlns:a16="http://schemas.microsoft.com/office/drawing/2014/main" id="{3B110D3F-0631-4A34-B34D-A3A8EAD6EF60}"/>
+          <p:cNvPr id="90" name="楕円 89">
+            <a:extLst>
+              <a:ext uri="{FF2B5EF4-FFF2-40B4-BE49-F238E27FC236}">
+                <a16:creationId xmlns:a16="http://schemas.microsoft.com/office/drawing/2014/main" id="{59802DBE-B646-40DD-82E7-66231EF66698}"/>
               </a:ext>
             </a:extLst>
           </p:cNvPr>
@@ -19394,23 +24164,18 @@
           <p:nvPr/>
         </p:nvSpPr>
         <p:spPr>
-          <a:xfrm>
-            <a:off x="3122033" y="1746609"/>
-            <a:ext cx="1943891" cy="1922693"/>
+          <a:xfrm flipV="1">
+            <a:off x="1151103" y="4199526"/>
+            <a:ext cx="176092" cy="182966"/>
           </a:xfrm>
           <a:prstGeom prst="ellipse">
             <a:avLst/>
           </a:prstGeom>
-          <a:solidFill>
-            <a:schemeClr val="bg1"/>
-          </a:solidFill>
+          <a:noFill/>
           <a:ln w="28575">
             <a:solidFill>
-              <a:schemeClr val="bg2">
-                <a:lumMod val="10000"/>
-              </a:schemeClr>
-            </a:solidFill>
-            <a:prstDash val="dash"/>
+              <a:schemeClr val="tx1"/>
+            </a:solidFill>
           </a:ln>
         </p:spPr>
         <p:style>
@@ -19440,10 +24205,10 @@
       </p:sp>
       <p:sp>
         <p:nvSpPr>
-          <p:cNvPr id="9" name="楕円 8">
-            <a:extLst>
-              <a:ext uri="{FF2B5EF4-FFF2-40B4-BE49-F238E27FC236}">
-                <a16:creationId xmlns:a16="http://schemas.microsoft.com/office/drawing/2014/main" id="{5F83C3E4-DD28-48F0-9CF1-131ACAD0A376}"/>
+          <p:cNvPr id="91" name="楕円 90">
+            <a:extLst>
+              <a:ext uri="{FF2B5EF4-FFF2-40B4-BE49-F238E27FC236}">
+                <a16:creationId xmlns:a16="http://schemas.microsoft.com/office/drawing/2014/main" id="{FBDD354D-4089-4F7E-BD90-7E07C475A3A2}"/>
               </a:ext>
             </a:extLst>
           </p:cNvPr>
@@ -19451,23 +24216,18 @@
           <p:nvPr/>
         </p:nvSpPr>
         <p:spPr>
-          <a:xfrm>
-            <a:off x="5912485" y="1746608"/>
-            <a:ext cx="1943891" cy="1922693"/>
+          <a:xfrm flipV="1">
+            <a:off x="1151103" y="3763271"/>
+            <a:ext cx="176092" cy="182966"/>
           </a:xfrm>
           <a:prstGeom prst="ellipse">
             <a:avLst/>
           </a:prstGeom>
-          <a:solidFill>
-            <a:schemeClr val="bg1"/>
-          </a:solidFill>
+          <a:noFill/>
           <a:ln w="28575">
             <a:solidFill>
-              <a:schemeClr val="bg2">
-                <a:lumMod val="10000"/>
-              </a:schemeClr>
-            </a:solidFill>
-            <a:prstDash val="dash"/>
+              <a:schemeClr val="tx1"/>
+            </a:solidFill>
           </a:ln>
         </p:spPr>
         <p:style>
@@ -19497,223 +24257,28 @@
       </p:sp>
       <p:sp>
         <p:nvSpPr>
-          <p:cNvPr id="16" name="テキスト ボックス 15">
-            <a:extLst>
-              <a:ext uri="{FF2B5EF4-FFF2-40B4-BE49-F238E27FC236}">
-                <a16:creationId xmlns:a16="http://schemas.microsoft.com/office/drawing/2014/main" id="{11ABFD26-0EEB-409A-AB57-C9147DB964C5}"/>
-              </a:ext>
-            </a:extLst>
-          </p:cNvPr>
-          <p:cNvSpPr txBox="1"/>
-          <p:nvPr/>
-        </p:nvSpPr>
-        <p:spPr>
-          <a:xfrm>
-            <a:off x="7455676" y="5696010"/>
-            <a:ext cx="613925" cy="461665"/>
-          </a:xfrm>
-          <a:prstGeom prst="rect">
+          <p:cNvPr id="92" name="楕円 91">
+            <a:extLst>
+              <a:ext uri="{FF2B5EF4-FFF2-40B4-BE49-F238E27FC236}">
+                <a16:creationId xmlns:a16="http://schemas.microsoft.com/office/drawing/2014/main" id="{C3A7A33C-D2FC-48F6-8C92-65FB2BE81E0A}"/>
+              </a:ext>
+            </a:extLst>
+          </p:cNvPr>
+          <p:cNvSpPr/>
+          <p:nvPr/>
+        </p:nvSpPr>
+        <p:spPr>
+          <a:xfrm flipV="1">
+            <a:off x="1143200" y="3391426"/>
+            <a:ext cx="176092" cy="182966"/>
+          </a:xfrm>
+          <a:prstGeom prst="ellipse">
             <a:avLst/>
           </a:prstGeom>
           <a:noFill/>
-        </p:spPr>
-        <p:txBody>
-          <a:bodyPr wrap="square" rtlCol="0">
-            <a:spAutoFit/>
-          </a:bodyPr>
-          <a:lstStyle/>
-          <a:p>
-            <a:r>
-              <a:rPr kumimoji="1" lang="en-US" altLang="ja-JP" sz="2400" b="1" dirty="0">
-                <a:latin typeface="Georgia" panose="02040502050405020303" pitchFamily="18" charset="0"/>
-              </a:rPr>
-              <a:t>2</a:t>
-            </a:r>
-            <a:endParaRPr kumimoji="1" lang="ja-JP" altLang="en-US" sz="2400" b="1" dirty="0">
-              <a:latin typeface="Georgia" panose="02040502050405020303" pitchFamily="18" charset="0"/>
-            </a:endParaRPr>
-          </a:p>
-        </p:txBody>
-      </p:sp>
-      <p:sp>
-        <p:nvSpPr>
-          <p:cNvPr id="20" name="テキスト ボックス 19">
-            <a:extLst>
-              <a:ext uri="{FF2B5EF4-FFF2-40B4-BE49-F238E27FC236}">
-                <a16:creationId xmlns:a16="http://schemas.microsoft.com/office/drawing/2014/main" id="{717BE03C-CB30-4BDE-AEBF-A8972D86E172}"/>
-              </a:ext>
-            </a:extLst>
-          </p:cNvPr>
-          <p:cNvSpPr txBox="1"/>
-          <p:nvPr/>
-        </p:nvSpPr>
-        <p:spPr>
-          <a:xfrm>
-            <a:off x="6508995" y="903302"/>
-            <a:ext cx="492443" cy="461665"/>
-          </a:xfrm>
-          <a:prstGeom prst="rect">
-            <a:avLst/>
-          </a:prstGeom>
-          <a:noFill/>
-        </p:spPr>
-        <p:txBody>
-          <a:bodyPr wrap="none" rtlCol="0">
-            <a:spAutoFit/>
-          </a:bodyPr>
-          <a:lstStyle/>
-          <a:p>
-            <a:r>
-              <a:rPr kumimoji="1" lang="ja-JP" altLang="en-US" sz="2400" b="1" dirty="0">
-                <a:latin typeface="Georgia" panose="02040502050405020303" pitchFamily="18" charset="0"/>
-              </a:rPr>
-              <a:t>イ</a:t>
-            </a:r>
-          </a:p>
-        </p:txBody>
-      </p:sp>
-      <p:sp>
-        <p:nvSpPr>
-          <p:cNvPr id="23" name="テキスト ボックス 22">
-            <a:extLst>
-              <a:ext uri="{FF2B5EF4-FFF2-40B4-BE49-F238E27FC236}">
-                <a16:creationId xmlns:a16="http://schemas.microsoft.com/office/drawing/2014/main" id="{2998232B-0DED-4BBB-8FE4-21473337C476}"/>
-              </a:ext>
-            </a:extLst>
-          </p:cNvPr>
-          <p:cNvSpPr txBox="1"/>
-          <p:nvPr/>
-        </p:nvSpPr>
-        <p:spPr>
-          <a:xfrm>
-            <a:off x="809240" y="2208347"/>
-            <a:ext cx="492443" cy="461665"/>
-          </a:xfrm>
-          <a:prstGeom prst="rect">
-            <a:avLst/>
-          </a:prstGeom>
-          <a:noFill/>
-        </p:spPr>
-        <p:txBody>
-          <a:bodyPr wrap="none" rtlCol="0">
-            <a:spAutoFit/>
-          </a:bodyPr>
-          <a:lstStyle/>
-          <a:p>
-            <a:r>
-              <a:rPr lang="ja-JP" altLang="en-US" sz="2400" b="1" dirty="0">
-                <a:latin typeface="Georgia" panose="02040502050405020303" pitchFamily="18" charset="0"/>
-              </a:rPr>
-              <a:t>白</a:t>
-            </a:r>
-            <a:endParaRPr kumimoji="1" lang="ja-JP" altLang="en-US" sz="2400" b="1" dirty="0">
-              <a:latin typeface="Georgia" panose="02040502050405020303" pitchFamily="18" charset="0"/>
-            </a:endParaRPr>
-          </a:p>
-        </p:txBody>
-      </p:sp>
-      <p:sp>
-        <p:nvSpPr>
-          <p:cNvPr id="24" name="テキスト ボックス 23">
-            <a:extLst>
-              <a:ext uri="{FF2B5EF4-FFF2-40B4-BE49-F238E27FC236}">
-                <a16:creationId xmlns:a16="http://schemas.microsoft.com/office/drawing/2014/main" id="{CAD876F1-1C0C-4045-B2A6-9488A827BDBD}"/>
-              </a:ext>
-            </a:extLst>
-          </p:cNvPr>
-          <p:cNvSpPr txBox="1"/>
-          <p:nvPr/>
-        </p:nvSpPr>
-        <p:spPr>
-          <a:xfrm>
-            <a:off x="800299" y="2707954"/>
-            <a:ext cx="492443" cy="461665"/>
-          </a:xfrm>
-          <a:prstGeom prst="rect">
-            <a:avLst/>
-          </a:prstGeom>
-          <a:noFill/>
-        </p:spPr>
-        <p:txBody>
-          <a:bodyPr wrap="none" rtlCol="0">
-            <a:spAutoFit/>
-          </a:bodyPr>
-          <a:lstStyle/>
-          <a:p>
-            <a:r>
-              <a:rPr kumimoji="1" lang="ja-JP" altLang="en-US" sz="2400" b="1" dirty="0">
-                <a:latin typeface="Georgia" panose="02040502050405020303" pitchFamily="18" charset="0"/>
-              </a:rPr>
-              <a:t>黒</a:t>
-            </a:r>
-          </a:p>
-        </p:txBody>
-      </p:sp>
-      <p:sp>
-        <p:nvSpPr>
-          <p:cNvPr id="2" name="テキスト ボックス 1">
-            <a:extLst>
-              <a:ext uri="{FF2B5EF4-FFF2-40B4-BE49-F238E27FC236}">
-                <a16:creationId xmlns:a16="http://schemas.microsoft.com/office/drawing/2014/main" id="{3BAA7CD5-5A36-45E7-8A9E-8452104EE84E}"/>
-              </a:ext>
-            </a:extLst>
-          </p:cNvPr>
-          <p:cNvSpPr txBox="1"/>
-          <p:nvPr/>
-        </p:nvSpPr>
-        <p:spPr>
-          <a:xfrm>
-            <a:off x="10223944" y="2482678"/>
-            <a:ext cx="492443" cy="461665"/>
-          </a:xfrm>
-          <a:prstGeom prst="rect">
-            <a:avLst/>
-          </a:prstGeom>
-          <a:noFill/>
-        </p:spPr>
-        <p:txBody>
-          <a:bodyPr wrap="none" rtlCol="0">
-            <a:spAutoFit/>
-          </a:bodyPr>
-          <a:lstStyle/>
-          <a:p>
-            <a:r>
-              <a:rPr kumimoji="1" lang="ja-JP" altLang="en-US" sz="2400" b="1" dirty="0">
-                <a:latin typeface="Georgia" panose="02040502050405020303" pitchFamily="18" charset="0"/>
-              </a:rPr>
-              <a:t>イ</a:t>
-            </a:r>
-          </a:p>
-        </p:txBody>
-      </p:sp>
-      <p:sp>
-        <p:nvSpPr>
-          <p:cNvPr id="3" name="楕円 2">
-            <a:extLst>
-              <a:ext uri="{FF2B5EF4-FFF2-40B4-BE49-F238E27FC236}">
-                <a16:creationId xmlns:a16="http://schemas.microsoft.com/office/drawing/2014/main" id="{CB003734-785B-4885-B625-31F194B279F2}"/>
-              </a:ext>
-            </a:extLst>
-          </p:cNvPr>
-          <p:cNvSpPr/>
-          <p:nvPr/>
-        </p:nvSpPr>
-        <p:spPr>
-          <a:xfrm>
-            <a:off x="9437146" y="2183452"/>
-            <a:ext cx="786798" cy="818707"/>
-          </a:xfrm>
-          <a:prstGeom prst="ellipse">
-            <a:avLst/>
-          </a:prstGeom>
-          <a:solidFill>
-            <a:schemeClr val="bg1"/>
-          </a:solidFill>
-          <a:ln w="38100">
-            <a:solidFill>
-              <a:schemeClr val="bg2">
-                <a:lumMod val="10000"/>
-              </a:schemeClr>
+          <a:ln w="28575">
+            <a:solidFill>
+              <a:schemeClr val="tx1"/>
             </a:solidFill>
           </a:ln>
         </p:spPr>
@@ -19744,10 +24309,10 @@
       </p:sp>
       <p:sp>
         <p:nvSpPr>
-          <p:cNvPr id="8" name="テキスト ボックス 7">
-            <a:extLst>
-              <a:ext uri="{FF2B5EF4-FFF2-40B4-BE49-F238E27FC236}">
-                <a16:creationId xmlns:a16="http://schemas.microsoft.com/office/drawing/2014/main" id="{1E0AF941-4756-4A0D-BEAD-851DF1A9F734}"/>
+          <p:cNvPr id="93" name="テキスト ボックス 92">
+            <a:extLst>
+              <a:ext uri="{FF2B5EF4-FFF2-40B4-BE49-F238E27FC236}">
+                <a16:creationId xmlns:a16="http://schemas.microsoft.com/office/drawing/2014/main" id="{FA2ED036-902B-44A0-B324-5BEEABCBBD72}"/>
               </a:ext>
             </a:extLst>
           </p:cNvPr>
@@ -19756,8 +24321,8 @@
         </p:nvSpPr>
         <p:spPr>
           <a:xfrm>
-            <a:off x="9544844" y="2198726"/>
-            <a:ext cx="535724" cy="769441"/>
+            <a:off x="332390" y="4285413"/>
+            <a:ext cx="492443" cy="461665"/>
           </a:xfrm>
           <a:prstGeom prst="rect">
             <a:avLst/>
@@ -19771,24 +24336,63 @@
           <a:lstStyle/>
           <a:p>
             <a:r>
-              <a:rPr kumimoji="1" lang="en-US" altLang="ja-JP" sz="4400" dirty="0">
-                <a:latin typeface="Cambria Math" panose="02040503050406030204" pitchFamily="18" charset="0"/>
-                <a:ea typeface="Cambria Math" panose="02040503050406030204" pitchFamily="18" charset="0"/>
+              <a:rPr lang="ja-JP" altLang="en-US" sz="2400" b="1" dirty="0">
+                <a:latin typeface="Georgia" panose="02040502050405020303" pitchFamily="18" charset="0"/>
               </a:rPr>
-              <a:t>R</a:t>
-            </a:r>
-            <a:endParaRPr kumimoji="1" lang="ja-JP" altLang="en-US" sz="4400" dirty="0">
-              <a:latin typeface="Cambria Math" panose="02040503050406030204" pitchFamily="18" charset="0"/>
+              <a:t>ロ</a:t>
+            </a:r>
+            <a:endParaRPr lang="en-US" altLang="ja-JP" sz="2400" b="1" dirty="0">
+              <a:latin typeface="Georgia" panose="02040502050405020303" pitchFamily="18" charset="0"/>
             </a:endParaRPr>
           </a:p>
         </p:txBody>
       </p:sp>
       <p:sp>
         <p:nvSpPr>
-          <p:cNvPr id="40" name="楕円 39">
-            <a:extLst>
-              <a:ext uri="{FF2B5EF4-FFF2-40B4-BE49-F238E27FC236}">
-                <a16:creationId xmlns:a16="http://schemas.microsoft.com/office/drawing/2014/main" id="{1A8B9F64-49EE-4937-A333-1C8B2735E22C}"/>
+          <p:cNvPr id="94" name="テキスト ボックス 93">
+            <a:extLst>
+              <a:ext uri="{FF2B5EF4-FFF2-40B4-BE49-F238E27FC236}">
+                <a16:creationId xmlns:a16="http://schemas.microsoft.com/office/drawing/2014/main" id="{6EB70CF1-4319-4D95-9933-216F2FB1ED80}"/>
+              </a:ext>
+            </a:extLst>
+          </p:cNvPr>
+          <p:cNvSpPr txBox="1"/>
+          <p:nvPr/>
+        </p:nvSpPr>
+        <p:spPr>
+          <a:xfrm>
+            <a:off x="339765" y="5328007"/>
+            <a:ext cx="492443" cy="461665"/>
+          </a:xfrm>
+          <a:prstGeom prst="rect">
+            <a:avLst/>
+          </a:prstGeom>
+          <a:noFill/>
+        </p:spPr>
+        <p:txBody>
+          <a:bodyPr wrap="none" rtlCol="0">
+            <a:spAutoFit/>
+          </a:bodyPr>
+          <a:lstStyle/>
+          <a:p>
+            <a:r>
+              <a:rPr lang="ja-JP" altLang="en-US" sz="2400" b="1" dirty="0">
+                <a:latin typeface="Georgia" panose="02040502050405020303" pitchFamily="18" charset="0"/>
+              </a:rPr>
+              <a:t>ハ</a:t>
+            </a:r>
+            <a:endParaRPr lang="en-US" altLang="ja-JP" sz="2400" b="1" dirty="0">
+              <a:latin typeface="Georgia" panose="02040502050405020303" pitchFamily="18" charset="0"/>
+            </a:endParaRPr>
+          </a:p>
+        </p:txBody>
+      </p:sp>
+      <p:sp>
+        <p:nvSpPr>
+          <p:cNvPr id="95" name="楕円 94">
+            <a:extLst>
+              <a:ext uri="{FF2B5EF4-FFF2-40B4-BE49-F238E27FC236}">
+                <a16:creationId xmlns:a16="http://schemas.microsoft.com/office/drawing/2014/main" id="{6968390D-46C8-4D48-BAD0-785D8F2B2CEA}"/>
               </a:ext>
             </a:extLst>
           </p:cNvPr>
@@ -19796,21 +24400,17 @@
           <p:nvPr/>
         </p:nvSpPr>
         <p:spPr>
-          <a:xfrm>
-            <a:off x="3720066" y="5229576"/>
-            <a:ext cx="786798" cy="736573"/>
+          <a:xfrm flipV="1">
+            <a:off x="1089843" y="1204605"/>
+            <a:ext cx="176092" cy="182966"/>
           </a:xfrm>
           <a:prstGeom prst="ellipse">
             <a:avLst/>
           </a:prstGeom>
-          <a:solidFill>
-            <a:schemeClr val="bg1"/>
-          </a:solidFill>
-          <a:ln w="38100">
-            <a:solidFill>
-              <a:schemeClr val="bg2">
-                <a:lumMod val="10000"/>
-              </a:schemeClr>
+          <a:noFill/>
+          <a:ln w="28575">
+            <a:solidFill>
+              <a:schemeClr val="tx1"/>
             </a:solidFill>
           </a:ln>
         </p:spPr>
@@ -19839,145 +24439,252 @@
           </a:p>
         </p:txBody>
       </p:sp>
-      <p:cxnSp>
-        <p:nvCxnSpPr>
-          <p:cNvPr id="41" name="直線コネクタ 40">
-            <a:extLst>
-              <a:ext uri="{FF2B5EF4-FFF2-40B4-BE49-F238E27FC236}">
-                <a16:creationId xmlns:a16="http://schemas.microsoft.com/office/drawing/2014/main" id="{4C216ED0-3ED0-4120-B606-2A044FBF4ED4}"/>
-              </a:ext>
-            </a:extLst>
-          </p:cNvPr>
-          <p:cNvCxnSpPr>
-            <a:cxnSpLocks/>
-          </p:cNvCxnSpPr>
-          <p:nvPr/>
-        </p:nvCxnSpPr>
-        <p:spPr>
-          <a:xfrm flipH="1" flipV="1">
-            <a:off x="3827546" y="5797946"/>
-            <a:ext cx="571838" cy="345"/>
-          </a:xfrm>
-          <a:prstGeom prst="line">
-            <a:avLst/>
-          </a:prstGeom>
-          <a:ln w="57150">
-            <a:solidFill>
-              <a:schemeClr val="bg2">
-                <a:lumMod val="10000"/>
-              </a:schemeClr>
-            </a:solidFill>
-          </a:ln>
-        </p:spPr>
-        <p:style>
-          <a:lnRef idx="1">
-            <a:schemeClr val="accent1"/>
-          </a:lnRef>
-          <a:fillRef idx="0">
-            <a:schemeClr val="accent1"/>
-          </a:fillRef>
-          <a:effectRef idx="0">
-            <a:schemeClr val="accent1"/>
-          </a:effectRef>
-          <a:fontRef idx="minor">
-            <a:schemeClr val="tx1"/>
-          </a:fontRef>
-        </p:style>
-      </p:cxnSp>
-      <p:cxnSp>
-        <p:nvCxnSpPr>
-          <p:cNvPr id="42" name="直線コネクタ 41">
-            <a:extLst>
-              <a:ext uri="{FF2B5EF4-FFF2-40B4-BE49-F238E27FC236}">
-                <a16:creationId xmlns:a16="http://schemas.microsoft.com/office/drawing/2014/main" id="{8CF98F51-54EA-4790-8D7A-4DB60B59A57B}"/>
-              </a:ext>
-            </a:extLst>
-          </p:cNvPr>
-          <p:cNvCxnSpPr>
-            <a:cxnSpLocks/>
-          </p:cNvCxnSpPr>
-          <p:nvPr/>
-        </p:nvCxnSpPr>
+      <p:sp>
+        <p:nvSpPr>
+          <p:cNvPr id="96" name="楕円 95">
+            <a:extLst>
+              <a:ext uri="{FF2B5EF4-FFF2-40B4-BE49-F238E27FC236}">
+                <a16:creationId xmlns:a16="http://schemas.microsoft.com/office/drawing/2014/main" id="{452C832B-95BB-46F4-BC92-F212FD1BA8CA}"/>
+              </a:ext>
+            </a:extLst>
+          </p:cNvPr>
+          <p:cNvSpPr/>
+          <p:nvPr/>
+        </p:nvSpPr>
         <p:spPr>
           <a:xfrm flipV="1">
-            <a:off x="4008953" y="5229576"/>
-            <a:ext cx="0" cy="554960"/>
-          </a:xfrm>
-          <a:prstGeom prst="line">
-            <a:avLst/>
-          </a:prstGeom>
-          <a:ln w="57150">
-            <a:solidFill>
-              <a:schemeClr val="bg2">
-                <a:lumMod val="10000"/>
-              </a:schemeClr>
-            </a:solidFill>
-          </a:ln>
-        </p:spPr>
-        <p:style>
-          <a:lnRef idx="1">
-            <a:schemeClr val="accent1"/>
-          </a:lnRef>
-          <a:fillRef idx="0">
-            <a:schemeClr val="accent1"/>
-          </a:fillRef>
-          <a:effectRef idx="0">
-            <a:schemeClr val="accent1"/>
-          </a:effectRef>
-          <a:fontRef idx="minor">
-            <a:schemeClr val="tx1"/>
-          </a:fontRef>
-        </p:style>
-      </p:cxnSp>
-      <p:cxnSp>
-        <p:nvCxnSpPr>
-          <p:cNvPr id="43" name="直線コネクタ 42">
-            <a:extLst>
-              <a:ext uri="{FF2B5EF4-FFF2-40B4-BE49-F238E27FC236}">
-                <a16:creationId xmlns:a16="http://schemas.microsoft.com/office/drawing/2014/main" id="{12CAC96B-AB51-4330-9F64-BE4819430290}"/>
-              </a:ext>
-            </a:extLst>
-          </p:cNvPr>
-          <p:cNvCxnSpPr>
-            <a:cxnSpLocks/>
-          </p:cNvCxnSpPr>
-          <p:nvPr/>
-        </p:nvCxnSpPr>
-        <p:spPr>
-          <a:xfrm flipV="1">
-            <a:off x="4215198" y="5230829"/>
-            <a:ext cx="0" cy="554960"/>
-          </a:xfrm>
-          <a:prstGeom prst="line">
-            <a:avLst/>
-          </a:prstGeom>
-          <a:ln w="57150">
-            <a:solidFill>
-              <a:schemeClr val="bg2">
-                <a:lumMod val="10000"/>
-              </a:schemeClr>
-            </a:solidFill>
-          </a:ln>
-        </p:spPr>
-        <p:style>
-          <a:lnRef idx="1">
-            <a:schemeClr val="accent1"/>
-          </a:lnRef>
-          <a:fillRef idx="0">
-            <a:schemeClr val="accent1"/>
-          </a:fillRef>
-          <a:effectRef idx="0">
-            <a:schemeClr val="accent1"/>
-          </a:effectRef>
-          <a:fontRef idx="minor">
-            <a:schemeClr val="tx1"/>
-          </a:fontRef>
-        </p:style>
-      </p:cxnSp>
+            <a:off x="1070115" y="1838937"/>
+            <a:ext cx="176092" cy="182966"/>
+          </a:xfrm>
+          <a:prstGeom prst="ellipse">
+            <a:avLst/>
+          </a:prstGeom>
+          <a:noFill/>
+          <a:ln w="28575">
+            <a:solidFill>
+              <a:schemeClr val="tx1"/>
+            </a:solidFill>
+          </a:ln>
+        </p:spPr>
+        <p:style>
+          <a:lnRef idx="2">
+            <a:schemeClr val="accent1">
+              <a:shade val="50000"/>
+            </a:schemeClr>
+          </a:lnRef>
+          <a:fillRef idx="1">
+            <a:schemeClr val="accent1"/>
+          </a:fillRef>
+          <a:effectRef idx="0">
+            <a:schemeClr val="accent1"/>
+          </a:effectRef>
+          <a:fontRef idx="minor">
+            <a:schemeClr val="lt1"/>
+          </a:fontRef>
+        </p:style>
+        <p:txBody>
+          <a:bodyPr rtlCol="0" anchor="ctr"/>
+          <a:lstStyle/>
+          <a:p>
+            <a:pPr algn="ctr"/>
+            <a:endParaRPr kumimoji="1" lang="ja-JP" altLang="en-US"/>
+          </a:p>
+        </p:txBody>
+      </p:sp>
+      <p:sp>
+        <p:nvSpPr>
+          <p:cNvPr id="97" name="正方形/長方形 96">
+            <a:extLst>
+              <a:ext uri="{FF2B5EF4-FFF2-40B4-BE49-F238E27FC236}">
+                <a16:creationId xmlns:a16="http://schemas.microsoft.com/office/drawing/2014/main" id="{1690E899-882F-434D-9DF0-53BD64B1A107}"/>
+              </a:ext>
+            </a:extLst>
+          </p:cNvPr>
+          <p:cNvSpPr/>
+          <p:nvPr/>
+        </p:nvSpPr>
+        <p:spPr>
+          <a:xfrm rot="5400000">
+            <a:off x="5434196" y="5524280"/>
+            <a:ext cx="574370" cy="1172698"/>
+          </a:xfrm>
+          <a:prstGeom prst="rect">
+            <a:avLst/>
+          </a:prstGeom>
+          <a:noFill/>
+          <a:ln w="28575">
+            <a:solidFill>
+              <a:schemeClr val="tx1"/>
+            </a:solidFill>
+          </a:ln>
+        </p:spPr>
+        <p:style>
+          <a:lnRef idx="2">
+            <a:schemeClr val="accent1">
+              <a:shade val="50000"/>
+            </a:schemeClr>
+          </a:lnRef>
+          <a:fillRef idx="1">
+            <a:schemeClr val="accent1"/>
+          </a:fillRef>
+          <a:effectRef idx="0">
+            <a:schemeClr val="accent1"/>
+          </a:effectRef>
+          <a:fontRef idx="minor">
+            <a:schemeClr val="lt1"/>
+          </a:fontRef>
+        </p:style>
+        <p:txBody>
+          <a:bodyPr rtlCol="0" anchor="ctr"/>
+          <a:lstStyle/>
+          <a:p>
+            <a:pPr algn="ctr"/>
+            <a:r>
+              <a:rPr lang="ja-JP" altLang="en-US" dirty="0"/>
+              <a:t>（）</a:t>
+            </a:r>
+            <a:endParaRPr kumimoji="1" lang="ja-JP" altLang="en-US" dirty="0"/>
+          </a:p>
+        </p:txBody>
+      </p:sp>
+      <p:sp>
+        <p:nvSpPr>
+          <p:cNvPr id="98" name="テキスト ボックス 97">
+            <a:extLst>
+              <a:ext uri="{FF2B5EF4-FFF2-40B4-BE49-F238E27FC236}">
+                <a16:creationId xmlns:a16="http://schemas.microsoft.com/office/drawing/2014/main" id="{596CABCB-5B09-438C-93FF-FFF030005C06}"/>
+              </a:ext>
+            </a:extLst>
+          </p:cNvPr>
+          <p:cNvSpPr txBox="1"/>
+          <p:nvPr/>
+        </p:nvSpPr>
+        <p:spPr>
+          <a:xfrm rot="16200000">
+            <a:off x="5566700" y="5747981"/>
+            <a:ext cx="461665" cy="769441"/>
+          </a:xfrm>
+          <a:prstGeom prst="rect">
+            <a:avLst/>
+          </a:prstGeom>
+          <a:noFill/>
+        </p:spPr>
+        <p:txBody>
+          <a:bodyPr vert="eaVert" wrap="square" rtlCol="0">
+            <a:spAutoFit/>
+          </a:bodyPr>
+          <a:lstStyle/>
+          <a:p>
+            <a:r>
+              <a:rPr kumimoji="1" lang="ja-JP" altLang="en-US" b="1" dirty="0"/>
+              <a:t>（ ）</a:t>
+            </a:r>
+          </a:p>
+        </p:txBody>
+      </p:sp>
+      <p:sp>
+        <p:nvSpPr>
+          <p:cNvPr id="99" name="テキスト ボックス 98">
+            <a:extLst>
+              <a:ext uri="{FF2B5EF4-FFF2-40B4-BE49-F238E27FC236}">
+                <a16:creationId xmlns:a16="http://schemas.microsoft.com/office/drawing/2014/main" id="{AA68DA23-F100-4DEA-BF48-28B252CAE322}"/>
+              </a:ext>
+            </a:extLst>
+          </p:cNvPr>
+          <p:cNvSpPr txBox="1"/>
+          <p:nvPr/>
+        </p:nvSpPr>
+        <p:spPr>
+          <a:xfrm>
+            <a:off x="5821497" y="6458291"/>
+            <a:ext cx="570990" cy="461665"/>
+          </a:xfrm>
+          <a:prstGeom prst="rect">
+            <a:avLst/>
+          </a:prstGeom>
+          <a:noFill/>
+        </p:spPr>
+        <p:txBody>
+          <a:bodyPr wrap="none" rtlCol="0">
+            <a:spAutoFit/>
+          </a:bodyPr>
+          <a:lstStyle/>
+          <a:p>
+            <a:r>
+              <a:rPr lang="en-US" altLang="ja-JP" sz="2400" b="1" dirty="0">
+                <a:latin typeface="Georgia" panose="02040502050405020303" pitchFamily="18" charset="0"/>
+              </a:rPr>
+              <a:t> </a:t>
+            </a:r>
+            <a:r>
+              <a:rPr lang="ja-JP" altLang="en-US" sz="2400" b="1" dirty="0">
+                <a:latin typeface="Georgia" panose="02040502050405020303" pitchFamily="18" charset="0"/>
+              </a:rPr>
+              <a:t>ハ</a:t>
+            </a:r>
+            <a:endParaRPr kumimoji="1" lang="ja-JP" altLang="en-US" sz="2400" b="1" dirty="0">
+              <a:latin typeface="Georgia" panose="02040502050405020303" pitchFamily="18" charset="0"/>
+            </a:endParaRPr>
+          </a:p>
+        </p:txBody>
+      </p:sp>
+      <p:sp>
+        <p:nvSpPr>
+          <p:cNvPr id="27" name="正方形/長方形 26">
+            <a:extLst>
+              <a:ext uri="{FF2B5EF4-FFF2-40B4-BE49-F238E27FC236}">
+                <a16:creationId xmlns:a16="http://schemas.microsoft.com/office/drawing/2014/main" id="{886DBA0C-C3E0-4717-A773-C5392AF72A42}"/>
+              </a:ext>
+            </a:extLst>
+          </p:cNvPr>
+          <p:cNvSpPr/>
+          <p:nvPr/>
+        </p:nvSpPr>
+        <p:spPr>
+          <a:xfrm>
+            <a:off x="4194001" y="511018"/>
+            <a:ext cx="2475329" cy="2310370"/>
+          </a:xfrm>
+          <a:prstGeom prst="rect">
+            <a:avLst/>
+          </a:prstGeom>
+          <a:noFill/>
+          <a:ln w="28575">
+            <a:solidFill>
+              <a:schemeClr val="tx1"/>
+            </a:solidFill>
+            <a:prstDash val="dash"/>
+          </a:ln>
+        </p:spPr>
+        <p:style>
+          <a:lnRef idx="2">
+            <a:schemeClr val="accent1">
+              <a:shade val="50000"/>
+            </a:schemeClr>
+          </a:lnRef>
+          <a:fillRef idx="1">
+            <a:schemeClr val="accent1"/>
+          </a:fillRef>
+          <a:effectRef idx="0">
+            <a:schemeClr val="accent1"/>
+          </a:effectRef>
+          <a:fontRef idx="minor">
+            <a:schemeClr val="lt1"/>
+          </a:fontRef>
+        </p:style>
+        <p:txBody>
+          <a:bodyPr rtlCol="0" anchor="ctr"/>
+          <a:lstStyle/>
+          <a:p>
+            <a:pPr algn="ctr"/>
+            <a:endParaRPr kumimoji="1" lang="ja-JP" altLang="en-US"/>
+          </a:p>
+        </p:txBody>
+      </p:sp>
     </p:spTree>
     <p:extLst>
       <p:ext uri="{BB962C8B-B14F-4D97-AF65-F5344CB8AC3E}">
-        <p14:creationId xmlns:p14="http://schemas.microsoft.com/office/powerpoint/2010/main" val="751085526"/>
+        <p14:creationId xmlns:p14="http://schemas.microsoft.com/office/powerpoint/2010/main" val="601682523"/>
       </p:ext>
     </p:extLst>
   </p:cSld>
@@ -20006,10 +24713,10 @@
       </p:grpSpPr>
       <p:sp>
         <p:nvSpPr>
-          <p:cNvPr id="44" name="楕円 43">
-            <a:extLst>
-              <a:ext uri="{FF2B5EF4-FFF2-40B4-BE49-F238E27FC236}">
-                <a16:creationId xmlns:a16="http://schemas.microsoft.com/office/drawing/2014/main" id="{F928BFB5-9CA6-4D76-89C5-95229637D3F1}"/>
+          <p:cNvPr id="18" name="楕円 17">
+            <a:extLst>
+              <a:ext uri="{FF2B5EF4-FFF2-40B4-BE49-F238E27FC236}">
+                <a16:creationId xmlns:a16="http://schemas.microsoft.com/office/drawing/2014/main" id="{A2E154AD-98D1-4F44-81A2-0CBE45258587}"/>
               </a:ext>
             </a:extLst>
           </p:cNvPr>
@@ -20018,8 +24725,8 @@
         </p:nvSpPr>
         <p:spPr>
           <a:xfrm>
-            <a:off x="4489097" y="452615"/>
-            <a:ext cx="786798" cy="818707"/>
+            <a:off x="6588189" y="5229576"/>
+            <a:ext cx="786798" cy="736573"/>
           </a:xfrm>
           <a:prstGeom prst="ellipse">
             <a:avLst/>
@@ -20056,44 +24763,28 @@
           <a:lstStyle/>
           <a:p>
             <a:pPr algn="ctr"/>
-            <a:r>
-              <a:rPr kumimoji="1" lang="en-US" altLang="ja-JP" sz="3600" dirty="0">
-                <a:solidFill>
-                  <a:schemeClr val="tx1"/>
-                </a:solidFill>
-                <a:latin typeface="+mn-ea"/>
-              </a:rPr>
-              <a:t>R</a:t>
-            </a:r>
-            <a:endParaRPr kumimoji="1" lang="ja-JP" altLang="en-US" sz="3600" dirty="0">
-              <a:solidFill>
-                <a:schemeClr val="tx1"/>
-              </a:solidFill>
-              <a:latin typeface="+mn-ea"/>
-            </a:endParaRPr>
+            <a:endParaRPr kumimoji="1" lang="ja-JP" altLang="en-US"/>
           </a:p>
         </p:txBody>
       </p:sp>
       <p:cxnSp>
         <p:nvCxnSpPr>
-          <p:cNvPr id="55" name="直線コネクタ 54">
-            <a:extLst>
-              <a:ext uri="{FF2B5EF4-FFF2-40B4-BE49-F238E27FC236}">
-                <a16:creationId xmlns:a16="http://schemas.microsoft.com/office/drawing/2014/main" id="{7F65EDAD-F862-4A67-83DB-A8ECF73A00F4}"/>
+          <p:cNvPr id="63" name="直線コネクタ 62">
+            <a:extLst>
+              <a:ext uri="{FF2B5EF4-FFF2-40B4-BE49-F238E27FC236}">
+                <a16:creationId xmlns:a16="http://schemas.microsoft.com/office/drawing/2014/main" id="{950E2D49-E468-41F4-A082-839B6BF244C5}"/>
               </a:ext>
             </a:extLst>
           </p:cNvPr>
           <p:cNvCxnSpPr>
             <a:cxnSpLocks/>
-            <a:stCxn id="56" idx="2"/>
-            <a:endCxn id="57" idx="5"/>
           </p:cNvCxnSpPr>
           <p:nvPr/>
         </p:nvCxnSpPr>
         <p:spPr>
           <a:xfrm flipH="1">
-            <a:off x="1800441" y="5602905"/>
-            <a:ext cx="564302" cy="255386"/>
+            <a:off x="6378316" y="325626"/>
+            <a:ext cx="767342" cy="0"/>
           </a:xfrm>
           <a:prstGeom prst="line">
             <a:avLst/>
@@ -20123,10 +24814,47 @@
       </p:cxnSp>
       <p:sp>
         <p:nvSpPr>
-          <p:cNvPr id="56" name="楕円 55">
-            <a:extLst>
-              <a:ext uri="{FF2B5EF4-FFF2-40B4-BE49-F238E27FC236}">
-                <a16:creationId xmlns:a16="http://schemas.microsoft.com/office/drawing/2014/main" id="{6F64983C-8A89-4E4D-8122-0AD058935A51}"/>
+          <p:cNvPr id="65" name="テキスト ボックス 64">
+            <a:extLst>
+              <a:ext uri="{FF2B5EF4-FFF2-40B4-BE49-F238E27FC236}">
+                <a16:creationId xmlns:a16="http://schemas.microsoft.com/office/drawing/2014/main" id="{720CAE87-79A7-4680-AF5B-CD23648F3E71}"/>
+              </a:ext>
+            </a:extLst>
+          </p:cNvPr>
+          <p:cNvSpPr txBox="1"/>
+          <p:nvPr/>
+        </p:nvSpPr>
+        <p:spPr>
+          <a:xfrm>
+            <a:off x="4492154" y="506304"/>
+            <a:ext cx="492443" cy="461665"/>
+          </a:xfrm>
+          <a:prstGeom prst="rect">
+            <a:avLst/>
+          </a:prstGeom>
+          <a:noFill/>
+        </p:spPr>
+        <p:txBody>
+          <a:bodyPr wrap="none" rtlCol="0">
+            <a:spAutoFit/>
+          </a:bodyPr>
+          <a:lstStyle/>
+          <a:p>
+            <a:r>
+              <a:rPr kumimoji="1" lang="ja-JP" altLang="en-US" sz="2400" b="1" dirty="0">
+                <a:latin typeface="Georgia" panose="02040502050405020303" pitchFamily="18" charset="0"/>
+              </a:rPr>
+              <a:t>イ</a:t>
+            </a:r>
+          </a:p>
+        </p:txBody>
+      </p:sp>
+      <p:sp>
+        <p:nvSpPr>
+          <p:cNvPr id="44" name="楕円 43">
+            <a:extLst>
+              <a:ext uri="{FF2B5EF4-FFF2-40B4-BE49-F238E27FC236}">
+                <a16:creationId xmlns:a16="http://schemas.microsoft.com/office/drawing/2014/main" id="{F928BFB5-9CA6-4D76-89C5-95229637D3F1}"/>
               </a:ext>
             </a:extLst>
           </p:cNvPr>
@@ -20134,17 +24862,21 @@
           <p:nvPr/>
         </p:nvSpPr>
         <p:spPr>
-          <a:xfrm flipV="1">
-            <a:off x="2364743" y="5511422"/>
-            <a:ext cx="176092" cy="182966"/>
+          <a:xfrm>
+            <a:off x="3705356" y="207078"/>
+            <a:ext cx="786798" cy="818707"/>
           </a:xfrm>
           <a:prstGeom prst="ellipse">
             <a:avLst/>
           </a:prstGeom>
-          <a:noFill/>
-          <a:ln w="28575">
-            <a:solidFill>
-              <a:schemeClr val="tx1"/>
+          <a:solidFill>
+            <a:schemeClr val="bg1"/>
+          </a:solidFill>
+          <a:ln w="38100">
+            <a:solidFill>
+              <a:schemeClr val="bg2">
+                <a:lumMod val="10000"/>
+              </a:schemeClr>
             </a:solidFill>
           </a:ln>
         </p:spPr>
@@ -20175,10 +24907,141 @@
       </p:sp>
       <p:sp>
         <p:nvSpPr>
-          <p:cNvPr id="57" name="楕円 56">
-            <a:extLst>
-              <a:ext uri="{FF2B5EF4-FFF2-40B4-BE49-F238E27FC236}">
-                <a16:creationId xmlns:a16="http://schemas.microsoft.com/office/drawing/2014/main" id="{F4F8F858-C738-46FB-9F0D-CEC6F20372E8}"/>
+          <p:cNvPr id="17" name="テキスト ボックス 16">
+            <a:extLst>
+              <a:ext uri="{FF2B5EF4-FFF2-40B4-BE49-F238E27FC236}">
+                <a16:creationId xmlns:a16="http://schemas.microsoft.com/office/drawing/2014/main" id="{AC6C95F1-9AEE-4281-815C-B257B0651CA7}"/>
+              </a:ext>
+            </a:extLst>
+          </p:cNvPr>
+          <p:cNvSpPr txBox="1"/>
+          <p:nvPr/>
+        </p:nvSpPr>
+        <p:spPr>
+          <a:xfrm>
+            <a:off x="3813054" y="222352"/>
+            <a:ext cx="535724" cy="769441"/>
+          </a:xfrm>
+          <a:prstGeom prst="rect">
+            <a:avLst/>
+          </a:prstGeom>
+          <a:noFill/>
+        </p:spPr>
+        <p:txBody>
+          <a:bodyPr wrap="none" rtlCol="0">
+            <a:spAutoFit/>
+          </a:bodyPr>
+          <a:lstStyle/>
+          <a:p>
+            <a:r>
+              <a:rPr kumimoji="1" lang="en-US" altLang="ja-JP" sz="4400" dirty="0">
+                <a:latin typeface="Cambria Math" panose="02040503050406030204" pitchFamily="18" charset="0"/>
+                <a:ea typeface="Cambria Math" panose="02040503050406030204" pitchFamily="18" charset="0"/>
+              </a:rPr>
+              <a:t>R</a:t>
+            </a:r>
+            <a:endParaRPr kumimoji="1" lang="ja-JP" altLang="en-US" sz="4400" dirty="0">
+              <a:latin typeface="Cambria Math" panose="02040503050406030204" pitchFamily="18" charset="0"/>
+            </a:endParaRPr>
+          </a:p>
+        </p:txBody>
+      </p:sp>
+      <p:cxnSp>
+        <p:nvCxnSpPr>
+          <p:cNvPr id="50" name="直線コネクタ 49">
+            <a:extLst>
+              <a:ext uri="{FF2B5EF4-FFF2-40B4-BE49-F238E27FC236}">
+                <a16:creationId xmlns:a16="http://schemas.microsoft.com/office/drawing/2014/main" id="{56332DDB-6A1C-4EF3-9621-CC3E4A766C5B}"/>
+              </a:ext>
+            </a:extLst>
+          </p:cNvPr>
+          <p:cNvCxnSpPr>
+            <a:cxnSpLocks/>
+          </p:cNvCxnSpPr>
+          <p:nvPr/>
+        </p:nvCxnSpPr>
+        <p:spPr>
+          <a:xfrm flipH="1" flipV="1">
+            <a:off x="6695669" y="5797946"/>
+            <a:ext cx="571838" cy="345"/>
+          </a:xfrm>
+          <a:prstGeom prst="line">
+            <a:avLst/>
+          </a:prstGeom>
+          <a:ln w="57150">
+            <a:solidFill>
+              <a:schemeClr val="bg2">
+                <a:lumMod val="10000"/>
+              </a:schemeClr>
+            </a:solidFill>
+          </a:ln>
+        </p:spPr>
+        <p:style>
+          <a:lnRef idx="1">
+            <a:schemeClr val="accent1"/>
+          </a:lnRef>
+          <a:fillRef idx="0">
+            <a:schemeClr val="accent1"/>
+          </a:fillRef>
+          <a:effectRef idx="0">
+            <a:schemeClr val="accent1"/>
+          </a:effectRef>
+          <a:fontRef idx="minor">
+            <a:schemeClr val="tx1"/>
+          </a:fontRef>
+        </p:style>
+      </p:cxnSp>
+      <p:cxnSp>
+        <p:nvCxnSpPr>
+          <p:cNvPr id="55" name="直線コネクタ 54">
+            <a:extLst>
+              <a:ext uri="{FF2B5EF4-FFF2-40B4-BE49-F238E27FC236}">
+                <a16:creationId xmlns:a16="http://schemas.microsoft.com/office/drawing/2014/main" id="{7F65EDAD-F862-4A67-83DB-A8ECF73A00F4}"/>
+              </a:ext>
+            </a:extLst>
+          </p:cNvPr>
+          <p:cNvCxnSpPr>
+            <a:cxnSpLocks/>
+          </p:cNvCxnSpPr>
+          <p:nvPr/>
+        </p:nvCxnSpPr>
+        <p:spPr>
+          <a:xfrm flipH="1" flipV="1">
+            <a:off x="6562904" y="727889"/>
+            <a:ext cx="431056" cy="185805"/>
+          </a:xfrm>
+          <a:prstGeom prst="line">
+            <a:avLst/>
+          </a:prstGeom>
+          <a:ln w="19050">
+            <a:solidFill>
+              <a:schemeClr val="bg2">
+                <a:lumMod val="10000"/>
+              </a:schemeClr>
+            </a:solidFill>
+          </a:ln>
+        </p:spPr>
+        <p:style>
+          <a:lnRef idx="1">
+            <a:schemeClr val="accent1"/>
+          </a:lnRef>
+          <a:fillRef idx="0">
+            <a:schemeClr val="accent1"/>
+          </a:fillRef>
+          <a:effectRef idx="0">
+            <a:schemeClr val="accent1"/>
+          </a:effectRef>
+          <a:fontRef idx="minor">
+            <a:schemeClr val="tx1"/>
+          </a:fontRef>
+        </p:style>
+      </p:cxnSp>
+      <p:sp>
+        <p:nvSpPr>
+          <p:cNvPr id="56" name="楕円 55">
+            <a:extLst>
+              <a:ext uri="{FF2B5EF4-FFF2-40B4-BE49-F238E27FC236}">
+                <a16:creationId xmlns:a16="http://schemas.microsoft.com/office/drawing/2014/main" id="{6F64983C-8A89-4E4D-8122-0AD058935A51}"/>
               </a:ext>
             </a:extLst>
           </p:cNvPr>
@@ -20187,7 +25050,7 @@
         </p:nvSpPr>
         <p:spPr>
           <a:xfrm flipV="1">
-            <a:off x="1650137" y="5831496"/>
+            <a:off x="6947528" y="867584"/>
             <a:ext cx="176092" cy="182966"/>
           </a:xfrm>
           <a:prstGeom prst="ellipse">
@@ -20227,10 +25090,10 @@
       </p:sp>
       <p:sp>
         <p:nvSpPr>
-          <p:cNvPr id="60" name="楕円 59">
-            <a:extLst>
-              <a:ext uri="{FF2B5EF4-FFF2-40B4-BE49-F238E27FC236}">
-                <a16:creationId xmlns:a16="http://schemas.microsoft.com/office/drawing/2014/main" id="{F7B24578-941C-439B-B7BC-DD87230A0A2E}"/>
+          <p:cNvPr id="57" name="楕円 56">
+            <a:extLst>
+              <a:ext uri="{FF2B5EF4-FFF2-40B4-BE49-F238E27FC236}">
+                <a16:creationId xmlns:a16="http://schemas.microsoft.com/office/drawing/2014/main" id="{F4F8F858-C738-46FB-9F0D-CEC6F20372E8}"/>
               </a:ext>
             </a:extLst>
           </p:cNvPr>
@@ -20239,7 +25102,7 @@
         </p:nvSpPr>
         <p:spPr>
           <a:xfrm flipV="1">
-            <a:off x="2345331" y="6265054"/>
+            <a:off x="6386812" y="867239"/>
             <a:ext cx="176092" cy="182966"/>
           </a:xfrm>
           <a:prstGeom prst="ellipse">
@@ -20279,10 +25142,10 @@
       </p:sp>
       <p:sp>
         <p:nvSpPr>
-          <p:cNvPr id="7" name="楕円 6">
-            <a:extLst>
-              <a:ext uri="{FF2B5EF4-FFF2-40B4-BE49-F238E27FC236}">
-                <a16:creationId xmlns:a16="http://schemas.microsoft.com/office/drawing/2014/main" id="{3B110D3F-0631-4A34-B34D-A3A8EAD6EF60}"/>
+          <p:cNvPr id="4" name="楕円 3">
+            <a:extLst>
+              <a:ext uri="{FF2B5EF4-FFF2-40B4-BE49-F238E27FC236}">
+                <a16:creationId xmlns:a16="http://schemas.microsoft.com/office/drawing/2014/main" id="{EAC14F3B-5816-4EA6-9790-4FCAEA737CC6}"/>
               </a:ext>
             </a:extLst>
           </p:cNvPr>
@@ -20290,9 +25153,9 @@
           <p:nvPr/>
         </p:nvSpPr>
         <p:spPr>
-          <a:xfrm>
-            <a:off x="641599" y="1494126"/>
-            <a:ext cx="2667209" cy="2738509"/>
+          <a:xfrm flipV="1">
+            <a:off x="6588189" y="161908"/>
+            <a:ext cx="347597" cy="352946"/>
           </a:xfrm>
           <a:prstGeom prst="ellipse">
             <a:avLst/>
@@ -20302,11 +25165,8 @@
           </a:solidFill>
           <a:ln w="28575">
             <a:solidFill>
-              <a:schemeClr val="bg2">
-                <a:lumMod val="10000"/>
-              </a:schemeClr>
-            </a:solidFill>
-            <a:prstDash val="dash"/>
+              <a:schemeClr val="tx1"/>
+            </a:solidFill>
           </a:ln>
         </p:spPr>
         <p:style>
@@ -20334,160 +25194,102 @@
           </a:p>
         </p:txBody>
       </p:sp>
-      <p:sp>
-        <p:nvSpPr>
-          <p:cNvPr id="19" name="テキスト ボックス 18">
-            <a:extLst>
-              <a:ext uri="{FF2B5EF4-FFF2-40B4-BE49-F238E27FC236}">
-                <a16:creationId xmlns:a16="http://schemas.microsoft.com/office/drawing/2014/main" id="{85302768-A1F9-4CD9-A0E3-A11DE63CA098}"/>
-              </a:ext>
-            </a:extLst>
-          </p:cNvPr>
-          <p:cNvSpPr txBox="1"/>
-          <p:nvPr/>
-        </p:nvSpPr>
-        <p:spPr>
-          <a:xfrm>
-            <a:off x="7623080" y="6326358"/>
-            <a:ext cx="570990" cy="461665"/>
-          </a:xfrm>
-          <a:prstGeom prst="rect">
-            <a:avLst/>
-          </a:prstGeom>
-          <a:noFill/>
-        </p:spPr>
-        <p:txBody>
-          <a:bodyPr wrap="none" rtlCol="0">
-            <a:spAutoFit/>
-          </a:bodyPr>
-          <a:lstStyle/>
-          <a:p>
-            <a:r>
-              <a:rPr kumimoji="1" lang="ja-JP" altLang="en-US" sz="2400" b="1" dirty="0">
-                <a:latin typeface="Georgia" panose="02040502050405020303" pitchFamily="18" charset="0"/>
-              </a:rPr>
-              <a:t>イ </a:t>
-            </a:r>
-          </a:p>
-        </p:txBody>
-      </p:sp>
-      <p:sp>
-        <p:nvSpPr>
-          <p:cNvPr id="20" name="テキスト ボックス 19">
-            <a:extLst>
-              <a:ext uri="{FF2B5EF4-FFF2-40B4-BE49-F238E27FC236}">
-                <a16:creationId xmlns:a16="http://schemas.microsoft.com/office/drawing/2014/main" id="{717BE03C-CB30-4BDE-AEBF-A8972D86E172}"/>
-              </a:ext>
-            </a:extLst>
-          </p:cNvPr>
-          <p:cNvSpPr txBox="1"/>
-          <p:nvPr/>
-        </p:nvSpPr>
-        <p:spPr>
-          <a:xfrm>
-            <a:off x="2545980" y="5371727"/>
-            <a:ext cx="492443" cy="461665"/>
-          </a:xfrm>
-          <a:prstGeom prst="rect">
-            <a:avLst/>
-          </a:prstGeom>
-          <a:noFill/>
-        </p:spPr>
-        <p:txBody>
-          <a:bodyPr wrap="none" rtlCol="0">
-            <a:spAutoFit/>
-          </a:bodyPr>
-          <a:lstStyle/>
-          <a:p>
-            <a:r>
-              <a:rPr kumimoji="1" lang="ja-JP" altLang="en-US" sz="2400" b="1" dirty="0">
-                <a:latin typeface="Georgia" panose="02040502050405020303" pitchFamily="18" charset="0"/>
-              </a:rPr>
-              <a:t>１</a:t>
-            </a:r>
-          </a:p>
-        </p:txBody>
-      </p:sp>
-      <p:sp>
-        <p:nvSpPr>
-          <p:cNvPr id="22" name="テキスト ボックス 21">
-            <a:extLst>
-              <a:ext uri="{FF2B5EF4-FFF2-40B4-BE49-F238E27FC236}">
-                <a16:creationId xmlns:a16="http://schemas.microsoft.com/office/drawing/2014/main" id="{2C46EEC2-48D6-4BF1-A8A0-1557EBB31F79}"/>
-              </a:ext>
-            </a:extLst>
-          </p:cNvPr>
-          <p:cNvSpPr txBox="1"/>
-          <p:nvPr/>
-        </p:nvSpPr>
-        <p:spPr>
-          <a:xfrm>
-            <a:off x="6786349" y="6136837"/>
-            <a:ext cx="613925" cy="461665"/>
-          </a:xfrm>
-          <a:prstGeom prst="rect">
-            <a:avLst/>
-          </a:prstGeom>
-          <a:noFill/>
-        </p:spPr>
-        <p:txBody>
-          <a:bodyPr wrap="square" rtlCol="0">
-            <a:spAutoFit/>
-          </a:bodyPr>
-          <a:lstStyle/>
-          <a:p>
-            <a:r>
-              <a:rPr kumimoji="1" lang="ja-JP" altLang="en-US" sz="2400" b="1" dirty="0">
-                <a:latin typeface="Georgia" panose="02040502050405020303" pitchFamily="18" charset="0"/>
-              </a:rPr>
-              <a:t>３</a:t>
-            </a:r>
-          </a:p>
-        </p:txBody>
-      </p:sp>
-      <p:sp>
-        <p:nvSpPr>
-          <p:cNvPr id="34" name="テキスト ボックス 33">
-            <a:extLst>
-              <a:ext uri="{FF2B5EF4-FFF2-40B4-BE49-F238E27FC236}">
-                <a16:creationId xmlns:a16="http://schemas.microsoft.com/office/drawing/2014/main" id="{D587C114-9690-4E7A-B5AD-BF70E45EE3E1}"/>
-              </a:ext>
-            </a:extLst>
-          </p:cNvPr>
-          <p:cNvSpPr txBox="1"/>
-          <p:nvPr/>
-        </p:nvSpPr>
-        <p:spPr>
-          <a:xfrm>
-            <a:off x="1025053" y="5694043"/>
-            <a:ext cx="613925" cy="461665"/>
-          </a:xfrm>
-          <a:prstGeom prst="rect">
-            <a:avLst/>
-          </a:prstGeom>
-          <a:noFill/>
-        </p:spPr>
-        <p:txBody>
-          <a:bodyPr wrap="square" rtlCol="0">
-            <a:spAutoFit/>
-          </a:bodyPr>
-          <a:lstStyle/>
-          <a:p>
-            <a:r>
-              <a:rPr kumimoji="1" lang="ja-JP" altLang="en-US" sz="2400" b="1" dirty="0">
-                <a:latin typeface="Georgia" panose="02040502050405020303" pitchFamily="18" charset="0"/>
-              </a:rPr>
-              <a:t>０</a:t>
-            </a:r>
-          </a:p>
-        </p:txBody>
-      </p:sp>
-      <p:sp>
-        <p:nvSpPr>
-          <p:cNvPr id="38" name="楕円 37">
-            <a:extLst>
-              <a:ext uri="{FF2B5EF4-FFF2-40B4-BE49-F238E27FC236}">
-                <a16:creationId xmlns:a16="http://schemas.microsoft.com/office/drawing/2014/main" id="{A3B79198-6999-4603-B62D-81F32C9C9A1A}"/>
+      <p:cxnSp>
+        <p:nvCxnSpPr>
+          <p:cNvPr id="64" name="直線コネクタ 63">
+            <a:extLst>
+              <a:ext uri="{FF2B5EF4-FFF2-40B4-BE49-F238E27FC236}">
+                <a16:creationId xmlns:a16="http://schemas.microsoft.com/office/drawing/2014/main" id="{4D658397-2C4B-4000-8063-9848F82650BA}"/>
+              </a:ext>
+            </a:extLst>
+          </p:cNvPr>
+          <p:cNvCxnSpPr>
+            <a:cxnSpLocks/>
+          </p:cNvCxnSpPr>
+          <p:nvPr/>
+        </p:nvCxnSpPr>
+        <p:spPr>
+          <a:xfrm flipV="1">
+            <a:off x="6877076" y="5229576"/>
+            <a:ext cx="0" cy="554960"/>
+          </a:xfrm>
+          <a:prstGeom prst="line">
+            <a:avLst/>
+          </a:prstGeom>
+          <a:ln w="57150">
+            <a:solidFill>
+              <a:schemeClr val="bg2">
+                <a:lumMod val="10000"/>
+              </a:schemeClr>
+            </a:solidFill>
+          </a:ln>
+        </p:spPr>
+        <p:style>
+          <a:lnRef idx="1">
+            <a:schemeClr val="accent1"/>
+          </a:lnRef>
+          <a:fillRef idx="0">
+            <a:schemeClr val="accent1"/>
+          </a:fillRef>
+          <a:effectRef idx="0">
+            <a:schemeClr val="accent1"/>
+          </a:effectRef>
+          <a:fontRef idx="minor">
+            <a:schemeClr val="tx1"/>
+          </a:fontRef>
+        </p:style>
+      </p:cxnSp>
+      <p:cxnSp>
+        <p:nvCxnSpPr>
+          <p:cNvPr id="66" name="直線コネクタ 65">
+            <a:extLst>
+              <a:ext uri="{FF2B5EF4-FFF2-40B4-BE49-F238E27FC236}">
+                <a16:creationId xmlns:a16="http://schemas.microsoft.com/office/drawing/2014/main" id="{F9F57985-8243-4B72-9226-BFAD4CE2DEEC}"/>
+              </a:ext>
+            </a:extLst>
+          </p:cNvPr>
+          <p:cNvCxnSpPr>
+            <a:cxnSpLocks/>
+          </p:cNvCxnSpPr>
+          <p:nvPr/>
+        </p:nvCxnSpPr>
+        <p:spPr>
+          <a:xfrm flipV="1">
+            <a:off x="7083321" y="5230829"/>
+            <a:ext cx="0" cy="554960"/>
+          </a:xfrm>
+          <a:prstGeom prst="line">
+            <a:avLst/>
+          </a:prstGeom>
+          <a:ln w="57150">
+            <a:solidFill>
+              <a:schemeClr val="bg2">
+                <a:lumMod val="10000"/>
+              </a:schemeClr>
+            </a:solidFill>
+          </a:ln>
+        </p:spPr>
+        <p:style>
+          <a:lnRef idx="1">
+            <a:schemeClr val="accent1"/>
+          </a:lnRef>
+          <a:fillRef idx="0">
+            <a:schemeClr val="accent1"/>
+          </a:fillRef>
+          <a:effectRef idx="0">
+            <a:schemeClr val="accent1"/>
+          </a:effectRef>
+          <a:fontRef idx="minor">
+            <a:schemeClr val="tx1"/>
+          </a:fontRef>
+        </p:style>
+      </p:cxnSp>
+      <p:sp>
+        <p:nvSpPr>
+          <p:cNvPr id="5" name="楕円 4">
+            <a:extLst>
+              <a:ext uri="{FF2B5EF4-FFF2-40B4-BE49-F238E27FC236}">
+                <a16:creationId xmlns:a16="http://schemas.microsoft.com/office/drawing/2014/main" id="{4542E235-6EE1-4DB0-BE9E-EE5CE07EC58A}"/>
               </a:ext>
             </a:extLst>
           </p:cNvPr>
@@ -20496,7 +25298,7 @@
         </p:nvSpPr>
         <p:spPr>
           <a:xfrm flipV="1">
-            <a:off x="8106024" y="5842629"/>
+            <a:off x="1301683" y="2347697"/>
             <a:ext cx="176092" cy="182966"/>
           </a:xfrm>
           <a:prstGeom prst="ellipse">
@@ -20536,10 +25338,10 @@
       </p:sp>
       <p:sp>
         <p:nvSpPr>
-          <p:cNvPr id="39" name="楕円 38">
-            <a:extLst>
-              <a:ext uri="{FF2B5EF4-FFF2-40B4-BE49-F238E27FC236}">
-                <a16:creationId xmlns:a16="http://schemas.microsoft.com/office/drawing/2014/main" id="{F62C84D7-884C-42FC-B21B-B5C316097192}"/>
+          <p:cNvPr id="6" name="楕円 5">
+            <a:extLst>
+              <a:ext uri="{FF2B5EF4-FFF2-40B4-BE49-F238E27FC236}">
+                <a16:creationId xmlns:a16="http://schemas.microsoft.com/office/drawing/2014/main" id="{630E7E12-91AA-49D1-96D5-8D8D3C17C1BA}"/>
               </a:ext>
             </a:extLst>
           </p:cNvPr>
@@ -20548,17 +25350,17 @@
         </p:nvSpPr>
         <p:spPr>
           <a:xfrm flipV="1">
-            <a:off x="7306347" y="5471271"/>
+            <a:off x="1301683" y="2836060"/>
             <a:ext cx="176092" cy="182966"/>
           </a:xfrm>
           <a:prstGeom prst="ellipse">
             <a:avLst/>
           </a:prstGeom>
-          <a:noFill/>
+          <a:solidFill>
+            <a:schemeClr val="tx1"/>
+          </a:solidFill>
           <a:ln w="28575">
-            <a:solidFill>
-              <a:schemeClr val="tx1"/>
-            </a:solidFill>
+            <a:noFill/>
           </a:ln>
         </p:spPr>
         <p:style>
@@ -20588,10 +25390,10 @@
       </p:sp>
       <p:sp>
         <p:nvSpPr>
-          <p:cNvPr id="40" name="楕円 39">
-            <a:extLst>
-              <a:ext uri="{FF2B5EF4-FFF2-40B4-BE49-F238E27FC236}">
-                <a16:creationId xmlns:a16="http://schemas.microsoft.com/office/drawing/2014/main" id="{C442249A-818F-4F60-A58B-38A92F32A832}"/>
+          <p:cNvPr id="7" name="楕円 6">
+            <a:extLst>
+              <a:ext uri="{FF2B5EF4-FFF2-40B4-BE49-F238E27FC236}">
+                <a16:creationId xmlns:a16="http://schemas.microsoft.com/office/drawing/2014/main" id="{3B110D3F-0631-4A34-B34D-A3A8EAD6EF60}"/>
               </a:ext>
             </a:extLst>
           </p:cNvPr>
@@ -20599,18 +25401,23 @@
           <p:nvPr/>
         </p:nvSpPr>
         <p:spPr>
-          <a:xfrm flipV="1">
-            <a:off x="7333360" y="6276187"/>
-            <a:ext cx="176092" cy="182966"/>
+          <a:xfrm>
+            <a:off x="3122033" y="1746609"/>
+            <a:ext cx="1943891" cy="1922693"/>
           </a:xfrm>
           <a:prstGeom prst="ellipse">
             <a:avLst/>
           </a:prstGeom>
-          <a:noFill/>
+          <a:solidFill>
+            <a:schemeClr val="bg1"/>
+          </a:solidFill>
           <a:ln w="28575">
             <a:solidFill>
-              <a:schemeClr val="tx1"/>
-            </a:solidFill>
+              <a:schemeClr val="bg2">
+                <a:lumMod val="10000"/>
+              </a:schemeClr>
+            </a:solidFill>
+            <a:prstDash val="dash"/>
           </a:ln>
         </p:spPr>
         <p:style>
@@ -20640,264 +25447,32 @@
       </p:sp>
       <p:sp>
         <p:nvSpPr>
-          <p:cNvPr id="41" name="テキスト ボックス 40">
-            <a:extLst>
-              <a:ext uri="{FF2B5EF4-FFF2-40B4-BE49-F238E27FC236}">
-                <a16:creationId xmlns:a16="http://schemas.microsoft.com/office/drawing/2014/main" id="{6CD88FDC-19FF-476A-AC05-9453235DACB4}"/>
-              </a:ext>
-            </a:extLst>
-          </p:cNvPr>
-          <p:cNvSpPr txBox="1"/>
-          <p:nvPr/>
-        </p:nvSpPr>
-        <p:spPr>
-          <a:xfrm>
-            <a:off x="6873657" y="5248207"/>
-            <a:ext cx="492443" cy="461665"/>
-          </a:xfrm>
-          <a:prstGeom prst="rect">
-            <a:avLst/>
-          </a:prstGeom>
-          <a:noFill/>
-        </p:spPr>
-        <p:txBody>
-          <a:bodyPr wrap="none" rtlCol="0">
-            <a:spAutoFit/>
-          </a:bodyPr>
-          <a:lstStyle/>
-          <a:p>
-            <a:r>
-              <a:rPr kumimoji="1" lang="ja-JP" altLang="en-US" sz="2400" b="1" dirty="0">
-                <a:latin typeface="Georgia" panose="02040502050405020303" pitchFamily="18" charset="0"/>
-              </a:rPr>
-              <a:t>１</a:t>
-            </a:r>
-          </a:p>
-        </p:txBody>
-      </p:sp>
-      <p:sp>
-        <p:nvSpPr>
-          <p:cNvPr id="42" name="テキスト ボックス 41">
-            <a:extLst>
-              <a:ext uri="{FF2B5EF4-FFF2-40B4-BE49-F238E27FC236}">
-                <a16:creationId xmlns:a16="http://schemas.microsoft.com/office/drawing/2014/main" id="{B2857C0C-5020-4605-B53C-FDFE484F7122}"/>
-              </a:ext>
-            </a:extLst>
-          </p:cNvPr>
-          <p:cNvSpPr txBox="1"/>
-          <p:nvPr/>
-        </p:nvSpPr>
-        <p:spPr>
-          <a:xfrm>
-            <a:off x="8249734" y="5803389"/>
-            <a:ext cx="613925" cy="461665"/>
-          </a:xfrm>
-          <a:prstGeom prst="rect">
-            <a:avLst/>
-          </a:prstGeom>
-          <a:noFill/>
-        </p:spPr>
-        <p:txBody>
-          <a:bodyPr wrap="square" rtlCol="0">
-            <a:spAutoFit/>
-          </a:bodyPr>
-          <a:lstStyle/>
-          <a:p>
-            <a:r>
-              <a:rPr kumimoji="1" lang="ja-JP" altLang="en-US" sz="2400" b="1" dirty="0">
-                <a:latin typeface="Georgia" panose="02040502050405020303" pitchFamily="18" charset="0"/>
-              </a:rPr>
-              <a:t>０</a:t>
-            </a:r>
-          </a:p>
-        </p:txBody>
-      </p:sp>
-      <p:sp>
-        <p:nvSpPr>
-          <p:cNvPr id="43" name="テキスト ボックス 42">
-            <a:extLst>
-              <a:ext uri="{FF2B5EF4-FFF2-40B4-BE49-F238E27FC236}">
-                <a16:creationId xmlns:a16="http://schemas.microsoft.com/office/drawing/2014/main" id="{B6BF9020-D1F5-4F44-B7F5-4CD668544052}"/>
-              </a:ext>
-            </a:extLst>
-          </p:cNvPr>
-          <p:cNvSpPr txBox="1"/>
-          <p:nvPr/>
-        </p:nvSpPr>
-        <p:spPr>
-          <a:xfrm>
-            <a:off x="2481898" y="6155708"/>
-            <a:ext cx="613925" cy="461665"/>
-          </a:xfrm>
-          <a:prstGeom prst="rect">
-            <a:avLst/>
-          </a:prstGeom>
-          <a:noFill/>
-        </p:spPr>
-        <p:txBody>
-          <a:bodyPr wrap="square" rtlCol="0">
-            <a:spAutoFit/>
-          </a:bodyPr>
-          <a:lstStyle/>
-          <a:p>
-            <a:r>
-              <a:rPr kumimoji="1" lang="ja-JP" altLang="en-US" sz="2400" b="1" dirty="0">
-                <a:latin typeface="Georgia" panose="02040502050405020303" pitchFamily="18" charset="0"/>
-              </a:rPr>
-              <a:t>３</a:t>
-            </a:r>
-          </a:p>
-        </p:txBody>
-      </p:sp>
-      <p:cxnSp>
-        <p:nvCxnSpPr>
-          <p:cNvPr id="47" name="直線コネクタ 46">
-            <a:extLst>
-              <a:ext uri="{FF2B5EF4-FFF2-40B4-BE49-F238E27FC236}">
-                <a16:creationId xmlns:a16="http://schemas.microsoft.com/office/drawing/2014/main" id="{755FF79D-D77A-4E2C-9465-E7F9EF3C78DC}"/>
-              </a:ext>
-            </a:extLst>
-          </p:cNvPr>
-          <p:cNvCxnSpPr>
-            <a:cxnSpLocks/>
-          </p:cNvCxnSpPr>
-          <p:nvPr/>
-        </p:nvCxnSpPr>
-        <p:spPr>
-          <a:xfrm flipH="1" flipV="1">
-            <a:off x="7517766" y="5522555"/>
-            <a:ext cx="676304" cy="320074"/>
-          </a:xfrm>
-          <a:prstGeom prst="line">
-            <a:avLst/>
-          </a:prstGeom>
-          <a:ln w="57150">
+          <p:cNvPr id="9" name="楕円 8">
+            <a:extLst>
+              <a:ext uri="{FF2B5EF4-FFF2-40B4-BE49-F238E27FC236}">
+                <a16:creationId xmlns:a16="http://schemas.microsoft.com/office/drawing/2014/main" id="{5F83C3E4-DD28-48F0-9CF1-131ACAD0A376}"/>
+              </a:ext>
+            </a:extLst>
+          </p:cNvPr>
+          <p:cNvSpPr/>
+          <p:nvPr/>
+        </p:nvSpPr>
+        <p:spPr>
+          <a:xfrm>
+            <a:off x="5912485" y="1746608"/>
+            <a:ext cx="1943891" cy="1922693"/>
+          </a:xfrm>
+          <a:prstGeom prst="ellipse">
+            <a:avLst/>
+          </a:prstGeom>
+          <a:solidFill>
+            <a:schemeClr val="bg1"/>
+          </a:solidFill>
+          <a:ln w="28575">
             <a:solidFill>
               <a:schemeClr val="bg2">
                 <a:lumMod val="10000"/>
               </a:schemeClr>
-            </a:solidFill>
-          </a:ln>
-        </p:spPr>
-        <p:style>
-          <a:lnRef idx="1">
-            <a:schemeClr val="accent1"/>
-          </a:lnRef>
-          <a:fillRef idx="0">
-            <a:schemeClr val="accent1"/>
-          </a:fillRef>
-          <a:effectRef idx="0">
-            <a:schemeClr val="accent1"/>
-          </a:effectRef>
-          <a:fontRef idx="minor">
-            <a:schemeClr val="tx1"/>
-          </a:fontRef>
-        </p:style>
-      </p:cxnSp>
-      <p:sp>
-        <p:nvSpPr>
-          <p:cNvPr id="59" name="テキスト ボックス 58">
-            <a:extLst>
-              <a:ext uri="{FF2B5EF4-FFF2-40B4-BE49-F238E27FC236}">
-                <a16:creationId xmlns:a16="http://schemas.microsoft.com/office/drawing/2014/main" id="{B6D073DF-5CFE-4F76-875A-22183B3B15AC}"/>
-              </a:ext>
-            </a:extLst>
-          </p:cNvPr>
-          <p:cNvSpPr txBox="1"/>
-          <p:nvPr/>
-        </p:nvSpPr>
-        <p:spPr>
-          <a:xfrm>
-            <a:off x="2212002" y="426444"/>
-            <a:ext cx="442750" cy="461665"/>
-          </a:xfrm>
-          <a:prstGeom prst="rect">
-            <a:avLst/>
-          </a:prstGeom>
-          <a:noFill/>
-        </p:spPr>
-        <p:txBody>
-          <a:bodyPr wrap="none" rtlCol="0">
-            <a:spAutoFit/>
-          </a:bodyPr>
-          <a:lstStyle/>
-          <a:p>
-            <a:r>
-              <a:rPr lang="en-US" altLang="ja-JP" sz="2400" b="1" dirty="0">
-                <a:latin typeface="Georgia" panose="02040502050405020303" pitchFamily="18" charset="0"/>
-              </a:rPr>
-              <a:t>N</a:t>
-            </a:r>
-            <a:endParaRPr kumimoji="1" lang="ja-JP" altLang="en-US" sz="2400" b="1" dirty="0">
-              <a:latin typeface="Georgia" panose="02040502050405020303" pitchFamily="18" charset="0"/>
-            </a:endParaRPr>
-          </a:p>
-        </p:txBody>
-      </p:sp>
-      <p:sp>
-        <p:nvSpPr>
-          <p:cNvPr id="62" name="テキスト ボックス 61">
-            <a:extLst>
-              <a:ext uri="{FF2B5EF4-FFF2-40B4-BE49-F238E27FC236}">
-                <a16:creationId xmlns:a16="http://schemas.microsoft.com/office/drawing/2014/main" id="{C597223E-4A96-43CD-B173-B1519D614EF1}"/>
-              </a:ext>
-            </a:extLst>
-          </p:cNvPr>
-          <p:cNvSpPr txBox="1"/>
-          <p:nvPr/>
-        </p:nvSpPr>
-        <p:spPr>
-          <a:xfrm>
-            <a:off x="1165002" y="471459"/>
-            <a:ext cx="396262" cy="461665"/>
-          </a:xfrm>
-          <a:prstGeom prst="rect">
-            <a:avLst/>
-          </a:prstGeom>
-          <a:noFill/>
-        </p:spPr>
-        <p:txBody>
-          <a:bodyPr wrap="none" rtlCol="0">
-            <a:spAutoFit/>
-          </a:bodyPr>
-          <a:lstStyle/>
-          <a:p>
-            <a:r>
-              <a:rPr lang="en-US" altLang="ja-JP" sz="2400" b="1" dirty="0">
-                <a:latin typeface="Georgia" panose="02040502050405020303" pitchFamily="18" charset="0"/>
-              </a:rPr>
-              <a:t>L</a:t>
-            </a:r>
-            <a:endParaRPr kumimoji="1" lang="ja-JP" altLang="en-US" sz="2400" b="1" dirty="0">
-              <a:latin typeface="Georgia" panose="02040502050405020303" pitchFamily="18" charset="0"/>
-            </a:endParaRPr>
-          </a:p>
-        </p:txBody>
-      </p:sp>
-      <p:sp>
-        <p:nvSpPr>
-          <p:cNvPr id="2" name="正方形/長方形 1">
-            <a:extLst>
-              <a:ext uri="{FF2B5EF4-FFF2-40B4-BE49-F238E27FC236}">
-                <a16:creationId xmlns:a16="http://schemas.microsoft.com/office/drawing/2014/main" id="{E1F045DB-DE58-4D52-B934-B7EEF9E208CD}"/>
-              </a:ext>
-            </a:extLst>
-          </p:cNvPr>
-          <p:cNvSpPr/>
-          <p:nvPr/>
-        </p:nvSpPr>
-        <p:spPr>
-          <a:xfrm>
-            <a:off x="3771298" y="1714874"/>
-            <a:ext cx="2475329" cy="2310370"/>
-          </a:xfrm>
-          <a:prstGeom prst="rect">
-            <a:avLst/>
-          </a:prstGeom>
-          <a:noFill/>
-          <a:ln w="28575">
-            <a:solidFill>
-              <a:schemeClr val="tx1"/>
             </a:solidFill>
             <a:prstDash val="dash"/>
           </a:ln>
@@ -20929,10 +25504,201 @@
       </p:sp>
       <p:sp>
         <p:nvSpPr>
-          <p:cNvPr id="33" name="楕円 32">
-            <a:extLst>
-              <a:ext uri="{FF2B5EF4-FFF2-40B4-BE49-F238E27FC236}">
-                <a16:creationId xmlns:a16="http://schemas.microsoft.com/office/drawing/2014/main" id="{A57367C7-59F6-4678-B4BE-DEBB72E03F5D}"/>
+          <p:cNvPr id="16" name="テキスト ボックス 15">
+            <a:extLst>
+              <a:ext uri="{FF2B5EF4-FFF2-40B4-BE49-F238E27FC236}">
+                <a16:creationId xmlns:a16="http://schemas.microsoft.com/office/drawing/2014/main" id="{11ABFD26-0EEB-409A-AB57-C9147DB964C5}"/>
+              </a:ext>
+            </a:extLst>
+          </p:cNvPr>
+          <p:cNvSpPr txBox="1"/>
+          <p:nvPr/>
+        </p:nvSpPr>
+        <p:spPr>
+          <a:xfrm>
+            <a:off x="7455676" y="5696010"/>
+            <a:ext cx="613925" cy="461665"/>
+          </a:xfrm>
+          <a:prstGeom prst="rect">
+            <a:avLst/>
+          </a:prstGeom>
+          <a:noFill/>
+        </p:spPr>
+        <p:txBody>
+          <a:bodyPr wrap="square" rtlCol="0">
+            <a:spAutoFit/>
+          </a:bodyPr>
+          <a:lstStyle/>
+          <a:p>
+            <a:r>
+              <a:rPr kumimoji="1" lang="en-US" altLang="ja-JP" sz="2400" b="1" dirty="0">
+                <a:latin typeface="Georgia" panose="02040502050405020303" pitchFamily="18" charset="0"/>
+              </a:rPr>
+              <a:t>2</a:t>
+            </a:r>
+            <a:endParaRPr kumimoji="1" lang="ja-JP" altLang="en-US" sz="2400" b="1" dirty="0">
+              <a:latin typeface="Georgia" panose="02040502050405020303" pitchFamily="18" charset="0"/>
+            </a:endParaRPr>
+          </a:p>
+        </p:txBody>
+      </p:sp>
+      <p:sp>
+        <p:nvSpPr>
+          <p:cNvPr id="20" name="テキスト ボックス 19">
+            <a:extLst>
+              <a:ext uri="{FF2B5EF4-FFF2-40B4-BE49-F238E27FC236}">
+                <a16:creationId xmlns:a16="http://schemas.microsoft.com/office/drawing/2014/main" id="{717BE03C-CB30-4BDE-AEBF-A8972D86E172}"/>
+              </a:ext>
+            </a:extLst>
+          </p:cNvPr>
+          <p:cNvSpPr txBox="1"/>
+          <p:nvPr/>
+        </p:nvSpPr>
+        <p:spPr>
+          <a:xfrm>
+            <a:off x="6508995" y="903302"/>
+            <a:ext cx="492443" cy="461665"/>
+          </a:xfrm>
+          <a:prstGeom prst="rect">
+            <a:avLst/>
+          </a:prstGeom>
+          <a:noFill/>
+        </p:spPr>
+        <p:txBody>
+          <a:bodyPr wrap="none" rtlCol="0">
+            <a:spAutoFit/>
+          </a:bodyPr>
+          <a:lstStyle/>
+          <a:p>
+            <a:r>
+              <a:rPr kumimoji="1" lang="ja-JP" altLang="en-US" sz="2400" b="1" dirty="0">
+                <a:latin typeface="Georgia" panose="02040502050405020303" pitchFamily="18" charset="0"/>
+              </a:rPr>
+              <a:t>イ</a:t>
+            </a:r>
+          </a:p>
+        </p:txBody>
+      </p:sp>
+      <p:sp>
+        <p:nvSpPr>
+          <p:cNvPr id="23" name="テキスト ボックス 22">
+            <a:extLst>
+              <a:ext uri="{FF2B5EF4-FFF2-40B4-BE49-F238E27FC236}">
+                <a16:creationId xmlns:a16="http://schemas.microsoft.com/office/drawing/2014/main" id="{2998232B-0DED-4BBB-8FE4-21473337C476}"/>
+              </a:ext>
+            </a:extLst>
+          </p:cNvPr>
+          <p:cNvSpPr txBox="1"/>
+          <p:nvPr/>
+        </p:nvSpPr>
+        <p:spPr>
+          <a:xfrm>
+            <a:off x="809240" y="2208347"/>
+            <a:ext cx="492443" cy="461665"/>
+          </a:xfrm>
+          <a:prstGeom prst="rect">
+            <a:avLst/>
+          </a:prstGeom>
+          <a:noFill/>
+        </p:spPr>
+        <p:txBody>
+          <a:bodyPr wrap="none" rtlCol="0">
+            <a:spAutoFit/>
+          </a:bodyPr>
+          <a:lstStyle/>
+          <a:p>
+            <a:r>
+              <a:rPr lang="ja-JP" altLang="en-US" sz="2400" b="1" dirty="0">
+                <a:latin typeface="Georgia" panose="02040502050405020303" pitchFamily="18" charset="0"/>
+              </a:rPr>
+              <a:t>白</a:t>
+            </a:r>
+            <a:endParaRPr kumimoji="1" lang="ja-JP" altLang="en-US" sz="2400" b="1" dirty="0">
+              <a:latin typeface="Georgia" panose="02040502050405020303" pitchFamily="18" charset="0"/>
+            </a:endParaRPr>
+          </a:p>
+        </p:txBody>
+      </p:sp>
+      <p:sp>
+        <p:nvSpPr>
+          <p:cNvPr id="24" name="テキスト ボックス 23">
+            <a:extLst>
+              <a:ext uri="{FF2B5EF4-FFF2-40B4-BE49-F238E27FC236}">
+                <a16:creationId xmlns:a16="http://schemas.microsoft.com/office/drawing/2014/main" id="{CAD876F1-1C0C-4045-B2A6-9488A827BDBD}"/>
+              </a:ext>
+            </a:extLst>
+          </p:cNvPr>
+          <p:cNvSpPr txBox="1"/>
+          <p:nvPr/>
+        </p:nvSpPr>
+        <p:spPr>
+          <a:xfrm>
+            <a:off x="800299" y="2707954"/>
+            <a:ext cx="492443" cy="461665"/>
+          </a:xfrm>
+          <a:prstGeom prst="rect">
+            <a:avLst/>
+          </a:prstGeom>
+          <a:noFill/>
+        </p:spPr>
+        <p:txBody>
+          <a:bodyPr wrap="none" rtlCol="0">
+            <a:spAutoFit/>
+          </a:bodyPr>
+          <a:lstStyle/>
+          <a:p>
+            <a:r>
+              <a:rPr kumimoji="1" lang="ja-JP" altLang="en-US" sz="2400" b="1" dirty="0">
+                <a:latin typeface="Georgia" panose="02040502050405020303" pitchFamily="18" charset="0"/>
+              </a:rPr>
+              <a:t>黒</a:t>
+            </a:r>
+          </a:p>
+        </p:txBody>
+      </p:sp>
+      <p:sp>
+        <p:nvSpPr>
+          <p:cNvPr id="2" name="テキスト ボックス 1">
+            <a:extLst>
+              <a:ext uri="{FF2B5EF4-FFF2-40B4-BE49-F238E27FC236}">
+                <a16:creationId xmlns:a16="http://schemas.microsoft.com/office/drawing/2014/main" id="{3BAA7CD5-5A36-45E7-8A9E-8452104EE84E}"/>
+              </a:ext>
+            </a:extLst>
+          </p:cNvPr>
+          <p:cNvSpPr txBox="1"/>
+          <p:nvPr/>
+        </p:nvSpPr>
+        <p:spPr>
+          <a:xfrm>
+            <a:off x="10223944" y="2482678"/>
+            <a:ext cx="492443" cy="461665"/>
+          </a:xfrm>
+          <a:prstGeom prst="rect">
+            <a:avLst/>
+          </a:prstGeom>
+          <a:noFill/>
+        </p:spPr>
+        <p:txBody>
+          <a:bodyPr wrap="none" rtlCol="0">
+            <a:spAutoFit/>
+          </a:bodyPr>
+          <a:lstStyle/>
+          <a:p>
+            <a:r>
+              <a:rPr kumimoji="1" lang="ja-JP" altLang="en-US" sz="2400" b="1" dirty="0">
+                <a:latin typeface="Georgia" panose="02040502050405020303" pitchFamily="18" charset="0"/>
+              </a:rPr>
+              <a:t>イ</a:t>
+            </a:r>
+          </a:p>
+        </p:txBody>
+      </p:sp>
+      <p:sp>
+        <p:nvSpPr>
+          <p:cNvPr id="3" name="楕円 2">
+            <a:extLst>
+              <a:ext uri="{FF2B5EF4-FFF2-40B4-BE49-F238E27FC236}">
+                <a16:creationId xmlns:a16="http://schemas.microsoft.com/office/drawing/2014/main" id="{CB003734-785B-4885-B625-31F194B279F2}"/>
               </a:ext>
             </a:extLst>
           </p:cNvPr>
@@ -20941,7 +25707,7 @@
         </p:nvSpPr>
         <p:spPr>
           <a:xfrm>
-            <a:off x="7712625" y="504387"/>
+            <a:off x="9437146" y="2183452"/>
             <a:ext cx="786798" cy="818707"/>
           </a:xfrm>
           <a:prstGeom prst="ellipse">
@@ -20979,67 +25745,57 @@
           <a:lstStyle/>
           <a:p>
             <a:pPr algn="ctr"/>
-            <a:r>
-              <a:rPr kumimoji="1" lang="en-US" altLang="ja-JP" sz="3600" dirty="0">
-                <a:solidFill>
-                  <a:schemeClr val="tx1"/>
-                </a:solidFill>
-                <a:latin typeface="+mn-ea"/>
+            <a:endParaRPr kumimoji="1" lang="ja-JP" altLang="en-US"/>
+          </a:p>
+        </p:txBody>
+      </p:sp>
+      <p:sp>
+        <p:nvSpPr>
+          <p:cNvPr id="8" name="テキスト ボックス 7">
+            <a:extLst>
+              <a:ext uri="{FF2B5EF4-FFF2-40B4-BE49-F238E27FC236}">
+                <a16:creationId xmlns:a16="http://schemas.microsoft.com/office/drawing/2014/main" id="{1E0AF941-4756-4A0D-BEAD-851DF1A9F734}"/>
+              </a:ext>
+            </a:extLst>
+          </p:cNvPr>
+          <p:cNvSpPr txBox="1"/>
+          <p:nvPr/>
+        </p:nvSpPr>
+        <p:spPr>
+          <a:xfrm>
+            <a:off x="9544844" y="2198726"/>
+            <a:ext cx="535724" cy="769441"/>
+          </a:xfrm>
+          <a:prstGeom prst="rect">
+            <a:avLst/>
+          </a:prstGeom>
+          <a:noFill/>
+        </p:spPr>
+        <p:txBody>
+          <a:bodyPr wrap="none" rtlCol="0">
+            <a:spAutoFit/>
+          </a:bodyPr>
+          <a:lstStyle/>
+          <a:p>
+            <a:r>
+              <a:rPr kumimoji="1" lang="en-US" altLang="ja-JP" sz="4400" dirty="0">
+                <a:latin typeface="Cambria Math" panose="02040503050406030204" pitchFamily="18" charset="0"/>
+                <a:ea typeface="Cambria Math" panose="02040503050406030204" pitchFamily="18" charset="0"/>
               </a:rPr>
               <a:t>R</a:t>
             </a:r>
-            <a:endParaRPr kumimoji="1" lang="ja-JP" altLang="en-US" sz="3600" dirty="0">
-              <a:solidFill>
-                <a:schemeClr val="tx1"/>
-              </a:solidFill>
-              <a:latin typeface="+mn-ea"/>
+            <a:endParaRPr kumimoji="1" lang="ja-JP" altLang="en-US" sz="4400" dirty="0">
+              <a:latin typeface="Cambria Math" panose="02040503050406030204" pitchFamily="18" charset="0"/>
             </a:endParaRPr>
           </a:p>
         </p:txBody>
       </p:sp>
       <p:sp>
         <p:nvSpPr>
-          <p:cNvPr id="36" name="テキスト ボックス 35">
-            <a:extLst>
-              <a:ext uri="{FF2B5EF4-FFF2-40B4-BE49-F238E27FC236}">
-                <a16:creationId xmlns:a16="http://schemas.microsoft.com/office/drawing/2014/main" id="{9F387A9B-0B18-4A08-811A-25BF24578311}"/>
-              </a:ext>
-            </a:extLst>
-          </p:cNvPr>
-          <p:cNvSpPr txBox="1"/>
-          <p:nvPr/>
-        </p:nvSpPr>
-        <p:spPr>
-          <a:xfrm>
-            <a:off x="5433760" y="6202303"/>
-            <a:ext cx="613925" cy="461665"/>
-          </a:xfrm>
-          <a:prstGeom prst="rect">
-            <a:avLst/>
-          </a:prstGeom>
-          <a:noFill/>
-        </p:spPr>
-        <p:txBody>
-          <a:bodyPr wrap="square" rtlCol="0">
-            <a:spAutoFit/>
-          </a:bodyPr>
-          <a:lstStyle/>
-          <a:p>
-            <a:r>
-              <a:rPr kumimoji="1" lang="ja-JP" altLang="en-US" sz="2400" b="1" dirty="0">
-                <a:latin typeface="Georgia" panose="02040502050405020303" pitchFamily="18" charset="0"/>
-              </a:rPr>
-              <a:t>３</a:t>
-            </a:r>
-          </a:p>
-        </p:txBody>
-      </p:sp>
-      <p:sp>
-        <p:nvSpPr>
-          <p:cNvPr id="50" name="楕円 49">
-            <a:extLst>
-              <a:ext uri="{FF2B5EF4-FFF2-40B4-BE49-F238E27FC236}">
-                <a16:creationId xmlns:a16="http://schemas.microsoft.com/office/drawing/2014/main" id="{0E6AE58C-B8AE-4BBF-A398-08B7B1C8BBBA}"/>
+          <p:cNvPr id="40" name="楕円 39">
+            <a:extLst>
+              <a:ext uri="{FF2B5EF4-FFF2-40B4-BE49-F238E27FC236}">
+                <a16:creationId xmlns:a16="http://schemas.microsoft.com/office/drawing/2014/main" id="{1A8B9F64-49EE-4937-A333-1C8B2735E22C}"/>
               </a:ext>
             </a:extLst>
           </p:cNvPr>
@@ -21047,17 +25803,21 @@
           <p:nvPr/>
         </p:nvSpPr>
         <p:spPr>
-          <a:xfrm flipV="1">
-            <a:off x="4316579" y="5464546"/>
-            <a:ext cx="176092" cy="182966"/>
+          <a:xfrm>
+            <a:off x="3720066" y="5229576"/>
+            <a:ext cx="786798" cy="736573"/>
           </a:xfrm>
           <a:prstGeom prst="ellipse">
             <a:avLst/>
           </a:prstGeom>
-          <a:noFill/>
-          <a:ln w="28575">
-            <a:solidFill>
-              <a:schemeClr val="tx1"/>
+          <a:solidFill>
+            <a:schemeClr val="bg1"/>
+          </a:solidFill>
+          <a:ln w="38100">
+            <a:solidFill>
+              <a:schemeClr val="bg2">
+                <a:lumMod val="10000"/>
+              </a:schemeClr>
             </a:solidFill>
           </a:ln>
         </p:spPr>
@@ -21086,193 +25846,12 @@
           </a:p>
         </p:txBody>
       </p:sp>
-      <p:sp>
-        <p:nvSpPr>
-          <p:cNvPr id="51" name="楕円 50">
-            <a:extLst>
-              <a:ext uri="{FF2B5EF4-FFF2-40B4-BE49-F238E27FC236}">
-                <a16:creationId xmlns:a16="http://schemas.microsoft.com/office/drawing/2014/main" id="{51D120D4-9BB6-4405-B9B8-394F9DF7DD75}"/>
-              </a:ext>
-            </a:extLst>
-          </p:cNvPr>
-          <p:cNvSpPr/>
-          <p:nvPr/>
-        </p:nvSpPr>
-        <p:spPr>
-          <a:xfrm flipV="1">
-            <a:off x="5301693" y="5471271"/>
-            <a:ext cx="176092" cy="182966"/>
-          </a:xfrm>
-          <a:prstGeom prst="ellipse">
-            <a:avLst/>
-          </a:prstGeom>
-          <a:noFill/>
-          <a:ln w="28575">
-            <a:solidFill>
-              <a:schemeClr val="tx1"/>
-            </a:solidFill>
-          </a:ln>
-        </p:spPr>
-        <p:style>
-          <a:lnRef idx="2">
-            <a:schemeClr val="accent1">
-              <a:shade val="50000"/>
-            </a:schemeClr>
-          </a:lnRef>
-          <a:fillRef idx="1">
-            <a:schemeClr val="accent1"/>
-          </a:fillRef>
-          <a:effectRef idx="0">
-            <a:schemeClr val="accent1"/>
-          </a:effectRef>
-          <a:fontRef idx="minor">
-            <a:schemeClr val="lt1"/>
-          </a:fontRef>
-        </p:style>
-        <p:txBody>
-          <a:bodyPr rtlCol="0" anchor="ctr"/>
-          <a:lstStyle/>
-          <a:p>
-            <a:pPr algn="ctr"/>
-            <a:endParaRPr kumimoji="1" lang="ja-JP" altLang="en-US"/>
-          </a:p>
-        </p:txBody>
-      </p:sp>
-      <p:sp>
-        <p:nvSpPr>
-          <p:cNvPr id="53" name="楕円 52">
-            <a:extLst>
-              <a:ext uri="{FF2B5EF4-FFF2-40B4-BE49-F238E27FC236}">
-                <a16:creationId xmlns:a16="http://schemas.microsoft.com/office/drawing/2014/main" id="{2EA199F2-CF06-4564-A1F0-15043C763B27}"/>
-              </a:ext>
-            </a:extLst>
-          </p:cNvPr>
-          <p:cNvSpPr/>
-          <p:nvPr/>
-        </p:nvSpPr>
-        <p:spPr>
-          <a:xfrm flipV="1">
-            <a:off x="5309852" y="6276187"/>
-            <a:ext cx="176092" cy="182966"/>
-          </a:xfrm>
-          <a:prstGeom prst="ellipse">
-            <a:avLst/>
-          </a:prstGeom>
-          <a:noFill/>
-          <a:ln w="28575">
-            <a:solidFill>
-              <a:schemeClr val="tx1"/>
-            </a:solidFill>
-          </a:ln>
-        </p:spPr>
-        <p:style>
-          <a:lnRef idx="2">
-            <a:schemeClr val="accent1">
-              <a:shade val="50000"/>
-            </a:schemeClr>
-          </a:lnRef>
-          <a:fillRef idx="1">
-            <a:schemeClr val="accent1"/>
-          </a:fillRef>
-          <a:effectRef idx="0">
-            <a:schemeClr val="accent1"/>
-          </a:effectRef>
-          <a:fontRef idx="minor">
-            <a:schemeClr val="lt1"/>
-          </a:fontRef>
-        </p:style>
-        <p:txBody>
-          <a:bodyPr rtlCol="0" anchor="ctr"/>
-          <a:lstStyle/>
-          <a:p>
-            <a:pPr algn="ctr"/>
-            <a:endParaRPr kumimoji="1" lang="ja-JP" altLang="en-US"/>
-          </a:p>
-        </p:txBody>
-      </p:sp>
-      <p:sp>
-        <p:nvSpPr>
-          <p:cNvPr id="54" name="テキスト ボックス 53">
-            <a:extLst>
-              <a:ext uri="{FF2B5EF4-FFF2-40B4-BE49-F238E27FC236}">
-                <a16:creationId xmlns:a16="http://schemas.microsoft.com/office/drawing/2014/main" id="{BA1E2811-B16C-4689-AF90-13ED22539C0E}"/>
-              </a:ext>
-            </a:extLst>
-          </p:cNvPr>
-          <p:cNvSpPr txBox="1"/>
-          <p:nvPr/>
-        </p:nvSpPr>
-        <p:spPr>
-          <a:xfrm>
-            <a:off x="5471150" y="5268933"/>
-            <a:ext cx="492443" cy="461665"/>
-          </a:xfrm>
-          <a:prstGeom prst="rect">
-            <a:avLst/>
-          </a:prstGeom>
-          <a:noFill/>
-        </p:spPr>
-        <p:txBody>
-          <a:bodyPr wrap="none" rtlCol="0">
-            <a:spAutoFit/>
-          </a:bodyPr>
-          <a:lstStyle/>
-          <a:p>
-            <a:r>
-              <a:rPr kumimoji="1" lang="ja-JP" altLang="en-US" sz="2400" b="1" dirty="0">
-                <a:latin typeface="Georgia" panose="02040502050405020303" pitchFamily="18" charset="0"/>
-              </a:rPr>
-              <a:t>１</a:t>
-            </a:r>
-          </a:p>
-        </p:txBody>
-      </p:sp>
-      <p:sp>
-        <p:nvSpPr>
-          <p:cNvPr id="58" name="テキスト ボックス 57">
-            <a:extLst>
-              <a:ext uri="{FF2B5EF4-FFF2-40B4-BE49-F238E27FC236}">
-                <a16:creationId xmlns:a16="http://schemas.microsoft.com/office/drawing/2014/main" id="{51C1CBDB-90FC-4542-B0FD-933A668C30D5}"/>
-              </a:ext>
-            </a:extLst>
-          </p:cNvPr>
-          <p:cNvSpPr txBox="1"/>
-          <p:nvPr/>
-        </p:nvSpPr>
-        <p:spPr>
-          <a:xfrm>
-            <a:off x="3839396" y="5331563"/>
-            <a:ext cx="613925" cy="461665"/>
-          </a:xfrm>
-          <a:prstGeom prst="rect">
-            <a:avLst/>
-          </a:prstGeom>
-          <a:noFill/>
-        </p:spPr>
-        <p:txBody>
-          <a:bodyPr wrap="square" rtlCol="0">
-            <a:spAutoFit/>
-          </a:bodyPr>
-          <a:lstStyle/>
-          <a:p>
-            <a:r>
-              <a:rPr lang="en-US" altLang="ja-JP" sz="2400" b="1" dirty="0">
-                <a:latin typeface="+mn-ea"/>
-              </a:rPr>
-              <a:t>2</a:t>
-            </a:r>
-            <a:endParaRPr kumimoji="1" lang="ja-JP" altLang="en-US" sz="2400" b="1" dirty="0">
-              <a:latin typeface="+mn-ea"/>
-            </a:endParaRPr>
-          </a:p>
-        </p:txBody>
-      </p:sp>
       <p:cxnSp>
         <p:nvCxnSpPr>
-          <p:cNvPr id="63" name="直線コネクタ 62">
-            <a:extLst>
-              <a:ext uri="{FF2B5EF4-FFF2-40B4-BE49-F238E27FC236}">
-                <a16:creationId xmlns:a16="http://schemas.microsoft.com/office/drawing/2014/main" id="{92474C64-50E3-4D44-AF1A-7DC1D9CBA9D7}"/>
+          <p:cNvPr id="41" name="直線コネクタ 40">
+            <a:extLst>
+              <a:ext uri="{FF2B5EF4-FFF2-40B4-BE49-F238E27FC236}">
+                <a16:creationId xmlns:a16="http://schemas.microsoft.com/office/drawing/2014/main" id="{4C216ED0-3ED0-4120-B606-2A044FBF4ED4}"/>
               </a:ext>
             </a:extLst>
           </p:cNvPr>
@@ -21283,8 +25862,8 @@
         </p:nvCxnSpPr>
         <p:spPr>
           <a:xfrm flipH="1" flipV="1">
-            <a:off x="4345241" y="5605954"/>
-            <a:ext cx="986772" cy="732934"/>
+            <a:off x="3827546" y="5797946"/>
+            <a:ext cx="571838" cy="345"/>
           </a:xfrm>
           <a:prstGeom prst="line">
             <a:avLst/>
@@ -21312,64 +25891,12 @@
           </a:fontRef>
         </p:style>
       </p:cxnSp>
-      <p:sp>
-        <p:nvSpPr>
-          <p:cNvPr id="64" name="楕円 63">
-            <a:extLst>
-              <a:ext uri="{FF2B5EF4-FFF2-40B4-BE49-F238E27FC236}">
-                <a16:creationId xmlns:a16="http://schemas.microsoft.com/office/drawing/2014/main" id="{CC331A1D-8DCA-4BA8-90B8-9DCC3392B5AC}"/>
-              </a:ext>
-            </a:extLst>
-          </p:cNvPr>
-          <p:cNvSpPr/>
-          <p:nvPr/>
-        </p:nvSpPr>
-        <p:spPr>
-          <a:xfrm flipV="1">
-            <a:off x="4292158" y="6295057"/>
-            <a:ext cx="176092" cy="182966"/>
-          </a:xfrm>
-          <a:prstGeom prst="ellipse">
-            <a:avLst/>
-          </a:prstGeom>
-          <a:noFill/>
-          <a:ln w="28575">
-            <a:solidFill>
-              <a:schemeClr val="tx1"/>
-            </a:solidFill>
-          </a:ln>
-        </p:spPr>
-        <p:style>
-          <a:lnRef idx="2">
-            <a:schemeClr val="accent1">
-              <a:shade val="50000"/>
-            </a:schemeClr>
-          </a:lnRef>
-          <a:fillRef idx="1">
-            <a:schemeClr val="accent1"/>
-          </a:fillRef>
-          <a:effectRef idx="0">
-            <a:schemeClr val="accent1"/>
-          </a:effectRef>
-          <a:fontRef idx="minor">
-            <a:schemeClr val="lt1"/>
-          </a:fontRef>
-        </p:style>
-        <p:txBody>
-          <a:bodyPr rtlCol="0" anchor="ctr"/>
-          <a:lstStyle/>
-          <a:p>
-            <a:pPr algn="ctr"/>
-            <a:endParaRPr kumimoji="1" lang="ja-JP" altLang="en-US"/>
-          </a:p>
-        </p:txBody>
-      </p:sp>
       <p:cxnSp>
         <p:nvCxnSpPr>
-          <p:cNvPr id="65" name="直線コネクタ 64">
-            <a:extLst>
-              <a:ext uri="{FF2B5EF4-FFF2-40B4-BE49-F238E27FC236}">
-                <a16:creationId xmlns:a16="http://schemas.microsoft.com/office/drawing/2014/main" id="{4289E5F4-26FF-4518-B229-840F9FCAF956}"/>
+          <p:cNvPr id="42" name="直線コネクタ 41">
+            <a:extLst>
+              <a:ext uri="{FF2B5EF4-FFF2-40B4-BE49-F238E27FC236}">
+                <a16:creationId xmlns:a16="http://schemas.microsoft.com/office/drawing/2014/main" id="{8CF98F51-54EA-4790-8D7A-4DB60B59A57B}"/>
               </a:ext>
             </a:extLst>
           </p:cNvPr>
@@ -21379,9 +25906,9 @@
           <p:nvPr/>
         </p:nvCxnSpPr>
         <p:spPr>
-          <a:xfrm flipH="1">
-            <a:off x="4333610" y="5593343"/>
-            <a:ext cx="1101120" cy="842236"/>
+          <a:xfrm flipV="1">
+            <a:off x="4008953" y="5229576"/>
+            <a:ext cx="0" cy="554960"/>
           </a:xfrm>
           <a:prstGeom prst="line">
             <a:avLst/>
@@ -21409,198 +25936,55 @@
           </a:fontRef>
         </p:style>
       </p:cxnSp>
-      <p:sp>
-        <p:nvSpPr>
-          <p:cNvPr id="66" name="テキスト ボックス 65">
-            <a:extLst>
-              <a:ext uri="{FF2B5EF4-FFF2-40B4-BE49-F238E27FC236}">
-                <a16:creationId xmlns:a16="http://schemas.microsoft.com/office/drawing/2014/main" id="{79E382B4-1689-458A-A5EA-F7C158E1EEC9}"/>
-              </a:ext>
-            </a:extLst>
-          </p:cNvPr>
-          <p:cNvSpPr txBox="1"/>
-          <p:nvPr/>
-        </p:nvSpPr>
-        <p:spPr>
-          <a:xfrm>
-            <a:off x="3820034" y="6198532"/>
-            <a:ext cx="613925" cy="461665"/>
-          </a:xfrm>
-          <a:prstGeom prst="rect">
-            <a:avLst/>
-          </a:prstGeom>
-          <a:noFill/>
-        </p:spPr>
-        <p:txBody>
-          <a:bodyPr wrap="square" rtlCol="0">
-            <a:spAutoFit/>
-          </a:bodyPr>
-          <a:lstStyle/>
-          <a:p>
-            <a:r>
-              <a:rPr kumimoji="1" lang="en-US" altLang="ja-JP" sz="2400" b="1" dirty="0">
-                <a:latin typeface="+mn-ea"/>
-              </a:rPr>
-              <a:t>4</a:t>
-            </a:r>
-            <a:endParaRPr kumimoji="1" lang="ja-JP" altLang="en-US" sz="2400" b="1" dirty="0">
-              <a:latin typeface="+mn-ea"/>
-            </a:endParaRPr>
-          </a:p>
-        </p:txBody>
-      </p:sp>
-      <p:sp>
-        <p:nvSpPr>
-          <p:cNvPr id="69" name="テキスト ボックス 68">
-            <a:extLst>
-              <a:ext uri="{FF2B5EF4-FFF2-40B4-BE49-F238E27FC236}">
-                <a16:creationId xmlns:a16="http://schemas.microsoft.com/office/drawing/2014/main" id="{C660B72D-A885-4C19-8986-25B03BD48A2F}"/>
-              </a:ext>
-            </a:extLst>
-          </p:cNvPr>
-          <p:cNvSpPr txBox="1"/>
-          <p:nvPr/>
-        </p:nvSpPr>
-        <p:spPr>
-          <a:xfrm>
-            <a:off x="4657929" y="6429364"/>
-            <a:ext cx="570990" cy="461665"/>
-          </a:xfrm>
-          <a:prstGeom prst="rect">
-            <a:avLst/>
-          </a:prstGeom>
-          <a:noFill/>
-        </p:spPr>
-        <p:txBody>
-          <a:bodyPr wrap="none" rtlCol="0">
-            <a:spAutoFit/>
-          </a:bodyPr>
-          <a:lstStyle/>
-          <a:p>
-            <a:r>
-              <a:rPr kumimoji="1" lang="ja-JP" altLang="en-US" sz="2400" b="1" dirty="0">
-                <a:latin typeface="Georgia" panose="02040502050405020303" pitchFamily="18" charset="0"/>
-              </a:rPr>
-              <a:t>イ </a:t>
-            </a:r>
-          </a:p>
-        </p:txBody>
-      </p:sp>
-      <p:sp>
-        <p:nvSpPr>
-          <p:cNvPr id="70" name="テキスト ボックス 69">
-            <a:extLst>
-              <a:ext uri="{FF2B5EF4-FFF2-40B4-BE49-F238E27FC236}">
-                <a16:creationId xmlns:a16="http://schemas.microsoft.com/office/drawing/2014/main" id="{A232B7DF-7609-4913-8F44-8398CA7AE264}"/>
-              </a:ext>
-            </a:extLst>
-          </p:cNvPr>
-          <p:cNvSpPr txBox="1"/>
-          <p:nvPr/>
-        </p:nvSpPr>
-        <p:spPr>
-          <a:xfrm>
-            <a:off x="1806262" y="6367755"/>
-            <a:ext cx="570990" cy="461665"/>
-          </a:xfrm>
-          <a:prstGeom prst="rect">
-            <a:avLst/>
-          </a:prstGeom>
-          <a:noFill/>
-        </p:spPr>
-        <p:txBody>
-          <a:bodyPr wrap="none" rtlCol="0">
-            <a:spAutoFit/>
-          </a:bodyPr>
-          <a:lstStyle/>
-          <a:p>
-            <a:r>
-              <a:rPr kumimoji="1" lang="ja-JP" altLang="en-US" sz="2400" b="1" dirty="0">
-                <a:latin typeface="Georgia" panose="02040502050405020303" pitchFamily="18" charset="0"/>
-              </a:rPr>
-              <a:t>イ </a:t>
-            </a:r>
-          </a:p>
-        </p:txBody>
-      </p:sp>
-      <p:sp>
-        <p:nvSpPr>
-          <p:cNvPr id="75" name="テキスト ボックス 74">
-            <a:extLst>
-              <a:ext uri="{FF2B5EF4-FFF2-40B4-BE49-F238E27FC236}">
-                <a16:creationId xmlns:a16="http://schemas.microsoft.com/office/drawing/2014/main" id="{382C0E3C-7C15-48EA-889E-0CA52E05B8BC}"/>
-              </a:ext>
-            </a:extLst>
-          </p:cNvPr>
-          <p:cNvSpPr txBox="1"/>
-          <p:nvPr/>
-        </p:nvSpPr>
-        <p:spPr>
-          <a:xfrm>
-            <a:off x="8574991" y="660596"/>
-            <a:ext cx="570990" cy="461665"/>
-          </a:xfrm>
-          <a:prstGeom prst="rect">
-            <a:avLst/>
-          </a:prstGeom>
-          <a:noFill/>
-        </p:spPr>
-        <p:txBody>
-          <a:bodyPr wrap="none" rtlCol="0">
-            <a:spAutoFit/>
-          </a:bodyPr>
-          <a:lstStyle/>
-          <a:p>
-            <a:r>
-              <a:rPr kumimoji="1" lang="ja-JP" altLang="en-US" sz="2400" b="1" dirty="0">
-                <a:latin typeface="Georgia" panose="02040502050405020303" pitchFamily="18" charset="0"/>
-              </a:rPr>
-              <a:t>イ </a:t>
-            </a:r>
-          </a:p>
-        </p:txBody>
-      </p:sp>
-      <p:sp>
-        <p:nvSpPr>
-          <p:cNvPr id="76" name="テキスト ボックス 75">
-            <a:extLst>
-              <a:ext uri="{FF2B5EF4-FFF2-40B4-BE49-F238E27FC236}">
-                <a16:creationId xmlns:a16="http://schemas.microsoft.com/office/drawing/2014/main" id="{BDE9EEA3-7B6F-45B8-AF6A-D5E642D0E619}"/>
-              </a:ext>
-            </a:extLst>
-          </p:cNvPr>
-          <p:cNvSpPr txBox="1"/>
-          <p:nvPr/>
-        </p:nvSpPr>
-        <p:spPr>
-          <a:xfrm>
-            <a:off x="5309852" y="566982"/>
-            <a:ext cx="570990" cy="461665"/>
-          </a:xfrm>
-          <a:prstGeom prst="rect">
-            <a:avLst/>
-          </a:prstGeom>
-          <a:noFill/>
-        </p:spPr>
-        <p:txBody>
-          <a:bodyPr wrap="none" rtlCol="0">
-            <a:spAutoFit/>
-          </a:bodyPr>
-          <a:lstStyle/>
-          <a:p>
-            <a:r>
-              <a:rPr kumimoji="1" lang="ja-JP" altLang="en-US" sz="2400" b="1" dirty="0">
-                <a:latin typeface="Georgia" panose="02040502050405020303" pitchFamily="18" charset="0"/>
-              </a:rPr>
-              <a:t>イ </a:t>
-            </a:r>
-          </a:p>
-        </p:txBody>
-      </p:sp>
+      <p:cxnSp>
+        <p:nvCxnSpPr>
+          <p:cNvPr id="43" name="直線コネクタ 42">
+            <a:extLst>
+              <a:ext uri="{FF2B5EF4-FFF2-40B4-BE49-F238E27FC236}">
+                <a16:creationId xmlns:a16="http://schemas.microsoft.com/office/drawing/2014/main" id="{12CAC96B-AB51-4330-9F64-BE4819430290}"/>
+              </a:ext>
+            </a:extLst>
+          </p:cNvPr>
+          <p:cNvCxnSpPr>
+            <a:cxnSpLocks/>
+          </p:cNvCxnSpPr>
+          <p:nvPr/>
+        </p:nvCxnSpPr>
+        <p:spPr>
+          <a:xfrm flipV="1">
+            <a:off x="4215198" y="5230829"/>
+            <a:ext cx="0" cy="554960"/>
+          </a:xfrm>
+          <a:prstGeom prst="line">
+            <a:avLst/>
+          </a:prstGeom>
+          <a:ln w="57150">
+            <a:solidFill>
+              <a:schemeClr val="bg2">
+                <a:lumMod val="10000"/>
+              </a:schemeClr>
+            </a:solidFill>
+          </a:ln>
+        </p:spPr>
+        <p:style>
+          <a:lnRef idx="1">
+            <a:schemeClr val="accent1"/>
+          </a:lnRef>
+          <a:fillRef idx="0">
+            <a:schemeClr val="accent1"/>
+          </a:fillRef>
+          <a:effectRef idx="0">
+            <a:schemeClr val="accent1"/>
+          </a:effectRef>
+          <a:fontRef idx="minor">
+            <a:schemeClr val="tx1"/>
+          </a:fontRef>
+        </p:style>
+      </p:cxnSp>
     </p:spTree>
     <p:extLst>
       <p:ext uri="{BB962C8B-B14F-4D97-AF65-F5344CB8AC3E}">
-        <p14:creationId xmlns:p14="http://schemas.microsoft.com/office/powerpoint/2010/main" val="1319647222"/>
+        <p14:creationId xmlns:p14="http://schemas.microsoft.com/office/powerpoint/2010/main" val="751085526"/>
       </p:ext>
     </p:extLst>
   </p:cSld>

--- a/algorithm/electricity/03_denki-koujishi/01_kakomon/R1_1/02_jitsugi/q09/a09.pptx
+++ b/algorithm/electricity/03_denki-koujishi/01_kakomon/R1_1/02_jitsugi/q09/a09.pptx
@@ -269,7 +269,7 @@
           <a:p>
             <a:fld id="{EA6D781E-2D27-4EF7-AFED-D0940E0D7738}" type="datetimeFigureOut">
               <a:rPr kumimoji="1" lang="ja-JP" altLang="en-US" smtClean="0"/>
-              <a:t>2020/11/23</a:t>
+              <a:t>2020/11/29</a:t>
             </a:fld>
             <a:endParaRPr kumimoji="1" lang="ja-JP" altLang="en-US"/>
           </a:p>
@@ -499,7 +499,7 @@
           <a:p>
             <a:fld id="{EA6D781E-2D27-4EF7-AFED-D0940E0D7738}" type="datetimeFigureOut">
               <a:rPr kumimoji="1" lang="ja-JP" altLang="en-US" smtClean="0"/>
-              <a:t>2020/11/23</a:t>
+              <a:t>2020/11/29</a:t>
             </a:fld>
             <a:endParaRPr kumimoji="1" lang="ja-JP" altLang="en-US"/>
           </a:p>
@@ -739,7 +739,7 @@
           <a:p>
             <a:fld id="{EA6D781E-2D27-4EF7-AFED-D0940E0D7738}" type="datetimeFigureOut">
               <a:rPr kumimoji="1" lang="ja-JP" altLang="en-US" smtClean="0"/>
-              <a:t>2020/11/23</a:t>
+              <a:t>2020/11/29</a:t>
             </a:fld>
             <a:endParaRPr kumimoji="1" lang="ja-JP" altLang="en-US"/>
           </a:p>
@@ -969,7 +969,7 @@
           <a:p>
             <a:fld id="{EA6D781E-2D27-4EF7-AFED-D0940E0D7738}" type="datetimeFigureOut">
               <a:rPr kumimoji="1" lang="ja-JP" altLang="en-US" smtClean="0"/>
-              <a:t>2020/11/23</a:t>
+              <a:t>2020/11/29</a:t>
             </a:fld>
             <a:endParaRPr kumimoji="1" lang="ja-JP" altLang="en-US"/>
           </a:p>
@@ -1244,7 +1244,7 @@
           <a:p>
             <a:fld id="{EA6D781E-2D27-4EF7-AFED-D0940E0D7738}" type="datetimeFigureOut">
               <a:rPr kumimoji="1" lang="ja-JP" altLang="en-US" smtClean="0"/>
-              <a:t>2020/11/23</a:t>
+              <a:t>2020/11/29</a:t>
             </a:fld>
             <a:endParaRPr kumimoji="1" lang="ja-JP" altLang="en-US"/>
           </a:p>
@@ -1573,7 +1573,7 @@
           <a:p>
             <a:fld id="{EA6D781E-2D27-4EF7-AFED-D0940E0D7738}" type="datetimeFigureOut">
               <a:rPr kumimoji="1" lang="ja-JP" altLang="en-US" smtClean="0"/>
-              <a:t>2020/11/23</a:t>
+              <a:t>2020/11/29</a:t>
             </a:fld>
             <a:endParaRPr kumimoji="1" lang="ja-JP" altLang="en-US"/>
           </a:p>
@@ -2049,7 +2049,7 @@
           <a:p>
             <a:fld id="{EA6D781E-2D27-4EF7-AFED-D0940E0D7738}" type="datetimeFigureOut">
               <a:rPr kumimoji="1" lang="ja-JP" altLang="en-US" smtClean="0"/>
-              <a:t>2020/11/23</a:t>
+              <a:t>2020/11/29</a:t>
             </a:fld>
             <a:endParaRPr kumimoji="1" lang="ja-JP" altLang="en-US"/>
           </a:p>
@@ -2190,7 +2190,7 @@
           <a:p>
             <a:fld id="{EA6D781E-2D27-4EF7-AFED-D0940E0D7738}" type="datetimeFigureOut">
               <a:rPr kumimoji="1" lang="ja-JP" altLang="en-US" smtClean="0"/>
-              <a:t>2020/11/23</a:t>
+              <a:t>2020/11/29</a:t>
             </a:fld>
             <a:endParaRPr kumimoji="1" lang="ja-JP" altLang="en-US"/>
           </a:p>
@@ -2303,7 +2303,7 @@
           <a:p>
             <a:fld id="{EA6D781E-2D27-4EF7-AFED-D0940E0D7738}" type="datetimeFigureOut">
               <a:rPr kumimoji="1" lang="ja-JP" altLang="en-US" smtClean="0"/>
-              <a:t>2020/11/23</a:t>
+              <a:t>2020/11/29</a:t>
             </a:fld>
             <a:endParaRPr kumimoji="1" lang="ja-JP" altLang="en-US"/>
           </a:p>
@@ -2646,7 +2646,7 @@
           <a:p>
             <a:fld id="{EA6D781E-2D27-4EF7-AFED-D0940E0D7738}" type="datetimeFigureOut">
               <a:rPr kumimoji="1" lang="ja-JP" altLang="en-US" smtClean="0"/>
-              <a:t>2020/11/23</a:t>
+              <a:t>2020/11/29</a:t>
             </a:fld>
             <a:endParaRPr kumimoji="1" lang="ja-JP" altLang="en-US"/>
           </a:p>
@@ -2934,7 +2934,7 @@
           <a:p>
             <a:fld id="{EA6D781E-2D27-4EF7-AFED-D0940E0D7738}" type="datetimeFigureOut">
               <a:rPr kumimoji="1" lang="ja-JP" altLang="en-US" smtClean="0"/>
-              <a:t>2020/11/23</a:t>
+              <a:t>2020/11/29</a:t>
             </a:fld>
             <a:endParaRPr kumimoji="1" lang="ja-JP" altLang="en-US"/>
           </a:p>
@@ -3207,7 +3207,7 @@
           <a:p>
             <a:fld id="{EA6D781E-2D27-4EF7-AFED-D0940E0D7738}" type="datetimeFigureOut">
               <a:rPr kumimoji="1" lang="ja-JP" altLang="en-US" smtClean="0"/>
-              <a:t>2020/11/23</a:t>
+              <a:t>2020/11/29</a:t>
             </a:fld>
             <a:endParaRPr kumimoji="1" lang="ja-JP" altLang="en-US"/>
           </a:p>
@@ -23132,7 +23132,7 @@
           </a:lstStyle>
           <a:p>
             <a:r>
-              <a:rPr kumimoji="1" lang="en-US" altLang="ja-JP" sz="2400" b="1" dirty="0">
+              <a:rPr kumimoji="1" lang="en-US" altLang="ja-JP" sz="2400" b="1">
                 <a:solidFill>
                   <a:schemeClr val="accent6">
                     <a:lumMod val="60000"/>
@@ -23141,8 +23141,17 @@
                 </a:solidFill>
                 <a:latin typeface="+mn-ea"/>
               </a:rPr>
-              <a:t>150</a:t>
-            </a:r>
+              <a:t>100</a:t>
+            </a:r>
+            <a:endParaRPr kumimoji="1" lang="en-US" altLang="ja-JP" sz="2400" b="1" dirty="0">
+              <a:solidFill>
+                <a:schemeClr val="accent6">
+                  <a:lumMod val="60000"/>
+                  <a:lumOff val="40000"/>
+                </a:schemeClr>
+              </a:solidFill>
+              <a:latin typeface="+mn-ea"/>
+            </a:endParaRPr>
           </a:p>
           <a:p>
             <a:r>
